--- a/docs/ics499_(Developer_Manual)_spring_24_alligators_learn_and_help.pptx
+++ b/docs/ics499_(Developer_Manual)_spring_24_alligators_learn_and_help.pptx
@@ -1,43 +1,47 @@
 
 <file path=ppt/presentation.xml><?xml version="1.0" encoding="utf-8"?>
-<p:presentation xmlns:a="http://schemas.openxmlformats.org/drawingml/2006/main" xmlns:r="http://schemas.openxmlformats.org/officeDocument/2006/relationships" xmlns:mc="http://schemas.openxmlformats.org/markup-compatibility/2006" xmlns:mv="urn:schemas-microsoft-com:mac:vml" xmlns:p="http://schemas.openxmlformats.org/presentationml/2006/main" xmlns:c="http://schemas.openxmlformats.org/drawingml/2006/chart" xmlns:dgm="http://schemas.openxmlformats.org/drawingml/2006/diagram" xmlns:o="urn:schemas-microsoft-com:office:office" xmlns:v="urn:schemas-microsoft-com:vml" xmlns:pvml="urn:schemas-microsoft-com:office:powerpoint" xmlns:com="http://schemas.openxmlformats.org/drawingml/2006/compatibility" xmlns:p14="http://schemas.microsoft.com/office/powerpoint/2010/main" xmlns:p15="http://schemas.microsoft.com/office/powerpoint/2012/main" xmlns:ahyp="http://schemas.microsoft.com/office/drawing/2018/hyperlinkcolor" autoCompressPictures="0" embedTrueTypeFonts="1" strictFirstAndLastChars="0" saveSubsetFonts="1">
+<p:presentation xmlns:a="http://schemas.openxmlformats.org/drawingml/2006/main" xmlns:r="http://schemas.openxmlformats.org/officeDocument/2006/relationships" xmlns:p="http://schemas.openxmlformats.org/presentationml/2006/main" strictFirstAndLastChars="0" embedTrueTypeFonts="1" saveSubsetFonts="1" autoCompressPictures="0">
   <p:sldMasterIdLst>
-    <p:sldMasterId id="2147483659" r:id="rId4"/>
+    <p:sldMasterId id="2147483659" r:id="rId1"/>
   </p:sldMasterIdLst>
   <p:notesMasterIdLst>
-    <p:notesMasterId r:id="rId5"/>
+    <p:notesMasterId r:id="rId15"/>
   </p:notesMasterIdLst>
   <p:sldIdLst>
-    <p:sldId id="256" r:id="rId6"/>
-    <p:sldId id="257" r:id="rId7"/>
-    <p:sldId id="258" r:id="rId8"/>
-    <p:sldId id="259" r:id="rId9"/>
-    <p:sldId id="260" r:id="rId10"/>
-    <p:sldId id="261" r:id="rId11"/>
-    <p:sldId id="262" r:id="rId12"/>
-    <p:sldId id="263" r:id="rId13"/>
+    <p:sldId id="256" r:id="rId2"/>
+    <p:sldId id="257" r:id="rId3"/>
+    <p:sldId id="258" r:id="rId4"/>
+    <p:sldId id="259" r:id="rId5"/>
+    <p:sldId id="260" r:id="rId6"/>
+    <p:sldId id="261" r:id="rId7"/>
+    <p:sldId id="262" r:id="rId8"/>
+    <p:sldId id="263" r:id="rId9"/>
+    <p:sldId id="268" r:id="rId10"/>
+    <p:sldId id="265" r:id="rId11"/>
+    <p:sldId id="266" r:id="rId12"/>
+    <p:sldId id="267" r:id="rId13"/>
     <p:sldId id="264" r:id="rId14"/>
   </p:sldIdLst>
-  <p:sldSz cy="5143500" cx="9144000"/>
+  <p:sldSz cx="9144000" cy="5143500" type="screen16x9"/>
   <p:notesSz cx="6858000" cy="9144000"/>
   <p:embeddedFontLst>
     <p:embeddedFont>
-      <p:font typeface="Montserrat"/>
-      <p:regular r:id="rId15"/>
-      <p:bold r:id="rId16"/>
-      <p:italic r:id="rId17"/>
-      <p:boldItalic r:id="rId18"/>
+      <p:font typeface="Lato" panose="020F0502020204030203" pitchFamily="34" charset="0"/>
+      <p:regular r:id="rId16"/>
+      <p:bold r:id="rId17"/>
+      <p:italic r:id="rId18"/>
+      <p:boldItalic r:id="rId19"/>
     </p:embeddedFont>
     <p:embeddedFont>
-      <p:font typeface="Lato"/>
-      <p:regular r:id="rId19"/>
-      <p:bold r:id="rId20"/>
-      <p:italic r:id="rId21"/>
-      <p:boldItalic r:id="rId22"/>
+      <p:font typeface="Montserrat" panose="00000500000000000000" pitchFamily="2" charset="0"/>
+      <p:regular r:id="rId20"/>
+      <p:bold r:id="rId21"/>
+      <p:italic r:id="rId22"/>
+      <p:boldItalic r:id="rId23"/>
     </p:embeddedFont>
   </p:embeddedFontLst>
   <p:defaultTextStyle>
-    <a:defPPr lvl="0" marR="0" rtl="0" algn="l">
+    <a:defPPr marR="0" lvl="0" algn="l" rtl="0">
       <a:lnSpc>
         <a:spcPct val="100000"/>
       </a:lnSpc>
@@ -48,7 +52,7 @@
         <a:spcPts val="0"/>
       </a:spcAft>
     </a:defPPr>
-    <a:lvl1pPr lvl="0" marR="0" rtl="0" algn="l">
+    <a:lvl1pPr marR="0" lvl="0" algn="l" rtl="0">
       <a:lnSpc>
         <a:spcPct val="100000"/>
       </a:lnSpc>
@@ -62,7 +66,7 @@
         <a:srgbClr val="000000"/>
       </a:buClr>
       <a:buFont typeface="Arial"/>
-      <a:defRPr b="0" i="0" sz="1400" u="none" cap="none" strike="noStrike">
+      <a:defRPr sz="1400" b="0" i="0" u="none" strike="noStrike" cap="none">
         <a:solidFill>
           <a:srgbClr val="000000"/>
         </a:solidFill>
@@ -72,7 +76,7 @@
         <a:sym typeface="Arial"/>
       </a:defRPr>
     </a:lvl1pPr>
-    <a:lvl2pPr lvl="1" marR="0" rtl="0" algn="l">
+    <a:lvl2pPr marR="0" lvl="1" algn="l" rtl="0">
       <a:lnSpc>
         <a:spcPct val="100000"/>
       </a:lnSpc>
@@ -86,7 +90,7 @@
         <a:srgbClr val="000000"/>
       </a:buClr>
       <a:buFont typeface="Arial"/>
-      <a:defRPr b="0" i="0" sz="1400" u="none" cap="none" strike="noStrike">
+      <a:defRPr sz="1400" b="0" i="0" u="none" strike="noStrike" cap="none">
         <a:solidFill>
           <a:srgbClr val="000000"/>
         </a:solidFill>
@@ -96,7 +100,7 @@
         <a:sym typeface="Arial"/>
       </a:defRPr>
     </a:lvl2pPr>
-    <a:lvl3pPr lvl="2" marR="0" rtl="0" algn="l">
+    <a:lvl3pPr marR="0" lvl="2" algn="l" rtl="0">
       <a:lnSpc>
         <a:spcPct val="100000"/>
       </a:lnSpc>
@@ -110,7 +114,7 @@
         <a:srgbClr val="000000"/>
       </a:buClr>
       <a:buFont typeface="Arial"/>
-      <a:defRPr b="0" i="0" sz="1400" u="none" cap="none" strike="noStrike">
+      <a:defRPr sz="1400" b="0" i="0" u="none" strike="noStrike" cap="none">
         <a:solidFill>
           <a:srgbClr val="000000"/>
         </a:solidFill>
@@ -120,7 +124,7 @@
         <a:sym typeface="Arial"/>
       </a:defRPr>
     </a:lvl3pPr>
-    <a:lvl4pPr lvl="3" marR="0" rtl="0" algn="l">
+    <a:lvl4pPr marR="0" lvl="3" algn="l" rtl="0">
       <a:lnSpc>
         <a:spcPct val="100000"/>
       </a:lnSpc>
@@ -134,7 +138,7 @@
         <a:srgbClr val="000000"/>
       </a:buClr>
       <a:buFont typeface="Arial"/>
-      <a:defRPr b="0" i="0" sz="1400" u="none" cap="none" strike="noStrike">
+      <a:defRPr sz="1400" b="0" i="0" u="none" strike="noStrike" cap="none">
         <a:solidFill>
           <a:srgbClr val="000000"/>
         </a:solidFill>
@@ -144,7 +148,7 @@
         <a:sym typeface="Arial"/>
       </a:defRPr>
     </a:lvl4pPr>
-    <a:lvl5pPr lvl="4" marR="0" rtl="0" algn="l">
+    <a:lvl5pPr marR="0" lvl="4" algn="l" rtl="0">
       <a:lnSpc>
         <a:spcPct val="100000"/>
       </a:lnSpc>
@@ -158,7 +162,7 @@
         <a:srgbClr val="000000"/>
       </a:buClr>
       <a:buFont typeface="Arial"/>
-      <a:defRPr b="0" i="0" sz="1400" u="none" cap="none" strike="noStrike">
+      <a:defRPr sz="1400" b="0" i="0" u="none" strike="noStrike" cap="none">
         <a:solidFill>
           <a:srgbClr val="000000"/>
         </a:solidFill>
@@ -168,7 +172,7 @@
         <a:sym typeface="Arial"/>
       </a:defRPr>
     </a:lvl5pPr>
-    <a:lvl6pPr lvl="5" marR="0" rtl="0" algn="l">
+    <a:lvl6pPr marR="0" lvl="5" algn="l" rtl="0">
       <a:lnSpc>
         <a:spcPct val="100000"/>
       </a:lnSpc>
@@ -182,7 +186,7 @@
         <a:srgbClr val="000000"/>
       </a:buClr>
       <a:buFont typeface="Arial"/>
-      <a:defRPr b="0" i="0" sz="1400" u="none" cap="none" strike="noStrike">
+      <a:defRPr sz="1400" b="0" i="0" u="none" strike="noStrike" cap="none">
         <a:solidFill>
           <a:srgbClr val="000000"/>
         </a:solidFill>
@@ -192,7 +196,7 @@
         <a:sym typeface="Arial"/>
       </a:defRPr>
     </a:lvl6pPr>
-    <a:lvl7pPr lvl="6" marR="0" rtl="0" algn="l">
+    <a:lvl7pPr marR="0" lvl="6" algn="l" rtl="0">
       <a:lnSpc>
         <a:spcPct val="100000"/>
       </a:lnSpc>
@@ -206,7 +210,7 @@
         <a:srgbClr val="000000"/>
       </a:buClr>
       <a:buFont typeface="Arial"/>
-      <a:defRPr b="0" i="0" sz="1400" u="none" cap="none" strike="noStrike">
+      <a:defRPr sz="1400" b="0" i="0" u="none" strike="noStrike" cap="none">
         <a:solidFill>
           <a:srgbClr val="000000"/>
         </a:solidFill>
@@ -216,7 +220,7 @@
         <a:sym typeface="Arial"/>
       </a:defRPr>
     </a:lvl7pPr>
-    <a:lvl8pPr lvl="7" marR="0" rtl="0" algn="l">
+    <a:lvl8pPr marR="0" lvl="7" algn="l" rtl="0">
       <a:lnSpc>
         <a:spcPct val="100000"/>
       </a:lnSpc>
@@ -230,7 +234,7 @@
         <a:srgbClr val="000000"/>
       </a:buClr>
       <a:buFont typeface="Arial"/>
-      <a:defRPr b="0" i="0" sz="1400" u="none" cap="none" strike="noStrike">
+      <a:defRPr sz="1400" b="0" i="0" u="none" strike="noStrike" cap="none">
         <a:solidFill>
           <a:srgbClr val="000000"/>
         </a:solidFill>
@@ -240,7 +244,7 @@
         <a:sym typeface="Arial"/>
       </a:defRPr>
     </a:lvl8pPr>
-    <a:lvl9pPr lvl="8" marR="0" rtl="0" algn="l">
+    <a:lvl9pPr marR="0" lvl="8" algn="l" rtl="0">
       <a:lnSpc>
         <a:spcPct val="100000"/>
       </a:lnSpc>
@@ -254,7 +258,7 @@
         <a:srgbClr val="000000"/>
       </a:buClr>
       <a:buFont typeface="Arial"/>
-      <a:defRPr b="0" i="0" sz="1400" u="none" cap="none" strike="noStrike">
+      <a:defRPr sz="1400" b="0" i="0" u="none" strike="noStrike" cap="none">
         <a:solidFill>
           <a:srgbClr val="000000"/>
         </a:solidFill>
@@ -267,7 +271,7 @@
   </p:defaultTextStyle>
   <p:extLst>
     <p:ext uri="{EFAFB233-063F-42B5-8137-9DF3F51BA10A}">
-      <p15:sldGuideLst>
+      <p15:sldGuideLst xmlns:p15="http://schemas.microsoft.com/office/powerpoint/2012/main">
         <p15:guide id="1" orient="horz" pos="1620">
           <p15:clr>
             <a:srgbClr val="747775"/>
@@ -285,11 +289,16 @@
 </file>
 
 <file path=ppt/notesMasters/notesMaster1.xml><?xml version="1.0" encoding="utf-8"?>
-<p:notesMaster xmlns:a="http://schemas.openxmlformats.org/drawingml/2006/main" xmlns:r="http://schemas.openxmlformats.org/officeDocument/2006/relationships" xmlns:mc="http://schemas.openxmlformats.org/markup-compatibility/2006" xmlns:mv="urn:schemas-microsoft-com:mac:vml" xmlns:p="http://schemas.openxmlformats.org/presentationml/2006/main" xmlns:c="http://schemas.openxmlformats.org/drawingml/2006/chart" xmlns:dgm="http://schemas.openxmlformats.org/drawingml/2006/diagram" xmlns:o="urn:schemas-microsoft-com:office:office" xmlns:v="urn:schemas-microsoft-com:vml" xmlns:pvml="urn:schemas-microsoft-com:office:powerpoint" xmlns:com="http://schemas.openxmlformats.org/drawingml/2006/compatibility" xmlns:p14="http://schemas.microsoft.com/office/powerpoint/2010/main" xmlns:p15="http://schemas.microsoft.com/office/powerpoint/2012/main" xmlns:ahyp="http://schemas.microsoft.com/office/drawing/2018/hyperlinkcolor">
+<p:notesMaster xmlns:a="http://schemas.openxmlformats.org/drawingml/2006/main" xmlns:r="http://schemas.openxmlformats.org/officeDocument/2006/relationships" xmlns:p="http://schemas.openxmlformats.org/presentationml/2006/main">
   <p:cSld>
+    <p:bg>
+      <p:bgRef idx="1001">
+        <a:schemeClr val="bg1"/>
+      </p:bgRef>
+    </p:bg>
     <p:spTree>
       <p:nvGrpSpPr>
-        <p:cNvPr id="2" name="Shape 2"/>
+        <p:cNvPr id="1" name="Shape 2"/>
         <p:cNvGrpSpPr/>
         <p:nvPr/>
       </p:nvGrpSpPr>
@@ -304,9 +313,11 @@
       <p:sp>
         <p:nvSpPr>
           <p:cNvPr id="3" name="Google Shape;3;n"/>
-          <p:cNvSpPr/>
+          <p:cNvSpPr>
+            <a:spLocks noGrp="1" noRot="1" noChangeAspect="1"/>
+          </p:cNvSpPr>
           <p:nvPr>
-            <p:ph idx="2" type="sldImg"/>
+            <p:ph type="sldImg" idx="2"/>
           </p:nvPr>
         </p:nvSpPr>
         <p:spPr>
@@ -315,9 +326,13 @@
             <a:ext cx="6096075" cy="3429000"/>
           </a:xfrm>
           <a:custGeom>
-            <a:rect b="b" l="l" r="r" t="t"/>
+            <a:avLst/>
+            <a:gdLst/>
+            <a:ahLst/>
+            <a:cxnLst/>
+            <a:rect l="l" t="t" r="r" b="b"/>
             <a:pathLst>
-              <a:path extrusionOk="0" h="120000" w="120000">
+              <a:path w="120000" h="120000" extrusionOk="0">
                 <a:moveTo>
                   <a:pt x="0" y="0"/>
                 </a:moveTo>
@@ -335,23 +350,25 @@
             </a:pathLst>
           </a:custGeom>
           <a:noFill/>
-          <a:ln cap="flat" cmpd="sng" w="9525">
+          <a:ln w="9525" cap="flat" cmpd="sng">
             <a:solidFill>
               <a:srgbClr val="000000"/>
             </a:solidFill>
             <a:prstDash val="solid"/>
             <a:round/>
-            <a:headEnd len="sm" w="sm" type="none"/>
-            <a:tailEnd len="sm" w="sm" type="none"/>
+            <a:headEnd type="none" w="sm" len="sm"/>
+            <a:tailEnd type="none" w="sm" len="sm"/>
           </a:ln>
         </p:spPr>
       </p:sp>
       <p:sp>
         <p:nvSpPr>
           <p:cNvPr id="4" name="Google Shape;4;n"/>
-          <p:cNvSpPr txBox="1"/>
+          <p:cNvSpPr txBox="1">
+            <a:spLocks noGrp="1"/>
+          </p:cNvSpPr>
           <p:nvPr>
-            <p:ph idx="1" type="body"/>
+            <p:ph type="body" idx="1"/>
           </p:nvPr>
         </p:nvSpPr>
         <p:spPr>
@@ -368,11 +385,11 @@
           </a:ln>
         </p:spPr>
         <p:txBody>
-          <a:bodyPr anchorCtr="0" anchor="t" bIns="91425" lIns="91425" spcFirstLastPara="1" rIns="91425" wrap="square" tIns="91425">
+          <a:bodyPr spcFirstLastPara="1" wrap="square" lIns="91425" tIns="91425" rIns="91425" bIns="91425" anchor="t" anchorCtr="0">
             <a:noAutofit/>
           </a:bodyPr>
           <a:lstStyle>
-            <a:lvl1pPr indent="-298450" lvl="0" marL="457200">
+            <a:lvl1pPr marL="457200" lvl="0" indent="-298450">
               <a:spcBef>
                 <a:spcPts val="0"/>
               </a:spcBef>
@@ -383,7 +400,7 @@
               <a:buChar char="●"/>
               <a:defRPr sz="1100"/>
             </a:lvl1pPr>
-            <a:lvl2pPr indent="-298450" lvl="1" marL="914400">
+            <a:lvl2pPr marL="914400" lvl="1" indent="-298450">
               <a:spcBef>
                 <a:spcPts val="0"/>
               </a:spcBef>
@@ -394,7 +411,7 @@
               <a:buChar char="○"/>
               <a:defRPr sz="1100"/>
             </a:lvl2pPr>
-            <a:lvl3pPr indent="-298450" lvl="2" marL="1371600">
+            <a:lvl3pPr marL="1371600" lvl="2" indent="-298450">
               <a:spcBef>
                 <a:spcPts val="0"/>
               </a:spcBef>
@@ -405,7 +422,7 @@
               <a:buChar char="■"/>
               <a:defRPr sz="1100"/>
             </a:lvl3pPr>
-            <a:lvl4pPr indent="-298450" lvl="3" marL="1828800">
+            <a:lvl4pPr marL="1828800" lvl="3" indent="-298450">
               <a:spcBef>
                 <a:spcPts val="0"/>
               </a:spcBef>
@@ -416,7 +433,7 @@
               <a:buChar char="●"/>
               <a:defRPr sz="1100"/>
             </a:lvl4pPr>
-            <a:lvl5pPr indent="-298450" lvl="4" marL="2286000">
+            <a:lvl5pPr marL="2286000" lvl="4" indent="-298450">
               <a:spcBef>
                 <a:spcPts val="0"/>
               </a:spcBef>
@@ -427,7 +444,7 @@
               <a:buChar char="○"/>
               <a:defRPr sz="1100"/>
             </a:lvl5pPr>
-            <a:lvl6pPr indent="-298450" lvl="5" marL="2743200">
+            <a:lvl6pPr marL="2743200" lvl="5" indent="-298450">
               <a:spcBef>
                 <a:spcPts val="0"/>
               </a:spcBef>
@@ -438,7 +455,7 @@
               <a:buChar char="■"/>
               <a:defRPr sz="1100"/>
             </a:lvl6pPr>
-            <a:lvl7pPr indent="-298450" lvl="6" marL="3200400">
+            <a:lvl7pPr marL="3200400" lvl="6" indent="-298450">
               <a:spcBef>
                 <a:spcPts val="0"/>
               </a:spcBef>
@@ -449,7 +466,7 @@
               <a:buChar char="●"/>
               <a:defRPr sz="1100"/>
             </a:lvl7pPr>
-            <a:lvl8pPr indent="-298450" lvl="7" marL="3657600">
+            <a:lvl8pPr marL="3657600" lvl="7" indent="-298450">
               <a:spcBef>
                 <a:spcPts val="0"/>
               </a:spcBef>
@@ -460,7 +477,7 @@
               <a:buChar char="○"/>
               <a:defRPr sz="1100"/>
             </a:lvl8pPr>
-            <a:lvl9pPr indent="-298450" lvl="8" marL="4114800">
+            <a:lvl9pPr marL="4114800" lvl="8" indent="-298450">
               <a:spcBef>
                 <a:spcPts val="0"/>
               </a:spcBef>
@@ -472,14 +489,16 @@
               <a:defRPr sz="1100"/>
             </a:lvl9pPr>
           </a:lstStyle>
-          <a:p/>
+          <a:p>
+            <a:endParaRPr/>
+          </a:p>
         </p:txBody>
       </p:sp>
     </p:spTree>
   </p:cSld>
-  <p:clrMap accent1="accent1" accent2="accent2" accent3="accent3" accent4="accent4" accent5="accent5" accent6="accent6" bg1="lt1" bg2="dk2" tx1="dk1" tx2="lt2" folHlink="folHlink" hlink="hlink"/>
+  <p:clrMap bg1="lt1" tx1="dk1" bg2="dk2" tx2="lt2" accent1="accent1" accent2="accent2" accent3="accent3" accent4="accent4" accent5="accent5" accent6="accent6" hlink="hlink" folHlink="folHlink"/>
   <p:notesStyle>
-    <a:defPPr lvl="0" marR="0" rtl="0" algn="l">
+    <a:defPPr marR="0" lvl="0" algn="l" rtl="0">
       <a:lnSpc>
         <a:spcPct val="100000"/>
       </a:lnSpc>
@@ -490,7 +509,7 @@
         <a:spcPts val="0"/>
       </a:spcAft>
     </a:defPPr>
-    <a:lvl1pPr lvl="0" marR="0" rtl="0" algn="l">
+    <a:lvl1pPr marR="0" lvl="0" algn="l" rtl="0">
       <a:lnSpc>
         <a:spcPct val="100000"/>
       </a:lnSpc>
@@ -504,7 +523,7 @@
         <a:srgbClr val="000000"/>
       </a:buClr>
       <a:buFont typeface="Arial"/>
-      <a:defRPr b="0" i="0" sz="1400" u="none" cap="none" strike="noStrike">
+      <a:defRPr sz="1400" b="0" i="0" u="none" strike="noStrike" cap="none">
         <a:solidFill>
           <a:srgbClr val="000000"/>
         </a:solidFill>
@@ -514,7 +533,7 @@
         <a:sym typeface="Arial"/>
       </a:defRPr>
     </a:lvl1pPr>
-    <a:lvl2pPr lvl="1" marR="0" rtl="0" algn="l">
+    <a:lvl2pPr marR="0" lvl="1" algn="l" rtl="0">
       <a:lnSpc>
         <a:spcPct val="100000"/>
       </a:lnSpc>
@@ -528,7 +547,7 @@
         <a:srgbClr val="000000"/>
       </a:buClr>
       <a:buFont typeface="Arial"/>
-      <a:defRPr b="0" i="0" sz="1400" u="none" cap="none" strike="noStrike">
+      <a:defRPr sz="1400" b="0" i="0" u="none" strike="noStrike" cap="none">
         <a:solidFill>
           <a:srgbClr val="000000"/>
         </a:solidFill>
@@ -538,7 +557,7 @@
         <a:sym typeface="Arial"/>
       </a:defRPr>
     </a:lvl2pPr>
-    <a:lvl3pPr lvl="2" marR="0" rtl="0" algn="l">
+    <a:lvl3pPr marR="0" lvl="2" algn="l" rtl="0">
       <a:lnSpc>
         <a:spcPct val="100000"/>
       </a:lnSpc>
@@ -552,7 +571,7 @@
         <a:srgbClr val="000000"/>
       </a:buClr>
       <a:buFont typeface="Arial"/>
-      <a:defRPr b="0" i="0" sz="1400" u="none" cap="none" strike="noStrike">
+      <a:defRPr sz="1400" b="0" i="0" u="none" strike="noStrike" cap="none">
         <a:solidFill>
           <a:srgbClr val="000000"/>
         </a:solidFill>
@@ -562,7 +581,7 @@
         <a:sym typeface="Arial"/>
       </a:defRPr>
     </a:lvl3pPr>
-    <a:lvl4pPr lvl="3" marR="0" rtl="0" algn="l">
+    <a:lvl4pPr marR="0" lvl="3" algn="l" rtl="0">
       <a:lnSpc>
         <a:spcPct val="100000"/>
       </a:lnSpc>
@@ -576,7 +595,7 @@
         <a:srgbClr val="000000"/>
       </a:buClr>
       <a:buFont typeface="Arial"/>
-      <a:defRPr b="0" i="0" sz="1400" u="none" cap="none" strike="noStrike">
+      <a:defRPr sz="1400" b="0" i="0" u="none" strike="noStrike" cap="none">
         <a:solidFill>
           <a:srgbClr val="000000"/>
         </a:solidFill>
@@ -586,7 +605,7 @@
         <a:sym typeface="Arial"/>
       </a:defRPr>
     </a:lvl4pPr>
-    <a:lvl5pPr lvl="4" marR="0" rtl="0" algn="l">
+    <a:lvl5pPr marR="0" lvl="4" algn="l" rtl="0">
       <a:lnSpc>
         <a:spcPct val="100000"/>
       </a:lnSpc>
@@ -600,7 +619,7 @@
         <a:srgbClr val="000000"/>
       </a:buClr>
       <a:buFont typeface="Arial"/>
-      <a:defRPr b="0" i="0" sz="1400" u="none" cap="none" strike="noStrike">
+      <a:defRPr sz="1400" b="0" i="0" u="none" strike="noStrike" cap="none">
         <a:solidFill>
           <a:srgbClr val="000000"/>
         </a:solidFill>
@@ -610,7 +629,7 @@
         <a:sym typeface="Arial"/>
       </a:defRPr>
     </a:lvl5pPr>
-    <a:lvl6pPr lvl="5" marR="0" rtl="0" algn="l">
+    <a:lvl6pPr marR="0" lvl="5" algn="l" rtl="0">
       <a:lnSpc>
         <a:spcPct val="100000"/>
       </a:lnSpc>
@@ -624,7 +643,7 @@
         <a:srgbClr val="000000"/>
       </a:buClr>
       <a:buFont typeface="Arial"/>
-      <a:defRPr b="0" i="0" sz="1400" u="none" cap="none" strike="noStrike">
+      <a:defRPr sz="1400" b="0" i="0" u="none" strike="noStrike" cap="none">
         <a:solidFill>
           <a:srgbClr val="000000"/>
         </a:solidFill>
@@ -634,7 +653,7 @@
         <a:sym typeface="Arial"/>
       </a:defRPr>
     </a:lvl6pPr>
-    <a:lvl7pPr lvl="6" marR="0" rtl="0" algn="l">
+    <a:lvl7pPr marR="0" lvl="6" algn="l" rtl="0">
       <a:lnSpc>
         <a:spcPct val="100000"/>
       </a:lnSpc>
@@ -648,7 +667,7 @@
         <a:srgbClr val="000000"/>
       </a:buClr>
       <a:buFont typeface="Arial"/>
-      <a:defRPr b="0" i="0" sz="1400" u="none" cap="none" strike="noStrike">
+      <a:defRPr sz="1400" b="0" i="0" u="none" strike="noStrike" cap="none">
         <a:solidFill>
           <a:srgbClr val="000000"/>
         </a:solidFill>
@@ -658,7 +677,7 @@
         <a:sym typeface="Arial"/>
       </a:defRPr>
     </a:lvl7pPr>
-    <a:lvl8pPr lvl="7" marR="0" rtl="0" algn="l">
+    <a:lvl8pPr marR="0" lvl="7" algn="l" rtl="0">
       <a:lnSpc>
         <a:spcPct val="100000"/>
       </a:lnSpc>
@@ -672,7 +691,7 @@
         <a:srgbClr val="000000"/>
       </a:buClr>
       <a:buFont typeface="Arial"/>
-      <a:defRPr b="0" i="0" sz="1400" u="none" cap="none" strike="noStrike">
+      <a:defRPr sz="1400" b="0" i="0" u="none" strike="noStrike" cap="none">
         <a:solidFill>
           <a:srgbClr val="000000"/>
         </a:solidFill>
@@ -682,7 +701,7 @@
         <a:sym typeface="Arial"/>
       </a:defRPr>
     </a:lvl8pPr>
-    <a:lvl9pPr lvl="8" marR="0" rtl="0" algn="l">
+    <a:lvl9pPr marR="0" lvl="8" algn="l" rtl="0">
       <a:lnSpc>
         <a:spcPct val="100000"/>
       </a:lnSpc>
@@ -696,7 +715,7 @@
         <a:srgbClr val="000000"/>
       </a:buClr>
       <a:buFont typeface="Arial"/>
-      <a:defRPr b="0" i="0" sz="1400" u="none" cap="none" strike="noStrike">
+      <a:defRPr sz="1400" b="0" i="0" u="none" strike="noStrike" cap="none">
         <a:solidFill>
           <a:srgbClr val="000000"/>
         </a:solidFill>
@@ -711,11 +730,11 @@
 </file>
 
 <file path=ppt/notesSlides/notesSlide1.xml><?xml version="1.0" encoding="utf-8"?>
-<p:notes xmlns:a="http://schemas.openxmlformats.org/drawingml/2006/main" xmlns:r="http://schemas.openxmlformats.org/officeDocument/2006/relationships" xmlns:mc="http://schemas.openxmlformats.org/markup-compatibility/2006" xmlns:mv="urn:schemas-microsoft-com:mac:vml" xmlns:p="http://schemas.openxmlformats.org/presentationml/2006/main" xmlns:c="http://schemas.openxmlformats.org/drawingml/2006/chart" xmlns:dgm="http://schemas.openxmlformats.org/drawingml/2006/diagram" xmlns:o="urn:schemas-microsoft-com:office:office" xmlns:v="urn:schemas-microsoft-com:vml" xmlns:pvml="urn:schemas-microsoft-com:office:powerpoint" xmlns:com="http://schemas.openxmlformats.org/drawingml/2006/compatibility" xmlns:p14="http://schemas.microsoft.com/office/powerpoint/2010/main" xmlns:p15="http://schemas.microsoft.com/office/powerpoint/2012/main" xmlns:ahyp="http://schemas.microsoft.com/office/drawing/2018/hyperlinkcolor" showMasterPhAnim="0" showMasterSp="0">
+<p:notes xmlns:a="http://schemas.openxmlformats.org/drawingml/2006/main" xmlns:r="http://schemas.openxmlformats.org/officeDocument/2006/relationships" xmlns:p="http://schemas.openxmlformats.org/presentationml/2006/main" showMasterSp="0" showMasterPhAnim="0">
   <p:cSld>
     <p:spTree>
       <p:nvGrpSpPr>
-        <p:cNvPr id="130" name="Shape 130"/>
+        <p:cNvPr id="1" name="Shape 130"/>
         <p:cNvGrpSpPr/>
         <p:nvPr/>
       </p:nvGrpSpPr>
@@ -730,9 +749,11 @@
       <p:sp>
         <p:nvSpPr>
           <p:cNvPr id="131" name="Google Shape;131;p:notes"/>
-          <p:cNvSpPr/>
+          <p:cNvSpPr>
+            <a:spLocks noGrp="1" noRot="1" noChangeAspect="1"/>
+          </p:cNvSpPr>
           <p:nvPr>
-            <p:ph idx="2" type="sldImg"/>
+            <p:ph type="sldImg" idx="2"/>
           </p:nvPr>
         </p:nvSpPr>
         <p:spPr>
@@ -741,9 +762,13 @@
             <a:ext cx="6096075" cy="3429000"/>
           </a:xfrm>
           <a:custGeom>
-            <a:rect b="b" l="l" r="r" t="t"/>
+            <a:avLst/>
+            <a:gdLst/>
+            <a:ahLst/>
+            <a:cxnLst/>
+            <a:rect l="l" t="t" r="r" b="b"/>
             <a:pathLst>
-              <a:path extrusionOk="0" h="120000" w="120000">
+              <a:path w="120000" h="120000" extrusionOk="0">
                 <a:moveTo>
                   <a:pt x="0" y="0"/>
                 </a:moveTo>
@@ -765,9 +790,11 @@
       <p:sp>
         <p:nvSpPr>
           <p:cNvPr id="132" name="Google Shape;132;p:notes"/>
-          <p:cNvSpPr txBox="1"/>
+          <p:cNvSpPr txBox="1">
+            <a:spLocks noGrp="1"/>
+          </p:cNvSpPr>
           <p:nvPr>
-            <p:ph idx="1" type="body"/>
+            <p:ph type="body" idx="1"/>
           </p:nvPr>
         </p:nvSpPr>
         <p:spPr>
@@ -780,12 +807,12 @@
           </a:prstGeom>
         </p:spPr>
         <p:txBody>
-          <a:bodyPr anchorCtr="0" anchor="t" bIns="91425" lIns="91425" spcFirstLastPara="1" rIns="91425" wrap="square" tIns="91425">
+          <a:bodyPr spcFirstLastPara="1" wrap="square" lIns="91425" tIns="91425" rIns="91425" bIns="91425" anchor="t" anchorCtr="0">
             <a:noAutofit/>
           </a:bodyPr>
           <a:lstStyle/>
           <a:p>
-            <a:pPr indent="0" lvl="0" marL="0" rtl="0" algn="l">
+            <a:pPr marL="0" lvl="0" indent="0" algn="l" rtl="0">
               <a:spcBef>
                 <a:spcPts val="0"/>
               </a:spcBef>
@@ -794,9 +821,437 @@
               </a:spcAft>
               <a:buNone/>
             </a:pPr>
-            <a:r>
-              <a:t/>
-            </a:r>
+            <a:endParaRPr/>
+          </a:p>
+        </p:txBody>
+      </p:sp>
+    </p:spTree>
+  </p:cSld>
+  <p:clrMapOvr>
+    <a:masterClrMapping/>
+  </p:clrMapOvr>
+</p:notes>
+</file>
+
+<file path=ppt/notesSlides/notesSlide10.xml><?xml version="1.0" encoding="utf-8"?>
+<p:notes xmlns:a="http://schemas.openxmlformats.org/drawingml/2006/main" xmlns:r="http://schemas.openxmlformats.org/officeDocument/2006/relationships" xmlns:p="http://schemas.openxmlformats.org/presentationml/2006/main" showMasterSp="0" showMasterPhAnim="0">
+  <p:cSld>
+    <p:spTree>
+      <p:nvGrpSpPr>
+        <p:cNvPr id="1" name="Shape 179"/>
+        <p:cNvGrpSpPr/>
+        <p:nvPr/>
+      </p:nvGrpSpPr>
+      <p:grpSpPr>
+        <a:xfrm>
+          <a:off x="0" y="0"/>
+          <a:ext cx="0" cy="0"/>
+          <a:chOff x="0" y="0"/>
+          <a:chExt cx="0" cy="0"/>
+        </a:xfrm>
+      </p:grpSpPr>
+      <p:sp>
+        <p:nvSpPr>
+          <p:cNvPr id="180" name="Google Shape;180;g26f41f4eb30_0_10:notes"/>
+          <p:cNvSpPr>
+            <a:spLocks noGrp="1" noRot="1" noChangeAspect="1"/>
+          </p:cNvSpPr>
+          <p:nvPr>
+            <p:ph type="sldImg" idx="2"/>
+          </p:nvPr>
+        </p:nvSpPr>
+        <p:spPr>
+          <a:xfrm>
+            <a:off x="381000" y="685800"/>
+            <a:ext cx="6096000" cy="3429000"/>
+          </a:xfrm>
+          <a:custGeom>
+            <a:avLst/>
+            <a:gdLst/>
+            <a:ahLst/>
+            <a:cxnLst/>
+            <a:rect l="l" t="t" r="r" b="b"/>
+            <a:pathLst>
+              <a:path w="120000" h="120000" extrusionOk="0">
+                <a:moveTo>
+                  <a:pt x="0" y="0"/>
+                </a:moveTo>
+                <a:lnTo>
+                  <a:pt x="120000" y="0"/>
+                </a:lnTo>
+                <a:lnTo>
+                  <a:pt x="120000" y="120000"/>
+                </a:lnTo>
+                <a:lnTo>
+                  <a:pt x="0" y="120000"/>
+                </a:lnTo>
+                <a:close/>
+              </a:path>
+            </a:pathLst>
+          </a:custGeom>
+        </p:spPr>
+      </p:sp>
+      <p:sp>
+        <p:nvSpPr>
+          <p:cNvPr id="181" name="Google Shape;181;g26f41f4eb30_0_10:notes"/>
+          <p:cNvSpPr txBox="1">
+            <a:spLocks noGrp="1"/>
+          </p:cNvSpPr>
+          <p:nvPr>
+            <p:ph type="body" idx="1"/>
+          </p:nvPr>
+        </p:nvSpPr>
+        <p:spPr>
+          <a:xfrm>
+            <a:off x="685800" y="4343400"/>
+            <a:ext cx="5486400" cy="4114800"/>
+          </a:xfrm>
+          <a:prstGeom prst="rect">
+            <a:avLst/>
+          </a:prstGeom>
+        </p:spPr>
+        <p:txBody>
+          <a:bodyPr spcFirstLastPara="1" wrap="square" lIns="91425" tIns="91425" rIns="91425" bIns="91425" anchor="t" anchorCtr="0">
+            <a:noAutofit/>
+          </a:bodyPr>
+          <a:lstStyle/>
+          <a:p>
+            <a:pPr marL="0" lvl="0" indent="0" algn="l" rtl="0">
+              <a:spcBef>
+                <a:spcPts val="0"/>
+              </a:spcBef>
+              <a:spcAft>
+                <a:spcPts val="0"/>
+              </a:spcAft>
+              <a:buNone/>
+            </a:pPr>
+            <a:endParaRPr/>
+          </a:p>
+        </p:txBody>
+      </p:sp>
+    </p:spTree>
+    <p:extLst>
+      <p:ext uri="{BB962C8B-B14F-4D97-AF65-F5344CB8AC3E}">
+        <p14:creationId xmlns:p14="http://schemas.microsoft.com/office/powerpoint/2010/main" val="2165038523"/>
+      </p:ext>
+    </p:extLst>
+  </p:cSld>
+  <p:clrMapOvr>
+    <a:masterClrMapping/>
+  </p:clrMapOvr>
+</p:notes>
+</file>
+
+<file path=ppt/notesSlides/notesSlide11.xml><?xml version="1.0" encoding="utf-8"?>
+<p:notes xmlns:a="http://schemas.openxmlformats.org/drawingml/2006/main" xmlns:r="http://schemas.openxmlformats.org/officeDocument/2006/relationships" xmlns:p="http://schemas.openxmlformats.org/presentationml/2006/main" showMasterSp="0" showMasterPhAnim="0">
+  <p:cSld>
+    <p:spTree>
+      <p:nvGrpSpPr>
+        <p:cNvPr id="1" name="Shape 179"/>
+        <p:cNvGrpSpPr/>
+        <p:nvPr/>
+      </p:nvGrpSpPr>
+      <p:grpSpPr>
+        <a:xfrm>
+          <a:off x="0" y="0"/>
+          <a:ext cx="0" cy="0"/>
+          <a:chOff x="0" y="0"/>
+          <a:chExt cx="0" cy="0"/>
+        </a:xfrm>
+      </p:grpSpPr>
+      <p:sp>
+        <p:nvSpPr>
+          <p:cNvPr id="180" name="Google Shape;180;g26f41f4eb30_0_10:notes"/>
+          <p:cNvSpPr>
+            <a:spLocks noGrp="1" noRot="1" noChangeAspect="1"/>
+          </p:cNvSpPr>
+          <p:nvPr>
+            <p:ph type="sldImg" idx="2"/>
+          </p:nvPr>
+        </p:nvSpPr>
+        <p:spPr>
+          <a:xfrm>
+            <a:off x="381000" y="685800"/>
+            <a:ext cx="6096000" cy="3429000"/>
+          </a:xfrm>
+          <a:custGeom>
+            <a:avLst/>
+            <a:gdLst/>
+            <a:ahLst/>
+            <a:cxnLst/>
+            <a:rect l="l" t="t" r="r" b="b"/>
+            <a:pathLst>
+              <a:path w="120000" h="120000" extrusionOk="0">
+                <a:moveTo>
+                  <a:pt x="0" y="0"/>
+                </a:moveTo>
+                <a:lnTo>
+                  <a:pt x="120000" y="0"/>
+                </a:lnTo>
+                <a:lnTo>
+                  <a:pt x="120000" y="120000"/>
+                </a:lnTo>
+                <a:lnTo>
+                  <a:pt x="0" y="120000"/>
+                </a:lnTo>
+                <a:close/>
+              </a:path>
+            </a:pathLst>
+          </a:custGeom>
+        </p:spPr>
+      </p:sp>
+      <p:sp>
+        <p:nvSpPr>
+          <p:cNvPr id="181" name="Google Shape;181;g26f41f4eb30_0_10:notes"/>
+          <p:cNvSpPr txBox="1">
+            <a:spLocks noGrp="1"/>
+          </p:cNvSpPr>
+          <p:nvPr>
+            <p:ph type="body" idx="1"/>
+          </p:nvPr>
+        </p:nvSpPr>
+        <p:spPr>
+          <a:xfrm>
+            <a:off x="685800" y="4343400"/>
+            <a:ext cx="5486400" cy="4114800"/>
+          </a:xfrm>
+          <a:prstGeom prst="rect">
+            <a:avLst/>
+          </a:prstGeom>
+        </p:spPr>
+        <p:txBody>
+          <a:bodyPr spcFirstLastPara="1" wrap="square" lIns="91425" tIns="91425" rIns="91425" bIns="91425" anchor="t" anchorCtr="0">
+            <a:noAutofit/>
+          </a:bodyPr>
+          <a:lstStyle/>
+          <a:p>
+            <a:pPr marL="0" lvl="0" indent="0" algn="l" rtl="0">
+              <a:spcBef>
+                <a:spcPts val="0"/>
+              </a:spcBef>
+              <a:spcAft>
+                <a:spcPts val="0"/>
+              </a:spcAft>
+              <a:buNone/>
+            </a:pPr>
+            <a:endParaRPr/>
+          </a:p>
+        </p:txBody>
+      </p:sp>
+    </p:spTree>
+    <p:extLst>
+      <p:ext uri="{BB962C8B-B14F-4D97-AF65-F5344CB8AC3E}">
+        <p14:creationId xmlns:p14="http://schemas.microsoft.com/office/powerpoint/2010/main" val="3220621966"/>
+      </p:ext>
+    </p:extLst>
+  </p:cSld>
+  <p:clrMapOvr>
+    <a:masterClrMapping/>
+  </p:clrMapOvr>
+</p:notes>
+</file>
+
+<file path=ppt/notesSlides/notesSlide12.xml><?xml version="1.0" encoding="utf-8"?>
+<p:notes xmlns:a="http://schemas.openxmlformats.org/drawingml/2006/main" xmlns:r="http://schemas.openxmlformats.org/officeDocument/2006/relationships" xmlns:p="http://schemas.openxmlformats.org/presentationml/2006/main" showMasterSp="0" showMasterPhAnim="0">
+  <p:cSld>
+    <p:spTree>
+      <p:nvGrpSpPr>
+        <p:cNvPr id="1" name="Shape 179"/>
+        <p:cNvGrpSpPr/>
+        <p:nvPr/>
+      </p:nvGrpSpPr>
+      <p:grpSpPr>
+        <a:xfrm>
+          <a:off x="0" y="0"/>
+          <a:ext cx="0" cy="0"/>
+          <a:chOff x="0" y="0"/>
+          <a:chExt cx="0" cy="0"/>
+        </a:xfrm>
+      </p:grpSpPr>
+      <p:sp>
+        <p:nvSpPr>
+          <p:cNvPr id="180" name="Google Shape;180;g26f41f4eb30_0_10:notes"/>
+          <p:cNvSpPr>
+            <a:spLocks noGrp="1" noRot="1" noChangeAspect="1"/>
+          </p:cNvSpPr>
+          <p:nvPr>
+            <p:ph type="sldImg" idx="2"/>
+          </p:nvPr>
+        </p:nvSpPr>
+        <p:spPr>
+          <a:xfrm>
+            <a:off x="381000" y="685800"/>
+            <a:ext cx="6096000" cy="3429000"/>
+          </a:xfrm>
+          <a:custGeom>
+            <a:avLst/>
+            <a:gdLst/>
+            <a:ahLst/>
+            <a:cxnLst/>
+            <a:rect l="l" t="t" r="r" b="b"/>
+            <a:pathLst>
+              <a:path w="120000" h="120000" extrusionOk="0">
+                <a:moveTo>
+                  <a:pt x="0" y="0"/>
+                </a:moveTo>
+                <a:lnTo>
+                  <a:pt x="120000" y="0"/>
+                </a:lnTo>
+                <a:lnTo>
+                  <a:pt x="120000" y="120000"/>
+                </a:lnTo>
+                <a:lnTo>
+                  <a:pt x="0" y="120000"/>
+                </a:lnTo>
+                <a:close/>
+              </a:path>
+            </a:pathLst>
+          </a:custGeom>
+        </p:spPr>
+      </p:sp>
+      <p:sp>
+        <p:nvSpPr>
+          <p:cNvPr id="181" name="Google Shape;181;g26f41f4eb30_0_10:notes"/>
+          <p:cNvSpPr txBox="1">
+            <a:spLocks noGrp="1"/>
+          </p:cNvSpPr>
+          <p:nvPr>
+            <p:ph type="body" idx="1"/>
+          </p:nvPr>
+        </p:nvSpPr>
+        <p:spPr>
+          <a:xfrm>
+            <a:off x="685800" y="4343400"/>
+            <a:ext cx="5486400" cy="4114800"/>
+          </a:xfrm>
+          <a:prstGeom prst="rect">
+            <a:avLst/>
+          </a:prstGeom>
+        </p:spPr>
+        <p:txBody>
+          <a:bodyPr spcFirstLastPara="1" wrap="square" lIns="91425" tIns="91425" rIns="91425" bIns="91425" anchor="t" anchorCtr="0">
+            <a:noAutofit/>
+          </a:bodyPr>
+          <a:lstStyle/>
+          <a:p>
+            <a:pPr marL="0" lvl="0" indent="0" algn="l" rtl="0">
+              <a:spcBef>
+                <a:spcPts val="0"/>
+              </a:spcBef>
+              <a:spcAft>
+                <a:spcPts val="0"/>
+              </a:spcAft>
+              <a:buNone/>
+            </a:pPr>
+            <a:endParaRPr/>
+          </a:p>
+        </p:txBody>
+      </p:sp>
+    </p:spTree>
+    <p:extLst>
+      <p:ext uri="{BB962C8B-B14F-4D97-AF65-F5344CB8AC3E}">
+        <p14:creationId xmlns:p14="http://schemas.microsoft.com/office/powerpoint/2010/main" val="2740305104"/>
+      </p:ext>
+    </p:extLst>
+  </p:cSld>
+  <p:clrMapOvr>
+    <a:masterClrMapping/>
+  </p:clrMapOvr>
+</p:notes>
+</file>
+
+<file path=ppt/notesSlides/notesSlide13.xml><?xml version="1.0" encoding="utf-8"?>
+<p:notes xmlns:a="http://schemas.openxmlformats.org/drawingml/2006/main" xmlns:r="http://schemas.openxmlformats.org/officeDocument/2006/relationships" xmlns:p="http://schemas.openxmlformats.org/presentationml/2006/main" showMasterSp="0" showMasterPhAnim="0">
+  <p:cSld>
+    <p:spTree>
+      <p:nvGrpSpPr>
+        <p:cNvPr id="1" name="Shape 186"/>
+        <p:cNvGrpSpPr/>
+        <p:nvPr/>
+      </p:nvGrpSpPr>
+      <p:grpSpPr>
+        <a:xfrm>
+          <a:off x="0" y="0"/>
+          <a:ext cx="0" cy="0"/>
+          <a:chOff x="0" y="0"/>
+          <a:chExt cx="0" cy="0"/>
+        </a:xfrm>
+      </p:grpSpPr>
+      <p:sp>
+        <p:nvSpPr>
+          <p:cNvPr id="187" name="Google Shape;187;g26e4965af44_0_54:notes"/>
+          <p:cNvSpPr>
+            <a:spLocks noGrp="1" noRot="1" noChangeAspect="1"/>
+          </p:cNvSpPr>
+          <p:nvPr>
+            <p:ph type="sldImg" idx="2"/>
+          </p:nvPr>
+        </p:nvSpPr>
+        <p:spPr>
+          <a:xfrm>
+            <a:off x="381000" y="685800"/>
+            <a:ext cx="6096000" cy="3429000"/>
+          </a:xfrm>
+          <a:custGeom>
+            <a:avLst/>
+            <a:gdLst/>
+            <a:ahLst/>
+            <a:cxnLst/>
+            <a:rect l="l" t="t" r="r" b="b"/>
+            <a:pathLst>
+              <a:path w="120000" h="120000" extrusionOk="0">
+                <a:moveTo>
+                  <a:pt x="0" y="0"/>
+                </a:moveTo>
+                <a:lnTo>
+                  <a:pt x="120000" y="0"/>
+                </a:lnTo>
+                <a:lnTo>
+                  <a:pt x="120000" y="120000"/>
+                </a:lnTo>
+                <a:lnTo>
+                  <a:pt x="0" y="120000"/>
+                </a:lnTo>
+                <a:close/>
+              </a:path>
+            </a:pathLst>
+          </a:custGeom>
+        </p:spPr>
+      </p:sp>
+      <p:sp>
+        <p:nvSpPr>
+          <p:cNvPr id="188" name="Google Shape;188;g26e4965af44_0_54:notes"/>
+          <p:cNvSpPr txBox="1">
+            <a:spLocks noGrp="1"/>
+          </p:cNvSpPr>
+          <p:nvPr>
+            <p:ph type="body" idx="1"/>
+          </p:nvPr>
+        </p:nvSpPr>
+        <p:spPr>
+          <a:xfrm>
+            <a:off x="685800" y="4343400"/>
+            <a:ext cx="5486400" cy="4114800"/>
+          </a:xfrm>
+          <a:prstGeom prst="rect">
+            <a:avLst/>
+          </a:prstGeom>
+        </p:spPr>
+        <p:txBody>
+          <a:bodyPr spcFirstLastPara="1" wrap="square" lIns="91425" tIns="91425" rIns="91425" bIns="91425" anchor="t" anchorCtr="0">
+            <a:noAutofit/>
+          </a:bodyPr>
+          <a:lstStyle/>
+          <a:p>
+            <a:pPr marL="0" lvl="0" indent="0" algn="l" rtl="0">
+              <a:spcBef>
+                <a:spcPts val="0"/>
+              </a:spcBef>
+              <a:spcAft>
+                <a:spcPts val="0"/>
+              </a:spcAft>
+              <a:buNone/>
+            </a:pPr>
             <a:endParaRPr/>
           </a:p>
         </p:txBody>
@@ -810,11 +1265,11 @@
 </file>
 
 <file path=ppt/notesSlides/notesSlide2.xml><?xml version="1.0" encoding="utf-8"?>
-<p:notes xmlns:a="http://schemas.openxmlformats.org/drawingml/2006/main" xmlns:r="http://schemas.openxmlformats.org/officeDocument/2006/relationships" xmlns:mc="http://schemas.openxmlformats.org/markup-compatibility/2006" xmlns:mv="urn:schemas-microsoft-com:mac:vml" xmlns:p="http://schemas.openxmlformats.org/presentationml/2006/main" xmlns:c="http://schemas.openxmlformats.org/drawingml/2006/chart" xmlns:dgm="http://schemas.openxmlformats.org/drawingml/2006/diagram" xmlns:o="urn:schemas-microsoft-com:office:office" xmlns:v="urn:schemas-microsoft-com:vml" xmlns:pvml="urn:schemas-microsoft-com:office:powerpoint" xmlns:com="http://schemas.openxmlformats.org/drawingml/2006/compatibility" xmlns:p14="http://schemas.microsoft.com/office/powerpoint/2010/main" xmlns:p15="http://schemas.microsoft.com/office/powerpoint/2012/main" xmlns:ahyp="http://schemas.microsoft.com/office/drawing/2018/hyperlinkcolor" showMasterPhAnim="0" showMasterSp="0">
+<p:notes xmlns:a="http://schemas.openxmlformats.org/drawingml/2006/main" xmlns:r="http://schemas.openxmlformats.org/officeDocument/2006/relationships" xmlns:p="http://schemas.openxmlformats.org/presentationml/2006/main" showMasterSp="0" showMasterPhAnim="0">
   <p:cSld>
     <p:spTree>
       <p:nvGrpSpPr>
-        <p:cNvPr id="136" name="Shape 136"/>
+        <p:cNvPr id="1" name="Shape 136"/>
         <p:cNvGrpSpPr/>
         <p:nvPr/>
       </p:nvGrpSpPr>
@@ -829,9 +1284,11 @@
       <p:sp>
         <p:nvSpPr>
           <p:cNvPr id="137" name="Google Shape;137;g2cc5bc4d089_0_31:notes"/>
-          <p:cNvSpPr/>
+          <p:cNvSpPr>
+            <a:spLocks noGrp="1" noRot="1" noChangeAspect="1"/>
+          </p:cNvSpPr>
           <p:nvPr>
-            <p:ph idx="2" type="sldImg"/>
+            <p:ph type="sldImg" idx="2"/>
           </p:nvPr>
         </p:nvSpPr>
         <p:spPr>
@@ -840,9 +1297,13 @@
             <a:ext cx="6096000" cy="3429000"/>
           </a:xfrm>
           <a:custGeom>
-            <a:rect b="b" l="l" r="r" t="t"/>
+            <a:avLst/>
+            <a:gdLst/>
+            <a:ahLst/>
+            <a:cxnLst/>
+            <a:rect l="l" t="t" r="r" b="b"/>
             <a:pathLst>
-              <a:path extrusionOk="0" h="120000" w="120000">
+              <a:path w="120000" h="120000" extrusionOk="0">
                 <a:moveTo>
                   <a:pt x="0" y="0"/>
                 </a:moveTo>
@@ -864,9 +1325,11 @@
       <p:sp>
         <p:nvSpPr>
           <p:cNvPr id="138" name="Google Shape;138;g2cc5bc4d089_0_31:notes"/>
-          <p:cNvSpPr txBox="1"/>
+          <p:cNvSpPr txBox="1">
+            <a:spLocks noGrp="1"/>
+          </p:cNvSpPr>
           <p:nvPr>
-            <p:ph idx="1" type="body"/>
+            <p:ph type="body" idx="1"/>
           </p:nvPr>
         </p:nvSpPr>
         <p:spPr>
@@ -879,12 +1342,12 @@
           </a:prstGeom>
         </p:spPr>
         <p:txBody>
-          <a:bodyPr anchorCtr="0" anchor="t" bIns="91425" lIns="91425" spcFirstLastPara="1" rIns="91425" wrap="square" tIns="91425">
+          <a:bodyPr spcFirstLastPara="1" wrap="square" lIns="91425" tIns="91425" rIns="91425" bIns="91425" anchor="t" anchorCtr="0">
             <a:noAutofit/>
           </a:bodyPr>
           <a:lstStyle/>
           <a:p>
-            <a:pPr indent="0" lvl="0" marL="0" rtl="0" algn="l">
+            <a:pPr marL="0" lvl="0" indent="0" algn="l" rtl="0">
               <a:spcBef>
                 <a:spcPts val="0"/>
               </a:spcBef>
@@ -893,9 +1356,6 @@
               </a:spcAft>
               <a:buNone/>
             </a:pPr>
-            <a:r>
-              <a:t/>
-            </a:r>
             <a:endParaRPr/>
           </a:p>
         </p:txBody>
@@ -909,11 +1369,11 @@
 </file>
 
 <file path=ppt/notesSlides/notesSlide3.xml><?xml version="1.0" encoding="utf-8"?>
-<p:notes xmlns:a="http://schemas.openxmlformats.org/drawingml/2006/main" xmlns:r="http://schemas.openxmlformats.org/officeDocument/2006/relationships" xmlns:mc="http://schemas.openxmlformats.org/markup-compatibility/2006" xmlns:mv="urn:schemas-microsoft-com:mac:vml" xmlns:p="http://schemas.openxmlformats.org/presentationml/2006/main" xmlns:c="http://schemas.openxmlformats.org/drawingml/2006/chart" xmlns:dgm="http://schemas.openxmlformats.org/drawingml/2006/diagram" xmlns:o="urn:schemas-microsoft-com:office:office" xmlns:v="urn:schemas-microsoft-com:vml" xmlns:pvml="urn:schemas-microsoft-com:office:powerpoint" xmlns:com="http://schemas.openxmlformats.org/drawingml/2006/compatibility" xmlns:p14="http://schemas.microsoft.com/office/powerpoint/2010/main" xmlns:p15="http://schemas.microsoft.com/office/powerpoint/2012/main" xmlns:ahyp="http://schemas.microsoft.com/office/drawing/2018/hyperlinkcolor" showMasterPhAnim="0" showMasterSp="0">
+<p:notes xmlns:a="http://schemas.openxmlformats.org/drawingml/2006/main" xmlns:r="http://schemas.openxmlformats.org/officeDocument/2006/relationships" xmlns:p="http://schemas.openxmlformats.org/presentationml/2006/main" showMasterSp="0" showMasterPhAnim="0">
   <p:cSld>
     <p:spTree>
       <p:nvGrpSpPr>
-        <p:cNvPr id="143" name="Shape 143"/>
+        <p:cNvPr id="1" name="Shape 143"/>
         <p:cNvGrpSpPr/>
         <p:nvPr/>
       </p:nvGrpSpPr>
@@ -928,9 +1388,11 @@
       <p:sp>
         <p:nvSpPr>
           <p:cNvPr id="144" name="Google Shape;144;g26f41f4eb30_0_0:notes"/>
-          <p:cNvSpPr/>
+          <p:cNvSpPr>
+            <a:spLocks noGrp="1" noRot="1" noChangeAspect="1"/>
+          </p:cNvSpPr>
           <p:nvPr>
-            <p:ph idx="2" type="sldImg"/>
+            <p:ph type="sldImg" idx="2"/>
           </p:nvPr>
         </p:nvSpPr>
         <p:spPr>
@@ -939,9 +1401,13 @@
             <a:ext cx="6096000" cy="3429000"/>
           </a:xfrm>
           <a:custGeom>
-            <a:rect b="b" l="l" r="r" t="t"/>
+            <a:avLst/>
+            <a:gdLst/>
+            <a:ahLst/>
+            <a:cxnLst/>
+            <a:rect l="l" t="t" r="r" b="b"/>
             <a:pathLst>
-              <a:path extrusionOk="0" h="120000" w="120000">
+              <a:path w="120000" h="120000" extrusionOk="0">
                 <a:moveTo>
                   <a:pt x="0" y="0"/>
                 </a:moveTo>
@@ -963,9 +1429,11 @@
       <p:sp>
         <p:nvSpPr>
           <p:cNvPr id="145" name="Google Shape;145;g26f41f4eb30_0_0:notes"/>
-          <p:cNvSpPr txBox="1"/>
+          <p:cNvSpPr txBox="1">
+            <a:spLocks noGrp="1"/>
+          </p:cNvSpPr>
           <p:nvPr>
-            <p:ph idx="1" type="body"/>
+            <p:ph type="body" idx="1"/>
           </p:nvPr>
         </p:nvSpPr>
         <p:spPr>
@@ -978,12 +1446,12 @@
           </a:prstGeom>
         </p:spPr>
         <p:txBody>
-          <a:bodyPr anchorCtr="0" anchor="t" bIns="91425" lIns="91425" spcFirstLastPara="1" rIns="91425" wrap="square" tIns="91425">
+          <a:bodyPr spcFirstLastPara="1" wrap="square" lIns="91425" tIns="91425" rIns="91425" bIns="91425" anchor="t" anchorCtr="0">
             <a:noAutofit/>
           </a:bodyPr>
           <a:lstStyle/>
           <a:p>
-            <a:pPr indent="0" lvl="0" marL="0" rtl="0" algn="l">
+            <a:pPr marL="0" lvl="0" indent="0" algn="l" rtl="0">
               <a:spcBef>
                 <a:spcPts val="0"/>
               </a:spcBef>
@@ -992,9 +1460,6 @@
               </a:spcAft>
               <a:buNone/>
             </a:pPr>
-            <a:r>
-              <a:t/>
-            </a:r>
             <a:endParaRPr/>
           </a:p>
         </p:txBody>
@@ -1008,11 +1473,11 @@
 </file>
 
 <file path=ppt/notesSlides/notesSlide4.xml><?xml version="1.0" encoding="utf-8"?>
-<p:notes xmlns:a="http://schemas.openxmlformats.org/drawingml/2006/main" xmlns:r="http://schemas.openxmlformats.org/officeDocument/2006/relationships" xmlns:mc="http://schemas.openxmlformats.org/markup-compatibility/2006" xmlns:mv="urn:schemas-microsoft-com:mac:vml" xmlns:p="http://schemas.openxmlformats.org/presentationml/2006/main" xmlns:c="http://schemas.openxmlformats.org/drawingml/2006/chart" xmlns:dgm="http://schemas.openxmlformats.org/drawingml/2006/diagram" xmlns:o="urn:schemas-microsoft-com:office:office" xmlns:v="urn:schemas-microsoft-com:vml" xmlns:pvml="urn:schemas-microsoft-com:office:powerpoint" xmlns:com="http://schemas.openxmlformats.org/drawingml/2006/compatibility" xmlns:p14="http://schemas.microsoft.com/office/powerpoint/2010/main" xmlns:p15="http://schemas.microsoft.com/office/powerpoint/2012/main" xmlns:ahyp="http://schemas.microsoft.com/office/drawing/2018/hyperlinkcolor" showMasterPhAnim="0" showMasterSp="0">
+<p:notes xmlns:a="http://schemas.openxmlformats.org/drawingml/2006/main" xmlns:r="http://schemas.openxmlformats.org/officeDocument/2006/relationships" xmlns:p="http://schemas.openxmlformats.org/presentationml/2006/main" showMasterSp="0" showMasterPhAnim="0">
   <p:cSld>
     <p:spTree>
       <p:nvGrpSpPr>
-        <p:cNvPr id="150" name="Shape 150"/>
+        <p:cNvPr id="1" name="Shape 150"/>
         <p:cNvGrpSpPr/>
         <p:nvPr/>
       </p:nvGrpSpPr>
@@ -1027,9 +1492,11 @@
       <p:sp>
         <p:nvSpPr>
           <p:cNvPr id="151" name="Google Shape;151;g26f41f4eb30_0_32:notes"/>
-          <p:cNvSpPr/>
+          <p:cNvSpPr>
+            <a:spLocks noGrp="1" noRot="1" noChangeAspect="1"/>
+          </p:cNvSpPr>
           <p:nvPr>
-            <p:ph idx="2" type="sldImg"/>
+            <p:ph type="sldImg" idx="2"/>
           </p:nvPr>
         </p:nvSpPr>
         <p:spPr>
@@ -1038,9 +1505,13 @@
             <a:ext cx="6096000" cy="3429000"/>
           </a:xfrm>
           <a:custGeom>
-            <a:rect b="b" l="l" r="r" t="t"/>
+            <a:avLst/>
+            <a:gdLst/>
+            <a:ahLst/>
+            <a:cxnLst/>
+            <a:rect l="l" t="t" r="r" b="b"/>
             <a:pathLst>
-              <a:path extrusionOk="0" h="120000" w="120000">
+              <a:path w="120000" h="120000" extrusionOk="0">
                 <a:moveTo>
                   <a:pt x="0" y="0"/>
                 </a:moveTo>
@@ -1062,9 +1533,11 @@
       <p:sp>
         <p:nvSpPr>
           <p:cNvPr id="152" name="Google Shape;152;g26f41f4eb30_0_32:notes"/>
-          <p:cNvSpPr txBox="1"/>
+          <p:cNvSpPr txBox="1">
+            <a:spLocks noGrp="1"/>
+          </p:cNvSpPr>
           <p:nvPr>
-            <p:ph idx="1" type="body"/>
+            <p:ph type="body" idx="1"/>
           </p:nvPr>
         </p:nvSpPr>
         <p:spPr>
@@ -1077,12 +1550,12 @@
           </a:prstGeom>
         </p:spPr>
         <p:txBody>
-          <a:bodyPr anchorCtr="0" anchor="t" bIns="91425" lIns="91425" spcFirstLastPara="1" rIns="91425" wrap="square" tIns="91425">
+          <a:bodyPr spcFirstLastPara="1" wrap="square" lIns="91425" tIns="91425" rIns="91425" bIns="91425" anchor="t" anchorCtr="0">
             <a:noAutofit/>
           </a:bodyPr>
           <a:lstStyle/>
           <a:p>
-            <a:pPr indent="0" lvl="0" marL="0" rtl="0" algn="l">
+            <a:pPr marL="0" lvl="0" indent="0" algn="l" rtl="0">
               <a:spcBef>
                 <a:spcPts val="0"/>
               </a:spcBef>
@@ -1091,9 +1564,6 @@
               </a:spcAft>
               <a:buNone/>
             </a:pPr>
-            <a:r>
-              <a:t/>
-            </a:r>
             <a:endParaRPr/>
           </a:p>
         </p:txBody>
@@ -1107,11 +1577,11 @@
 </file>
 
 <file path=ppt/notesSlides/notesSlide5.xml><?xml version="1.0" encoding="utf-8"?>
-<p:notes xmlns:a="http://schemas.openxmlformats.org/drawingml/2006/main" xmlns:r="http://schemas.openxmlformats.org/officeDocument/2006/relationships" xmlns:mc="http://schemas.openxmlformats.org/markup-compatibility/2006" xmlns:mv="urn:schemas-microsoft-com:mac:vml" xmlns:p="http://schemas.openxmlformats.org/presentationml/2006/main" xmlns:c="http://schemas.openxmlformats.org/drawingml/2006/chart" xmlns:dgm="http://schemas.openxmlformats.org/drawingml/2006/diagram" xmlns:o="urn:schemas-microsoft-com:office:office" xmlns:v="urn:schemas-microsoft-com:vml" xmlns:pvml="urn:schemas-microsoft-com:office:powerpoint" xmlns:com="http://schemas.openxmlformats.org/drawingml/2006/compatibility" xmlns:p14="http://schemas.microsoft.com/office/powerpoint/2010/main" xmlns:p15="http://schemas.microsoft.com/office/powerpoint/2012/main" xmlns:ahyp="http://schemas.microsoft.com/office/drawing/2018/hyperlinkcolor" showMasterPhAnim="0" showMasterSp="0">
+<p:notes xmlns:a="http://schemas.openxmlformats.org/drawingml/2006/main" xmlns:r="http://schemas.openxmlformats.org/officeDocument/2006/relationships" xmlns:p="http://schemas.openxmlformats.org/presentationml/2006/main" showMasterSp="0" showMasterPhAnim="0">
   <p:cSld>
     <p:spTree>
       <p:nvGrpSpPr>
-        <p:cNvPr id="157" name="Shape 157"/>
+        <p:cNvPr id="1" name="Shape 157"/>
         <p:cNvGrpSpPr/>
         <p:nvPr/>
       </p:nvGrpSpPr>
@@ -1126,9 +1596,11 @@
       <p:sp>
         <p:nvSpPr>
           <p:cNvPr id="158" name="Google Shape;158;g26f41f4eb30_0_5:notes"/>
-          <p:cNvSpPr/>
+          <p:cNvSpPr>
+            <a:spLocks noGrp="1" noRot="1" noChangeAspect="1"/>
+          </p:cNvSpPr>
           <p:nvPr>
-            <p:ph idx="2" type="sldImg"/>
+            <p:ph type="sldImg" idx="2"/>
           </p:nvPr>
         </p:nvSpPr>
         <p:spPr>
@@ -1137,9 +1609,13 @@
             <a:ext cx="6096000" cy="3429000"/>
           </a:xfrm>
           <a:custGeom>
-            <a:rect b="b" l="l" r="r" t="t"/>
+            <a:avLst/>
+            <a:gdLst/>
+            <a:ahLst/>
+            <a:cxnLst/>
+            <a:rect l="l" t="t" r="r" b="b"/>
             <a:pathLst>
-              <a:path extrusionOk="0" h="120000" w="120000">
+              <a:path w="120000" h="120000" extrusionOk="0">
                 <a:moveTo>
                   <a:pt x="0" y="0"/>
                 </a:moveTo>
@@ -1161,9 +1637,11 @@
       <p:sp>
         <p:nvSpPr>
           <p:cNvPr id="159" name="Google Shape;159;g26f41f4eb30_0_5:notes"/>
-          <p:cNvSpPr txBox="1"/>
+          <p:cNvSpPr txBox="1">
+            <a:spLocks noGrp="1"/>
+          </p:cNvSpPr>
           <p:nvPr>
-            <p:ph idx="1" type="body"/>
+            <p:ph type="body" idx="1"/>
           </p:nvPr>
         </p:nvSpPr>
         <p:spPr>
@@ -1176,12 +1654,12 @@
           </a:prstGeom>
         </p:spPr>
         <p:txBody>
-          <a:bodyPr anchorCtr="0" anchor="t" bIns="91425" lIns="91425" spcFirstLastPara="1" rIns="91425" wrap="square" tIns="91425">
+          <a:bodyPr spcFirstLastPara="1" wrap="square" lIns="91425" tIns="91425" rIns="91425" bIns="91425" anchor="t" anchorCtr="0">
             <a:noAutofit/>
           </a:bodyPr>
           <a:lstStyle/>
           <a:p>
-            <a:pPr indent="0" lvl="0" marL="0" rtl="0" algn="l">
+            <a:pPr marL="0" lvl="0" indent="0" algn="l" rtl="0">
               <a:spcBef>
                 <a:spcPts val="0"/>
               </a:spcBef>
@@ -1190,9 +1668,6 @@
               </a:spcAft>
               <a:buNone/>
             </a:pPr>
-            <a:r>
-              <a:t/>
-            </a:r>
             <a:endParaRPr/>
           </a:p>
         </p:txBody>
@@ -1206,11 +1681,11 @@
 </file>
 
 <file path=ppt/notesSlides/notesSlide6.xml><?xml version="1.0" encoding="utf-8"?>
-<p:notes xmlns:a="http://schemas.openxmlformats.org/drawingml/2006/main" xmlns:r="http://schemas.openxmlformats.org/officeDocument/2006/relationships" xmlns:mc="http://schemas.openxmlformats.org/markup-compatibility/2006" xmlns:mv="urn:schemas-microsoft-com:mac:vml" xmlns:p="http://schemas.openxmlformats.org/presentationml/2006/main" xmlns:c="http://schemas.openxmlformats.org/drawingml/2006/chart" xmlns:dgm="http://schemas.openxmlformats.org/drawingml/2006/diagram" xmlns:o="urn:schemas-microsoft-com:office:office" xmlns:v="urn:schemas-microsoft-com:vml" xmlns:pvml="urn:schemas-microsoft-com:office:powerpoint" xmlns:com="http://schemas.openxmlformats.org/drawingml/2006/compatibility" xmlns:p14="http://schemas.microsoft.com/office/powerpoint/2010/main" xmlns:p15="http://schemas.microsoft.com/office/powerpoint/2012/main" xmlns:ahyp="http://schemas.microsoft.com/office/drawing/2018/hyperlinkcolor" showMasterPhAnim="0" showMasterSp="0">
+<p:notes xmlns:a="http://schemas.openxmlformats.org/drawingml/2006/main" xmlns:r="http://schemas.openxmlformats.org/officeDocument/2006/relationships" xmlns:p="http://schemas.openxmlformats.org/presentationml/2006/main" showMasterSp="0" showMasterPhAnim="0">
   <p:cSld>
     <p:spTree>
       <p:nvGrpSpPr>
-        <p:cNvPr id="165" name="Shape 165"/>
+        <p:cNvPr id="1" name="Shape 165"/>
         <p:cNvGrpSpPr/>
         <p:nvPr/>
       </p:nvGrpSpPr>
@@ -1225,9 +1700,11 @@
       <p:sp>
         <p:nvSpPr>
           <p:cNvPr id="166" name="Google Shape;166;g26f41f4eb30_0_19:notes"/>
-          <p:cNvSpPr/>
+          <p:cNvSpPr>
+            <a:spLocks noGrp="1" noRot="1" noChangeAspect="1"/>
+          </p:cNvSpPr>
           <p:nvPr>
-            <p:ph idx="2" type="sldImg"/>
+            <p:ph type="sldImg" idx="2"/>
           </p:nvPr>
         </p:nvSpPr>
         <p:spPr>
@@ -1236,9 +1713,13 @@
             <a:ext cx="6096000" cy="3429000"/>
           </a:xfrm>
           <a:custGeom>
-            <a:rect b="b" l="l" r="r" t="t"/>
+            <a:avLst/>
+            <a:gdLst/>
+            <a:ahLst/>
+            <a:cxnLst/>
+            <a:rect l="l" t="t" r="r" b="b"/>
             <a:pathLst>
-              <a:path extrusionOk="0" h="120000" w="120000">
+              <a:path w="120000" h="120000" extrusionOk="0">
                 <a:moveTo>
                   <a:pt x="0" y="0"/>
                 </a:moveTo>
@@ -1260,9 +1741,11 @@
       <p:sp>
         <p:nvSpPr>
           <p:cNvPr id="167" name="Google Shape;167;g26f41f4eb30_0_19:notes"/>
-          <p:cNvSpPr txBox="1"/>
+          <p:cNvSpPr txBox="1">
+            <a:spLocks noGrp="1"/>
+          </p:cNvSpPr>
           <p:nvPr>
-            <p:ph idx="1" type="body"/>
+            <p:ph type="body" idx="1"/>
           </p:nvPr>
         </p:nvSpPr>
         <p:spPr>
@@ -1275,12 +1758,12 @@
           </a:prstGeom>
         </p:spPr>
         <p:txBody>
-          <a:bodyPr anchorCtr="0" anchor="t" bIns="91425" lIns="91425" spcFirstLastPara="1" rIns="91425" wrap="square" tIns="91425">
+          <a:bodyPr spcFirstLastPara="1" wrap="square" lIns="91425" tIns="91425" rIns="91425" bIns="91425" anchor="t" anchorCtr="0">
             <a:noAutofit/>
           </a:bodyPr>
           <a:lstStyle/>
           <a:p>
-            <a:pPr indent="0" lvl="0" marL="0" rtl="0" algn="l">
+            <a:pPr marL="0" lvl="0" indent="0" algn="l" rtl="0">
               <a:spcBef>
                 <a:spcPts val="0"/>
               </a:spcBef>
@@ -1289,9 +1772,6 @@
               </a:spcAft>
               <a:buNone/>
             </a:pPr>
-            <a:r>
-              <a:t/>
-            </a:r>
             <a:endParaRPr/>
           </a:p>
         </p:txBody>
@@ -1305,11 +1785,11 @@
 </file>
 
 <file path=ppt/notesSlides/notesSlide7.xml><?xml version="1.0" encoding="utf-8"?>
-<p:notes xmlns:a="http://schemas.openxmlformats.org/drawingml/2006/main" xmlns:r="http://schemas.openxmlformats.org/officeDocument/2006/relationships" xmlns:mc="http://schemas.openxmlformats.org/markup-compatibility/2006" xmlns:mv="urn:schemas-microsoft-com:mac:vml" xmlns:p="http://schemas.openxmlformats.org/presentationml/2006/main" xmlns:c="http://schemas.openxmlformats.org/drawingml/2006/chart" xmlns:dgm="http://schemas.openxmlformats.org/drawingml/2006/diagram" xmlns:o="urn:schemas-microsoft-com:office:office" xmlns:v="urn:schemas-microsoft-com:vml" xmlns:pvml="urn:schemas-microsoft-com:office:powerpoint" xmlns:com="http://schemas.openxmlformats.org/drawingml/2006/compatibility" xmlns:p14="http://schemas.microsoft.com/office/powerpoint/2010/main" xmlns:p15="http://schemas.microsoft.com/office/powerpoint/2012/main" xmlns:ahyp="http://schemas.microsoft.com/office/drawing/2018/hyperlinkcolor" showMasterPhAnim="0" showMasterSp="0">
+<p:notes xmlns:a="http://schemas.openxmlformats.org/drawingml/2006/main" xmlns:r="http://schemas.openxmlformats.org/officeDocument/2006/relationships" xmlns:p="http://schemas.openxmlformats.org/presentationml/2006/main" showMasterSp="0" showMasterPhAnim="0">
   <p:cSld>
     <p:spTree>
       <p:nvGrpSpPr>
-        <p:cNvPr id="172" name="Shape 172"/>
+        <p:cNvPr id="1" name="Shape 172"/>
         <p:cNvGrpSpPr/>
         <p:nvPr/>
       </p:nvGrpSpPr>
@@ -1324,9 +1804,11 @@
       <p:sp>
         <p:nvSpPr>
           <p:cNvPr id="173" name="Google Shape;173;g26f41f4eb30_0_24:notes"/>
-          <p:cNvSpPr/>
+          <p:cNvSpPr>
+            <a:spLocks noGrp="1" noRot="1" noChangeAspect="1"/>
+          </p:cNvSpPr>
           <p:nvPr>
-            <p:ph idx="2" type="sldImg"/>
+            <p:ph type="sldImg" idx="2"/>
           </p:nvPr>
         </p:nvSpPr>
         <p:spPr>
@@ -1335,9 +1817,13 @@
             <a:ext cx="6096000" cy="3429000"/>
           </a:xfrm>
           <a:custGeom>
-            <a:rect b="b" l="l" r="r" t="t"/>
+            <a:avLst/>
+            <a:gdLst/>
+            <a:ahLst/>
+            <a:cxnLst/>
+            <a:rect l="l" t="t" r="r" b="b"/>
             <a:pathLst>
-              <a:path extrusionOk="0" h="120000" w="120000">
+              <a:path w="120000" h="120000" extrusionOk="0">
                 <a:moveTo>
                   <a:pt x="0" y="0"/>
                 </a:moveTo>
@@ -1359,9 +1845,11 @@
       <p:sp>
         <p:nvSpPr>
           <p:cNvPr id="174" name="Google Shape;174;g26f41f4eb30_0_24:notes"/>
-          <p:cNvSpPr txBox="1"/>
+          <p:cNvSpPr txBox="1">
+            <a:spLocks noGrp="1"/>
+          </p:cNvSpPr>
           <p:nvPr>
-            <p:ph idx="1" type="body"/>
+            <p:ph type="body" idx="1"/>
           </p:nvPr>
         </p:nvSpPr>
         <p:spPr>
@@ -1374,12 +1862,12 @@
           </a:prstGeom>
         </p:spPr>
         <p:txBody>
-          <a:bodyPr anchorCtr="0" anchor="t" bIns="91425" lIns="91425" spcFirstLastPara="1" rIns="91425" wrap="square" tIns="91425">
+          <a:bodyPr spcFirstLastPara="1" wrap="square" lIns="91425" tIns="91425" rIns="91425" bIns="91425" anchor="t" anchorCtr="0">
             <a:noAutofit/>
           </a:bodyPr>
           <a:lstStyle/>
           <a:p>
-            <a:pPr indent="0" lvl="0" marL="0" rtl="0" algn="l">
+            <a:pPr marL="0" lvl="0" indent="0" algn="l" rtl="0">
               <a:spcBef>
                 <a:spcPts val="0"/>
               </a:spcBef>
@@ -1388,9 +1876,6 @@
               </a:spcAft>
               <a:buNone/>
             </a:pPr>
-            <a:r>
-              <a:t/>
-            </a:r>
             <a:endParaRPr/>
           </a:p>
         </p:txBody>
@@ -1404,11 +1889,11 @@
 </file>
 
 <file path=ppt/notesSlides/notesSlide8.xml><?xml version="1.0" encoding="utf-8"?>
-<p:notes xmlns:a="http://schemas.openxmlformats.org/drawingml/2006/main" xmlns:r="http://schemas.openxmlformats.org/officeDocument/2006/relationships" xmlns:mc="http://schemas.openxmlformats.org/markup-compatibility/2006" xmlns:mv="urn:schemas-microsoft-com:mac:vml" xmlns:p="http://schemas.openxmlformats.org/presentationml/2006/main" xmlns:c="http://schemas.openxmlformats.org/drawingml/2006/chart" xmlns:dgm="http://schemas.openxmlformats.org/drawingml/2006/diagram" xmlns:o="urn:schemas-microsoft-com:office:office" xmlns:v="urn:schemas-microsoft-com:vml" xmlns:pvml="urn:schemas-microsoft-com:office:powerpoint" xmlns:com="http://schemas.openxmlformats.org/drawingml/2006/compatibility" xmlns:p14="http://schemas.microsoft.com/office/powerpoint/2010/main" xmlns:p15="http://schemas.microsoft.com/office/powerpoint/2012/main" xmlns:ahyp="http://schemas.microsoft.com/office/drawing/2018/hyperlinkcolor" showMasterPhAnim="0" showMasterSp="0">
+<p:notes xmlns:a="http://schemas.openxmlformats.org/drawingml/2006/main" xmlns:r="http://schemas.openxmlformats.org/officeDocument/2006/relationships" xmlns:p="http://schemas.openxmlformats.org/presentationml/2006/main" showMasterSp="0" showMasterPhAnim="0">
   <p:cSld>
     <p:spTree>
       <p:nvGrpSpPr>
-        <p:cNvPr id="179" name="Shape 179"/>
+        <p:cNvPr id="1" name="Shape 179"/>
         <p:cNvGrpSpPr/>
         <p:nvPr/>
       </p:nvGrpSpPr>
@@ -1423,9 +1908,11 @@
       <p:sp>
         <p:nvSpPr>
           <p:cNvPr id="180" name="Google Shape;180;g26f41f4eb30_0_10:notes"/>
-          <p:cNvSpPr/>
+          <p:cNvSpPr>
+            <a:spLocks noGrp="1" noRot="1" noChangeAspect="1"/>
+          </p:cNvSpPr>
           <p:nvPr>
-            <p:ph idx="2" type="sldImg"/>
+            <p:ph type="sldImg" idx="2"/>
           </p:nvPr>
         </p:nvSpPr>
         <p:spPr>
@@ -1434,9 +1921,13 @@
             <a:ext cx="6096000" cy="3429000"/>
           </a:xfrm>
           <a:custGeom>
-            <a:rect b="b" l="l" r="r" t="t"/>
+            <a:avLst/>
+            <a:gdLst/>
+            <a:ahLst/>
+            <a:cxnLst/>
+            <a:rect l="l" t="t" r="r" b="b"/>
             <a:pathLst>
-              <a:path extrusionOk="0" h="120000" w="120000">
+              <a:path w="120000" h="120000" extrusionOk="0">
                 <a:moveTo>
                   <a:pt x="0" y="0"/>
                 </a:moveTo>
@@ -1458,9 +1949,11 @@
       <p:sp>
         <p:nvSpPr>
           <p:cNvPr id="181" name="Google Shape;181;g26f41f4eb30_0_10:notes"/>
-          <p:cNvSpPr txBox="1"/>
+          <p:cNvSpPr txBox="1">
+            <a:spLocks noGrp="1"/>
+          </p:cNvSpPr>
           <p:nvPr>
-            <p:ph idx="1" type="body"/>
+            <p:ph type="body" idx="1"/>
           </p:nvPr>
         </p:nvSpPr>
         <p:spPr>
@@ -1473,12 +1966,12 @@
           </a:prstGeom>
         </p:spPr>
         <p:txBody>
-          <a:bodyPr anchorCtr="0" anchor="t" bIns="91425" lIns="91425" spcFirstLastPara="1" rIns="91425" wrap="square" tIns="91425">
+          <a:bodyPr spcFirstLastPara="1" wrap="square" lIns="91425" tIns="91425" rIns="91425" bIns="91425" anchor="t" anchorCtr="0">
             <a:noAutofit/>
           </a:bodyPr>
           <a:lstStyle/>
           <a:p>
-            <a:pPr indent="0" lvl="0" marL="0" rtl="0" algn="l">
+            <a:pPr marL="0" lvl="0" indent="0" algn="l" rtl="0">
               <a:spcBef>
                 <a:spcPts val="0"/>
               </a:spcBef>
@@ -1487,9 +1980,6 @@
               </a:spcAft>
               <a:buNone/>
             </a:pPr>
-            <a:r>
-              <a:t/>
-            </a:r>
             <a:endParaRPr/>
           </a:p>
         </p:txBody>
@@ -1503,11 +1993,11 @@
 </file>
 
 <file path=ppt/notesSlides/notesSlide9.xml><?xml version="1.0" encoding="utf-8"?>
-<p:notes xmlns:a="http://schemas.openxmlformats.org/drawingml/2006/main" xmlns:r="http://schemas.openxmlformats.org/officeDocument/2006/relationships" xmlns:mc="http://schemas.openxmlformats.org/markup-compatibility/2006" xmlns:mv="urn:schemas-microsoft-com:mac:vml" xmlns:p="http://schemas.openxmlformats.org/presentationml/2006/main" xmlns:c="http://schemas.openxmlformats.org/drawingml/2006/chart" xmlns:dgm="http://schemas.openxmlformats.org/drawingml/2006/diagram" xmlns:o="urn:schemas-microsoft-com:office:office" xmlns:v="urn:schemas-microsoft-com:vml" xmlns:pvml="urn:schemas-microsoft-com:office:powerpoint" xmlns:com="http://schemas.openxmlformats.org/drawingml/2006/compatibility" xmlns:p14="http://schemas.microsoft.com/office/powerpoint/2010/main" xmlns:p15="http://schemas.microsoft.com/office/powerpoint/2012/main" xmlns:ahyp="http://schemas.microsoft.com/office/drawing/2018/hyperlinkcolor" showMasterPhAnim="0" showMasterSp="0">
+<p:notes xmlns:a="http://schemas.openxmlformats.org/drawingml/2006/main" xmlns:r="http://schemas.openxmlformats.org/officeDocument/2006/relationships" xmlns:p="http://schemas.openxmlformats.org/presentationml/2006/main" showMasterSp="0" showMasterPhAnim="0">
   <p:cSld>
     <p:spTree>
       <p:nvGrpSpPr>
-        <p:cNvPr id="186" name="Shape 186"/>
+        <p:cNvPr id="1" name="Shape 179"/>
         <p:cNvGrpSpPr/>
         <p:nvPr/>
       </p:nvGrpSpPr>
@@ -1521,21 +2011,27 @@
       </p:grpSpPr>
       <p:sp>
         <p:nvSpPr>
-          <p:cNvPr id="187" name="Google Shape;187;g26e4965af44_0_54:notes"/>
-          <p:cNvSpPr/>
+          <p:cNvPr id="180" name="Google Shape;180;g26f41f4eb30_0_10:notes"/>
+          <p:cNvSpPr>
+            <a:spLocks noGrp="1" noRot="1" noChangeAspect="1"/>
+          </p:cNvSpPr>
           <p:nvPr>
-            <p:ph idx="2" type="sldImg"/>
+            <p:ph type="sldImg" idx="2"/>
           </p:nvPr>
         </p:nvSpPr>
         <p:spPr>
           <a:xfrm>
-            <a:off x="381300" y="685800"/>
+            <a:off x="381000" y="685800"/>
             <a:ext cx="6096000" cy="3429000"/>
           </a:xfrm>
           <a:custGeom>
-            <a:rect b="b" l="l" r="r" t="t"/>
+            <a:avLst/>
+            <a:gdLst/>
+            <a:ahLst/>
+            <a:cxnLst/>
+            <a:rect l="l" t="t" r="r" b="b"/>
             <a:pathLst>
-              <a:path extrusionOk="0" h="120000" w="120000">
+              <a:path w="120000" h="120000" extrusionOk="0">
                 <a:moveTo>
                   <a:pt x="0" y="0"/>
                 </a:moveTo>
@@ -1556,10 +2052,12 @@
       </p:sp>
       <p:sp>
         <p:nvSpPr>
-          <p:cNvPr id="188" name="Google Shape;188;g26e4965af44_0_54:notes"/>
-          <p:cNvSpPr txBox="1"/>
+          <p:cNvPr id="181" name="Google Shape;181;g26f41f4eb30_0_10:notes"/>
+          <p:cNvSpPr txBox="1">
+            <a:spLocks noGrp="1"/>
+          </p:cNvSpPr>
           <p:nvPr>
-            <p:ph idx="1" type="body"/>
+            <p:ph type="body" idx="1"/>
           </p:nvPr>
         </p:nvSpPr>
         <p:spPr>
@@ -1572,12 +2070,12 @@
           </a:prstGeom>
         </p:spPr>
         <p:txBody>
-          <a:bodyPr anchorCtr="0" anchor="t" bIns="91425" lIns="91425" spcFirstLastPara="1" rIns="91425" wrap="square" tIns="91425">
+          <a:bodyPr spcFirstLastPara="1" wrap="square" lIns="91425" tIns="91425" rIns="91425" bIns="91425" anchor="t" anchorCtr="0">
             <a:noAutofit/>
           </a:bodyPr>
           <a:lstStyle/>
           <a:p>
-            <a:pPr indent="0" lvl="0" marL="0" rtl="0" algn="l">
+            <a:pPr marL="0" lvl="0" indent="0" algn="l" rtl="0">
               <a:spcBef>
                 <a:spcPts val="0"/>
               </a:spcBef>
@@ -1586,14 +2084,16 @@
               </a:spcAft>
               <a:buNone/>
             </a:pPr>
-            <a:r>
-              <a:t/>
-            </a:r>
             <a:endParaRPr/>
           </a:p>
         </p:txBody>
       </p:sp>
     </p:spTree>
+    <p:extLst>
+      <p:ext uri="{BB962C8B-B14F-4D97-AF65-F5344CB8AC3E}">
+        <p14:creationId xmlns:p14="http://schemas.microsoft.com/office/powerpoint/2010/main" val="2554839237"/>
+      </p:ext>
+    </p:extLst>
   </p:cSld>
   <p:clrMapOvr>
     <a:masterClrMapping/>
@@ -1602,11 +2102,11 @@
 </file>
 
 <file path=ppt/slideLayouts/slideLayout1.xml><?xml version="1.0" encoding="utf-8"?>
-<p:sldLayout xmlns:a="http://schemas.openxmlformats.org/drawingml/2006/main" xmlns:r="http://schemas.openxmlformats.org/officeDocument/2006/relationships" xmlns:mc="http://schemas.openxmlformats.org/markup-compatibility/2006" xmlns:mv="urn:schemas-microsoft-com:mac:vml" xmlns:p="http://schemas.openxmlformats.org/presentationml/2006/main" xmlns:c="http://schemas.openxmlformats.org/drawingml/2006/chart" xmlns:dgm="http://schemas.openxmlformats.org/drawingml/2006/diagram" xmlns:o="urn:schemas-microsoft-com:office:office" xmlns:v="urn:schemas-microsoft-com:vml" xmlns:pvml="urn:schemas-microsoft-com:office:powerpoint" xmlns:com="http://schemas.openxmlformats.org/drawingml/2006/compatibility" xmlns:p14="http://schemas.microsoft.com/office/powerpoint/2010/main" xmlns:p15="http://schemas.microsoft.com/office/powerpoint/2012/main" xmlns:ahyp="http://schemas.microsoft.com/office/drawing/2018/hyperlinkcolor" matchingName="Title slide" type="title">
+<p:sldLayout xmlns:a="http://schemas.openxmlformats.org/drawingml/2006/main" xmlns:r="http://schemas.openxmlformats.org/officeDocument/2006/relationships" xmlns:p="http://schemas.openxmlformats.org/presentationml/2006/main" matchingName="Title slide" type="title">
   <p:cSld name="TITLE">
     <p:spTree>
       <p:nvGrpSpPr>
-        <p:cNvPr id="9" name="Shape 9"/>
+        <p:cNvPr id="1" name="Shape 9"/>
         <p:cNvGrpSpPr/>
         <p:nvPr/>
       </p:nvGrpSpPr>
@@ -1631,7 +2131,7 @@
           </a:xfrm>
           <a:prstGeom prst="diagStripe">
             <a:avLst>
-              <a:gd fmla="val 0" name="adj"/>
+              <a:gd name="adj" fmla="val 0"/>
             </a:avLst>
           </a:prstGeom>
           <a:solidFill>
@@ -1644,12 +2144,12 @@
           </a:ln>
         </p:spPr>
         <p:txBody>
-          <a:bodyPr anchorCtr="0" anchor="ctr" bIns="91425" lIns="91425" spcFirstLastPara="1" rIns="91425" wrap="square" tIns="91425">
+          <a:bodyPr spcFirstLastPara="1" wrap="square" lIns="91425" tIns="91425" rIns="91425" bIns="91425" anchor="ctr" anchorCtr="0">
             <a:noAutofit/>
           </a:bodyPr>
           <a:lstStyle/>
           <a:p>
-            <a:pPr indent="0" lvl="0" marL="0" rtl="0" algn="l">
+            <a:pPr marL="0" lvl="0" indent="0" algn="l" rtl="0">
               <a:spcBef>
                 <a:spcPts val="0"/>
               </a:spcBef>
@@ -1658,9 +2158,6 @@
               </a:spcAft>
               <a:buNone/>
             </a:pPr>
-            <a:r>
-              <a:t/>
-            </a:r>
             <a:endParaRPr/>
           </a:p>
         </p:txBody>
@@ -1692,7 +2189,7 @@
             </a:xfrm>
             <a:prstGeom prst="diagStripe">
               <a:avLst>
-                <a:gd fmla="val 50000" name="adj"/>
+                <a:gd name="adj" fmla="val 50000"/>
               </a:avLst>
             </a:prstGeom>
             <a:solidFill>
@@ -1705,12 +2202,12 @@
             </a:ln>
           </p:spPr>
           <p:txBody>
-            <a:bodyPr anchorCtr="0" anchor="ctr" bIns="91425" lIns="91425" spcFirstLastPara="1" rIns="91425" wrap="square" tIns="91425">
+            <a:bodyPr spcFirstLastPara="1" wrap="square" lIns="91425" tIns="91425" rIns="91425" bIns="91425" anchor="ctr" anchorCtr="0">
               <a:noAutofit/>
             </a:bodyPr>
             <a:lstStyle/>
             <a:p>
-              <a:pPr indent="0" lvl="0" marL="0" rtl="0" algn="l">
+              <a:pPr marL="0" lvl="0" indent="0" algn="l" rtl="0">
                 <a:spcBef>
                   <a:spcPts val="0"/>
                 </a:spcBef>
@@ -1719,9 +2216,6 @@
                 </a:spcAft>
                 <a:buNone/>
               </a:pPr>
-              <a:r>
-                <a:t/>
-              </a:r>
               <a:endParaRPr/>
             </a:p>
           </p:txBody>
@@ -1739,7 +2233,7 @@
             </a:xfrm>
             <a:prstGeom prst="diagStripe">
               <a:avLst>
-                <a:gd fmla="val 58774" name="adj"/>
+                <a:gd name="adj" fmla="val 58774"/>
               </a:avLst>
             </a:prstGeom>
             <a:solidFill>
@@ -1752,12 +2246,12 @@
             </a:ln>
           </p:spPr>
           <p:txBody>
-            <a:bodyPr anchorCtr="0" anchor="ctr" bIns="91425" lIns="91425" spcFirstLastPara="1" rIns="91425" wrap="square" tIns="91425">
+            <a:bodyPr spcFirstLastPara="1" wrap="square" lIns="91425" tIns="91425" rIns="91425" bIns="91425" anchor="ctr" anchorCtr="0">
               <a:noAutofit/>
             </a:bodyPr>
             <a:lstStyle/>
             <a:p>
-              <a:pPr indent="0" lvl="0" marL="0" rtl="0" algn="l">
+              <a:pPr marL="0" lvl="0" indent="0" algn="l" rtl="0">
                 <a:spcBef>
                   <a:spcPts val="0"/>
                 </a:spcBef>
@@ -1766,9 +2260,6 @@
                 </a:spcAft>
                 <a:buNone/>
               </a:pPr>
-              <a:r>
-                <a:t/>
-              </a:r>
               <a:endParaRPr/>
             </a:p>
           </p:txBody>
@@ -1786,7 +2277,7 @@
             </a:xfrm>
             <a:prstGeom prst="diagStripe">
               <a:avLst>
-                <a:gd fmla="val 50000" name="adj"/>
+                <a:gd name="adj" fmla="val 50000"/>
               </a:avLst>
             </a:prstGeom>
             <a:solidFill>
@@ -1797,12 +2288,12 @@
             </a:ln>
           </p:spPr>
           <p:txBody>
-            <a:bodyPr anchorCtr="0" anchor="ctr" bIns="91425" lIns="91425" spcFirstLastPara="1" rIns="91425" wrap="square" tIns="91425">
+            <a:bodyPr spcFirstLastPara="1" wrap="square" lIns="91425" tIns="91425" rIns="91425" bIns="91425" anchor="ctr" anchorCtr="0">
               <a:noAutofit/>
             </a:bodyPr>
             <a:lstStyle/>
             <a:p>
-              <a:pPr indent="0" lvl="0" marL="0" rtl="0" algn="l">
+              <a:pPr marL="0" lvl="0" indent="0" algn="l" rtl="0">
                 <a:spcBef>
                   <a:spcPts val="0"/>
                 </a:spcBef>
@@ -1811,9 +2302,6 @@
                 </a:spcAft>
                 <a:buNone/>
               </a:pPr>
-              <a:r>
-                <a:t/>
-              </a:r>
               <a:endParaRPr/>
             </a:p>
           </p:txBody>
@@ -1831,7 +2319,7 @@
             </a:xfrm>
             <a:prstGeom prst="diagStripe">
               <a:avLst>
-                <a:gd fmla="val 50000" name="adj"/>
+                <a:gd name="adj" fmla="val 50000"/>
               </a:avLst>
             </a:prstGeom>
             <a:solidFill>
@@ -1842,12 +2330,12 @@
             </a:ln>
           </p:spPr>
           <p:txBody>
-            <a:bodyPr anchorCtr="0" anchor="ctr" bIns="91425" lIns="91425" spcFirstLastPara="1" rIns="91425" wrap="square" tIns="91425">
+            <a:bodyPr spcFirstLastPara="1" wrap="square" lIns="91425" tIns="91425" rIns="91425" bIns="91425" anchor="ctr" anchorCtr="0">
               <a:noAutofit/>
             </a:bodyPr>
             <a:lstStyle/>
             <a:p>
-              <a:pPr indent="0" lvl="0" marL="0" rtl="0" algn="l">
+              <a:pPr marL="0" lvl="0" indent="0" algn="l" rtl="0">
                 <a:spcBef>
                   <a:spcPts val="0"/>
                 </a:spcBef>
@@ -1856,9 +2344,6 @@
                 </a:spcAft>
                 <a:buNone/>
               </a:pPr>
-              <a:r>
-                <a:t/>
-              </a:r>
               <a:endParaRPr/>
             </a:p>
           </p:txBody>
@@ -1867,7 +2352,9 @@
       <p:sp>
         <p:nvSpPr>
           <p:cNvPr id="16" name="Google Shape;16;p2"/>
-          <p:cNvSpPr txBox="1"/>
+          <p:cNvSpPr txBox="1">
+            <a:spLocks noGrp="1"/>
+          </p:cNvSpPr>
           <p:nvPr>
             <p:ph type="ctrTitle"/>
           </p:nvPr>
@@ -1882,7 +2369,7 @@
           </a:prstGeom>
         </p:spPr>
         <p:txBody>
-          <a:bodyPr anchorCtr="0" anchor="t" bIns="91425" lIns="91425" spcFirstLastPara="1" rIns="91425" wrap="square" tIns="91425">
+          <a:bodyPr spcFirstLastPara="1" wrap="square" lIns="91425" tIns="91425" rIns="91425" bIns="91425" anchor="t" anchorCtr="0">
             <a:normAutofit/>
           </a:bodyPr>
           <a:lstStyle>
@@ -1986,15 +2473,19 @@
               <a:defRPr sz="4000"/>
             </a:lvl9pPr>
           </a:lstStyle>
-          <a:p/>
+          <a:p>
+            <a:endParaRPr/>
+          </a:p>
         </p:txBody>
       </p:sp>
       <p:sp>
         <p:nvSpPr>
           <p:cNvPr id="17" name="Google Shape;17;p2"/>
-          <p:cNvSpPr txBox="1"/>
+          <p:cNvSpPr txBox="1">
+            <a:spLocks noGrp="1"/>
+          </p:cNvSpPr>
           <p:nvPr>
-            <p:ph idx="1" type="subTitle"/>
+            <p:ph type="subTitle" idx="1"/>
           </p:nvPr>
         </p:nvSpPr>
         <p:spPr>
@@ -2007,7 +2498,7 @@
           </a:prstGeom>
         </p:spPr>
         <p:txBody>
-          <a:bodyPr anchorCtr="0" anchor="t" bIns="91425" lIns="91425" spcFirstLastPara="1" rIns="91425" wrap="square" tIns="91425">
+          <a:bodyPr spcFirstLastPara="1" wrap="square" lIns="91425" tIns="91425" rIns="91425" bIns="91425" anchor="t" anchorCtr="0">
             <a:normAutofit/>
           </a:bodyPr>
           <a:lstStyle>
@@ -2138,15 +2629,19 @@
               <a:defRPr sz="1300"/>
             </a:lvl9pPr>
           </a:lstStyle>
-          <a:p/>
+          <a:p>
+            <a:endParaRPr/>
+          </a:p>
         </p:txBody>
       </p:sp>
       <p:sp>
         <p:nvSpPr>
           <p:cNvPr id="18" name="Google Shape;18;p2"/>
-          <p:cNvSpPr txBox="1"/>
+          <p:cNvSpPr txBox="1">
+            <a:spLocks noGrp="1"/>
+          </p:cNvSpPr>
           <p:nvPr>
-            <p:ph idx="12" type="sldNum"/>
+            <p:ph type="sldNum" idx="12"/>
           </p:nvPr>
         </p:nvSpPr>
         <p:spPr>
@@ -2159,7 +2654,7 @@
           </a:prstGeom>
         </p:spPr>
         <p:txBody>
-          <a:bodyPr anchorCtr="0" anchor="ctr" bIns="91425" lIns="91425" spcFirstLastPara="1" rIns="91425" wrap="square" tIns="91425">
+          <a:bodyPr spcFirstLastPara="1" wrap="square" lIns="91425" tIns="91425" rIns="91425" bIns="91425" anchor="ctr" anchorCtr="0">
             <a:normAutofit/>
           </a:bodyPr>
           <a:lstStyle>
@@ -2201,7 +2696,7 @@
             </a:lvl9pPr>
           </a:lstStyle>
           <a:p>
-            <a:pPr indent="0" lvl="0" marL="0" rtl="0" algn="r">
+            <a:pPr marL="0" lvl="0" indent="0" algn="r" rtl="0">
               <a:spcBef>
                 <a:spcPts val="0"/>
               </a:spcBef>
@@ -2227,11 +2722,11 @@
 </file>
 
 <file path=ppt/slideLayouts/slideLayout10.xml><?xml version="1.0" encoding="utf-8"?>
-<p:sldLayout xmlns:a="http://schemas.openxmlformats.org/drawingml/2006/main" xmlns:r="http://schemas.openxmlformats.org/officeDocument/2006/relationships" xmlns:mc="http://schemas.openxmlformats.org/markup-compatibility/2006" xmlns:mv="urn:schemas-microsoft-com:mac:vml" xmlns:p="http://schemas.openxmlformats.org/presentationml/2006/main" xmlns:c="http://schemas.openxmlformats.org/drawingml/2006/chart" xmlns:dgm="http://schemas.openxmlformats.org/drawingml/2006/diagram" xmlns:o="urn:schemas-microsoft-com:office:office" xmlns:v="urn:schemas-microsoft-com:vml" xmlns:pvml="urn:schemas-microsoft-com:office:powerpoint" xmlns:com="http://schemas.openxmlformats.org/drawingml/2006/compatibility" xmlns:p14="http://schemas.microsoft.com/office/powerpoint/2010/main" xmlns:p15="http://schemas.microsoft.com/office/powerpoint/2012/main" xmlns:ahyp="http://schemas.microsoft.com/office/drawing/2018/hyperlinkcolor" matchingName="Big number">
+<p:sldLayout xmlns:a="http://schemas.openxmlformats.org/drawingml/2006/main" xmlns:r="http://schemas.openxmlformats.org/officeDocument/2006/relationships" xmlns:p="http://schemas.openxmlformats.org/presentationml/2006/main" matchingName="Big number">
   <p:cSld name="BIG_NUMBER">
     <p:spTree>
       <p:nvGrpSpPr>
-        <p:cNvPr id="105" name="Shape 105"/>
+        <p:cNvPr id="1" name="Shape 105"/>
         <p:cNvGrpSpPr/>
         <p:nvPr/>
       </p:nvGrpSpPr>
@@ -2270,7 +2765,7 @@
             </a:xfrm>
             <a:prstGeom prst="diagStripe">
               <a:avLst>
-                <a:gd fmla="val 49469" name="adj"/>
+                <a:gd name="adj" fmla="val 49469"/>
               </a:avLst>
             </a:prstGeom>
             <a:solidFill>
@@ -2283,12 +2778,12 @@
             </a:ln>
           </p:spPr>
           <p:txBody>
-            <a:bodyPr anchorCtr="0" anchor="ctr" bIns="91425" lIns="91425" spcFirstLastPara="1" rIns="91425" wrap="square" tIns="91425">
+            <a:bodyPr spcFirstLastPara="1" wrap="square" lIns="91425" tIns="91425" rIns="91425" bIns="91425" anchor="ctr" anchorCtr="0">
               <a:noAutofit/>
             </a:bodyPr>
             <a:lstStyle/>
             <a:p>
-              <a:pPr indent="0" lvl="0" marL="0" rtl="0" algn="l">
+              <a:pPr marL="0" lvl="0" indent="0" algn="l" rtl="0">
                 <a:spcBef>
                   <a:spcPts val="0"/>
                 </a:spcBef>
@@ -2297,9 +2792,6 @@
                 </a:spcAft>
                 <a:buNone/>
               </a:pPr>
-              <a:r>
-                <a:t/>
-              </a:r>
               <a:endParaRPr/>
             </a:p>
           </p:txBody>
@@ -2317,7 +2809,7 @@
             </a:xfrm>
             <a:prstGeom prst="diagStripe">
               <a:avLst>
-                <a:gd fmla="val 0" name="adj"/>
+                <a:gd name="adj" fmla="val 0"/>
               </a:avLst>
             </a:prstGeom>
             <a:solidFill>
@@ -2330,12 +2822,12 @@
             </a:ln>
           </p:spPr>
           <p:txBody>
-            <a:bodyPr anchorCtr="0" anchor="ctr" bIns="91425" lIns="91425" spcFirstLastPara="1" rIns="91425" wrap="square" tIns="91425">
+            <a:bodyPr spcFirstLastPara="1" wrap="square" lIns="91425" tIns="91425" rIns="91425" bIns="91425" anchor="ctr" anchorCtr="0">
               <a:noAutofit/>
             </a:bodyPr>
             <a:lstStyle/>
             <a:p>
-              <a:pPr indent="0" lvl="0" marL="0" rtl="0" algn="l">
+              <a:pPr marL="0" lvl="0" indent="0" algn="l" rtl="0">
                 <a:spcBef>
                   <a:spcPts val="0"/>
                 </a:spcBef>
@@ -2344,9 +2836,6 @@
                 </a:spcAft>
                 <a:buNone/>
               </a:pPr>
-              <a:r>
-                <a:t/>
-              </a:r>
               <a:endParaRPr/>
             </a:p>
           </p:txBody>
@@ -2364,7 +2853,7 @@
             </a:xfrm>
             <a:prstGeom prst="diagStripe">
               <a:avLst>
-                <a:gd fmla="val 50000" name="adj"/>
+                <a:gd name="adj" fmla="val 50000"/>
               </a:avLst>
             </a:prstGeom>
             <a:solidFill>
@@ -2377,12 +2866,12 @@
             </a:ln>
           </p:spPr>
           <p:txBody>
-            <a:bodyPr anchorCtr="0" anchor="ctr" bIns="91425" lIns="91425" spcFirstLastPara="1" rIns="91425" wrap="square" tIns="91425">
+            <a:bodyPr spcFirstLastPara="1" wrap="square" lIns="91425" tIns="91425" rIns="91425" bIns="91425" anchor="ctr" anchorCtr="0">
               <a:noAutofit/>
             </a:bodyPr>
             <a:lstStyle/>
             <a:p>
-              <a:pPr indent="0" lvl="0" marL="0" rtl="0" algn="l">
+              <a:pPr marL="0" lvl="0" indent="0" algn="l" rtl="0">
                 <a:spcBef>
                   <a:spcPts val="0"/>
                 </a:spcBef>
@@ -2391,9 +2880,6 @@
                 </a:spcAft>
                 <a:buNone/>
               </a:pPr>
-              <a:r>
-                <a:t/>
-              </a:r>
               <a:endParaRPr/>
             </a:p>
           </p:txBody>
@@ -2411,7 +2897,7 @@
             </a:xfrm>
             <a:prstGeom prst="diagStripe">
               <a:avLst>
-                <a:gd fmla="val 50000" name="adj"/>
+                <a:gd name="adj" fmla="val 50000"/>
               </a:avLst>
             </a:prstGeom>
             <a:solidFill>
@@ -2424,12 +2910,12 @@
             </a:ln>
           </p:spPr>
           <p:txBody>
-            <a:bodyPr anchorCtr="0" anchor="ctr" bIns="91425" lIns="91425" spcFirstLastPara="1" rIns="91425" wrap="square" tIns="91425">
+            <a:bodyPr spcFirstLastPara="1" wrap="square" lIns="91425" tIns="91425" rIns="91425" bIns="91425" anchor="ctr" anchorCtr="0">
               <a:noAutofit/>
             </a:bodyPr>
             <a:lstStyle/>
             <a:p>
-              <a:pPr indent="0" lvl="0" marL="0" rtl="0" algn="l">
+              <a:pPr marL="0" lvl="0" indent="0" algn="l" rtl="0">
                 <a:spcBef>
                   <a:spcPts val="0"/>
                 </a:spcBef>
@@ -2438,9 +2924,6 @@
                 </a:spcAft>
                 <a:buNone/>
               </a:pPr>
-              <a:r>
-                <a:t/>
-              </a:r>
               <a:endParaRPr/>
             </a:p>
           </p:txBody>
@@ -2458,7 +2941,7 @@
             </a:xfrm>
             <a:prstGeom prst="diagStripe">
               <a:avLst>
-                <a:gd fmla="val 50000" name="adj"/>
+                <a:gd name="adj" fmla="val 50000"/>
               </a:avLst>
             </a:prstGeom>
             <a:solidFill>
@@ -2471,12 +2954,12 @@
             </a:ln>
           </p:spPr>
           <p:txBody>
-            <a:bodyPr anchorCtr="0" anchor="ctr" bIns="91425" lIns="91425" spcFirstLastPara="1" rIns="91425" wrap="square" tIns="91425">
+            <a:bodyPr spcFirstLastPara="1" wrap="square" lIns="91425" tIns="91425" rIns="91425" bIns="91425" anchor="ctr" anchorCtr="0">
               <a:noAutofit/>
             </a:bodyPr>
             <a:lstStyle/>
             <a:p>
-              <a:pPr indent="0" lvl="0" marL="0" rtl="0" algn="l">
+              <a:pPr marL="0" lvl="0" indent="0" algn="l" rtl="0">
                 <a:spcBef>
                   <a:spcPts val="0"/>
                 </a:spcBef>
@@ -2485,9 +2968,6 @@
                 </a:spcAft>
                 <a:buNone/>
               </a:pPr>
-              <a:r>
-                <a:t/>
-              </a:r>
               <a:endParaRPr/>
             </a:p>
           </p:txBody>
@@ -2505,7 +2985,7 @@
             </a:xfrm>
             <a:prstGeom prst="diagStripe">
               <a:avLst>
-                <a:gd fmla="val 50000" name="adj"/>
+                <a:gd name="adj" fmla="val 50000"/>
               </a:avLst>
             </a:prstGeom>
             <a:solidFill>
@@ -2518,12 +2998,12 @@
             </a:ln>
           </p:spPr>
           <p:txBody>
-            <a:bodyPr anchorCtr="0" anchor="ctr" bIns="91425" lIns="91425" spcFirstLastPara="1" rIns="91425" wrap="square" tIns="91425">
+            <a:bodyPr spcFirstLastPara="1" wrap="square" lIns="91425" tIns="91425" rIns="91425" bIns="91425" anchor="ctr" anchorCtr="0">
               <a:noAutofit/>
             </a:bodyPr>
             <a:lstStyle/>
             <a:p>
-              <a:pPr indent="0" lvl="0" marL="0" rtl="0" algn="l">
+              <a:pPr marL="0" lvl="0" indent="0" algn="l" rtl="0">
                 <a:spcBef>
                   <a:spcPts val="0"/>
                 </a:spcBef>
@@ -2532,9 +3012,6 @@
                 </a:spcAft>
                 <a:buNone/>
               </a:pPr>
-              <a:r>
-                <a:t/>
-              </a:r>
               <a:endParaRPr/>
             </a:p>
           </p:txBody>
@@ -2552,7 +3029,7 @@
             </a:xfrm>
             <a:prstGeom prst="diagStripe">
               <a:avLst>
-                <a:gd fmla="val 50000" name="adj"/>
+                <a:gd name="adj" fmla="val 50000"/>
               </a:avLst>
             </a:prstGeom>
             <a:solidFill>
@@ -2565,12 +3042,12 @@
             </a:ln>
           </p:spPr>
           <p:txBody>
-            <a:bodyPr anchorCtr="0" anchor="ctr" bIns="91425" lIns="91425" spcFirstLastPara="1" rIns="91425" wrap="square" tIns="91425">
+            <a:bodyPr spcFirstLastPara="1" wrap="square" lIns="91425" tIns="91425" rIns="91425" bIns="91425" anchor="ctr" anchorCtr="0">
               <a:noAutofit/>
             </a:bodyPr>
             <a:lstStyle/>
             <a:p>
-              <a:pPr indent="0" lvl="0" marL="0" rtl="0" algn="l">
+              <a:pPr marL="0" lvl="0" indent="0" algn="l" rtl="0">
                 <a:spcBef>
                   <a:spcPts val="0"/>
                 </a:spcBef>
@@ -2579,9 +3056,6 @@
                 </a:spcAft>
                 <a:buNone/>
               </a:pPr>
-              <a:r>
-                <a:t/>
-              </a:r>
               <a:endParaRPr/>
             </a:p>
           </p:txBody>
@@ -2599,7 +3073,7 @@
             </a:xfrm>
             <a:prstGeom prst="diagStripe">
               <a:avLst>
-                <a:gd fmla="val 50000" name="adj"/>
+                <a:gd name="adj" fmla="val 50000"/>
               </a:avLst>
             </a:prstGeom>
             <a:solidFill>
@@ -2610,12 +3084,12 @@
             </a:ln>
           </p:spPr>
           <p:txBody>
-            <a:bodyPr anchorCtr="0" anchor="ctr" bIns="91425" lIns="91425" spcFirstLastPara="1" rIns="91425" wrap="square" tIns="91425">
+            <a:bodyPr spcFirstLastPara="1" wrap="square" lIns="91425" tIns="91425" rIns="91425" bIns="91425" anchor="ctr" anchorCtr="0">
               <a:noAutofit/>
             </a:bodyPr>
             <a:lstStyle/>
             <a:p>
-              <a:pPr indent="0" lvl="0" marL="0" rtl="0" algn="l">
+              <a:pPr marL="0" lvl="0" indent="0" algn="l" rtl="0">
                 <a:spcBef>
                   <a:spcPts val="0"/>
                 </a:spcBef>
@@ -2624,9 +3098,6 @@
                 </a:spcAft>
                 <a:buNone/>
               </a:pPr>
-              <a:r>
-                <a:t/>
-              </a:r>
               <a:endParaRPr/>
             </a:p>
           </p:txBody>
@@ -2644,7 +3115,7 @@
             </a:xfrm>
             <a:prstGeom prst="diagStripe">
               <a:avLst>
-                <a:gd fmla="val 50000" name="adj"/>
+                <a:gd name="adj" fmla="val 50000"/>
               </a:avLst>
             </a:prstGeom>
             <a:solidFill>
@@ -2657,12 +3128,12 @@
             </a:ln>
           </p:spPr>
           <p:txBody>
-            <a:bodyPr anchorCtr="0" anchor="ctr" bIns="91425" lIns="91425" spcFirstLastPara="1" rIns="91425" wrap="square" tIns="91425">
+            <a:bodyPr spcFirstLastPara="1" wrap="square" lIns="91425" tIns="91425" rIns="91425" bIns="91425" anchor="ctr" anchorCtr="0">
               <a:noAutofit/>
             </a:bodyPr>
             <a:lstStyle/>
             <a:p>
-              <a:pPr indent="0" lvl="0" marL="0" rtl="0" algn="l">
+              <a:pPr marL="0" lvl="0" indent="0" algn="l" rtl="0">
                 <a:spcBef>
                   <a:spcPts val="0"/>
                 </a:spcBef>
@@ -2671,9 +3142,6 @@
                 </a:spcAft>
                 <a:buNone/>
               </a:pPr>
-              <a:r>
-                <a:t/>
-              </a:r>
               <a:endParaRPr/>
             </a:p>
           </p:txBody>
@@ -2691,7 +3159,7 @@
             </a:xfrm>
             <a:prstGeom prst="diagStripe">
               <a:avLst>
-                <a:gd fmla="val 50000" name="adj"/>
+                <a:gd name="adj" fmla="val 50000"/>
               </a:avLst>
             </a:prstGeom>
             <a:solidFill>
@@ -2704,12 +3172,12 @@
             </a:ln>
           </p:spPr>
           <p:txBody>
-            <a:bodyPr anchorCtr="0" anchor="ctr" bIns="91425" lIns="91425" spcFirstLastPara="1" rIns="91425" wrap="square" tIns="91425">
+            <a:bodyPr spcFirstLastPara="1" wrap="square" lIns="91425" tIns="91425" rIns="91425" bIns="91425" anchor="ctr" anchorCtr="0">
               <a:noAutofit/>
             </a:bodyPr>
             <a:lstStyle/>
             <a:p>
-              <a:pPr indent="0" lvl="0" marL="0" rtl="0" algn="l">
+              <a:pPr marL="0" lvl="0" indent="0" algn="l" rtl="0">
                 <a:spcBef>
                   <a:spcPts val="0"/>
                 </a:spcBef>
@@ -2718,9 +3186,6 @@
                 </a:spcAft>
                 <a:buNone/>
               </a:pPr>
-              <a:r>
-                <a:t/>
-              </a:r>
               <a:endParaRPr/>
             </a:p>
           </p:txBody>
@@ -2738,7 +3203,7 @@
             </a:xfrm>
             <a:prstGeom prst="diagStripe">
               <a:avLst>
-                <a:gd fmla="val 50000" name="adj"/>
+                <a:gd name="adj" fmla="val 50000"/>
               </a:avLst>
             </a:prstGeom>
             <a:solidFill>
@@ -2751,12 +3216,12 @@
             </a:ln>
           </p:spPr>
           <p:txBody>
-            <a:bodyPr anchorCtr="0" anchor="ctr" bIns="91425" lIns="91425" spcFirstLastPara="1" rIns="91425" wrap="square" tIns="91425">
+            <a:bodyPr spcFirstLastPara="1" wrap="square" lIns="91425" tIns="91425" rIns="91425" bIns="91425" anchor="ctr" anchorCtr="0">
               <a:noAutofit/>
             </a:bodyPr>
             <a:lstStyle/>
             <a:p>
-              <a:pPr indent="0" lvl="0" marL="0" rtl="0" algn="l">
+              <a:pPr marL="0" lvl="0" indent="0" algn="l" rtl="0">
                 <a:spcBef>
                   <a:spcPts val="0"/>
                 </a:spcBef>
@@ -2765,9 +3230,6 @@
                 </a:spcAft>
                 <a:buNone/>
               </a:pPr>
-              <a:r>
-                <a:t/>
-              </a:r>
               <a:endParaRPr/>
             </a:p>
           </p:txBody>
@@ -2785,7 +3247,7 @@
             </a:xfrm>
             <a:prstGeom prst="diagStripe">
               <a:avLst>
-                <a:gd fmla="val 50000" name="adj"/>
+                <a:gd name="adj" fmla="val 50000"/>
               </a:avLst>
             </a:prstGeom>
             <a:solidFill>
@@ -2798,12 +3260,12 @@
             </a:ln>
           </p:spPr>
           <p:txBody>
-            <a:bodyPr anchorCtr="0" anchor="ctr" bIns="91425" lIns="91425" spcFirstLastPara="1" rIns="91425" wrap="square" tIns="91425">
+            <a:bodyPr spcFirstLastPara="1" wrap="square" lIns="91425" tIns="91425" rIns="91425" bIns="91425" anchor="ctr" anchorCtr="0">
               <a:noAutofit/>
             </a:bodyPr>
             <a:lstStyle/>
             <a:p>
-              <a:pPr indent="0" lvl="0" marL="0" rtl="0" algn="l">
+              <a:pPr marL="0" lvl="0" indent="0" algn="l" rtl="0">
                 <a:spcBef>
                   <a:spcPts val="0"/>
                 </a:spcBef>
@@ -2812,9 +3274,6 @@
                 </a:spcAft>
                 <a:buNone/>
               </a:pPr>
-              <a:r>
-                <a:t/>
-              </a:r>
               <a:endParaRPr/>
             </a:p>
           </p:txBody>
@@ -2832,7 +3291,7 @@
             </a:xfrm>
             <a:prstGeom prst="diagStripe">
               <a:avLst>
-                <a:gd fmla="val 50000" name="adj"/>
+                <a:gd name="adj" fmla="val 50000"/>
               </a:avLst>
             </a:prstGeom>
             <a:solidFill>
@@ -2845,12 +3304,12 @@
             </a:ln>
           </p:spPr>
           <p:txBody>
-            <a:bodyPr anchorCtr="0" anchor="ctr" bIns="91425" lIns="91425" spcFirstLastPara="1" rIns="91425" wrap="square" tIns="91425">
+            <a:bodyPr spcFirstLastPara="1" wrap="square" lIns="91425" tIns="91425" rIns="91425" bIns="91425" anchor="ctr" anchorCtr="0">
               <a:noAutofit/>
             </a:bodyPr>
             <a:lstStyle/>
             <a:p>
-              <a:pPr indent="0" lvl="0" marL="0" rtl="0" algn="l">
+              <a:pPr marL="0" lvl="0" indent="0" algn="l" rtl="0">
                 <a:spcBef>
                   <a:spcPts val="0"/>
                 </a:spcBef>
@@ -2859,9 +3318,6 @@
                 </a:spcAft>
                 <a:buNone/>
               </a:pPr>
-              <a:r>
-                <a:t/>
-              </a:r>
               <a:endParaRPr/>
             </a:p>
           </p:txBody>
@@ -2879,7 +3335,7 @@
             </a:xfrm>
             <a:prstGeom prst="diagStripe">
               <a:avLst>
-                <a:gd fmla="val 50000" name="adj"/>
+                <a:gd name="adj" fmla="val 50000"/>
               </a:avLst>
             </a:prstGeom>
             <a:solidFill>
@@ -2890,12 +3346,12 @@
             </a:ln>
           </p:spPr>
           <p:txBody>
-            <a:bodyPr anchorCtr="0" anchor="ctr" bIns="91425" lIns="91425" spcFirstLastPara="1" rIns="91425" wrap="square" tIns="91425">
+            <a:bodyPr spcFirstLastPara="1" wrap="square" lIns="91425" tIns="91425" rIns="91425" bIns="91425" anchor="ctr" anchorCtr="0">
               <a:noAutofit/>
             </a:bodyPr>
             <a:lstStyle/>
             <a:p>
-              <a:pPr indent="0" lvl="0" marL="0" rtl="0" algn="l">
+              <a:pPr marL="0" lvl="0" indent="0" algn="l" rtl="0">
                 <a:spcBef>
                   <a:spcPts val="0"/>
                 </a:spcBef>
@@ -2904,9 +3360,6 @@
                 </a:spcAft>
                 <a:buNone/>
               </a:pPr>
-              <a:r>
-                <a:t/>
-              </a:r>
               <a:endParaRPr/>
             </a:p>
           </p:txBody>
@@ -2924,7 +3377,7 @@
             </a:xfrm>
             <a:prstGeom prst="diagStripe">
               <a:avLst>
-                <a:gd fmla="val 50000" name="adj"/>
+                <a:gd name="adj" fmla="val 50000"/>
               </a:avLst>
             </a:prstGeom>
             <a:solidFill>
@@ -2937,12 +3390,12 @@
             </a:ln>
           </p:spPr>
           <p:txBody>
-            <a:bodyPr anchorCtr="0" anchor="ctr" bIns="91425" lIns="91425" spcFirstLastPara="1" rIns="91425" wrap="square" tIns="91425">
+            <a:bodyPr spcFirstLastPara="1" wrap="square" lIns="91425" tIns="91425" rIns="91425" bIns="91425" anchor="ctr" anchorCtr="0">
               <a:noAutofit/>
             </a:bodyPr>
             <a:lstStyle/>
             <a:p>
-              <a:pPr indent="0" lvl="0" marL="0" rtl="0" algn="l">
+              <a:pPr marL="0" lvl="0" indent="0" algn="l" rtl="0">
                 <a:spcBef>
                   <a:spcPts val="0"/>
                 </a:spcBef>
@@ -2951,9 +3404,6 @@
                 </a:spcAft>
                 <a:buNone/>
               </a:pPr>
-              <a:r>
-                <a:t/>
-              </a:r>
               <a:endParaRPr/>
             </a:p>
           </p:txBody>
@@ -2971,7 +3421,7 @@
             </a:xfrm>
             <a:prstGeom prst="diagStripe">
               <a:avLst>
-                <a:gd fmla="val 50000" name="adj"/>
+                <a:gd name="adj" fmla="val 50000"/>
               </a:avLst>
             </a:prstGeom>
             <a:solidFill>
@@ -2984,12 +3434,12 @@
             </a:ln>
           </p:spPr>
           <p:txBody>
-            <a:bodyPr anchorCtr="0" anchor="ctr" bIns="91425" lIns="91425" spcFirstLastPara="1" rIns="91425" wrap="square" tIns="91425">
+            <a:bodyPr spcFirstLastPara="1" wrap="square" lIns="91425" tIns="91425" rIns="91425" bIns="91425" anchor="ctr" anchorCtr="0">
               <a:noAutofit/>
             </a:bodyPr>
             <a:lstStyle/>
             <a:p>
-              <a:pPr indent="0" lvl="0" marL="0" rtl="0" algn="l">
+              <a:pPr marL="0" lvl="0" indent="0" algn="l" rtl="0">
                 <a:spcBef>
                   <a:spcPts val="0"/>
                 </a:spcBef>
@@ -2998,9 +3448,6 @@
                 </a:spcAft>
                 <a:buNone/>
               </a:pPr>
-              <a:r>
-                <a:t/>
-              </a:r>
               <a:endParaRPr/>
             </a:p>
           </p:txBody>
@@ -3018,7 +3465,7 @@
             </a:xfrm>
             <a:prstGeom prst="diagStripe">
               <a:avLst>
-                <a:gd fmla="val 50000" name="adj"/>
+                <a:gd name="adj" fmla="val 50000"/>
               </a:avLst>
             </a:prstGeom>
             <a:solidFill>
@@ -3031,12 +3478,12 @@
             </a:ln>
           </p:spPr>
           <p:txBody>
-            <a:bodyPr anchorCtr="0" anchor="ctr" bIns="91425" lIns="91425" spcFirstLastPara="1" rIns="91425" wrap="square" tIns="91425">
+            <a:bodyPr spcFirstLastPara="1" wrap="square" lIns="91425" tIns="91425" rIns="91425" bIns="91425" anchor="ctr" anchorCtr="0">
               <a:noAutofit/>
             </a:bodyPr>
             <a:lstStyle/>
             <a:p>
-              <a:pPr indent="0" lvl="0" marL="0" rtl="0" algn="l">
+              <a:pPr marL="0" lvl="0" indent="0" algn="l" rtl="0">
                 <a:spcBef>
                   <a:spcPts val="0"/>
                 </a:spcBef>
@@ -3045,9 +3492,6 @@
                 </a:spcAft>
                 <a:buNone/>
               </a:pPr>
-              <a:r>
-                <a:t/>
-              </a:r>
               <a:endParaRPr/>
             </a:p>
           </p:txBody>
@@ -3065,7 +3509,7 @@
             </a:xfrm>
             <a:prstGeom prst="diagStripe">
               <a:avLst>
-                <a:gd fmla="val 50000" name="adj"/>
+                <a:gd name="adj" fmla="val 50000"/>
               </a:avLst>
             </a:prstGeom>
             <a:solidFill>
@@ -3078,12 +3522,12 @@
             </a:ln>
           </p:spPr>
           <p:txBody>
-            <a:bodyPr anchorCtr="0" anchor="ctr" bIns="91425" lIns="91425" spcFirstLastPara="1" rIns="91425" wrap="square" tIns="91425">
+            <a:bodyPr spcFirstLastPara="1" wrap="square" lIns="91425" tIns="91425" rIns="91425" bIns="91425" anchor="ctr" anchorCtr="0">
               <a:noAutofit/>
             </a:bodyPr>
             <a:lstStyle/>
             <a:p>
-              <a:pPr indent="0" lvl="0" marL="0" rtl="0" algn="l">
+              <a:pPr marL="0" lvl="0" indent="0" algn="l" rtl="0">
                 <a:spcBef>
                   <a:spcPts val="0"/>
                 </a:spcBef>
@@ -3092,9 +3536,6 @@
                 </a:spcAft>
                 <a:buNone/>
               </a:pPr>
-              <a:r>
-                <a:t/>
-              </a:r>
               <a:endParaRPr/>
             </a:p>
           </p:txBody>
@@ -3103,9 +3544,11 @@
       <p:sp>
         <p:nvSpPr>
           <p:cNvPr id="125" name="Google Shape;125;p11"/>
-          <p:cNvSpPr txBox="1"/>
+          <p:cNvSpPr txBox="1">
+            <a:spLocks noGrp="1"/>
+          </p:cNvSpPr>
           <p:nvPr>
-            <p:ph hasCustomPrompt="1" type="title"/>
+            <p:ph type="title" hasCustomPrompt="1"/>
           </p:nvPr>
         </p:nvSpPr>
         <p:spPr>
@@ -3118,7 +3561,7 @@
           </a:prstGeom>
         </p:spPr>
         <p:txBody>
-          <a:bodyPr anchorCtr="0" anchor="t" bIns="91425" lIns="91425" spcFirstLastPara="1" rIns="91425" wrap="square" tIns="91425">
+          <a:bodyPr spcFirstLastPara="1" wrap="square" lIns="91425" tIns="91425" rIns="91425" bIns="91425" anchor="t" anchorCtr="0">
             <a:normAutofit/>
           </a:bodyPr>
           <a:lstStyle>
@@ -3232,9 +3675,11 @@
       <p:sp>
         <p:nvSpPr>
           <p:cNvPr id="126" name="Google Shape;126;p11"/>
-          <p:cNvSpPr txBox="1"/>
+          <p:cNvSpPr txBox="1">
+            <a:spLocks noGrp="1"/>
+          </p:cNvSpPr>
           <p:nvPr>
-            <p:ph idx="1" type="body"/>
+            <p:ph type="body" idx="1"/>
           </p:nvPr>
         </p:nvSpPr>
         <p:spPr>
@@ -3247,11 +3692,11 @@
           </a:prstGeom>
         </p:spPr>
         <p:txBody>
-          <a:bodyPr anchorCtr="0" anchor="t" bIns="91425" lIns="91425" spcFirstLastPara="1" rIns="91425" wrap="square" tIns="91425">
+          <a:bodyPr spcFirstLastPara="1" wrap="square" lIns="91425" tIns="91425" rIns="91425" bIns="91425" anchor="t" anchorCtr="0">
             <a:normAutofit/>
           </a:bodyPr>
           <a:lstStyle>
-            <a:lvl1pPr indent="-311150" lvl="0" marL="457200">
+            <a:lvl1pPr marL="457200" lvl="0" indent="-311150">
               <a:spcBef>
                 <a:spcPts val="0"/>
               </a:spcBef>
@@ -3262,7 +3707,7 @@
               <a:buChar char="●"/>
               <a:defRPr/>
             </a:lvl1pPr>
-            <a:lvl2pPr indent="-298450" lvl="1" marL="914400">
+            <a:lvl2pPr marL="914400" lvl="1" indent="-298450">
               <a:spcBef>
                 <a:spcPts val="0"/>
               </a:spcBef>
@@ -3273,7 +3718,7 @@
               <a:buChar char="○"/>
               <a:defRPr/>
             </a:lvl2pPr>
-            <a:lvl3pPr indent="-298450" lvl="2" marL="1371600">
+            <a:lvl3pPr marL="1371600" lvl="2" indent="-298450">
               <a:spcBef>
                 <a:spcPts val="0"/>
               </a:spcBef>
@@ -3284,7 +3729,7 @@
               <a:buChar char="■"/>
               <a:defRPr/>
             </a:lvl3pPr>
-            <a:lvl4pPr indent="-298450" lvl="3" marL="1828800">
+            <a:lvl4pPr marL="1828800" lvl="3" indent="-298450">
               <a:spcBef>
                 <a:spcPts val="0"/>
               </a:spcBef>
@@ -3295,7 +3740,7 @@
               <a:buChar char="●"/>
               <a:defRPr/>
             </a:lvl4pPr>
-            <a:lvl5pPr indent="-298450" lvl="4" marL="2286000">
+            <a:lvl5pPr marL="2286000" lvl="4" indent="-298450">
               <a:spcBef>
                 <a:spcPts val="0"/>
               </a:spcBef>
@@ -3306,7 +3751,7 @@
               <a:buChar char="○"/>
               <a:defRPr/>
             </a:lvl5pPr>
-            <a:lvl6pPr indent="-298450" lvl="5" marL="2743200">
+            <a:lvl6pPr marL="2743200" lvl="5" indent="-298450">
               <a:spcBef>
                 <a:spcPts val="0"/>
               </a:spcBef>
@@ -3317,7 +3762,7 @@
               <a:buChar char="■"/>
               <a:defRPr/>
             </a:lvl6pPr>
-            <a:lvl7pPr indent="-298450" lvl="6" marL="3200400">
+            <a:lvl7pPr marL="3200400" lvl="6" indent="-298450">
               <a:spcBef>
                 <a:spcPts val="0"/>
               </a:spcBef>
@@ -3328,7 +3773,7 @@
               <a:buChar char="●"/>
               <a:defRPr/>
             </a:lvl7pPr>
-            <a:lvl8pPr indent="-298450" lvl="7" marL="3657600">
+            <a:lvl8pPr marL="3657600" lvl="7" indent="-298450">
               <a:spcBef>
                 <a:spcPts val="0"/>
               </a:spcBef>
@@ -3339,7 +3784,7 @@
               <a:buChar char="○"/>
               <a:defRPr/>
             </a:lvl8pPr>
-            <a:lvl9pPr indent="-298450" lvl="8" marL="4114800">
+            <a:lvl9pPr marL="4114800" lvl="8" indent="-298450">
               <a:spcBef>
                 <a:spcPts val="0"/>
               </a:spcBef>
@@ -3351,15 +3796,19 @@
               <a:defRPr/>
             </a:lvl9pPr>
           </a:lstStyle>
-          <a:p/>
+          <a:p>
+            <a:endParaRPr/>
+          </a:p>
         </p:txBody>
       </p:sp>
       <p:sp>
         <p:nvSpPr>
           <p:cNvPr id="127" name="Google Shape;127;p11"/>
-          <p:cNvSpPr txBox="1"/>
+          <p:cNvSpPr txBox="1">
+            <a:spLocks noGrp="1"/>
+          </p:cNvSpPr>
           <p:nvPr>
-            <p:ph idx="12" type="sldNum"/>
+            <p:ph type="sldNum" idx="12"/>
           </p:nvPr>
         </p:nvSpPr>
         <p:spPr>
@@ -3372,7 +3821,7 @@
           </a:prstGeom>
         </p:spPr>
         <p:txBody>
-          <a:bodyPr anchorCtr="0" anchor="ctr" bIns="91425" lIns="91425" spcFirstLastPara="1" rIns="91425" wrap="square" tIns="91425">
+          <a:bodyPr spcFirstLastPara="1" wrap="square" lIns="91425" tIns="91425" rIns="91425" bIns="91425" anchor="ctr" anchorCtr="0">
             <a:normAutofit/>
           </a:bodyPr>
           <a:lstStyle>
@@ -3414,7 +3863,7 @@
             </a:lvl9pPr>
           </a:lstStyle>
           <a:p>
-            <a:pPr indent="0" lvl="0" marL="0" rtl="0" algn="r">
+            <a:pPr marL="0" lvl="0" indent="0" algn="r" rtl="0">
               <a:spcBef>
                 <a:spcPts val="0"/>
               </a:spcBef>
@@ -3440,11 +3889,11 @@
 </file>
 
 <file path=ppt/slideLayouts/slideLayout11.xml><?xml version="1.0" encoding="utf-8"?>
-<p:sldLayout xmlns:a="http://schemas.openxmlformats.org/drawingml/2006/main" xmlns:r="http://schemas.openxmlformats.org/officeDocument/2006/relationships" xmlns:mc="http://schemas.openxmlformats.org/markup-compatibility/2006" xmlns:mv="urn:schemas-microsoft-com:mac:vml" xmlns:p="http://schemas.openxmlformats.org/presentationml/2006/main" xmlns:c="http://schemas.openxmlformats.org/drawingml/2006/chart" xmlns:dgm="http://schemas.openxmlformats.org/drawingml/2006/diagram" xmlns:o="urn:schemas-microsoft-com:office:office" xmlns:v="urn:schemas-microsoft-com:vml" xmlns:pvml="urn:schemas-microsoft-com:office:powerpoint" xmlns:com="http://schemas.openxmlformats.org/drawingml/2006/compatibility" xmlns:p14="http://schemas.microsoft.com/office/powerpoint/2010/main" xmlns:p15="http://schemas.microsoft.com/office/powerpoint/2012/main" xmlns:ahyp="http://schemas.microsoft.com/office/drawing/2018/hyperlinkcolor" matchingName="Blank" type="blank">
+<p:sldLayout xmlns:a="http://schemas.openxmlformats.org/drawingml/2006/main" xmlns:r="http://schemas.openxmlformats.org/officeDocument/2006/relationships" xmlns:p="http://schemas.openxmlformats.org/presentationml/2006/main" matchingName="Blank" type="blank">
   <p:cSld name="BLANK">
     <p:spTree>
       <p:nvGrpSpPr>
-        <p:cNvPr id="128" name="Shape 128"/>
+        <p:cNvPr id="1" name="Shape 128"/>
         <p:cNvGrpSpPr/>
         <p:nvPr/>
       </p:nvGrpSpPr>
@@ -3459,9 +3908,11 @@
       <p:sp>
         <p:nvSpPr>
           <p:cNvPr id="129" name="Google Shape;129;p12"/>
-          <p:cNvSpPr txBox="1"/>
+          <p:cNvSpPr txBox="1">
+            <a:spLocks noGrp="1"/>
+          </p:cNvSpPr>
           <p:nvPr>
-            <p:ph idx="12" type="sldNum"/>
+            <p:ph type="sldNum" idx="12"/>
           </p:nvPr>
         </p:nvSpPr>
         <p:spPr>
@@ -3474,7 +3925,7 @@
           </a:prstGeom>
         </p:spPr>
         <p:txBody>
-          <a:bodyPr anchorCtr="0" anchor="ctr" bIns="91425" lIns="91425" spcFirstLastPara="1" rIns="91425" wrap="square" tIns="91425">
+          <a:bodyPr spcFirstLastPara="1" wrap="square" lIns="91425" tIns="91425" rIns="91425" bIns="91425" anchor="ctr" anchorCtr="0">
             <a:normAutofit/>
           </a:bodyPr>
           <a:lstStyle>
@@ -3516,7 +3967,7 @@
             </a:lvl9pPr>
           </a:lstStyle>
           <a:p>
-            <a:pPr indent="0" lvl="0" marL="0" rtl="0" algn="r">
+            <a:pPr marL="0" lvl="0" indent="0" algn="r" rtl="0">
               <a:spcBef>
                 <a:spcPts val="0"/>
               </a:spcBef>
@@ -3542,11 +3993,11 @@
 </file>
 
 <file path=ppt/slideLayouts/slideLayout2.xml><?xml version="1.0" encoding="utf-8"?>
-<p:sldLayout xmlns:a="http://schemas.openxmlformats.org/drawingml/2006/main" xmlns:r="http://schemas.openxmlformats.org/officeDocument/2006/relationships" xmlns:mc="http://schemas.openxmlformats.org/markup-compatibility/2006" xmlns:mv="urn:schemas-microsoft-com:mac:vml" xmlns:p="http://schemas.openxmlformats.org/presentationml/2006/main" xmlns:c="http://schemas.openxmlformats.org/drawingml/2006/chart" xmlns:dgm="http://schemas.openxmlformats.org/drawingml/2006/diagram" xmlns:o="urn:schemas-microsoft-com:office:office" xmlns:v="urn:schemas-microsoft-com:vml" xmlns:pvml="urn:schemas-microsoft-com:office:powerpoint" xmlns:com="http://schemas.openxmlformats.org/drawingml/2006/compatibility" xmlns:p14="http://schemas.microsoft.com/office/powerpoint/2010/main" xmlns:p15="http://schemas.microsoft.com/office/powerpoint/2012/main" xmlns:ahyp="http://schemas.microsoft.com/office/drawing/2018/hyperlinkcolor" matchingName="Section header" type="secHead">
+<p:sldLayout xmlns:a="http://schemas.openxmlformats.org/drawingml/2006/main" xmlns:r="http://schemas.openxmlformats.org/officeDocument/2006/relationships" xmlns:p="http://schemas.openxmlformats.org/presentationml/2006/main" matchingName="Section header" type="secHead">
   <p:cSld name="SECTION_HEADER">
     <p:spTree>
       <p:nvGrpSpPr>
-        <p:cNvPr id="19" name="Shape 19"/>
+        <p:cNvPr id="1" name="Shape 19"/>
         <p:cNvGrpSpPr/>
         <p:nvPr/>
       </p:nvGrpSpPr>
@@ -3585,7 +4036,7 @@
             </a:xfrm>
             <a:prstGeom prst="diagStripe">
               <a:avLst>
-                <a:gd fmla="val 49469" name="adj"/>
+                <a:gd name="adj" fmla="val 49469"/>
               </a:avLst>
             </a:prstGeom>
             <a:solidFill>
@@ -3598,12 +4049,12 @@
             </a:ln>
           </p:spPr>
           <p:txBody>
-            <a:bodyPr anchorCtr="0" anchor="ctr" bIns="91425" lIns="91425" spcFirstLastPara="1" rIns="91425" wrap="square" tIns="91425">
+            <a:bodyPr spcFirstLastPara="1" wrap="square" lIns="91425" tIns="91425" rIns="91425" bIns="91425" anchor="ctr" anchorCtr="0">
               <a:noAutofit/>
             </a:bodyPr>
             <a:lstStyle/>
             <a:p>
-              <a:pPr indent="0" lvl="0" marL="0" rtl="0" algn="l">
+              <a:pPr marL="0" lvl="0" indent="0" algn="l" rtl="0">
                 <a:spcBef>
                   <a:spcPts val="0"/>
                 </a:spcBef>
@@ -3612,9 +4063,6 @@
                 </a:spcAft>
                 <a:buNone/>
               </a:pPr>
-              <a:r>
-                <a:t/>
-              </a:r>
               <a:endParaRPr/>
             </a:p>
           </p:txBody>
@@ -3632,7 +4080,7 @@
             </a:xfrm>
             <a:prstGeom prst="diagStripe">
               <a:avLst>
-                <a:gd fmla="val 0" name="adj"/>
+                <a:gd name="adj" fmla="val 0"/>
               </a:avLst>
             </a:prstGeom>
             <a:solidFill>
@@ -3645,12 +4093,12 @@
             </a:ln>
           </p:spPr>
           <p:txBody>
-            <a:bodyPr anchorCtr="0" anchor="ctr" bIns="91425" lIns="91425" spcFirstLastPara="1" rIns="91425" wrap="square" tIns="91425">
+            <a:bodyPr spcFirstLastPara="1" wrap="square" lIns="91425" tIns="91425" rIns="91425" bIns="91425" anchor="ctr" anchorCtr="0">
               <a:noAutofit/>
             </a:bodyPr>
             <a:lstStyle/>
             <a:p>
-              <a:pPr indent="0" lvl="0" marL="0" rtl="0" algn="l">
+              <a:pPr marL="0" lvl="0" indent="0" algn="l" rtl="0">
                 <a:spcBef>
                   <a:spcPts val="0"/>
                 </a:spcBef>
@@ -3659,9 +4107,6 @@
                 </a:spcAft>
                 <a:buNone/>
               </a:pPr>
-              <a:r>
-                <a:t/>
-              </a:r>
               <a:endParaRPr/>
             </a:p>
           </p:txBody>
@@ -3679,7 +4124,7 @@
             </a:xfrm>
             <a:prstGeom prst="diagStripe">
               <a:avLst>
-                <a:gd fmla="val 50000" name="adj"/>
+                <a:gd name="adj" fmla="val 50000"/>
               </a:avLst>
             </a:prstGeom>
             <a:solidFill>
@@ -3692,12 +4137,12 @@
             </a:ln>
           </p:spPr>
           <p:txBody>
-            <a:bodyPr anchorCtr="0" anchor="ctr" bIns="91425" lIns="91425" spcFirstLastPara="1" rIns="91425" wrap="square" tIns="91425">
+            <a:bodyPr spcFirstLastPara="1" wrap="square" lIns="91425" tIns="91425" rIns="91425" bIns="91425" anchor="ctr" anchorCtr="0">
               <a:noAutofit/>
             </a:bodyPr>
             <a:lstStyle/>
             <a:p>
-              <a:pPr indent="0" lvl="0" marL="0" rtl="0" algn="l">
+              <a:pPr marL="0" lvl="0" indent="0" algn="l" rtl="0">
                 <a:spcBef>
                   <a:spcPts val="0"/>
                 </a:spcBef>
@@ -3706,9 +4151,6 @@
                 </a:spcAft>
                 <a:buNone/>
               </a:pPr>
-              <a:r>
-                <a:t/>
-              </a:r>
               <a:endParaRPr/>
             </a:p>
           </p:txBody>
@@ -3726,7 +4168,7 @@
             </a:xfrm>
             <a:prstGeom prst="diagStripe">
               <a:avLst>
-                <a:gd fmla="val 50000" name="adj"/>
+                <a:gd name="adj" fmla="val 50000"/>
               </a:avLst>
             </a:prstGeom>
             <a:solidFill>
@@ -3739,12 +4181,12 @@
             </a:ln>
           </p:spPr>
           <p:txBody>
-            <a:bodyPr anchorCtr="0" anchor="ctr" bIns="91425" lIns="91425" spcFirstLastPara="1" rIns="91425" wrap="square" tIns="91425">
+            <a:bodyPr spcFirstLastPara="1" wrap="square" lIns="91425" tIns="91425" rIns="91425" bIns="91425" anchor="ctr" anchorCtr="0">
               <a:noAutofit/>
             </a:bodyPr>
             <a:lstStyle/>
             <a:p>
-              <a:pPr indent="0" lvl="0" marL="0" rtl="0" algn="l">
+              <a:pPr marL="0" lvl="0" indent="0" algn="l" rtl="0">
                 <a:spcBef>
                   <a:spcPts val="0"/>
                 </a:spcBef>
@@ -3753,9 +4195,6 @@
                 </a:spcAft>
                 <a:buNone/>
               </a:pPr>
-              <a:r>
-                <a:t/>
-              </a:r>
               <a:endParaRPr/>
             </a:p>
           </p:txBody>
@@ -3773,7 +4212,7 @@
             </a:xfrm>
             <a:prstGeom prst="diagStripe">
               <a:avLst>
-                <a:gd fmla="val 50000" name="adj"/>
+                <a:gd name="adj" fmla="val 50000"/>
               </a:avLst>
             </a:prstGeom>
             <a:solidFill>
@@ -3786,12 +4225,12 @@
             </a:ln>
           </p:spPr>
           <p:txBody>
-            <a:bodyPr anchorCtr="0" anchor="ctr" bIns="91425" lIns="91425" spcFirstLastPara="1" rIns="91425" wrap="square" tIns="91425">
+            <a:bodyPr spcFirstLastPara="1" wrap="square" lIns="91425" tIns="91425" rIns="91425" bIns="91425" anchor="ctr" anchorCtr="0">
               <a:noAutofit/>
             </a:bodyPr>
             <a:lstStyle/>
             <a:p>
-              <a:pPr indent="0" lvl="0" marL="0" rtl="0" algn="l">
+              <a:pPr marL="0" lvl="0" indent="0" algn="l" rtl="0">
                 <a:spcBef>
                   <a:spcPts val="0"/>
                 </a:spcBef>
@@ -3800,9 +4239,6 @@
                 </a:spcAft>
                 <a:buNone/>
               </a:pPr>
-              <a:r>
-                <a:t/>
-              </a:r>
               <a:endParaRPr/>
             </a:p>
           </p:txBody>
@@ -3820,7 +4256,7 @@
             </a:xfrm>
             <a:prstGeom prst="diagStripe">
               <a:avLst>
-                <a:gd fmla="val 50000" name="adj"/>
+                <a:gd name="adj" fmla="val 50000"/>
               </a:avLst>
             </a:prstGeom>
             <a:solidFill>
@@ -3833,12 +4269,12 @@
             </a:ln>
           </p:spPr>
           <p:txBody>
-            <a:bodyPr anchorCtr="0" anchor="ctr" bIns="91425" lIns="91425" spcFirstLastPara="1" rIns="91425" wrap="square" tIns="91425">
+            <a:bodyPr spcFirstLastPara="1" wrap="square" lIns="91425" tIns="91425" rIns="91425" bIns="91425" anchor="ctr" anchorCtr="0">
               <a:noAutofit/>
             </a:bodyPr>
             <a:lstStyle/>
             <a:p>
-              <a:pPr indent="0" lvl="0" marL="0" rtl="0" algn="l">
+              <a:pPr marL="0" lvl="0" indent="0" algn="l" rtl="0">
                 <a:spcBef>
                   <a:spcPts val="0"/>
                 </a:spcBef>
@@ -3847,9 +4283,6 @@
                 </a:spcAft>
                 <a:buNone/>
               </a:pPr>
-              <a:r>
-                <a:t/>
-              </a:r>
               <a:endParaRPr/>
             </a:p>
           </p:txBody>
@@ -3867,7 +4300,7 @@
             </a:xfrm>
             <a:prstGeom prst="diagStripe">
               <a:avLst>
-                <a:gd fmla="val 50000" name="adj"/>
+                <a:gd name="adj" fmla="val 50000"/>
               </a:avLst>
             </a:prstGeom>
             <a:solidFill>
@@ -3880,12 +4313,12 @@
             </a:ln>
           </p:spPr>
           <p:txBody>
-            <a:bodyPr anchorCtr="0" anchor="ctr" bIns="91425" lIns="91425" spcFirstLastPara="1" rIns="91425" wrap="square" tIns="91425">
+            <a:bodyPr spcFirstLastPara="1" wrap="square" lIns="91425" tIns="91425" rIns="91425" bIns="91425" anchor="ctr" anchorCtr="0">
               <a:noAutofit/>
             </a:bodyPr>
             <a:lstStyle/>
             <a:p>
-              <a:pPr indent="0" lvl="0" marL="0" rtl="0" algn="l">
+              <a:pPr marL="0" lvl="0" indent="0" algn="l" rtl="0">
                 <a:spcBef>
                   <a:spcPts val="0"/>
                 </a:spcBef>
@@ -3894,9 +4327,6 @@
                 </a:spcAft>
                 <a:buNone/>
               </a:pPr>
-              <a:r>
-                <a:t/>
-              </a:r>
               <a:endParaRPr/>
             </a:p>
           </p:txBody>
@@ -3914,7 +4344,7 @@
             </a:xfrm>
             <a:prstGeom prst="diagStripe">
               <a:avLst>
-                <a:gd fmla="val 50000" name="adj"/>
+                <a:gd name="adj" fmla="val 50000"/>
               </a:avLst>
             </a:prstGeom>
             <a:solidFill>
@@ -3925,12 +4355,12 @@
             </a:ln>
           </p:spPr>
           <p:txBody>
-            <a:bodyPr anchorCtr="0" anchor="ctr" bIns="91425" lIns="91425" spcFirstLastPara="1" rIns="91425" wrap="square" tIns="91425">
+            <a:bodyPr spcFirstLastPara="1" wrap="square" lIns="91425" tIns="91425" rIns="91425" bIns="91425" anchor="ctr" anchorCtr="0">
               <a:noAutofit/>
             </a:bodyPr>
             <a:lstStyle/>
             <a:p>
-              <a:pPr indent="0" lvl="0" marL="0" rtl="0" algn="l">
+              <a:pPr marL="0" lvl="0" indent="0" algn="l" rtl="0">
                 <a:spcBef>
                   <a:spcPts val="0"/>
                 </a:spcBef>
@@ -3939,9 +4369,6 @@
                 </a:spcAft>
                 <a:buNone/>
               </a:pPr>
-              <a:r>
-                <a:t/>
-              </a:r>
               <a:endParaRPr/>
             </a:p>
           </p:txBody>
@@ -3959,7 +4386,7 @@
             </a:xfrm>
             <a:prstGeom prst="diagStripe">
               <a:avLst>
-                <a:gd fmla="val 50000" name="adj"/>
+                <a:gd name="adj" fmla="val 50000"/>
               </a:avLst>
             </a:prstGeom>
             <a:solidFill>
@@ -3972,12 +4399,12 @@
             </a:ln>
           </p:spPr>
           <p:txBody>
-            <a:bodyPr anchorCtr="0" anchor="ctr" bIns="91425" lIns="91425" spcFirstLastPara="1" rIns="91425" wrap="square" tIns="91425">
+            <a:bodyPr spcFirstLastPara="1" wrap="square" lIns="91425" tIns="91425" rIns="91425" bIns="91425" anchor="ctr" anchorCtr="0">
               <a:noAutofit/>
             </a:bodyPr>
             <a:lstStyle/>
             <a:p>
-              <a:pPr indent="0" lvl="0" marL="0" rtl="0" algn="l">
+              <a:pPr marL="0" lvl="0" indent="0" algn="l" rtl="0">
                 <a:spcBef>
                   <a:spcPts val="0"/>
                 </a:spcBef>
@@ -3986,9 +4413,6 @@
                 </a:spcAft>
                 <a:buNone/>
               </a:pPr>
-              <a:r>
-                <a:t/>
-              </a:r>
               <a:endParaRPr/>
             </a:p>
           </p:txBody>
@@ -4006,7 +4430,7 @@
             </a:xfrm>
             <a:prstGeom prst="diagStripe">
               <a:avLst>
-                <a:gd fmla="val 50000" name="adj"/>
+                <a:gd name="adj" fmla="val 50000"/>
               </a:avLst>
             </a:prstGeom>
             <a:solidFill>
@@ -4019,12 +4443,12 @@
             </a:ln>
           </p:spPr>
           <p:txBody>
-            <a:bodyPr anchorCtr="0" anchor="ctr" bIns="91425" lIns="91425" spcFirstLastPara="1" rIns="91425" wrap="square" tIns="91425">
+            <a:bodyPr spcFirstLastPara="1" wrap="square" lIns="91425" tIns="91425" rIns="91425" bIns="91425" anchor="ctr" anchorCtr="0">
               <a:noAutofit/>
             </a:bodyPr>
             <a:lstStyle/>
             <a:p>
-              <a:pPr indent="0" lvl="0" marL="0" rtl="0" algn="l">
+              <a:pPr marL="0" lvl="0" indent="0" algn="l" rtl="0">
                 <a:spcBef>
                   <a:spcPts val="0"/>
                 </a:spcBef>
@@ -4033,9 +4457,6 @@
                 </a:spcAft>
                 <a:buNone/>
               </a:pPr>
-              <a:r>
-                <a:t/>
-              </a:r>
               <a:endParaRPr/>
             </a:p>
           </p:txBody>
@@ -4053,7 +4474,7 @@
             </a:xfrm>
             <a:prstGeom prst="diagStripe">
               <a:avLst>
-                <a:gd fmla="val 50000" name="adj"/>
+                <a:gd name="adj" fmla="val 50000"/>
               </a:avLst>
             </a:prstGeom>
             <a:solidFill>
@@ -4066,12 +4487,12 @@
             </a:ln>
           </p:spPr>
           <p:txBody>
-            <a:bodyPr anchorCtr="0" anchor="ctr" bIns="91425" lIns="91425" spcFirstLastPara="1" rIns="91425" wrap="square" tIns="91425">
+            <a:bodyPr spcFirstLastPara="1" wrap="square" lIns="91425" tIns="91425" rIns="91425" bIns="91425" anchor="ctr" anchorCtr="0">
               <a:noAutofit/>
             </a:bodyPr>
             <a:lstStyle/>
             <a:p>
-              <a:pPr indent="0" lvl="0" marL="0" rtl="0" algn="l">
+              <a:pPr marL="0" lvl="0" indent="0" algn="l" rtl="0">
                 <a:spcBef>
                   <a:spcPts val="0"/>
                 </a:spcBef>
@@ -4080,9 +4501,6 @@
                 </a:spcAft>
                 <a:buNone/>
               </a:pPr>
-              <a:r>
-                <a:t/>
-              </a:r>
               <a:endParaRPr/>
             </a:p>
           </p:txBody>
@@ -4100,7 +4518,7 @@
             </a:xfrm>
             <a:prstGeom prst="diagStripe">
               <a:avLst>
-                <a:gd fmla="val 50000" name="adj"/>
+                <a:gd name="adj" fmla="val 50000"/>
               </a:avLst>
             </a:prstGeom>
             <a:solidFill>
@@ -4113,12 +4531,12 @@
             </a:ln>
           </p:spPr>
           <p:txBody>
-            <a:bodyPr anchorCtr="0" anchor="ctr" bIns="91425" lIns="91425" spcFirstLastPara="1" rIns="91425" wrap="square" tIns="91425">
+            <a:bodyPr spcFirstLastPara="1" wrap="square" lIns="91425" tIns="91425" rIns="91425" bIns="91425" anchor="ctr" anchorCtr="0">
               <a:noAutofit/>
             </a:bodyPr>
             <a:lstStyle/>
             <a:p>
-              <a:pPr indent="0" lvl="0" marL="0" rtl="0" algn="l">
+              <a:pPr marL="0" lvl="0" indent="0" algn="l" rtl="0">
                 <a:spcBef>
                   <a:spcPts val="0"/>
                 </a:spcBef>
@@ -4127,9 +4545,6 @@
                 </a:spcAft>
                 <a:buNone/>
               </a:pPr>
-              <a:r>
-                <a:t/>
-              </a:r>
               <a:endParaRPr/>
             </a:p>
           </p:txBody>
@@ -4147,7 +4562,7 @@
             </a:xfrm>
             <a:prstGeom prst="diagStripe">
               <a:avLst>
-                <a:gd fmla="val 50000" name="adj"/>
+                <a:gd name="adj" fmla="val 50000"/>
               </a:avLst>
             </a:prstGeom>
             <a:solidFill>
@@ -4160,12 +4575,12 @@
             </a:ln>
           </p:spPr>
           <p:txBody>
-            <a:bodyPr anchorCtr="0" anchor="ctr" bIns="91425" lIns="91425" spcFirstLastPara="1" rIns="91425" wrap="square" tIns="91425">
+            <a:bodyPr spcFirstLastPara="1" wrap="square" lIns="91425" tIns="91425" rIns="91425" bIns="91425" anchor="ctr" anchorCtr="0">
               <a:noAutofit/>
             </a:bodyPr>
             <a:lstStyle/>
             <a:p>
-              <a:pPr indent="0" lvl="0" marL="0" rtl="0" algn="l">
+              <a:pPr marL="0" lvl="0" indent="0" algn="l" rtl="0">
                 <a:spcBef>
                   <a:spcPts val="0"/>
                 </a:spcBef>
@@ -4174,9 +4589,6 @@
                 </a:spcAft>
                 <a:buNone/>
               </a:pPr>
-              <a:r>
-                <a:t/>
-              </a:r>
               <a:endParaRPr/>
             </a:p>
           </p:txBody>
@@ -4194,7 +4606,7 @@
             </a:xfrm>
             <a:prstGeom prst="diagStripe">
               <a:avLst>
-                <a:gd fmla="val 50000" name="adj"/>
+                <a:gd name="adj" fmla="val 50000"/>
               </a:avLst>
             </a:prstGeom>
             <a:solidFill>
@@ -4205,12 +4617,12 @@
             </a:ln>
           </p:spPr>
           <p:txBody>
-            <a:bodyPr anchorCtr="0" anchor="ctr" bIns="91425" lIns="91425" spcFirstLastPara="1" rIns="91425" wrap="square" tIns="91425">
+            <a:bodyPr spcFirstLastPara="1" wrap="square" lIns="91425" tIns="91425" rIns="91425" bIns="91425" anchor="ctr" anchorCtr="0">
               <a:noAutofit/>
             </a:bodyPr>
             <a:lstStyle/>
             <a:p>
-              <a:pPr indent="0" lvl="0" marL="0" rtl="0" algn="l">
+              <a:pPr marL="0" lvl="0" indent="0" algn="l" rtl="0">
                 <a:spcBef>
                   <a:spcPts val="0"/>
                 </a:spcBef>
@@ -4219,9 +4631,6 @@
                 </a:spcAft>
                 <a:buNone/>
               </a:pPr>
-              <a:r>
-                <a:t/>
-              </a:r>
               <a:endParaRPr/>
             </a:p>
           </p:txBody>
@@ -4239,7 +4648,7 @@
             </a:xfrm>
             <a:prstGeom prst="diagStripe">
               <a:avLst>
-                <a:gd fmla="val 50000" name="adj"/>
+                <a:gd name="adj" fmla="val 50000"/>
               </a:avLst>
             </a:prstGeom>
             <a:solidFill>
@@ -4252,12 +4661,12 @@
             </a:ln>
           </p:spPr>
           <p:txBody>
-            <a:bodyPr anchorCtr="0" anchor="ctr" bIns="91425" lIns="91425" spcFirstLastPara="1" rIns="91425" wrap="square" tIns="91425">
+            <a:bodyPr spcFirstLastPara="1" wrap="square" lIns="91425" tIns="91425" rIns="91425" bIns="91425" anchor="ctr" anchorCtr="0">
               <a:noAutofit/>
             </a:bodyPr>
             <a:lstStyle/>
             <a:p>
-              <a:pPr indent="0" lvl="0" marL="0" rtl="0" algn="l">
+              <a:pPr marL="0" lvl="0" indent="0" algn="l" rtl="0">
                 <a:spcBef>
                   <a:spcPts val="0"/>
                 </a:spcBef>
@@ -4266,9 +4675,6 @@
                 </a:spcAft>
                 <a:buNone/>
               </a:pPr>
-              <a:r>
-                <a:t/>
-              </a:r>
               <a:endParaRPr/>
             </a:p>
           </p:txBody>
@@ -4286,7 +4692,7 @@
             </a:xfrm>
             <a:prstGeom prst="diagStripe">
               <a:avLst>
-                <a:gd fmla="val 50000" name="adj"/>
+                <a:gd name="adj" fmla="val 50000"/>
               </a:avLst>
             </a:prstGeom>
             <a:solidFill>
@@ -4299,12 +4705,12 @@
             </a:ln>
           </p:spPr>
           <p:txBody>
-            <a:bodyPr anchorCtr="0" anchor="ctr" bIns="91425" lIns="91425" spcFirstLastPara="1" rIns="91425" wrap="square" tIns="91425">
+            <a:bodyPr spcFirstLastPara="1" wrap="square" lIns="91425" tIns="91425" rIns="91425" bIns="91425" anchor="ctr" anchorCtr="0">
               <a:noAutofit/>
             </a:bodyPr>
             <a:lstStyle/>
             <a:p>
-              <a:pPr indent="0" lvl="0" marL="0" rtl="0" algn="l">
+              <a:pPr marL="0" lvl="0" indent="0" algn="l" rtl="0">
                 <a:spcBef>
                   <a:spcPts val="0"/>
                 </a:spcBef>
@@ -4313,9 +4719,6 @@
                 </a:spcAft>
                 <a:buNone/>
               </a:pPr>
-              <a:r>
-                <a:t/>
-              </a:r>
               <a:endParaRPr/>
             </a:p>
           </p:txBody>
@@ -4333,7 +4736,7 @@
             </a:xfrm>
             <a:prstGeom prst="diagStripe">
               <a:avLst>
-                <a:gd fmla="val 50000" name="adj"/>
+                <a:gd name="adj" fmla="val 50000"/>
               </a:avLst>
             </a:prstGeom>
             <a:solidFill>
@@ -4346,12 +4749,12 @@
             </a:ln>
           </p:spPr>
           <p:txBody>
-            <a:bodyPr anchorCtr="0" anchor="ctr" bIns="91425" lIns="91425" spcFirstLastPara="1" rIns="91425" wrap="square" tIns="91425">
+            <a:bodyPr spcFirstLastPara="1" wrap="square" lIns="91425" tIns="91425" rIns="91425" bIns="91425" anchor="ctr" anchorCtr="0">
               <a:noAutofit/>
             </a:bodyPr>
             <a:lstStyle/>
             <a:p>
-              <a:pPr indent="0" lvl="0" marL="0" rtl="0" algn="l">
+              <a:pPr marL="0" lvl="0" indent="0" algn="l" rtl="0">
                 <a:spcBef>
                   <a:spcPts val="0"/>
                 </a:spcBef>
@@ -4360,9 +4763,6 @@
                 </a:spcAft>
                 <a:buNone/>
               </a:pPr>
-              <a:r>
-                <a:t/>
-              </a:r>
               <a:endParaRPr/>
             </a:p>
           </p:txBody>
@@ -4380,7 +4780,7 @@
             </a:xfrm>
             <a:prstGeom prst="diagStripe">
               <a:avLst>
-                <a:gd fmla="val 50000" name="adj"/>
+                <a:gd name="adj" fmla="val 50000"/>
               </a:avLst>
             </a:prstGeom>
             <a:solidFill>
@@ -4393,12 +4793,12 @@
             </a:ln>
           </p:spPr>
           <p:txBody>
-            <a:bodyPr anchorCtr="0" anchor="ctr" bIns="91425" lIns="91425" spcFirstLastPara="1" rIns="91425" wrap="square" tIns="91425">
+            <a:bodyPr spcFirstLastPara="1" wrap="square" lIns="91425" tIns="91425" rIns="91425" bIns="91425" anchor="ctr" anchorCtr="0">
               <a:noAutofit/>
             </a:bodyPr>
             <a:lstStyle/>
             <a:p>
-              <a:pPr indent="0" lvl="0" marL="0" rtl="0" algn="l">
+              <a:pPr marL="0" lvl="0" indent="0" algn="l" rtl="0">
                 <a:spcBef>
                   <a:spcPts val="0"/>
                 </a:spcBef>
@@ -4407,9 +4807,6 @@
                 </a:spcAft>
                 <a:buNone/>
               </a:pPr>
-              <a:r>
-                <a:t/>
-              </a:r>
               <a:endParaRPr/>
             </a:p>
           </p:txBody>
@@ -4418,7 +4815,9 @@
       <p:sp>
         <p:nvSpPr>
           <p:cNvPr id="39" name="Google Shape;39;p3"/>
-          <p:cNvSpPr txBox="1"/>
+          <p:cNvSpPr txBox="1">
+            <a:spLocks noGrp="1"/>
+          </p:cNvSpPr>
           <p:nvPr>
             <p:ph type="title"/>
           </p:nvPr>
@@ -4433,7 +4832,7 @@
           </a:prstGeom>
         </p:spPr>
         <p:txBody>
-          <a:bodyPr anchorCtr="0" anchor="ctr" bIns="91425" lIns="91425" spcFirstLastPara="1" rIns="91425" wrap="square" tIns="91425">
+          <a:bodyPr spcFirstLastPara="1" wrap="square" lIns="91425" tIns="91425" rIns="91425" bIns="91425" anchor="ctr" anchorCtr="0">
             <a:normAutofit/>
           </a:bodyPr>
           <a:lstStyle>
@@ -4537,15 +4936,19 @@
               <a:defRPr/>
             </a:lvl9pPr>
           </a:lstStyle>
-          <a:p/>
+          <a:p>
+            <a:endParaRPr/>
+          </a:p>
         </p:txBody>
       </p:sp>
       <p:sp>
         <p:nvSpPr>
           <p:cNvPr id="40" name="Google Shape;40;p3"/>
-          <p:cNvSpPr txBox="1"/>
+          <p:cNvSpPr txBox="1">
+            <a:spLocks noGrp="1"/>
+          </p:cNvSpPr>
           <p:nvPr>
-            <p:ph idx="12" type="sldNum"/>
+            <p:ph type="sldNum" idx="12"/>
           </p:nvPr>
         </p:nvSpPr>
         <p:spPr>
@@ -4558,7 +4961,7 @@
           </a:prstGeom>
         </p:spPr>
         <p:txBody>
-          <a:bodyPr anchorCtr="0" anchor="ctr" bIns="91425" lIns="91425" spcFirstLastPara="1" rIns="91425" wrap="square" tIns="91425">
+          <a:bodyPr spcFirstLastPara="1" wrap="square" lIns="91425" tIns="91425" rIns="91425" bIns="91425" anchor="ctr" anchorCtr="0">
             <a:normAutofit/>
           </a:bodyPr>
           <a:lstStyle>
@@ -4600,7 +5003,7 @@
             </a:lvl9pPr>
           </a:lstStyle>
           <a:p>
-            <a:pPr indent="0" lvl="0" marL="0" rtl="0" algn="r">
+            <a:pPr marL="0" lvl="0" indent="0" algn="r" rtl="0">
               <a:spcBef>
                 <a:spcPts val="0"/>
               </a:spcBef>
@@ -4626,11 +5029,11 @@
 </file>
 
 <file path=ppt/slideLayouts/slideLayout3.xml><?xml version="1.0" encoding="utf-8"?>
-<p:sldLayout xmlns:a="http://schemas.openxmlformats.org/drawingml/2006/main" xmlns:r="http://schemas.openxmlformats.org/officeDocument/2006/relationships" xmlns:mc="http://schemas.openxmlformats.org/markup-compatibility/2006" xmlns:mv="urn:schemas-microsoft-com:mac:vml" xmlns:p="http://schemas.openxmlformats.org/presentationml/2006/main" xmlns:c="http://schemas.openxmlformats.org/drawingml/2006/chart" xmlns:dgm="http://schemas.openxmlformats.org/drawingml/2006/diagram" xmlns:o="urn:schemas-microsoft-com:office:office" xmlns:v="urn:schemas-microsoft-com:vml" xmlns:pvml="urn:schemas-microsoft-com:office:powerpoint" xmlns:com="http://schemas.openxmlformats.org/drawingml/2006/compatibility" xmlns:p14="http://schemas.microsoft.com/office/powerpoint/2010/main" xmlns:p15="http://schemas.microsoft.com/office/powerpoint/2012/main" xmlns:ahyp="http://schemas.microsoft.com/office/drawing/2018/hyperlinkcolor" matchingName="Title and body" type="tx">
+<p:sldLayout xmlns:a="http://schemas.openxmlformats.org/drawingml/2006/main" xmlns:r="http://schemas.openxmlformats.org/officeDocument/2006/relationships" xmlns:p="http://schemas.openxmlformats.org/presentationml/2006/main" matchingName="Title and body" type="tx">
   <p:cSld name="TITLE_AND_BODY">
     <p:spTree>
       <p:nvGrpSpPr>
-        <p:cNvPr id="41" name="Shape 41"/>
+        <p:cNvPr id="1" name="Shape 41"/>
         <p:cNvGrpSpPr/>
         <p:nvPr/>
       </p:nvGrpSpPr>
@@ -4669,7 +5072,7 @@
             </a:xfrm>
             <a:prstGeom prst="diagStripe">
               <a:avLst>
-                <a:gd fmla="val 50000" name="adj"/>
+                <a:gd name="adj" fmla="val 50000"/>
               </a:avLst>
             </a:prstGeom>
             <a:solidFill>
@@ -4680,12 +5083,12 @@
             </a:ln>
           </p:spPr>
           <p:txBody>
-            <a:bodyPr anchorCtr="0" anchor="ctr" bIns="91425" lIns="91425" spcFirstLastPara="1" rIns="91425" wrap="square" tIns="91425">
+            <a:bodyPr spcFirstLastPara="1" wrap="square" lIns="91425" tIns="91425" rIns="91425" bIns="91425" anchor="ctr" anchorCtr="0">
               <a:noAutofit/>
             </a:bodyPr>
             <a:lstStyle/>
             <a:p>
-              <a:pPr indent="0" lvl="0" marL="0" rtl="0" algn="l">
+              <a:pPr marL="0" lvl="0" indent="0" algn="l" rtl="0">
                 <a:spcBef>
                   <a:spcPts val="0"/>
                 </a:spcBef>
@@ -4694,9 +5097,6 @@
                 </a:spcAft>
                 <a:buNone/>
               </a:pPr>
-              <a:r>
-                <a:t/>
-              </a:r>
               <a:endParaRPr/>
             </a:p>
           </p:txBody>
@@ -4714,7 +5114,7 @@
             </a:xfrm>
             <a:prstGeom prst="diagStripe">
               <a:avLst>
-                <a:gd fmla="val 50000" name="adj"/>
+                <a:gd name="adj" fmla="val 50000"/>
               </a:avLst>
             </a:prstGeom>
             <a:solidFill>
@@ -4725,12 +5125,12 @@
             </a:ln>
           </p:spPr>
           <p:txBody>
-            <a:bodyPr anchorCtr="0" anchor="ctr" bIns="91425" lIns="91425" spcFirstLastPara="1" rIns="91425" wrap="square" tIns="91425">
+            <a:bodyPr spcFirstLastPara="1" wrap="square" lIns="91425" tIns="91425" rIns="91425" bIns="91425" anchor="ctr" anchorCtr="0">
               <a:noAutofit/>
             </a:bodyPr>
             <a:lstStyle/>
             <a:p>
-              <a:pPr indent="0" lvl="0" marL="0" rtl="0" algn="l">
+              <a:pPr marL="0" lvl="0" indent="0" algn="l" rtl="0">
                 <a:spcBef>
                   <a:spcPts val="0"/>
                 </a:spcBef>
@@ -4739,9 +5139,6 @@
                 </a:spcAft>
                 <a:buNone/>
               </a:pPr>
-              <a:r>
-                <a:t/>
-              </a:r>
               <a:endParaRPr/>
             </a:p>
           </p:txBody>
@@ -4750,7 +5147,9 @@
       <p:sp>
         <p:nvSpPr>
           <p:cNvPr id="45" name="Google Shape;45;p4"/>
-          <p:cNvSpPr txBox="1"/>
+          <p:cNvSpPr txBox="1">
+            <a:spLocks noGrp="1"/>
+          </p:cNvSpPr>
           <p:nvPr>
             <p:ph type="title"/>
           </p:nvPr>
@@ -4765,7 +5164,7 @@
           </a:prstGeom>
         </p:spPr>
         <p:txBody>
-          <a:bodyPr anchorCtr="0" anchor="t" bIns="91425" lIns="91425" spcFirstLastPara="1" rIns="91425" wrap="square" tIns="91425">
+          <a:bodyPr spcFirstLastPara="1" wrap="square" lIns="91425" tIns="91425" rIns="91425" bIns="91425" anchor="t" anchorCtr="0">
             <a:normAutofit/>
           </a:bodyPr>
           <a:lstStyle>
@@ -4869,15 +5268,19 @@
               <a:defRPr sz="2400"/>
             </a:lvl9pPr>
           </a:lstStyle>
-          <a:p/>
+          <a:p>
+            <a:endParaRPr/>
+          </a:p>
         </p:txBody>
       </p:sp>
       <p:sp>
         <p:nvSpPr>
           <p:cNvPr id="46" name="Google Shape;46;p4"/>
-          <p:cNvSpPr txBox="1"/>
+          <p:cNvSpPr txBox="1">
+            <a:spLocks noGrp="1"/>
+          </p:cNvSpPr>
           <p:nvPr>
-            <p:ph idx="1" type="body"/>
+            <p:ph type="body" idx="1"/>
           </p:nvPr>
         </p:nvSpPr>
         <p:spPr>
@@ -4890,11 +5293,11 @@
           </a:prstGeom>
         </p:spPr>
         <p:txBody>
-          <a:bodyPr anchorCtr="0" anchor="t" bIns="91425" lIns="91425" spcFirstLastPara="1" rIns="91425" wrap="square" tIns="91425">
+          <a:bodyPr spcFirstLastPara="1" wrap="square" lIns="91425" tIns="91425" rIns="91425" bIns="91425" anchor="t" anchorCtr="0">
             <a:normAutofit/>
           </a:bodyPr>
           <a:lstStyle>
-            <a:lvl1pPr indent="-311150" lvl="0" marL="457200">
+            <a:lvl1pPr marL="457200" lvl="0" indent="-311150">
               <a:spcBef>
                 <a:spcPts val="0"/>
               </a:spcBef>
@@ -4905,7 +5308,7 @@
               <a:buChar char="●"/>
               <a:defRPr/>
             </a:lvl1pPr>
-            <a:lvl2pPr indent="-298450" lvl="1" marL="914400">
+            <a:lvl2pPr marL="914400" lvl="1" indent="-298450">
               <a:spcBef>
                 <a:spcPts val="0"/>
               </a:spcBef>
@@ -4916,7 +5319,7 @@
               <a:buChar char="○"/>
               <a:defRPr/>
             </a:lvl2pPr>
-            <a:lvl3pPr indent="-298450" lvl="2" marL="1371600">
+            <a:lvl3pPr marL="1371600" lvl="2" indent="-298450">
               <a:spcBef>
                 <a:spcPts val="0"/>
               </a:spcBef>
@@ -4927,7 +5330,7 @@
               <a:buChar char="■"/>
               <a:defRPr/>
             </a:lvl3pPr>
-            <a:lvl4pPr indent="-298450" lvl="3" marL="1828800">
+            <a:lvl4pPr marL="1828800" lvl="3" indent="-298450">
               <a:spcBef>
                 <a:spcPts val="0"/>
               </a:spcBef>
@@ -4938,7 +5341,7 @@
               <a:buChar char="●"/>
               <a:defRPr/>
             </a:lvl4pPr>
-            <a:lvl5pPr indent="-298450" lvl="4" marL="2286000">
+            <a:lvl5pPr marL="2286000" lvl="4" indent="-298450">
               <a:spcBef>
                 <a:spcPts val="0"/>
               </a:spcBef>
@@ -4949,7 +5352,7 @@
               <a:buChar char="○"/>
               <a:defRPr/>
             </a:lvl5pPr>
-            <a:lvl6pPr indent="-298450" lvl="5" marL="2743200">
+            <a:lvl6pPr marL="2743200" lvl="5" indent="-298450">
               <a:spcBef>
                 <a:spcPts val="0"/>
               </a:spcBef>
@@ -4960,7 +5363,7 @@
               <a:buChar char="■"/>
               <a:defRPr/>
             </a:lvl6pPr>
-            <a:lvl7pPr indent="-298450" lvl="6" marL="3200400">
+            <a:lvl7pPr marL="3200400" lvl="6" indent="-298450">
               <a:spcBef>
                 <a:spcPts val="0"/>
               </a:spcBef>
@@ -4971,7 +5374,7 @@
               <a:buChar char="●"/>
               <a:defRPr/>
             </a:lvl7pPr>
-            <a:lvl8pPr indent="-298450" lvl="7" marL="3657600">
+            <a:lvl8pPr marL="3657600" lvl="7" indent="-298450">
               <a:spcBef>
                 <a:spcPts val="0"/>
               </a:spcBef>
@@ -4982,7 +5385,7 @@
               <a:buChar char="○"/>
               <a:defRPr/>
             </a:lvl8pPr>
-            <a:lvl9pPr indent="-298450" lvl="8" marL="4114800">
+            <a:lvl9pPr marL="4114800" lvl="8" indent="-298450">
               <a:spcBef>
                 <a:spcPts val="0"/>
               </a:spcBef>
@@ -4994,15 +5397,19 @@
               <a:defRPr/>
             </a:lvl9pPr>
           </a:lstStyle>
-          <a:p/>
+          <a:p>
+            <a:endParaRPr/>
+          </a:p>
         </p:txBody>
       </p:sp>
       <p:sp>
         <p:nvSpPr>
           <p:cNvPr id="47" name="Google Shape;47;p4"/>
-          <p:cNvSpPr txBox="1"/>
+          <p:cNvSpPr txBox="1">
+            <a:spLocks noGrp="1"/>
+          </p:cNvSpPr>
           <p:nvPr>
-            <p:ph idx="12" type="sldNum"/>
+            <p:ph type="sldNum" idx="12"/>
           </p:nvPr>
         </p:nvSpPr>
         <p:spPr>
@@ -5015,7 +5422,7 @@
           </a:prstGeom>
         </p:spPr>
         <p:txBody>
-          <a:bodyPr anchorCtr="0" anchor="ctr" bIns="91425" lIns="91425" spcFirstLastPara="1" rIns="91425" wrap="square" tIns="91425">
+          <a:bodyPr spcFirstLastPara="1" wrap="square" lIns="91425" tIns="91425" rIns="91425" bIns="91425" anchor="ctr" anchorCtr="0">
             <a:normAutofit/>
           </a:bodyPr>
           <a:lstStyle>
@@ -5057,7 +5464,7 @@
             </a:lvl9pPr>
           </a:lstStyle>
           <a:p>
-            <a:pPr indent="0" lvl="0" marL="0" rtl="0" algn="r">
+            <a:pPr marL="0" lvl="0" indent="0" algn="r" rtl="0">
               <a:spcBef>
                 <a:spcPts val="0"/>
               </a:spcBef>
@@ -5083,11 +5490,11 @@
 </file>
 
 <file path=ppt/slideLayouts/slideLayout4.xml><?xml version="1.0" encoding="utf-8"?>
-<p:sldLayout xmlns:a="http://schemas.openxmlformats.org/drawingml/2006/main" xmlns:r="http://schemas.openxmlformats.org/officeDocument/2006/relationships" xmlns:mc="http://schemas.openxmlformats.org/markup-compatibility/2006" xmlns:mv="urn:schemas-microsoft-com:mac:vml" xmlns:p="http://schemas.openxmlformats.org/presentationml/2006/main" xmlns:c="http://schemas.openxmlformats.org/drawingml/2006/chart" xmlns:dgm="http://schemas.openxmlformats.org/drawingml/2006/diagram" xmlns:o="urn:schemas-microsoft-com:office:office" xmlns:v="urn:schemas-microsoft-com:vml" xmlns:pvml="urn:schemas-microsoft-com:office:powerpoint" xmlns:com="http://schemas.openxmlformats.org/drawingml/2006/compatibility" xmlns:p14="http://schemas.microsoft.com/office/powerpoint/2010/main" xmlns:p15="http://schemas.microsoft.com/office/powerpoint/2012/main" xmlns:ahyp="http://schemas.microsoft.com/office/drawing/2018/hyperlinkcolor" matchingName="Title and two columns" type="twoColTx">
+<p:sldLayout xmlns:a="http://schemas.openxmlformats.org/drawingml/2006/main" xmlns:r="http://schemas.openxmlformats.org/officeDocument/2006/relationships" xmlns:p="http://schemas.openxmlformats.org/presentationml/2006/main" matchingName="Title and two columns" type="twoColTx">
   <p:cSld name="TITLE_AND_TWO_COLUMNS">
     <p:spTree>
       <p:nvGrpSpPr>
-        <p:cNvPr id="48" name="Shape 48"/>
+        <p:cNvPr id="1" name="Shape 48"/>
         <p:cNvGrpSpPr/>
         <p:nvPr/>
       </p:nvGrpSpPr>
@@ -5126,7 +5533,7 @@
             </a:xfrm>
             <a:prstGeom prst="diagStripe">
               <a:avLst>
-                <a:gd fmla="val 50000" name="adj"/>
+                <a:gd name="adj" fmla="val 50000"/>
               </a:avLst>
             </a:prstGeom>
             <a:solidFill>
@@ -5137,12 +5544,12 @@
             </a:ln>
           </p:spPr>
           <p:txBody>
-            <a:bodyPr anchorCtr="0" anchor="ctr" bIns="91425" lIns="91425" spcFirstLastPara="1" rIns="91425" wrap="square" tIns="91425">
+            <a:bodyPr spcFirstLastPara="1" wrap="square" lIns="91425" tIns="91425" rIns="91425" bIns="91425" anchor="ctr" anchorCtr="0">
               <a:noAutofit/>
             </a:bodyPr>
             <a:lstStyle/>
             <a:p>
-              <a:pPr indent="0" lvl="0" marL="0" rtl="0" algn="l">
+              <a:pPr marL="0" lvl="0" indent="0" algn="l" rtl="0">
                 <a:spcBef>
                   <a:spcPts val="0"/>
                 </a:spcBef>
@@ -5151,9 +5558,6 @@
                 </a:spcAft>
                 <a:buNone/>
               </a:pPr>
-              <a:r>
-                <a:t/>
-              </a:r>
               <a:endParaRPr/>
             </a:p>
           </p:txBody>
@@ -5171,7 +5575,7 @@
             </a:xfrm>
             <a:prstGeom prst="diagStripe">
               <a:avLst>
-                <a:gd fmla="val 50000" name="adj"/>
+                <a:gd name="adj" fmla="val 50000"/>
               </a:avLst>
             </a:prstGeom>
             <a:solidFill>
@@ -5182,12 +5586,12 @@
             </a:ln>
           </p:spPr>
           <p:txBody>
-            <a:bodyPr anchorCtr="0" anchor="ctr" bIns="91425" lIns="91425" spcFirstLastPara="1" rIns="91425" wrap="square" tIns="91425">
+            <a:bodyPr spcFirstLastPara="1" wrap="square" lIns="91425" tIns="91425" rIns="91425" bIns="91425" anchor="ctr" anchorCtr="0">
               <a:noAutofit/>
             </a:bodyPr>
             <a:lstStyle/>
             <a:p>
-              <a:pPr indent="0" lvl="0" marL="0" rtl="0" algn="l">
+              <a:pPr marL="0" lvl="0" indent="0" algn="l" rtl="0">
                 <a:spcBef>
                   <a:spcPts val="0"/>
                 </a:spcBef>
@@ -5196,9 +5600,6 @@
                 </a:spcAft>
                 <a:buNone/>
               </a:pPr>
-              <a:r>
-                <a:t/>
-              </a:r>
               <a:endParaRPr/>
             </a:p>
           </p:txBody>
@@ -5207,7 +5608,9 @@
       <p:sp>
         <p:nvSpPr>
           <p:cNvPr id="52" name="Google Shape;52;p5"/>
-          <p:cNvSpPr txBox="1"/>
+          <p:cNvSpPr txBox="1">
+            <a:spLocks noGrp="1"/>
+          </p:cNvSpPr>
           <p:nvPr>
             <p:ph type="title"/>
           </p:nvPr>
@@ -5222,7 +5625,7 @@
           </a:prstGeom>
         </p:spPr>
         <p:txBody>
-          <a:bodyPr anchorCtr="0" anchor="t" bIns="91425" lIns="91425" spcFirstLastPara="1" rIns="91425" wrap="square" tIns="91425">
+          <a:bodyPr spcFirstLastPara="1" wrap="square" lIns="91425" tIns="91425" rIns="91425" bIns="91425" anchor="t" anchorCtr="0">
             <a:normAutofit/>
           </a:bodyPr>
           <a:lstStyle>
@@ -5326,15 +5729,19 @@
               <a:defRPr sz="2400"/>
             </a:lvl9pPr>
           </a:lstStyle>
-          <a:p/>
+          <a:p>
+            <a:endParaRPr/>
+          </a:p>
         </p:txBody>
       </p:sp>
       <p:sp>
         <p:nvSpPr>
           <p:cNvPr id="53" name="Google Shape;53;p5"/>
-          <p:cNvSpPr txBox="1"/>
+          <p:cNvSpPr txBox="1">
+            <a:spLocks noGrp="1"/>
+          </p:cNvSpPr>
           <p:nvPr>
-            <p:ph idx="1" type="body"/>
+            <p:ph type="body" idx="1"/>
           </p:nvPr>
         </p:nvSpPr>
         <p:spPr>
@@ -5347,11 +5754,11 @@
           </a:prstGeom>
         </p:spPr>
         <p:txBody>
-          <a:bodyPr anchorCtr="0" anchor="t" bIns="91425" lIns="91425" spcFirstLastPara="1" rIns="91425" wrap="square" tIns="91425">
+          <a:bodyPr spcFirstLastPara="1" wrap="square" lIns="91425" tIns="91425" rIns="91425" bIns="91425" anchor="t" anchorCtr="0">
             <a:normAutofit/>
           </a:bodyPr>
           <a:lstStyle>
-            <a:lvl1pPr indent="-311150" lvl="0" marL="457200">
+            <a:lvl1pPr marL="457200" lvl="0" indent="-311150">
               <a:spcBef>
                 <a:spcPts val="0"/>
               </a:spcBef>
@@ -5362,7 +5769,7 @@
               <a:buChar char="●"/>
               <a:defRPr/>
             </a:lvl1pPr>
-            <a:lvl2pPr indent="-298450" lvl="1" marL="914400">
+            <a:lvl2pPr marL="914400" lvl="1" indent="-298450">
               <a:spcBef>
                 <a:spcPts val="0"/>
               </a:spcBef>
@@ -5373,7 +5780,7 @@
               <a:buChar char="○"/>
               <a:defRPr/>
             </a:lvl2pPr>
-            <a:lvl3pPr indent="-298450" lvl="2" marL="1371600">
+            <a:lvl3pPr marL="1371600" lvl="2" indent="-298450">
               <a:spcBef>
                 <a:spcPts val="0"/>
               </a:spcBef>
@@ -5384,7 +5791,7 @@
               <a:buChar char="■"/>
               <a:defRPr/>
             </a:lvl3pPr>
-            <a:lvl4pPr indent="-298450" lvl="3" marL="1828800">
+            <a:lvl4pPr marL="1828800" lvl="3" indent="-298450">
               <a:spcBef>
                 <a:spcPts val="0"/>
               </a:spcBef>
@@ -5395,7 +5802,7 @@
               <a:buChar char="●"/>
               <a:defRPr/>
             </a:lvl4pPr>
-            <a:lvl5pPr indent="-298450" lvl="4" marL="2286000">
+            <a:lvl5pPr marL="2286000" lvl="4" indent="-298450">
               <a:spcBef>
                 <a:spcPts val="0"/>
               </a:spcBef>
@@ -5406,7 +5813,7 @@
               <a:buChar char="○"/>
               <a:defRPr/>
             </a:lvl5pPr>
-            <a:lvl6pPr indent="-298450" lvl="5" marL="2743200">
+            <a:lvl6pPr marL="2743200" lvl="5" indent="-298450">
               <a:spcBef>
                 <a:spcPts val="0"/>
               </a:spcBef>
@@ -5417,7 +5824,7 @@
               <a:buChar char="■"/>
               <a:defRPr/>
             </a:lvl6pPr>
-            <a:lvl7pPr indent="-298450" lvl="6" marL="3200400">
+            <a:lvl7pPr marL="3200400" lvl="6" indent="-298450">
               <a:spcBef>
                 <a:spcPts val="0"/>
               </a:spcBef>
@@ -5428,7 +5835,7 @@
               <a:buChar char="●"/>
               <a:defRPr/>
             </a:lvl7pPr>
-            <a:lvl8pPr indent="-298450" lvl="7" marL="3657600">
+            <a:lvl8pPr marL="3657600" lvl="7" indent="-298450">
               <a:spcBef>
                 <a:spcPts val="0"/>
               </a:spcBef>
@@ -5439,7 +5846,7 @@
               <a:buChar char="○"/>
               <a:defRPr/>
             </a:lvl8pPr>
-            <a:lvl9pPr indent="-298450" lvl="8" marL="4114800">
+            <a:lvl9pPr marL="4114800" lvl="8" indent="-298450">
               <a:spcBef>
                 <a:spcPts val="0"/>
               </a:spcBef>
@@ -5451,15 +5858,19 @@
               <a:defRPr/>
             </a:lvl9pPr>
           </a:lstStyle>
-          <a:p/>
+          <a:p>
+            <a:endParaRPr/>
+          </a:p>
         </p:txBody>
       </p:sp>
       <p:sp>
         <p:nvSpPr>
           <p:cNvPr id="54" name="Google Shape;54;p5"/>
-          <p:cNvSpPr txBox="1"/>
+          <p:cNvSpPr txBox="1">
+            <a:spLocks noGrp="1"/>
+          </p:cNvSpPr>
           <p:nvPr>
-            <p:ph idx="2" type="body"/>
+            <p:ph type="body" idx="2"/>
           </p:nvPr>
         </p:nvSpPr>
         <p:spPr>
@@ -5472,11 +5883,11 @@
           </a:prstGeom>
         </p:spPr>
         <p:txBody>
-          <a:bodyPr anchorCtr="0" anchor="t" bIns="91425" lIns="91425" spcFirstLastPara="1" rIns="91425" wrap="square" tIns="91425">
+          <a:bodyPr spcFirstLastPara="1" wrap="square" lIns="91425" tIns="91425" rIns="91425" bIns="91425" anchor="t" anchorCtr="0">
             <a:normAutofit/>
           </a:bodyPr>
           <a:lstStyle>
-            <a:lvl1pPr indent="-311150" lvl="0" marL="457200">
+            <a:lvl1pPr marL="457200" lvl="0" indent="-311150">
               <a:spcBef>
                 <a:spcPts val="0"/>
               </a:spcBef>
@@ -5487,7 +5898,7 @@
               <a:buChar char="●"/>
               <a:defRPr/>
             </a:lvl1pPr>
-            <a:lvl2pPr indent="-298450" lvl="1" marL="914400">
+            <a:lvl2pPr marL="914400" lvl="1" indent="-298450">
               <a:spcBef>
                 <a:spcPts val="0"/>
               </a:spcBef>
@@ -5498,7 +5909,7 @@
               <a:buChar char="○"/>
               <a:defRPr/>
             </a:lvl2pPr>
-            <a:lvl3pPr indent="-298450" lvl="2" marL="1371600">
+            <a:lvl3pPr marL="1371600" lvl="2" indent="-298450">
               <a:spcBef>
                 <a:spcPts val="0"/>
               </a:spcBef>
@@ -5509,7 +5920,7 @@
               <a:buChar char="■"/>
               <a:defRPr/>
             </a:lvl3pPr>
-            <a:lvl4pPr indent="-298450" lvl="3" marL="1828800">
+            <a:lvl4pPr marL="1828800" lvl="3" indent="-298450">
               <a:spcBef>
                 <a:spcPts val="0"/>
               </a:spcBef>
@@ -5520,7 +5931,7 @@
               <a:buChar char="●"/>
               <a:defRPr/>
             </a:lvl4pPr>
-            <a:lvl5pPr indent="-298450" lvl="4" marL="2286000">
+            <a:lvl5pPr marL="2286000" lvl="4" indent="-298450">
               <a:spcBef>
                 <a:spcPts val="0"/>
               </a:spcBef>
@@ -5531,7 +5942,7 @@
               <a:buChar char="○"/>
               <a:defRPr/>
             </a:lvl5pPr>
-            <a:lvl6pPr indent="-298450" lvl="5" marL="2743200">
+            <a:lvl6pPr marL="2743200" lvl="5" indent="-298450">
               <a:spcBef>
                 <a:spcPts val="0"/>
               </a:spcBef>
@@ -5542,7 +5953,7 @@
               <a:buChar char="■"/>
               <a:defRPr/>
             </a:lvl6pPr>
-            <a:lvl7pPr indent="-298450" lvl="6" marL="3200400">
+            <a:lvl7pPr marL="3200400" lvl="6" indent="-298450">
               <a:spcBef>
                 <a:spcPts val="0"/>
               </a:spcBef>
@@ -5553,7 +5964,7 @@
               <a:buChar char="●"/>
               <a:defRPr/>
             </a:lvl7pPr>
-            <a:lvl8pPr indent="-298450" lvl="7" marL="3657600">
+            <a:lvl8pPr marL="3657600" lvl="7" indent="-298450">
               <a:spcBef>
                 <a:spcPts val="0"/>
               </a:spcBef>
@@ -5564,7 +5975,7 @@
               <a:buChar char="○"/>
               <a:defRPr/>
             </a:lvl8pPr>
-            <a:lvl9pPr indent="-298450" lvl="8" marL="4114800">
+            <a:lvl9pPr marL="4114800" lvl="8" indent="-298450">
               <a:spcBef>
                 <a:spcPts val="0"/>
               </a:spcBef>
@@ -5576,15 +5987,19 @@
               <a:defRPr/>
             </a:lvl9pPr>
           </a:lstStyle>
-          <a:p/>
+          <a:p>
+            <a:endParaRPr/>
+          </a:p>
         </p:txBody>
       </p:sp>
       <p:sp>
         <p:nvSpPr>
           <p:cNvPr id="55" name="Google Shape;55;p5"/>
-          <p:cNvSpPr txBox="1"/>
+          <p:cNvSpPr txBox="1">
+            <a:spLocks noGrp="1"/>
+          </p:cNvSpPr>
           <p:nvPr>
-            <p:ph idx="12" type="sldNum"/>
+            <p:ph type="sldNum" idx="12"/>
           </p:nvPr>
         </p:nvSpPr>
         <p:spPr>
@@ -5597,7 +6012,7 @@
           </a:prstGeom>
         </p:spPr>
         <p:txBody>
-          <a:bodyPr anchorCtr="0" anchor="ctr" bIns="91425" lIns="91425" spcFirstLastPara="1" rIns="91425" wrap="square" tIns="91425">
+          <a:bodyPr spcFirstLastPara="1" wrap="square" lIns="91425" tIns="91425" rIns="91425" bIns="91425" anchor="ctr" anchorCtr="0">
             <a:normAutofit/>
           </a:bodyPr>
           <a:lstStyle>
@@ -5639,7 +6054,7 @@
             </a:lvl9pPr>
           </a:lstStyle>
           <a:p>
-            <a:pPr indent="0" lvl="0" marL="0" rtl="0" algn="r">
+            <a:pPr marL="0" lvl="0" indent="0" algn="r" rtl="0">
               <a:spcBef>
                 <a:spcPts val="0"/>
               </a:spcBef>
@@ -5665,11 +6080,11 @@
 </file>
 
 <file path=ppt/slideLayouts/slideLayout5.xml><?xml version="1.0" encoding="utf-8"?>
-<p:sldLayout xmlns:a="http://schemas.openxmlformats.org/drawingml/2006/main" xmlns:r="http://schemas.openxmlformats.org/officeDocument/2006/relationships" xmlns:mc="http://schemas.openxmlformats.org/markup-compatibility/2006" xmlns:mv="urn:schemas-microsoft-com:mac:vml" xmlns:p="http://schemas.openxmlformats.org/presentationml/2006/main" xmlns:c="http://schemas.openxmlformats.org/drawingml/2006/chart" xmlns:dgm="http://schemas.openxmlformats.org/drawingml/2006/diagram" xmlns:o="urn:schemas-microsoft-com:office:office" xmlns:v="urn:schemas-microsoft-com:vml" xmlns:pvml="urn:schemas-microsoft-com:office:powerpoint" xmlns:com="http://schemas.openxmlformats.org/drawingml/2006/compatibility" xmlns:p14="http://schemas.microsoft.com/office/powerpoint/2010/main" xmlns:p15="http://schemas.microsoft.com/office/powerpoint/2012/main" xmlns:ahyp="http://schemas.microsoft.com/office/drawing/2018/hyperlinkcolor" matchingName="Title only" type="titleOnly">
+<p:sldLayout xmlns:a="http://schemas.openxmlformats.org/drawingml/2006/main" xmlns:r="http://schemas.openxmlformats.org/officeDocument/2006/relationships" xmlns:p="http://schemas.openxmlformats.org/presentationml/2006/main" matchingName="Title only" type="titleOnly">
   <p:cSld name="TITLE_ONLY">
     <p:spTree>
       <p:nvGrpSpPr>
-        <p:cNvPr id="56" name="Shape 56"/>
+        <p:cNvPr id="1" name="Shape 56"/>
         <p:cNvGrpSpPr/>
         <p:nvPr/>
       </p:nvGrpSpPr>
@@ -5708,7 +6123,7 @@
             </a:xfrm>
             <a:prstGeom prst="diagStripe">
               <a:avLst>
-                <a:gd fmla="val 50000" name="adj"/>
+                <a:gd name="adj" fmla="val 50000"/>
               </a:avLst>
             </a:prstGeom>
             <a:solidFill>
@@ -5719,12 +6134,12 @@
             </a:ln>
           </p:spPr>
           <p:txBody>
-            <a:bodyPr anchorCtr="0" anchor="ctr" bIns="91425" lIns="91425" spcFirstLastPara="1" rIns="91425" wrap="square" tIns="91425">
+            <a:bodyPr spcFirstLastPara="1" wrap="square" lIns="91425" tIns="91425" rIns="91425" bIns="91425" anchor="ctr" anchorCtr="0">
               <a:noAutofit/>
             </a:bodyPr>
             <a:lstStyle/>
             <a:p>
-              <a:pPr indent="0" lvl="0" marL="0" rtl="0" algn="l">
+              <a:pPr marL="0" lvl="0" indent="0" algn="l" rtl="0">
                 <a:spcBef>
                   <a:spcPts val="0"/>
                 </a:spcBef>
@@ -5733,9 +6148,6 @@
                 </a:spcAft>
                 <a:buNone/>
               </a:pPr>
-              <a:r>
-                <a:t/>
-              </a:r>
               <a:endParaRPr/>
             </a:p>
           </p:txBody>
@@ -5753,7 +6165,7 @@
             </a:xfrm>
             <a:prstGeom prst="diagStripe">
               <a:avLst>
-                <a:gd fmla="val 50000" name="adj"/>
+                <a:gd name="adj" fmla="val 50000"/>
               </a:avLst>
             </a:prstGeom>
             <a:solidFill>
@@ -5764,12 +6176,12 @@
             </a:ln>
           </p:spPr>
           <p:txBody>
-            <a:bodyPr anchorCtr="0" anchor="ctr" bIns="91425" lIns="91425" spcFirstLastPara="1" rIns="91425" wrap="square" tIns="91425">
+            <a:bodyPr spcFirstLastPara="1" wrap="square" lIns="91425" tIns="91425" rIns="91425" bIns="91425" anchor="ctr" anchorCtr="0">
               <a:noAutofit/>
             </a:bodyPr>
             <a:lstStyle/>
             <a:p>
-              <a:pPr indent="0" lvl="0" marL="0" rtl="0" algn="l">
+              <a:pPr marL="0" lvl="0" indent="0" algn="l" rtl="0">
                 <a:spcBef>
                   <a:spcPts val="0"/>
                 </a:spcBef>
@@ -5778,9 +6190,6 @@
                 </a:spcAft>
                 <a:buNone/>
               </a:pPr>
-              <a:r>
-                <a:t/>
-              </a:r>
               <a:endParaRPr/>
             </a:p>
           </p:txBody>
@@ -5789,7 +6198,9 @@
       <p:sp>
         <p:nvSpPr>
           <p:cNvPr id="60" name="Google Shape;60;p6"/>
-          <p:cNvSpPr txBox="1"/>
+          <p:cNvSpPr txBox="1">
+            <a:spLocks noGrp="1"/>
+          </p:cNvSpPr>
           <p:nvPr>
             <p:ph type="title"/>
           </p:nvPr>
@@ -5804,7 +6215,7 @@
           </a:prstGeom>
         </p:spPr>
         <p:txBody>
-          <a:bodyPr anchorCtr="0" anchor="t" bIns="91425" lIns="91425" spcFirstLastPara="1" rIns="91425" wrap="square" tIns="91425">
+          <a:bodyPr spcFirstLastPara="1" wrap="square" lIns="91425" tIns="91425" rIns="91425" bIns="91425" anchor="t" anchorCtr="0">
             <a:normAutofit/>
           </a:bodyPr>
           <a:lstStyle>
@@ -5908,15 +6319,19 @@
               <a:defRPr sz="2400"/>
             </a:lvl9pPr>
           </a:lstStyle>
-          <a:p/>
+          <a:p>
+            <a:endParaRPr/>
+          </a:p>
         </p:txBody>
       </p:sp>
       <p:sp>
         <p:nvSpPr>
           <p:cNvPr id="61" name="Google Shape;61;p6"/>
-          <p:cNvSpPr txBox="1"/>
+          <p:cNvSpPr txBox="1">
+            <a:spLocks noGrp="1"/>
+          </p:cNvSpPr>
           <p:nvPr>
-            <p:ph idx="12" type="sldNum"/>
+            <p:ph type="sldNum" idx="12"/>
           </p:nvPr>
         </p:nvSpPr>
         <p:spPr>
@@ -5929,7 +6344,7 @@
           </a:prstGeom>
         </p:spPr>
         <p:txBody>
-          <a:bodyPr anchorCtr="0" anchor="ctr" bIns="91425" lIns="91425" spcFirstLastPara="1" rIns="91425" wrap="square" tIns="91425">
+          <a:bodyPr spcFirstLastPara="1" wrap="square" lIns="91425" tIns="91425" rIns="91425" bIns="91425" anchor="ctr" anchorCtr="0">
             <a:normAutofit/>
           </a:bodyPr>
           <a:lstStyle>
@@ -5971,7 +6386,7 @@
             </a:lvl9pPr>
           </a:lstStyle>
           <a:p>
-            <a:pPr indent="0" lvl="0" marL="0" rtl="0" algn="r">
+            <a:pPr marL="0" lvl="0" indent="0" algn="r" rtl="0">
               <a:spcBef>
                 <a:spcPts val="0"/>
               </a:spcBef>
@@ -5997,11 +6412,11 @@
 </file>
 
 <file path=ppt/slideLayouts/slideLayout6.xml><?xml version="1.0" encoding="utf-8"?>
-<p:sldLayout xmlns:a="http://schemas.openxmlformats.org/drawingml/2006/main" xmlns:r="http://schemas.openxmlformats.org/officeDocument/2006/relationships" xmlns:mc="http://schemas.openxmlformats.org/markup-compatibility/2006" xmlns:mv="urn:schemas-microsoft-com:mac:vml" xmlns:p="http://schemas.openxmlformats.org/presentationml/2006/main" xmlns:c="http://schemas.openxmlformats.org/drawingml/2006/chart" xmlns:dgm="http://schemas.openxmlformats.org/drawingml/2006/diagram" xmlns:o="urn:schemas-microsoft-com:office:office" xmlns:v="urn:schemas-microsoft-com:vml" xmlns:pvml="urn:schemas-microsoft-com:office:powerpoint" xmlns:com="http://schemas.openxmlformats.org/drawingml/2006/compatibility" xmlns:p14="http://schemas.microsoft.com/office/powerpoint/2010/main" xmlns:p15="http://schemas.microsoft.com/office/powerpoint/2012/main" xmlns:ahyp="http://schemas.microsoft.com/office/drawing/2018/hyperlinkcolor" matchingName="One column text">
+<p:sldLayout xmlns:a="http://schemas.openxmlformats.org/drawingml/2006/main" xmlns:r="http://schemas.openxmlformats.org/officeDocument/2006/relationships" xmlns:p="http://schemas.openxmlformats.org/presentationml/2006/main" matchingName="One column text">
   <p:cSld name="ONE_COLUMN_TEXT">
     <p:spTree>
       <p:nvGrpSpPr>
-        <p:cNvPr id="62" name="Shape 62"/>
+        <p:cNvPr id="1" name="Shape 62"/>
         <p:cNvGrpSpPr/>
         <p:nvPr/>
       </p:nvGrpSpPr>
@@ -6040,7 +6455,7 @@
             </a:xfrm>
             <a:prstGeom prst="diagStripe">
               <a:avLst>
-                <a:gd fmla="val 50000" name="adj"/>
+                <a:gd name="adj" fmla="val 50000"/>
               </a:avLst>
             </a:prstGeom>
             <a:solidFill>
@@ -6051,12 +6466,12 @@
             </a:ln>
           </p:spPr>
           <p:txBody>
-            <a:bodyPr anchorCtr="0" anchor="ctr" bIns="91425" lIns="91425" spcFirstLastPara="1" rIns="91425" wrap="square" tIns="91425">
+            <a:bodyPr spcFirstLastPara="1" wrap="square" lIns="91425" tIns="91425" rIns="91425" bIns="91425" anchor="ctr" anchorCtr="0">
               <a:noAutofit/>
             </a:bodyPr>
             <a:lstStyle/>
             <a:p>
-              <a:pPr indent="0" lvl="0" marL="0" rtl="0" algn="l">
+              <a:pPr marL="0" lvl="0" indent="0" algn="l" rtl="0">
                 <a:spcBef>
                   <a:spcPts val="0"/>
                 </a:spcBef>
@@ -6065,9 +6480,6 @@
                 </a:spcAft>
                 <a:buNone/>
               </a:pPr>
-              <a:r>
-                <a:t/>
-              </a:r>
               <a:endParaRPr/>
             </a:p>
           </p:txBody>
@@ -6085,7 +6497,7 @@
             </a:xfrm>
             <a:prstGeom prst="diagStripe">
               <a:avLst>
-                <a:gd fmla="val 50000" name="adj"/>
+                <a:gd name="adj" fmla="val 50000"/>
               </a:avLst>
             </a:prstGeom>
             <a:solidFill>
@@ -6096,12 +6508,12 @@
             </a:ln>
           </p:spPr>
           <p:txBody>
-            <a:bodyPr anchorCtr="0" anchor="ctr" bIns="91425" lIns="91425" spcFirstLastPara="1" rIns="91425" wrap="square" tIns="91425">
+            <a:bodyPr spcFirstLastPara="1" wrap="square" lIns="91425" tIns="91425" rIns="91425" bIns="91425" anchor="ctr" anchorCtr="0">
               <a:noAutofit/>
             </a:bodyPr>
             <a:lstStyle/>
             <a:p>
-              <a:pPr indent="0" lvl="0" marL="0" rtl="0" algn="l">
+              <a:pPr marL="0" lvl="0" indent="0" algn="l" rtl="0">
                 <a:spcBef>
                   <a:spcPts val="0"/>
                 </a:spcBef>
@@ -6110,9 +6522,6 @@
                 </a:spcAft>
                 <a:buNone/>
               </a:pPr>
-              <a:r>
-                <a:t/>
-              </a:r>
               <a:endParaRPr/>
             </a:p>
           </p:txBody>
@@ -6121,7 +6530,9 @@
       <p:sp>
         <p:nvSpPr>
           <p:cNvPr id="66" name="Google Shape;66;p7"/>
-          <p:cNvSpPr txBox="1"/>
+          <p:cNvSpPr txBox="1">
+            <a:spLocks noGrp="1"/>
+          </p:cNvSpPr>
           <p:nvPr>
             <p:ph type="title"/>
           </p:nvPr>
@@ -6136,7 +6547,7 @@
           </a:prstGeom>
         </p:spPr>
         <p:txBody>
-          <a:bodyPr anchorCtr="0" anchor="t" bIns="91425" lIns="91425" spcFirstLastPara="1" rIns="91425" wrap="square" tIns="91425">
+          <a:bodyPr spcFirstLastPara="1" wrap="square" lIns="91425" tIns="91425" rIns="91425" bIns="91425" anchor="t" anchorCtr="0">
             <a:normAutofit/>
           </a:bodyPr>
           <a:lstStyle>
@@ -6240,15 +6651,19 @@
               <a:defRPr sz="2400"/>
             </a:lvl9pPr>
           </a:lstStyle>
-          <a:p/>
+          <a:p>
+            <a:endParaRPr/>
+          </a:p>
         </p:txBody>
       </p:sp>
       <p:sp>
         <p:nvSpPr>
           <p:cNvPr id="67" name="Google Shape;67;p7"/>
-          <p:cNvSpPr txBox="1"/>
+          <p:cNvSpPr txBox="1">
+            <a:spLocks noGrp="1"/>
+          </p:cNvSpPr>
           <p:nvPr>
-            <p:ph idx="1" type="body"/>
+            <p:ph type="body" idx="1"/>
           </p:nvPr>
         </p:nvSpPr>
         <p:spPr>
@@ -6261,11 +6676,11 @@
           </a:prstGeom>
         </p:spPr>
         <p:txBody>
-          <a:bodyPr anchorCtr="0" anchor="t" bIns="91425" lIns="91425" spcFirstLastPara="1" rIns="91425" wrap="square" tIns="91425">
+          <a:bodyPr spcFirstLastPara="1" wrap="square" lIns="91425" tIns="91425" rIns="91425" bIns="91425" anchor="t" anchorCtr="0">
             <a:normAutofit/>
           </a:bodyPr>
           <a:lstStyle>
-            <a:lvl1pPr indent="-311150" lvl="0" marL="457200">
+            <a:lvl1pPr marL="457200" lvl="0" indent="-311150">
               <a:spcBef>
                 <a:spcPts val="0"/>
               </a:spcBef>
@@ -6276,7 +6691,7 @@
               <a:buChar char="●"/>
               <a:defRPr/>
             </a:lvl1pPr>
-            <a:lvl2pPr indent="-298450" lvl="1" marL="914400">
+            <a:lvl2pPr marL="914400" lvl="1" indent="-298450">
               <a:spcBef>
                 <a:spcPts val="0"/>
               </a:spcBef>
@@ -6287,7 +6702,7 @@
               <a:buChar char="○"/>
               <a:defRPr/>
             </a:lvl2pPr>
-            <a:lvl3pPr indent="-298450" lvl="2" marL="1371600">
+            <a:lvl3pPr marL="1371600" lvl="2" indent="-298450">
               <a:spcBef>
                 <a:spcPts val="0"/>
               </a:spcBef>
@@ -6298,7 +6713,7 @@
               <a:buChar char="■"/>
               <a:defRPr/>
             </a:lvl3pPr>
-            <a:lvl4pPr indent="-298450" lvl="3" marL="1828800">
+            <a:lvl4pPr marL="1828800" lvl="3" indent="-298450">
               <a:spcBef>
                 <a:spcPts val="0"/>
               </a:spcBef>
@@ -6309,7 +6724,7 @@
               <a:buChar char="●"/>
               <a:defRPr/>
             </a:lvl4pPr>
-            <a:lvl5pPr indent="-298450" lvl="4" marL="2286000">
+            <a:lvl5pPr marL="2286000" lvl="4" indent="-298450">
               <a:spcBef>
                 <a:spcPts val="0"/>
               </a:spcBef>
@@ -6320,7 +6735,7 @@
               <a:buChar char="○"/>
               <a:defRPr/>
             </a:lvl5pPr>
-            <a:lvl6pPr indent="-298450" lvl="5" marL="2743200">
+            <a:lvl6pPr marL="2743200" lvl="5" indent="-298450">
               <a:spcBef>
                 <a:spcPts val="0"/>
               </a:spcBef>
@@ -6331,7 +6746,7 @@
               <a:buChar char="■"/>
               <a:defRPr/>
             </a:lvl6pPr>
-            <a:lvl7pPr indent="-298450" lvl="6" marL="3200400">
+            <a:lvl7pPr marL="3200400" lvl="6" indent="-298450">
               <a:spcBef>
                 <a:spcPts val="0"/>
               </a:spcBef>
@@ -6342,7 +6757,7 @@
               <a:buChar char="●"/>
               <a:defRPr/>
             </a:lvl7pPr>
-            <a:lvl8pPr indent="-298450" lvl="7" marL="3657600">
+            <a:lvl8pPr marL="3657600" lvl="7" indent="-298450">
               <a:spcBef>
                 <a:spcPts val="0"/>
               </a:spcBef>
@@ -6353,7 +6768,7 @@
               <a:buChar char="○"/>
               <a:defRPr/>
             </a:lvl8pPr>
-            <a:lvl9pPr indent="-298450" lvl="8" marL="4114800">
+            <a:lvl9pPr marL="4114800" lvl="8" indent="-298450">
               <a:spcBef>
                 <a:spcPts val="0"/>
               </a:spcBef>
@@ -6365,15 +6780,19 @@
               <a:defRPr/>
             </a:lvl9pPr>
           </a:lstStyle>
-          <a:p/>
+          <a:p>
+            <a:endParaRPr/>
+          </a:p>
         </p:txBody>
       </p:sp>
       <p:sp>
         <p:nvSpPr>
           <p:cNvPr id="68" name="Google Shape;68;p7"/>
-          <p:cNvSpPr txBox="1"/>
+          <p:cNvSpPr txBox="1">
+            <a:spLocks noGrp="1"/>
+          </p:cNvSpPr>
           <p:nvPr>
-            <p:ph idx="12" type="sldNum"/>
+            <p:ph type="sldNum" idx="12"/>
           </p:nvPr>
         </p:nvSpPr>
         <p:spPr>
@@ -6386,7 +6805,7 @@
           </a:prstGeom>
         </p:spPr>
         <p:txBody>
-          <a:bodyPr anchorCtr="0" anchor="ctr" bIns="91425" lIns="91425" spcFirstLastPara="1" rIns="91425" wrap="square" tIns="91425">
+          <a:bodyPr spcFirstLastPara="1" wrap="square" lIns="91425" tIns="91425" rIns="91425" bIns="91425" anchor="ctr" anchorCtr="0">
             <a:normAutofit/>
           </a:bodyPr>
           <a:lstStyle>
@@ -6428,7 +6847,7 @@
             </a:lvl9pPr>
           </a:lstStyle>
           <a:p>
-            <a:pPr indent="0" lvl="0" marL="0" rtl="0" algn="r">
+            <a:pPr marL="0" lvl="0" indent="0" algn="r" rtl="0">
               <a:spcBef>
                 <a:spcPts val="0"/>
               </a:spcBef>
@@ -6454,11 +6873,11 @@
 </file>
 
 <file path=ppt/slideLayouts/slideLayout7.xml><?xml version="1.0" encoding="utf-8"?>
-<p:sldLayout xmlns:a="http://schemas.openxmlformats.org/drawingml/2006/main" xmlns:r="http://schemas.openxmlformats.org/officeDocument/2006/relationships" xmlns:mc="http://schemas.openxmlformats.org/markup-compatibility/2006" xmlns:mv="urn:schemas-microsoft-com:mac:vml" xmlns:p="http://schemas.openxmlformats.org/presentationml/2006/main" xmlns:c="http://schemas.openxmlformats.org/drawingml/2006/chart" xmlns:dgm="http://schemas.openxmlformats.org/drawingml/2006/diagram" xmlns:o="urn:schemas-microsoft-com:office:office" xmlns:v="urn:schemas-microsoft-com:vml" xmlns:pvml="urn:schemas-microsoft-com:office:powerpoint" xmlns:com="http://schemas.openxmlformats.org/drawingml/2006/compatibility" xmlns:p14="http://schemas.microsoft.com/office/powerpoint/2010/main" xmlns:p15="http://schemas.microsoft.com/office/powerpoint/2012/main" xmlns:ahyp="http://schemas.microsoft.com/office/drawing/2018/hyperlinkcolor" matchingName="Main point">
+<p:sldLayout xmlns:a="http://schemas.openxmlformats.org/drawingml/2006/main" xmlns:r="http://schemas.openxmlformats.org/officeDocument/2006/relationships" xmlns:p="http://schemas.openxmlformats.org/presentationml/2006/main" matchingName="Main point">
   <p:cSld name="MAIN_POINT">
     <p:spTree>
       <p:nvGrpSpPr>
-        <p:cNvPr id="69" name="Shape 69"/>
+        <p:cNvPr id="1" name="Shape 69"/>
         <p:cNvGrpSpPr/>
         <p:nvPr/>
       </p:nvGrpSpPr>
@@ -6497,7 +6916,7 @@
             </a:xfrm>
             <a:prstGeom prst="diagStripe">
               <a:avLst>
-                <a:gd fmla="val 49469" name="adj"/>
+                <a:gd name="adj" fmla="val 49469"/>
               </a:avLst>
             </a:prstGeom>
             <a:solidFill>
@@ -6510,12 +6929,12 @@
             </a:ln>
           </p:spPr>
           <p:txBody>
-            <a:bodyPr anchorCtr="0" anchor="ctr" bIns="91425" lIns="91425" spcFirstLastPara="1" rIns="91425" wrap="square" tIns="91425">
+            <a:bodyPr spcFirstLastPara="1" wrap="square" lIns="91425" tIns="91425" rIns="91425" bIns="91425" anchor="ctr" anchorCtr="0">
               <a:noAutofit/>
             </a:bodyPr>
             <a:lstStyle/>
             <a:p>
-              <a:pPr indent="0" lvl="0" marL="0" rtl="0" algn="l">
+              <a:pPr marL="0" lvl="0" indent="0" algn="l" rtl="0">
                 <a:spcBef>
                   <a:spcPts val="0"/>
                 </a:spcBef>
@@ -6524,9 +6943,6 @@
                 </a:spcAft>
                 <a:buNone/>
               </a:pPr>
-              <a:r>
-                <a:t/>
-              </a:r>
               <a:endParaRPr/>
             </a:p>
           </p:txBody>
@@ -6544,7 +6960,7 @@
             </a:xfrm>
             <a:prstGeom prst="diagStripe">
               <a:avLst>
-                <a:gd fmla="val 0" name="adj"/>
+                <a:gd name="adj" fmla="val 0"/>
               </a:avLst>
             </a:prstGeom>
             <a:solidFill>
@@ -6557,12 +6973,12 @@
             </a:ln>
           </p:spPr>
           <p:txBody>
-            <a:bodyPr anchorCtr="0" anchor="ctr" bIns="91425" lIns="91425" spcFirstLastPara="1" rIns="91425" wrap="square" tIns="91425">
+            <a:bodyPr spcFirstLastPara="1" wrap="square" lIns="91425" tIns="91425" rIns="91425" bIns="91425" anchor="ctr" anchorCtr="0">
               <a:noAutofit/>
             </a:bodyPr>
             <a:lstStyle/>
             <a:p>
-              <a:pPr indent="0" lvl="0" marL="0" rtl="0" algn="l">
+              <a:pPr marL="0" lvl="0" indent="0" algn="l" rtl="0">
                 <a:spcBef>
                   <a:spcPts val="0"/>
                 </a:spcBef>
@@ -6571,9 +6987,6 @@
                 </a:spcAft>
                 <a:buNone/>
               </a:pPr>
-              <a:r>
-                <a:t/>
-              </a:r>
               <a:endParaRPr/>
             </a:p>
           </p:txBody>
@@ -6591,7 +7004,7 @@
             </a:xfrm>
             <a:prstGeom prst="diagStripe">
               <a:avLst>
-                <a:gd fmla="val 50000" name="adj"/>
+                <a:gd name="adj" fmla="val 50000"/>
               </a:avLst>
             </a:prstGeom>
             <a:solidFill>
@@ -6604,12 +7017,12 @@
             </a:ln>
           </p:spPr>
           <p:txBody>
-            <a:bodyPr anchorCtr="0" anchor="ctr" bIns="91425" lIns="91425" spcFirstLastPara="1" rIns="91425" wrap="square" tIns="91425">
+            <a:bodyPr spcFirstLastPara="1" wrap="square" lIns="91425" tIns="91425" rIns="91425" bIns="91425" anchor="ctr" anchorCtr="0">
               <a:noAutofit/>
             </a:bodyPr>
             <a:lstStyle/>
             <a:p>
-              <a:pPr indent="0" lvl="0" marL="0" rtl="0" algn="l">
+              <a:pPr marL="0" lvl="0" indent="0" algn="l" rtl="0">
                 <a:spcBef>
                   <a:spcPts val="0"/>
                 </a:spcBef>
@@ -6618,9 +7031,6 @@
                 </a:spcAft>
                 <a:buNone/>
               </a:pPr>
-              <a:r>
-                <a:t/>
-              </a:r>
               <a:endParaRPr/>
             </a:p>
           </p:txBody>
@@ -6638,7 +7048,7 @@
             </a:xfrm>
             <a:prstGeom prst="diagStripe">
               <a:avLst>
-                <a:gd fmla="val 50000" name="adj"/>
+                <a:gd name="adj" fmla="val 50000"/>
               </a:avLst>
             </a:prstGeom>
             <a:solidFill>
@@ -6651,12 +7061,12 @@
             </a:ln>
           </p:spPr>
           <p:txBody>
-            <a:bodyPr anchorCtr="0" anchor="ctr" bIns="91425" lIns="91425" spcFirstLastPara="1" rIns="91425" wrap="square" tIns="91425">
+            <a:bodyPr spcFirstLastPara="1" wrap="square" lIns="91425" tIns="91425" rIns="91425" bIns="91425" anchor="ctr" anchorCtr="0">
               <a:noAutofit/>
             </a:bodyPr>
             <a:lstStyle/>
             <a:p>
-              <a:pPr indent="0" lvl="0" marL="0" rtl="0" algn="l">
+              <a:pPr marL="0" lvl="0" indent="0" algn="l" rtl="0">
                 <a:spcBef>
                   <a:spcPts val="0"/>
                 </a:spcBef>
@@ -6665,9 +7075,6 @@
                 </a:spcAft>
                 <a:buNone/>
               </a:pPr>
-              <a:r>
-                <a:t/>
-              </a:r>
               <a:endParaRPr/>
             </a:p>
           </p:txBody>
@@ -6685,7 +7092,7 @@
             </a:xfrm>
             <a:prstGeom prst="diagStripe">
               <a:avLst>
-                <a:gd fmla="val 50000" name="adj"/>
+                <a:gd name="adj" fmla="val 50000"/>
               </a:avLst>
             </a:prstGeom>
             <a:solidFill>
@@ -6698,12 +7105,12 @@
             </a:ln>
           </p:spPr>
           <p:txBody>
-            <a:bodyPr anchorCtr="0" anchor="ctr" bIns="91425" lIns="91425" spcFirstLastPara="1" rIns="91425" wrap="square" tIns="91425">
+            <a:bodyPr spcFirstLastPara="1" wrap="square" lIns="91425" tIns="91425" rIns="91425" bIns="91425" anchor="ctr" anchorCtr="0">
               <a:noAutofit/>
             </a:bodyPr>
             <a:lstStyle/>
             <a:p>
-              <a:pPr indent="0" lvl="0" marL="0" rtl="0" algn="l">
+              <a:pPr marL="0" lvl="0" indent="0" algn="l" rtl="0">
                 <a:spcBef>
                   <a:spcPts val="0"/>
                 </a:spcBef>
@@ -6712,9 +7119,6 @@
                 </a:spcAft>
                 <a:buNone/>
               </a:pPr>
-              <a:r>
-                <a:t/>
-              </a:r>
               <a:endParaRPr/>
             </a:p>
           </p:txBody>
@@ -6732,7 +7136,7 @@
             </a:xfrm>
             <a:prstGeom prst="diagStripe">
               <a:avLst>
-                <a:gd fmla="val 50000" name="adj"/>
+                <a:gd name="adj" fmla="val 50000"/>
               </a:avLst>
             </a:prstGeom>
             <a:solidFill>
@@ -6745,12 +7149,12 @@
             </a:ln>
           </p:spPr>
           <p:txBody>
-            <a:bodyPr anchorCtr="0" anchor="ctr" bIns="91425" lIns="91425" spcFirstLastPara="1" rIns="91425" wrap="square" tIns="91425">
+            <a:bodyPr spcFirstLastPara="1" wrap="square" lIns="91425" tIns="91425" rIns="91425" bIns="91425" anchor="ctr" anchorCtr="0">
               <a:noAutofit/>
             </a:bodyPr>
             <a:lstStyle/>
             <a:p>
-              <a:pPr indent="0" lvl="0" marL="0" rtl="0" algn="l">
+              <a:pPr marL="0" lvl="0" indent="0" algn="l" rtl="0">
                 <a:spcBef>
                   <a:spcPts val="0"/>
                 </a:spcBef>
@@ -6759,9 +7163,6 @@
                 </a:spcAft>
                 <a:buNone/>
               </a:pPr>
-              <a:r>
-                <a:t/>
-              </a:r>
               <a:endParaRPr/>
             </a:p>
           </p:txBody>
@@ -6779,7 +7180,7 @@
             </a:xfrm>
             <a:prstGeom prst="diagStripe">
               <a:avLst>
-                <a:gd fmla="val 50000" name="adj"/>
+                <a:gd name="adj" fmla="val 50000"/>
               </a:avLst>
             </a:prstGeom>
             <a:solidFill>
@@ -6792,12 +7193,12 @@
             </a:ln>
           </p:spPr>
           <p:txBody>
-            <a:bodyPr anchorCtr="0" anchor="ctr" bIns="91425" lIns="91425" spcFirstLastPara="1" rIns="91425" wrap="square" tIns="91425">
+            <a:bodyPr spcFirstLastPara="1" wrap="square" lIns="91425" tIns="91425" rIns="91425" bIns="91425" anchor="ctr" anchorCtr="0">
               <a:noAutofit/>
             </a:bodyPr>
             <a:lstStyle/>
             <a:p>
-              <a:pPr indent="0" lvl="0" marL="0" rtl="0" algn="l">
+              <a:pPr marL="0" lvl="0" indent="0" algn="l" rtl="0">
                 <a:spcBef>
                   <a:spcPts val="0"/>
                 </a:spcBef>
@@ -6806,9 +7207,6 @@
                 </a:spcAft>
                 <a:buNone/>
               </a:pPr>
-              <a:r>
-                <a:t/>
-              </a:r>
               <a:endParaRPr/>
             </a:p>
           </p:txBody>
@@ -6826,7 +7224,7 @@
             </a:xfrm>
             <a:prstGeom prst="diagStripe">
               <a:avLst>
-                <a:gd fmla="val 50000" name="adj"/>
+                <a:gd name="adj" fmla="val 50000"/>
               </a:avLst>
             </a:prstGeom>
             <a:solidFill>
@@ -6837,12 +7235,12 @@
             </a:ln>
           </p:spPr>
           <p:txBody>
-            <a:bodyPr anchorCtr="0" anchor="ctr" bIns="91425" lIns="91425" spcFirstLastPara="1" rIns="91425" wrap="square" tIns="91425">
+            <a:bodyPr spcFirstLastPara="1" wrap="square" lIns="91425" tIns="91425" rIns="91425" bIns="91425" anchor="ctr" anchorCtr="0">
               <a:noAutofit/>
             </a:bodyPr>
             <a:lstStyle/>
             <a:p>
-              <a:pPr indent="0" lvl="0" marL="0" rtl="0" algn="l">
+              <a:pPr marL="0" lvl="0" indent="0" algn="l" rtl="0">
                 <a:spcBef>
                   <a:spcPts val="0"/>
                 </a:spcBef>
@@ -6851,9 +7249,6 @@
                 </a:spcAft>
                 <a:buNone/>
               </a:pPr>
-              <a:r>
-                <a:t/>
-              </a:r>
               <a:endParaRPr/>
             </a:p>
           </p:txBody>
@@ -6871,7 +7266,7 @@
             </a:xfrm>
             <a:prstGeom prst="diagStripe">
               <a:avLst>
-                <a:gd fmla="val 50000" name="adj"/>
+                <a:gd name="adj" fmla="val 50000"/>
               </a:avLst>
             </a:prstGeom>
             <a:solidFill>
@@ -6884,12 +7279,12 @@
             </a:ln>
           </p:spPr>
           <p:txBody>
-            <a:bodyPr anchorCtr="0" anchor="ctr" bIns="91425" lIns="91425" spcFirstLastPara="1" rIns="91425" wrap="square" tIns="91425">
+            <a:bodyPr spcFirstLastPara="1" wrap="square" lIns="91425" tIns="91425" rIns="91425" bIns="91425" anchor="ctr" anchorCtr="0">
               <a:noAutofit/>
             </a:bodyPr>
             <a:lstStyle/>
             <a:p>
-              <a:pPr indent="0" lvl="0" marL="0" rtl="0" algn="l">
+              <a:pPr marL="0" lvl="0" indent="0" algn="l" rtl="0">
                 <a:spcBef>
                   <a:spcPts val="0"/>
                 </a:spcBef>
@@ -6898,9 +7293,6 @@
                 </a:spcAft>
                 <a:buNone/>
               </a:pPr>
-              <a:r>
-                <a:t/>
-              </a:r>
               <a:endParaRPr/>
             </a:p>
           </p:txBody>
@@ -6918,7 +7310,7 @@
             </a:xfrm>
             <a:prstGeom prst="diagStripe">
               <a:avLst>
-                <a:gd fmla="val 50000" name="adj"/>
+                <a:gd name="adj" fmla="val 50000"/>
               </a:avLst>
             </a:prstGeom>
             <a:solidFill>
@@ -6931,12 +7323,12 @@
             </a:ln>
           </p:spPr>
           <p:txBody>
-            <a:bodyPr anchorCtr="0" anchor="ctr" bIns="91425" lIns="91425" spcFirstLastPara="1" rIns="91425" wrap="square" tIns="91425">
+            <a:bodyPr spcFirstLastPara="1" wrap="square" lIns="91425" tIns="91425" rIns="91425" bIns="91425" anchor="ctr" anchorCtr="0">
               <a:noAutofit/>
             </a:bodyPr>
             <a:lstStyle/>
             <a:p>
-              <a:pPr indent="0" lvl="0" marL="0" rtl="0" algn="l">
+              <a:pPr marL="0" lvl="0" indent="0" algn="l" rtl="0">
                 <a:spcBef>
                   <a:spcPts val="0"/>
                 </a:spcBef>
@@ -6945,9 +7337,6 @@
                 </a:spcAft>
                 <a:buNone/>
               </a:pPr>
-              <a:r>
-                <a:t/>
-              </a:r>
               <a:endParaRPr/>
             </a:p>
           </p:txBody>
@@ -6965,7 +7354,7 @@
             </a:xfrm>
             <a:prstGeom prst="diagStripe">
               <a:avLst>
-                <a:gd fmla="val 50000" name="adj"/>
+                <a:gd name="adj" fmla="val 50000"/>
               </a:avLst>
             </a:prstGeom>
             <a:solidFill>
@@ -6978,12 +7367,12 @@
             </a:ln>
           </p:spPr>
           <p:txBody>
-            <a:bodyPr anchorCtr="0" anchor="ctr" bIns="91425" lIns="91425" spcFirstLastPara="1" rIns="91425" wrap="square" tIns="91425">
+            <a:bodyPr spcFirstLastPara="1" wrap="square" lIns="91425" tIns="91425" rIns="91425" bIns="91425" anchor="ctr" anchorCtr="0">
               <a:noAutofit/>
             </a:bodyPr>
             <a:lstStyle/>
             <a:p>
-              <a:pPr indent="0" lvl="0" marL="0" rtl="0" algn="l">
+              <a:pPr marL="0" lvl="0" indent="0" algn="l" rtl="0">
                 <a:spcBef>
                   <a:spcPts val="0"/>
                 </a:spcBef>
@@ -6992,9 +7381,6 @@
                 </a:spcAft>
                 <a:buNone/>
               </a:pPr>
-              <a:r>
-                <a:t/>
-              </a:r>
               <a:endParaRPr/>
             </a:p>
           </p:txBody>
@@ -7012,7 +7398,7 @@
             </a:xfrm>
             <a:prstGeom prst="diagStripe">
               <a:avLst>
-                <a:gd fmla="val 50000" name="adj"/>
+                <a:gd name="adj" fmla="val 50000"/>
               </a:avLst>
             </a:prstGeom>
             <a:solidFill>
@@ -7025,12 +7411,12 @@
             </a:ln>
           </p:spPr>
           <p:txBody>
-            <a:bodyPr anchorCtr="0" anchor="ctr" bIns="91425" lIns="91425" spcFirstLastPara="1" rIns="91425" wrap="square" tIns="91425">
+            <a:bodyPr spcFirstLastPara="1" wrap="square" lIns="91425" tIns="91425" rIns="91425" bIns="91425" anchor="ctr" anchorCtr="0">
               <a:noAutofit/>
             </a:bodyPr>
             <a:lstStyle/>
             <a:p>
-              <a:pPr indent="0" lvl="0" marL="0" rtl="0" algn="l">
+              <a:pPr marL="0" lvl="0" indent="0" algn="l" rtl="0">
                 <a:spcBef>
                   <a:spcPts val="0"/>
                 </a:spcBef>
@@ -7039,9 +7425,6 @@
                 </a:spcAft>
                 <a:buNone/>
               </a:pPr>
-              <a:r>
-                <a:t/>
-              </a:r>
               <a:endParaRPr/>
             </a:p>
           </p:txBody>
@@ -7059,7 +7442,7 @@
             </a:xfrm>
             <a:prstGeom prst="diagStripe">
               <a:avLst>
-                <a:gd fmla="val 50000" name="adj"/>
+                <a:gd name="adj" fmla="val 50000"/>
               </a:avLst>
             </a:prstGeom>
             <a:solidFill>
@@ -7072,12 +7455,12 @@
             </a:ln>
           </p:spPr>
           <p:txBody>
-            <a:bodyPr anchorCtr="0" anchor="ctr" bIns="91425" lIns="91425" spcFirstLastPara="1" rIns="91425" wrap="square" tIns="91425">
+            <a:bodyPr spcFirstLastPara="1" wrap="square" lIns="91425" tIns="91425" rIns="91425" bIns="91425" anchor="ctr" anchorCtr="0">
               <a:noAutofit/>
             </a:bodyPr>
             <a:lstStyle/>
             <a:p>
-              <a:pPr indent="0" lvl="0" marL="0" rtl="0" algn="l">
+              <a:pPr marL="0" lvl="0" indent="0" algn="l" rtl="0">
                 <a:spcBef>
                   <a:spcPts val="0"/>
                 </a:spcBef>
@@ -7086,9 +7469,6 @@
                 </a:spcAft>
                 <a:buNone/>
               </a:pPr>
-              <a:r>
-                <a:t/>
-              </a:r>
               <a:endParaRPr/>
             </a:p>
           </p:txBody>
@@ -7106,7 +7486,7 @@
             </a:xfrm>
             <a:prstGeom prst="diagStripe">
               <a:avLst>
-                <a:gd fmla="val 50000" name="adj"/>
+                <a:gd name="adj" fmla="val 50000"/>
               </a:avLst>
             </a:prstGeom>
             <a:solidFill>
@@ -7117,12 +7497,12 @@
             </a:ln>
           </p:spPr>
           <p:txBody>
-            <a:bodyPr anchorCtr="0" anchor="ctr" bIns="91425" lIns="91425" spcFirstLastPara="1" rIns="91425" wrap="square" tIns="91425">
+            <a:bodyPr spcFirstLastPara="1" wrap="square" lIns="91425" tIns="91425" rIns="91425" bIns="91425" anchor="ctr" anchorCtr="0">
               <a:noAutofit/>
             </a:bodyPr>
             <a:lstStyle/>
             <a:p>
-              <a:pPr indent="0" lvl="0" marL="0" rtl="0" algn="l">
+              <a:pPr marL="0" lvl="0" indent="0" algn="l" rtl="0">
                 <a:spcBef>
                   <a:spcPts val="0"/>
                 </a:spcBef>
@@ -7131,9 +7511,6 @@
                 </a:spcAft>
                 <a:buNone/>
               </a:pPr>
-              <a:r>
-                <a:t/>
-              </a:r>
               <a:endParaRPr/>
             </a:p>
           </p:txBody>
@@ -7151,7 +7528,7 @@
             </a:xfrm>
             <a:prstGeom prst="diagStripe">
               <a:avLst>
-                <a:gd fmla="val 50000" name="adj"/>
+                <a:gd name="adj" fmla="val 50000"/>
               </a:avLst>
             </a:prstGeom>
             <a:solidFill>
@@ -7164,12 +7541,12 @@
             </a:ln>
           </p:spPr>
           <p:txBody>
-            <a:bodyPr anchorCtr="0" anchor="ctr" bIns="91425" lIns="91425" spcFirstLastPara="1" rIns="91425" wrap="square" tIns="91425">
+            <a:bodyPr spcFirstLastPara="1" wrap="square" lIns="91425" tIns="91425" rIns="91425" bIns="91425" anchor="ctr" anchorCtr="0">
               <a:noAutofit/>
             </a:bodyPr>
             <a:lstStyle/>
             <a:p>
-              <a:pPr indent="0" lvl="0" marL="0" rtl="0" algn="l">
+              <a:pPr marL="0" lvl="0" indent="0" algn="l" rtl="0">
                 <a:spcBef>
                   <a:spcPts val="0"/>
                 </a:spcBef>
@@ -7178,9 +7555,6 @@
                 </a:spcAft>
                 <a:buNone/>
               </a:pPr>
-              <a:r>
-                <a:t/>
-              </a:r>
               <a:endParaRPr/>
             </a:p>
           </p:txBody>
@@ -7198,7 +7572,7 @@
             </a:xfrm>
             <a:prstGeom prst="diagStripe">
               <a:avLst>
-                <a:gd fmla="val 50000" name="adj"/>
+                <a:gd name="adj" fmla="val 50000"/>
               </a:avLst>
             </a:prstGeom>
             <a:solidFill>
@@ -7211,12 +7585,12 @@
             </a:ln>
           </p:spPr>
           <p:txBody>
-            <a:bodyPr anchorCtr="0" anchor="ctr" bIns="91425" lIns="91425" spcFirstLastPara="1" rIns="91425" wrap="square" tIns="91425">
+            <a:bodyPr spcFirstLastPara="1" wrap="square" lIns="91425" tIns="91425" rIns="91425" bIns="91425" anchor="ctr" anchorCtr="0">
               <a:noAutofit/>
             </a:bodyPr>
             <a:lstStyle/>
             <a:p>
-              <a:pPr indent="0" lvl="0" marL="0" rtl="0" algn="l">
+              <a:pPr marL="0" lvl="0" indent="0" algn="l" rtl="0">
                 <a:spcBef>
                   <a:spcPts val="0"/>
                 </a:spcBef>
@@ -7225,9 +7599,6 @@
                 </a:spcAft>
                 <a:buNone/>
               </a:pPr>
-              <a:r>
-                <a:t/>
-              </a:r>
               <a:endParaRPr/>
             </a:p>
           </p:txBody>
@@ -7245,7 +7616,7 @@
             </a:xfrm>
             <a:prstGeom prst="diagStripe">
               <a:avLst>
-                <a:gd fmla="val 50000" name="adj"/>
+                <a:gd name="adj" fmla="val 50000"/>
               </a:avLst>
             </a:prstGeom>
             <a:solidFill>
@@ -7258,12 +7629,12 @@
             </a:ln>
           </p:spPr>
           <p:txBody>
-            <a:bodyPr anchorCtr="0" anchor="ctr" bIns="91425" lIns="91425" spcFirstLastPara="1" rIns="91425" wrap="square" tIns="91425">
+            <a:bodyPr spcFirstLastPara="1" wrap="square" lIns="91425" tIns="91425" rIns="91425" bIns="91425" anchor="ctr" anchorCtr="0">
               <a:noAutofit/>
             </a:bodyPr>
             <a:lstStyle/>
             <a:p>
-              <a:pPr indent="0" lvl="0" marL="0" rtl="0" algn="l">
+              <a:pPr marL="0" lvl="0" indent="0" algn="l" rtl="0">
                 <a:spcBef>
                   <a:spcPts val="0"/>
                 </a:spcBef>
@@ -7272,9 +7643,6 @@
                 </a:spcAft>
                 <a:buNone/>
               </a:pPr>
-              <a:r>
-                <a:t/>
-              </a:r>
               <a:endParaRPr/>
             </a:p>
           </p:txBody>
@@ -7292,7 +7660,7 @@
             </a:xfrm>
             <a:prstGeom prst="diagStripe">
               <a:avLst>
-                <a:gd fmla="val 50000" name="adj"/>
+                <a:gd name="adj" fmla="val 50000"/>
               </a:avLst>
             </a:prstGeom>
             <a:solidFill>
@@ -7305,12 +7673,12 @@
             </a:ln>
           </p:spPr>
           <p:txBody>
-            <a:bodyPr anchorCtr="0" anchor="ctr" bIns="91425" lIns="91425" spcFirstLastPara="1" rIns="91425" wrap="square" tIns="91425">
+            <a:bodyPr spcFirstLastPara="1" wrap="square" lIns="91425" tIns="91425" rIns="91425" bIns="91425" anchor="ctr" anchorCtr="0">
               <a:noAutofit/>
             </a:bodyPr>
             <a:lstStyle/>
             <a:p>
-              <a:pPr indent="0" lvl="0" marL="0" rtl="0" algn="l">
+              <a:pPr marL="0" lvl="0" indent="0" algn="l" rtl="0">
                 <a:spcBef>
                   <a:spcPts val="0"/>
                 </a:spcBef>
@@ -7319,9 +7687,6 @@
                 </a:spcAft>
                 <a:buNone/>
               </a:pPr>
-              <a:r>
-                <a:t/>
-              </a:r>
               <a:endParaRPr/>
             </a:p>
           </p:txBody>
@@ -7330,7 +7695,9 @@
       <p:sp>
         <p:nvSpPr>
           <p:cNvPr id="89" name="Google Shape;89;p8"/>
-          <p:cNvSpPr txBox="1"/>
+          <p:cNvSpPr txBox="1">
+            <a:spLocks noGrp="1"/>
+          </p:cNvSpPr>
           <p:nvPr>
             <p:ph type="title"/>
           </p:nvPr>
@@ -7345,7 +7712,7 @@
           </a:prstGeom>
         </p:spPr>
         <p:txBody>
-          <a:bodyPr anchorCtr="0" anchor="ctr" bIns="91425" lIns="91425" spcFirstLastPara="1" rIns="91425" wrap="square" tIns="91425">
+          <a:bodyPr spcFirstLastPara="1" wrap="square" lIns="91425" tIns="91425" rIns="91425" bIns="91425" anchor="ctr" anchorCtr="0">
             <a:normAutofit/>
           </a:bodyPr>
           <a:lstStyle>
@@ -7449,15 +7816,19 @@
               <a:defRPr/>
             </a:lvl9pPr>
           </a:lstStyle>
-          <a:p/>
+          <a:p>
+            <a:endParaRPr/>
+          </a:p>
         </p:txBody>
       </p:sp>
       <p:sp>
         <p:nvSpPr>
           <p:cNvPr id="90" name="Google Shape;90;p8"/>
-          <p:cNvSpPr txBox="1"/>
+          <p:cNvSpPr txBox="1">
+            <a:spLocks noGrp="1"/>
+          </p:cNvSpPr>
           <p:nvPr>
-            <p:ph idx="12" type="sldNum"/>
+            <p:ph type="sldNum" idx="12"/>
           </p:nvPr>
         </p:nvSpPr>
         <p:spPr>
@@ -7470,7 +7841,7 @@
           </a:prstGeom>
         </p:spPr>
         <p:txBody>
-          <a:bodyPr anchorCtr="0" anchor="ctr" bIns="91425" lIns="91425" spcFirstLastPara="1" rIns="91425" wrap="square" tIns="91425">
+          <a:bodyPr spcFirstLastPara="1" wrap="square" lIns="91425" tIns="91425" rIns="91425" bIns="91425" anchor="ctr" anchorCtr="0">
             <a:normAutofit/>
           </a:bodyPr>
           <a:lstStyle>
@@ -7512,7 +7883,7 @@
             </a:lvl9pPr>
           </a:lstStyle>
           <a:p>
-            <a:pPr indent="0" lvl="0" marL="0" rtl="0" algn="r">
+            <a:pPr marL="0" lvl="0" indent="0" algn="r" rtl="0">
               <a:spcBef>
                 <a:spcPts val="0"/>
               </a:spcBef>
@@ -7538,11 +7909,11 @@
 </file>
 
 <file path=ppt/slideLayouts/slideLayout8.xml><?xml version="1.0" encoding="utf-8"?>
-<p:sldLayout xmlns:a="http://schemas.openxmlformats.org/drawingml/2006/main" xmlns:r="http://schemas.openxmlformats.org/officeDocument/2006/relationships" xmlns:mc="http://schemas.openxmlformats.org/markup-compatibility/2006" xmlns:mv="urn:schemas-microsoft-com:mac:vml" xmlns:p="http://schemas.openxmlformats.org/presentationml/2006/main" xmlns:c="http://schemas.openxmlformats.org/drawingml/2006/chart" xmlns:dgm="http://schemas.openxmlformats.org/drawingml/2006/diagram" xmlns:o="urn:schemas-microsoft-com:office:office" xmlns:v="urn:schemas-microsoft-com:vml" xmlns:pvml="urn:schemas-microsoft-com:office:powerpoint" xmlns:com="http://schemas.openxmlformats.org/drawingml/2006/compatibility" xmlns:p14="http://schemas.microsoft.com/office/powerpoint/2010/main" xmlns:p15="http://schemas.microsoft.com/office/powerpoint/2012/main" xmlns:ahyp="http://schemas.microsoft.com/office/drawing/2018/hyperlinkcolor" matchingName="Section title and description">
+<p:sldLayout xmlns:a="http://schemas.openxmlformats.org/drawingml/2006/main" xmlns:r="http://schemas.openxmlformats.org/officeDocument/2006/relationships" xmlns:p="http://schemas.openxmlformats.org/presentationml/2006/main" matchingName="Section title and description">
   <p:cSld name="SECTION_TITLE_AND_DESCRIPTION">
     <p:spTree>
       <p:nvGrpSpPr>
-        <p:cNvPr id="91" name="Shape 91"/>
+        <p:cNvPr id="1" name="Shape 91"/>
         <p:cNvGrpSpPr/>
         <p:nvPr/>
       </p:nvGrpSpPr>
@@ -7581,7 +7952,7 @@
             </a:xfrm>
             <a:prstGeom prst="diagStripe">
               <a:avLst>
-                <a:gd fmla="val 50000" name="adj"/>
+                <a:gd name="adj" fmla="val 50000"/>
               </a:avLst>
             </a:prstGeom>
             <a:solidFill>
@@ -7592,12 +7963,12 @@
             </a:ln>
           </p:spPr>
           <p:txBody>
-            <a:bodyPr anchorCtr="0" anchor="ctr" bIns="91425" lIns="91425" spcFirstLastPara="1" rIns="91425" wrap="square" tIns="91425">
+            <a:bodyPr spcFirstLastPara="1" wrap="square" lIns="91425" tIns="91425" rIns="91425" bIns="91425" anchor="ctr" anchorCtr="0">
               <a:noAutofit/>
             </a:bodyPr>
             <a:lstStyle/>
             <a:p>
-              <a:pPr indent="0" lvl="0" marL="0" rtl="0" algn="l">
+              <a:pPr marL="0" lvl="0" indent="0" algn="l" rtl="0">
                 <a:spcBef>
                   <a:spcPts val="0"/>
                 </a:spcBef>
@@ -7606,9 +7977,6 @@
                 </a:spcAft>
                 <a:buNone/>
               </a:pPr>
-              <a:r>
-                <a:t/>
-              </a:r>
               <a:endParaRPr/>
             </a:p>
           </p:txBody>
@@ -7626,7 +7994,7 @@
             </a:xfrm>
             <a:prstGeom prst="diagStripe">
               <a:avLst>
-                <a:gd fmla="val 50000" name="adj"/>
+                <a:gd name="adj" fmla="val 50000"/>
               </a:avLst>
             </a:prstGeom>
             <a:solidFill>
@@ -7637,12 +8005,12 @@
             </a:ln>
           </p:spPr>
           <p:txBody>
-            <a:bodyPr anchorCtr="0" anchor="ctr" bIns="91425" lIns="91425" spcFirstLastPara="1" rIns="91425" wrap="square" tIns="91425">
+            <a:bodyPr spcFirstLastPara="1" wrap="square" lIns="91425" tIns="91425" rIns="91425" bIns="91425" anchor="ctr" anchorCtr="0">
               <a:noAutofit/>
             </a:bodyPr>
             <a:lstStyle/>
             <a:p>
-              <a:pPr indent="0" lvl="0" marL="0" rtl="0" algn="l">
+              <a:pPr marL="0" lvl="0" indent="0" algn="l" rtl="0">
                 <a:spcBef>
                   <a:spcPts val="0"/>
                 </a:spcBef>
@@ -7651,9 +8019,6 @@
                 </a:spcAft>
                 <a:buNone/>
               </a:pPr>
-              <a:r>
-                <a:t/>
-              </a:r>
               <a:endParaRPr/>
             </a:p>
           </p:txBody>
@@ -7662,7 +8027,9 @@
       <p:sp>
         <p:nvSpPr>
           <p:cNvPr id="95" name="Google Shape;95;p9"/>
-          <p:cNvSpPr txBox="1"/>
+          <p:cNvSpPr txBox="1">
+            <a:spLocks noGrp="1"/>
+          </p:cNvSpPr>
           <p:nvPr>
             <p:ph type="title"/>
           </p:nvPr>
@@ -7677,7 +8044,7 @@
           </a:prstGeom>
         </p:spPr>
         <p:txBody>
-          <a:bodyPr anchorCtr="0" anchor="t" bIns="91425" lIns="91425" spcFirstLastPara="1" rIns="91425" wrap="square" tIns="91425">
+          <a:bodyPr spcFirstLastPara="1" wrap="square" lIns="91425" tIns="91425" rIns="91425" bIns="91425" anchor="t" anchorCtr="0">
             <a:normAutofit/>
           </a:bodyPr>
           <a:lstStyle>
@@ -7781,15 +8148,19 @@
               <a:defRPr sz="2400"/>
             </a:lvl9pPr>
           </a:lstStyle>
-          <a:p/>
+          <a:p>
+            <a:endParaRPr/>
+          </a:p>
         </p:txBody>
       </p:sp>
       <p:sp>
         <p:nvSpPr>
           <p:cNvPr id="96" name="Google Shape;96;p9"/>
-          <p:cNvSpPr txBox="1"/>
+          <p:cNvSpPr txBox="1">
+            <a:spLocks noGrp="1"/>
+          </p:cNvSpPr>
           <p:nvPr>
-            <p:ph idx="1" type="subTitle"/>
+            <p:ph type="subTitle" idx="1"/>
           </p:nvPr>
         </p:nvSpPr>
         <p:spPr>
@@ -7802,7 +8173,7 @@
           </a:prstGeom>
         </p:spPr>
         <p:txBody>
-          <a:bodyPr anchorCtr="0" anchor="t" bIns="91425" lIns="91425" spcFirstLastPara="1" rIns="91425" wrap="square" tIns="91425">
+          <a:bodyPr spcFirstLastPara="1" wrap="square" lIns="91425" tIns="91425" rIns="91425" bIns="91425" anchor="t" anchorCtr="0">
             <a:normAutofit/>
           </a:bodyPr>
           <a:lstStyle>
@@ -7933,15 +8304,19 @@
               <a:defRPr sz="1300"/>
             </a:lvl9pPr>
           </a:lstStyle>
-          <a:p/>
+          <a:p>
+            <a:endParaRPr/>
+          </a:p>
         </p:txBody>
       </p:sp>
       <p:sp>
         <p:nvSpPr>
           <p:cNvPr id="97" name="Google Shape;97;p9"/>
-          <p:cNvSpPr txBox="1"/>
+          <p:cNvSpPr txBox="1">
+            <a:spLocks noGrp="1"/>
+          </p:cNvSpPr>
           <p:nvPr>
-            <p:ph idx="2" type="body"/>
+            <p:ph type="body" idx="2"/>
           </p:nvPr>
         </p:nvSpPr>
         <p:spPr>
@@ -7954,11 +8329,11 @@
           </a:prstGeom>
         </p:spPr>
         <p:txBody>
-          <a:bodyPr anchorCtr="0" anchor="t" bIns="91425" lIns="91425" spcFirstLastPara="1" rIns="91425" wrap="square" tIns="91425">
+          <a:bodyPr spcFirstLastPara="1" wrap="square" lIns="91425" tIns="91425" rIns="91425" bIns="91425" anchor="t" anchorCtr="0">
             <a:normAutofit/>
           </a:bodyPr>
           <a:lstStyle>
-            <a:lvl1pPr indent="-311150" lvl="0" marL="457200">
+            <a:lvl1pPr marL="457200" lvl="0" indent="-311150">
               <a:spcBef>
                 <a:spcPts val="0"/>
               </a:spcBef>
@@ -7969,7 +8344,7 @@
               <a:buChar char="●"/>
               <a:defRPr/>
             </a:lvl1pPr>
-            <a:lvl2pPr indent="-298450" lvl="1" marL="914400">
+            <a:lvl2pPr marL="914400" lvl="1" indent="-298450">
               <a:spcBef>
                 <a:spcPts val="0"/>
               </a:spcBef>
@@ -7980,7 +8355,7 @@
               <a:buChar char="○"/>
               <a:defRPr/>
             </a:lvl2pPr>
-            <a:lvl3pPr indent="-298450" lvl="2" marL="1371600">
+            <a:lvl3pPr marL="1371600" lvl="2" indent="-298450">
               <a:spcBef>
                 <a:spcPts val="0"/>
               </a:spcBef>
@@ -7991,7 +8366,7 @@
               <a:buChar char="■"/>
               <a:defRPr/>
             </a:lvl3pPr>
-            <a:lvl4pPr indent="-298450" lvl="3" marL="1828800">
+            <a:lvl4pPr marL="1828800" lvl="3" indent="-298450">
               <a:spcBef>
                 <a:spcPts val="0"/>
               </a:spcBef>
@@ -8002,7 +8377,7 @@
               <a:buChar char="●"/>
               <a:defRPr/>
             </a:lvl4pPr>
-            <a:lvl5pPr indent="-298450" lvl="4" marL="2286000">
+            <a:lvl5pPr marL="2286000" lvl="4" indent="-298450">
               <a:spcBef>
                 <a:spcPts val="0"/>
               </a:spcBef>
@@ -8013,7 +8388,7 @@
               <a:buChar char="○"/>
               <a:defRPr/>
             </a:lvl5pPr>
-            <a:lvl6pPr indent="-298450" lvl="5" marL="2743200">
+            <a:lvl6pPr marL="2743200" lvl="5" indent="-298450">
               <a:spcBef>
                 <a:spcPts val="0"/>
               </a:spcBef>
@@ -8024,7 +8399,7 @@
               <a:buChar char="■"/>
               <a:defRPr/>
             </a:lvl6pPr>
-            <a:lvl7pPr indent="-298450" lvl="6" marL="3200400">
+            <a:lvl7pPr marL="3200400" lvl="6" indent="-298450">
               <a:spcBef>
                 <a:spcPts val="0"/>
               </a:spcBef>
@@ -8035,7 +8410,7 @@
               <a:buChar char="●"/>
               <a:defRPr/>
             </a:lvl7pPr>
-            <a:lvl8pPr indent="-298450" lvl="7" marL="3657600">
+            <a:lvl8pPr marL="3657600" lvl="7" indent="-298450">
               <a:spcBef>
                 <a:spcPts val="0"/>
               </a:spcBef>
@@ -8046,7 +8421,7 @@
               <a:buChar char="○"/>
               <a:defRPr/>
             </a:lvl8pPr>
-            <a:lvl9pPr indent="-298450" lvl="8" marL="4114800">
+            <a:lvl9pPr marL="4114800" lvl="8" indent="-298450">
               <a:spcBef>
                 <a:spcPts val="0"/>
               </a:spcBef>
@@ -8058,15 +8433,19 @@
               <a:defRPr/>
             </a:lvl9pPr>
           </a:lstStyle>
-          <a:p/>
+          <a:p>
+            <a:endParaRPr/>
+          </a:p>
         </p:txBody>
       </p:sp>
       <p:sp>
         <p:nvSpPr>
           <p:cNvPr id="98" name="Google Shape;98;p9"/>
-          <p:cNvSpPr txBox="1"/>
+          <p:cNvSpPr txBox="1">
+            <a:spLocks noGrp="1"/>
+          </p:cNvSpPr>
           <p:nvPr>
-            <p:ph idx="12" type="sldNum"/>
+            <p:ph type="sldNum" idx="12"/>
           </p:nvPr>
         </p:nvSpPr>
         <p:spPr>
@@ -8079,7 +8458,7 @@
           </a:prstGeom>
         </p:spPr>
         <p:txBody>
-          <a:bodyPr anchorCtr="0" anchor="ctr" bIns="91425" lIns="91425" spcFirstLastPara="1" rIns="91425" wrap="square" tIns="91425">
+          <a:bodyPr spcFirstLastPara="1" wrap="square" lIns="91425" tIns="91425" rIns="91425" bIns="91425" anchor="ctr" anchorCtr="0">
             <a:normAutofit/>
           </a:bodyPr>
           <a:lstStyle>
@@ -8121,7 +8500,7 @@
             </a:lvl9pPr>
           </a:lstStyle>
           <a:p>
-            <a:pPr indent="0" lvl="0" marL="0" rtl="0" algn="r">
+            <a:pPr marL="0" lvl="0" indent="0" algn="r" rtl="0">
               <a:spcBef>
                 <a:spcPts val="0"/>
               </a:spcBef>
@@ -8147,11 +8526,11 @@
 </file>
 
 <file path=ppt/slideLayouts/slideLayout9.xml><?xml version="1.0" encoding="utf-8"?>
-<p:sldLayout xmlns:a="http://schemas.openxmlformats.org/drawingml/2006/main" xmlns:r="http://schemas.openxmlformats.org/officeDocument/2006/relationships" xmlns:mc="http://schemas.openxmlformats.org/markup-compatibility/2006" xmlns:mv="urn:schemas-microsoft-com:mac:vml" xmlns:p="http://schemas.openxmlformats.org/presentationml/2006/main" xmlns:c="http://schemas.openxmlformats.org/drawingml/2006/chart" xmlns:dgm="http://schemas.openxmlformats.org/drawingml/2006/diagram" xmlns:o="urn:schemas-microsoft-com:office:office" xmlns:v="urn:schemas-microsoft-com:vml" xmlns:pvml="urn:schemas-microsoft-com:office:powerpoint" xmlns:com="http://schemas.openxmlformats.org/drawingml/2006/compatibility" xmlns:p14="http://schemas.microsoft.com/office/powerpoint/2010/main" xmlns:p15="http://schemas.microsoft.com/office/powerpoint/2012/main" xmlns:ahyp="http://schemas.microsoft.com/office/drawing/2018/hyperlinkcolor" matchingName="Caption">
+<p:sldLayout xmlns:a="http://schemas.openxmlformats.org/drawingml/2006/main" xmlns:r="http://schemas.openxmlformats.org/officeDocument/2006/relationships" xmlns:p="http://schemas.openxmlformats.org/presentationml/2006/main" matchingName="Caption">
   <p:cSld name="CAPTION_ONLY">
     <p:spTree>
       <p:nvGrpSpPr>
-        <p:cNvPr id="99" name="Shape 99"/>
+        <p:cNvPr id="1" name="Shape 99"/>
         <p:cNvGrpSpPr/>
         <p:nvPr/>
       </p:nvGrpSpPr>
@@ -8190,7 +8569,7 @@
             </a:xfrm>
             <a:prstGeom prst="diagStripe">
               <a:avLst>
-                <a:gd fmla="val 50000" name="adj"/>
+                <a:gd name="adj" fmla="val 50000"/>
               </a:avLst>
             </a:prstGeom>
             <a:solidFill>
@@ -8203,12 +8582,12 @@
             </a:ln>
           </p:spPr>
           <p:txBody>
-            <a:bodyPr anchorCtr="0" anchor="ctr" bIns="91425" lIns="91425" spcFirstLastPara="1" rIns="91425" wrap="square" tIns="91425">
+            <a:bodyPr spcFirstLastPara="1" wrap="square" lIns="91425" tIns="91425" rIns="91425" bIns="91425" anchor="ctr" anchorCtr="0">
               <a:noAutofit/>
             </a:bodyPr>
             <a:lstStyle/>
             <a:p>
-              <a:pPr indent="0" lvl="0" marL="0" rtl="0" algn="l">
+              <a:pPr marL="0" lvl="0" indent="0" algn="l" rtl="0">
                 <a:spcBef>
                   <a:spcPts val="0"/>
                 </a:spcBef>
@@ -8217,9 +8596,6 @@
                 </a:spcAft>
                 <a:buNone/>
               </a:pPr>
-              <a:r>
-                <a:t/>
-              </a:r>
               <a:endParaRPr/>
             </a:p>
           </p:txBody>
@@ -8237,7 +8613,7 @@
             </a:xfrm>
             <a:prstGeom prst="diagStripe">
               <a:avLst>
-                <a:gd fmla="val 50000" name="adj"/>
+                <a:gd name="adj" fmla="val 50000"/>
               </a:avLst>
             </a:prstGeom>
             <a:solidFill>
@@ -8250,12 +8626,12 @@
             </a:ln>
           </p:spPr>
           <p:txBody>
-            <a:bodyPr anchorCtr="0" anchor="ctr" bIns="91425" lIns="91425" spcFirstLastPara="1" rIns="91425" wrap="square" tIns="91425">
+            <a:bodyPr spcFirstLastPara="1" wrap="square" lIns="91425" tIns="91425" rIns="91425" bIns="91425" anchor="ctr" anchorCtr="0">
               <a:noAutofit/>
             </a:bodyPr>
             <a:lstStyle/>
             <a:p>
-              <a:pPr indent="0" lvl="0" marL="0" rtl="0" algn="l">
+              <a:pPr marL="0" lvl="0" indent="0" algn="l" rtl="0">
                 <a:spcBef>
                   <a:spcPts val="0"/>
                 </a:spcBef>
@@ -8264,9 +8640,6 @@
                 </a:spcAft>
                 <a:buNone/>
               </a:pPr>
-              <a:r>
-                <a:t/>
-              </a:r>
               <a:endParaRPr/>
             </a:p>
           </p:txBody>
@@ -8275,9 +8648,11 @@
       <p:sp>
         <p:nvSpPr>
           <p:cNvPr id="103" name="Google Shape;103;p10"/>
-          <p:cNvSpPr txBox="1"/>
+          <p:cNvSpPr txBox="1">
+            <a:spLocks noGrp="1"/>
+          </p:cNvSpPr>
           <p:nvPr>
-            <p:ph idx="1" type="body"/>
+            <p:ph type="body" idx="1"/>
           </p:nvPr>
         </p:nvSpPr>
         <p:spPr>
@@ -8290,11 +8665,11 @@
           </a:prstGeom>
         </p:spPr>
         <p:txBody>
-          <a:bodyPr anchorCtr="0" anchor="ctr" bIns="91425" lIns="91425" spcFirstLastPara="1" rIns="91425" wrap="square" tIns="91425">
+          <a:bodyPr spcFirstLastPara="1" wrap="square" lIns="91425" tIns="91425" rIns="91425" bIns="91425" anchor="ctr" anchorCtr="0">
             <a:normAutofit/>
           </a:bodyPr>
           <a:lstStyle>
-            <a:lvl1pPr indent="-228600" lvl="0" marL="457200">
+            <a:lvl1pPr marL="457200" lvl="0" indent="-228600">
               <a:lnSpc>
                 <a:spcPct val="100000"/>
               </a:lnSpc>
@@ -8309,15 +8684,19 @@
               <a:defRPr/>
             </a:lvl1pPr>
           </a:lstStyle>
-          <a:p/>
+          <a:p>
+            <a:endParaRPr/>
+          </a:p>
         </p:txBody>
       </p:sp>
       <p:sp>
         <p:nvSpPr>
           <p:cNvPr id="104" name="Google Shape;104;p10"/>
-          <p:cNvSpPr txBox="1"/>
+          <p:cNvSpPr txBox="1">
+            <a:spLocks noGrp="1"/>
+          </p:cNvSpPr>
           <p:nvPr>
-            <p:ph idx="12" type="sldNum"/>
+            <p:ph type="sldNum" idx="12"/>
           </p:nvPr>
         </p:nvSpPr>
         <p:spPr>
@@ -8330,7 +8709,7 @@
           </a:prstGeom>
         </p:spPr>
         <p:txBody>
-          <a:bodyPr anchorCtr="0" anchor="ctr" bIns="91425" lIns="91425" spcFirstLastPara="1" rIns="91425" wrap="square" tIns="91425">
+          <a:bodyPr spcFirstLastPara="1" wrap="square" lIns="91425" tIns="91425" rIns="91425" bIns="91425" anchor="ctr" anchorCtr="0">
             <a:normAutofit/>
           </a:bodyPr>
           <a:lstStyle>
@@ -8372,7 +8751,7 @@
             </a:lvl9pPr>
           </a:lstStyle>
           <a:p>
-            <a:pPr indent="0" lvl="0" marL="0" rtl="0" algn="r">
+            <a:pPr marL="0" lvl="0" indent="0" algn="r" rtl="0">
               <a:spcBef>
                 <a:spcPts val="0"/>
               </a:spcBef>
@@ -8398,18 +8777,19 @@
 </file>
 
 <file path=ppt/slideMasters/slideMaster1.xml><?xml version="1.0" encoding="utf-8"?>
-<p:sldMaster xmlns:a="http://schemas.openxmlformats.org/drawingml/2006/main" xmlns:r="http://schemas.openxmlformats.org/officeDocument/2006/relationships" xmlns:mc="http://schemas.openxmlformats.org/markup-compatibility/2006" xmlns:mv="urn:schemas-microsoft-com:mac:vml" xmlns:p="http://schemas.openxmlformats.org/presentationml/2006/main" xmlns:c="http://schemas.openxmlformats.org/drawingml/2006/chart" xmlns:dgm="http://schemas.openxmlformats.org/drawingml/2006/diagram" xmlns:o="urn:schemas-microsoft-com:office:office" xmlns:v="urn:schemas-microsoft-com:vml" xmlns:pvml="urn:schemas-microsoft-com:office:powerpoint" xmlns:com="http://schemas.openxmlformats.org/drawingml/2006/compatibility" xmlns:p14="http://schemas.microsoft.com/office/powerpoint/2010/main" xmlns:p15="http://schemas.microsoft.com/office/powerpoint/2012/main" xmlns:ahyp="http://schemas.microsoft.com/office/drawing/2018/hyperlinkcolor">
+<p:sldMaster xmlns:a="http://schemas.openxmlformats.org/drawingml/2006/main" xmlns:r="http://schemas.openxmlformats.org/officeDocument/2006/relationships" xmlns:p="http://schemas.openxmlformats.org/presentationml/2006/main">
   <p:cSld name="focus">
     <p:bg>
       <p:bgPr>
         <a:solidFill>
           <a:schemeClr val="dk1"/>
         </a:solidFill>
+        <a:effectLst/>
       </p:bgPr>
     </p:bg>
     <p:spTree>
       <p:nvGrpSpPr>
-        <p:cNvPr id="5" name="Shape 5"/>
+        <p:cNvPr id="1" name="Shape 5"/>
         <p:cNvGrpSpPr/>
         <p:nvPr/>
       </p:nvGrpSpPr>
@@ -8424,7 +8804,9 @@
       <p:sp>
         <p:nvSpPr>
           <p:cNvPr id="6" name="Google Shape;6;p1"/>
-          <p:cNvSpPr txBox="1"/>
+          <p:cNvSpPr txBox="1">
+            <a:spLocks noGrp="1"/>
+          </p:cNvSpPr>
           <p:nvPr>
             <p:ph type="title"/>
           </p:nvPr>
@@ -8443,7 +8825,7 @@
           </a:ln>
         </p:spPr>
         <p:txBody>
-          <a:bodyPr anchorCtr="0" anchor="t" bIns="91425" lIns="91425" spcFirstLastPara="1" rIns="91425" wrap="square" tIns="91425">
+          <a:bodyPr spcFirstLastPara="1" wrap="square" lIns="91425" tIns="91425" rIns="91425" bIns="91425" anchor="t" anchorCtr="0">
             <a:normAutofit/>
           </a:bodyPr>
           <a:lstStyle>
@@ -8655,15 +9037,19 @@
               </a:defRPr>
             </a:lvl9pPr>
           </a:lstStyle>
-          <a:p/>
+          <a:p>
+            <a:endParaRPr/>
+          </a:p>
         </p:txBody>
       </p:sp>
       <p:sp>
         <p:nvSpPr>
           <p:cNvPr id="7" name="Google Shape;7;p1"/>
-          <p:cNvSpPr txBox="1"/>
+          <p:cNvSpPr txBox="1">
+            <a:spLocks noGrp="1"/>
+          </p:cNvSpPr>
           <p:nvPr>
-            <p:ph idx="1" type="body"/>
+            <p:ph type="body" idx="1"/>
           </p:nvPr>
         </p:nvSpPr>
         <p:spPr>
@@ -8680,11 +9066,11 @@
           </a:ln>
         </p:spPr>
         <p:txBody>
-          <a:bodyPr anchorCtr="0" anchor="t" bIns="91425" lIns="91425" spcFirstLastPara="1" rIns="91425" wrap="square" tIns="91425">
+          <a:bodyPr spcFirstLastPara="1" wrap="square" lIns="91425" tIns="91425" rIns="91425" bIns="91425" anchor="t" anchorCtr="0">
             <a:normAutofit/>
           </a:bodyPr>
           <a:lstStyle>
-            <a:lvl1pPr indent="-311150" lvl="0" marL="457200">
+            <a:lvl1pPr marL="457200" lvl="0" indent="-311150">
               <a:lnSpc>
                 <a:spcPct val="115000"/>
               </a:lnSpc>
@@ -8710,7 +9096,7 @@
                 <a:sym typeface="Lato"/>
               </a:defRPr>
             </a:lvl1pPr>
-            <a:lvl2pPr indent="-298450" lvl="1" marL="914400">
+            <a:lvl2pPr marL="914400" lvl="1" indent="-298450">
               <a:lnSpc>
                 <a:spcPct val="115000"/>
               </a:lnSpc>
@@ -8736,7 +9122,7 @@
                 <a:sym typeface="Lato"/>
               </a:defRPr>
             </a:lvl2pPr>
-            <a:lvl3pPr indent="-298450" lvl="2" marL="1371600">
+            <a:lvl3pPr marL="1371600" lvl="2" indent="-298450">
               <a:lnSpc>
                 <a:spcPct val="115000"/>
               </a:lnSpc>
@@ -8762,7 +9148,7 @@
                 <a:sym typeface="Lato"/>
               </a:defRPr>
             </a:lvl3pPr>
-            <a:lvl4pPr indent="-298450" lvl="3" marL="1828800">
+            <a:lvl4pPr marL="1828800" lvl="3" indent="-298450">
               <a:lnSpc>
                 <a:spcPct val="115000"/>
               </a:lnSpc>
@@ -8788,7 +9174,7 @@
                 <a:sym typeface="Lato"/>
               </a:defRPr>
             </a:lvl4pPr>
-            <a:lvl5pPr indent="-298450" lvl="4" marL="2286000">
+            <a:lvl5pPr marL="2286000" lvl="4" indent="-298450">
               <a:lnSpc>
                 <a:spcPct val="115000"/>
               </a:lnSpc>
@@ -8814,7 +9200,7 @@
                 <a:sym typeface="Lato"/>
               </a:defRPr>
             </a:lvl5pPr>
-            <a:lvl6pPr indent="-298450" lvl="5" marL="2743200">
+            <a:lvl6pPr marL="2743200" lvl="5" indent="-298450">
               <a:lnSpc>
                 <a:spcPct val="115000"/>
               </a:lnSpc>
@@ -8840,7 +9226,7 @@
                 <a:sym typeface="Lato"/>
               </a:defRPr>
             </a:lvl6pPr>
-            <a:lvl7pPr indent="-298450" lvl="6" marL="3200400">
+            <a:lvl7pPr marL="3200400" lvl="6" indent="-298450">
               <a:lnSpc>
                 <a:spcPct val="115000"/>
               </a:lnSpc>
@@ -8866,7 +9252,7 @@
                 <a:sym typeface="Lato"/>
               </a:defRPr>
             </a:lvl7pPr>
-            <a:lvl8pPr indent="-298450" lvl="7" marL="3657600">
+            <a:lvl8pPr marL="3657600" lvl="7" indent="-298450">
               <a:lnSpc>
                 <a:spcPct val="115000"/>
               </a:lnSpc>
@@ -8892,7 +9278,7 @@
                 <a:sym typeface="Lato"/>
               </a:defRPr>
             </a:lvl8pPr>
-            <a:lvl9pPr indent="-298450" lvl="8" marL="4114800">
+            <a:lvl9pPr marL="4114800" lvl="8" indent="-298450">
               <a:lnSpc>
                 <a:spcPct val="115000"/>
               </a:lnSpc>
@@ -8919,15 +9305,19 @@
               </a:defRPr>
             </a:lvl9pPr>
           </a:lstStyle>
-          <a:p/>
+          <a:p>
+            <a:endParaRPr/>
+          </a:p>
         </p:txBody>
       </p:sp>
       <p:sp>
         <p:nvSpPr>
           <p:cNvPr id="8" name="Google Shape;8;p1"/>
-          <p:cNvSpPr txBox="1"/>
+          <p:cNvSpPr txBox="1">
+            <a:spLocks noGrp="1"/>
+          </p:cNvSpPr>
           <p:nvPr>
-            <p:ph idx="12" type="sldNum"/>
+            <p:ph type="sldNum" idx="12"/>
           </p:nvPr>
         </p:nvSpPr>
         <p:spPr>
@@ -8944,7 +9334,7 @@
           </a:ln>
         </p:spPr>
         <p:txBody>
-          <a:bodyPr anchorCtr="0" anchor="ctr" bIns="91425" lIns="91425" spcFirstLastPara="1" rIns="91425" wrap="square" tIns="91425">
+          <a:bodyPr spcFirstLastPara="1" wrap="square" lIns="91425" tIns="91425" rIns="91425" bIns="91425" anchor="ctr" anchorCtr="0">
             <a:normAutofit/>
           </a:bodyPr>
           <a:lstStyle>
@@ -9058,7 +9448,7 @@
             </a:lvl9pPr>
           </a:lstStyle>
           <a:p>
-            <a:pPr indent="0" lvl="0" marL="0" rtl="0" algn="r">
+            <a:pPr marL="0" lvl="0" indent="0" algn="r" rtl="0">
               <a:spcBef>
                 <a:spcPts val="0"/>
               </a:spcBef>
@@ -9077,7 +9467,7 @@
       </p:sp>
     </p:spTree>
   </p:cSld>
-  <p:clrMap accent1="accent1" accent2="accent2" accent3="accent3" accent4="accent4" accent5="accent5" accent6="accent6" bg1="lt1" bg2="dk2" tx1="dk1" tx2="lt2" folHlink="folHlink" hlink="hlink"/>
+  <p:clrMap bg1="lt1" tx1="dk1" bg2="dk2" tx2="lt2" accent1="accent1" accent2="accent2" accent3="accent3" accent4="accent4" accent5="accent5" accent6="accent6" hlink="hlink" folHlink="folHlink"/>
   <p:sldLayoutIdLst>
     <p:sldLayoutId id="2147483648" r:id="rId1"/>
     <p:sldLayoutId id="2147483649" r:id="rId2"/>
@@ -9091,10 +9481,10 @@
     <p:sldLayoutId id="2147483657" r:id="rId10"/>
     <p:sldLayoutId id="2147483658" r:id="rId11"/>
   </p:sldLayoutIdLst>
-  <p:hf dt="0" ftr="0" hdr="0" sldNum="0"/>
+  <p:hf sldNum="0" hdr="0" ftr="0" dt="0"/>
   <p:txStyles>
     <p:titleStyle>
-      <a:defPPr lvl="0" marR="0" rtl="0" algn="l">
+      <a:defPPr marR="0" lvl="0" algn="l" rtl="0">
         <a:lnSpc>
           <a:spcPct val="100000"/>
         </a:lnSpc>
@@ -9105,7 +9495,7 @@
           <a:spcPts val="0"/>
         </a:spcAft>
       </a:defPPr>
-      <a:lvl1pPr lvl="0" marR="0" rtl="0" algn="l">
+      <a:lvl1pPr marR="0" lvl="0" algn="l" rtl="0">
         <a:lnSpc>
           <a:spcPct val="100000"/>
         </a:lnSpc>
@@ -9119,7 +9509,7 @@
           <a:srgbClr val="000000"/>
         </a:buClr>
         <a:buFont typeface="Arial"/>
-        <a:defRPr b="0" i="0" sz="1400" u="none" cap="none" strike="noStrike">
+        <a:defRPr sz="1400" b="0" i="0" u="none" strike="noStrike" cap="none">
           <a:solidFill>
             <a:srgbClr val="000000"/>
           </a:solidFill>
@@ -9129,7 +9519,7 @@
           <a:sym typeface="Arial"/>
         </a:defRPr>
       </a:lvl1pPr>
-      <a:lvl2pPr lvl="1" marR="0" rtl="0" algn="l">
+      <a:lvl2pPr marR="0" lvl="1" algn="l" rtl="0">
         <a:lnSpc>
           <a:spcPct val="100000"/>
         </a:lnSpc>
@@ -9143,7 +9533,7 @@
           <a:srgbClr val="000000"/>
         </a:buClr>
         <a:buFont typeface="Arial"/>
-        <a:defRPr b="0" i="0" sz="1400" u="none" cap="none" strike="noStrike">
+        <a:defRPr sz="1400" b="0" i="0" u="none" strike="noStrike" cap="none">
           <a:solidFill>
             <a:srgbClr val="000000"/>
           </a:solidFill>
@@ -9153,7 +9543,7 @@
           <a:sym typeface="Arial"/>
         </a:defRPr>
       </a:lvl2pPr>
-      <a:lvl3pPr lvl="2" marR="0" rtl="0" algn="l">
+      <a:lvl3pPr marR="0" lvl="2" algn="l" rtl="0">
         <a:lnSpc>
           <a:spcPct val="100000"/>
         </a:lnSpc>
@@ -9167,7 +9557,7 @@
           <a:srgbClr val="000000"/>
         </a:buClr>
         <a:buFont typeface="Arial"/>
-        <a:defRPr b="0" i="0" sz="1400" u="none" cap="none" strike="noStrike">
+        <a:defRPr sz="1400" b="0" i="0" u="none" strike="noStrike" cap="none">
           <a:solidFill>
             <a:srgbClr val="000000"/>
           </a:solidFill>
@@ -9177,7 +9567,7 @@
           <a:sym typeface="Arial"/>
         </a:defRPr>
       </a:lvl3pPr>
-      <a:lvl4pPr lvl="3" marR="0" rtl="0" algn="l">
+      <a:lvl4pPr marR="0" lvl="3" algn="l" rtl="0">
         <a:lnSpc>
           <a:spcPct val="100000"/>
         </a:lnSpc>
@@ -9191,7 +9581,7 @@
           <a:srgbClr val="000000"/>
         </a:buClr>
         <a:buFont typeface="Arial"/>
-        <a:defRPr b="0" i="0" sz="1400" u="none" cap="none" strike="noStrike">
+        <a:defRPr sz="1400" b="0" i="0" u="none" strike="noStrike" cap="none">
           <a:solidFill>
             <a:srgbClr val="000000"/>
           </a:solidFill>
@@ -9201,7 +9591,7 @@
           <a:sym typeface="Arial"/>
         </a:defRPr>
       </a:lvl4pPr>
-      <a:lvl5pPr lvl="4" marR="0" rtl="0" algn="l">
+      <a:lvl5pPr marR="0" lvl="4" algn="l" rtl="0">
         <a:lnSpc>
           <a:spcPct val="100000"/>
         </a:lnSpc>
@@ -9215,7 +9605,7 @@
           <a:srgbClr val="000000"/>
         </a:buClr>
         <a:buFont typeface="Arial"/>
-        <a:defRPr b="0" i="0" sz="1400" u="none" cap="none" strike="noStrike">
+        <a:defRPr sz="1400" b="0" i="0" u="none" strike="noStrike" cap="none">
           <a:solidFill>
             <a:srgbClr val="000000"/>
           </a:solidFill>
@@ -9225,7 +9615,7 @@
           <a:sym typeface="Arial"/>
         </a:defRPr>
       </a:lvl5pPr>
-      <a:lvl6pPr lvl="5" marR="0" rtl="0" algn="l">
+      <a:lvl6pPr marR="0" lvl="5" algn="l" rtl="0">
         <a:lnSpc>
           <a:spcPct val="100000"/>
         </a:lnSpc>
@@ -9239,7 +9629,7 @@
           <a:srgbClr val="000000"/>
         </a:buClr>
         <a:buFont typeface="Arial"/>
-        <a:defRPr b="0" i="0" sz="1400" u="none" cap="none" strike="noStrike">
+        <a:defRPr sz="1400" b="0" i="0" u="none" strike="noStrike" cap="none">
           <a:solidFill>
             <a:srgbClr val="000000"/>
           </a:solidFill>
@@ -9249,7 +9639,7 @@
           <a:sym typeface="Arial"/>
         </a:defRPr>
       </a:lvl6pPr>
-      <a:lvl7pPr lvl="6" marR="0" rtl="0" algn="l">
+      <a:lvl7pPr marR="0" lvl="6" algn="l" rtl="0">
         <a:lnSpc>
           <a:spcPct val="100000"/>
         </a:lnSpc>
@@ -9263,7 +9653,7 @@
           <a:srgbClr val="000000"/>
         </a:buClr>
         <a:buFont typeface="Arial"/>
-        <a:defRPr b="0" i="0" sz="1400" u="none" cap="none" strike="noStrike">
+        <a:defRPr sz="1400" b="0" i="0" u="none" strike="noStrike" cap="none">
           <a:solidFill>
             <a:srgbClr val="000000"/>
           </a:solidFill>
@@ -9273,7 +9663,7 @@
           <a:sym typeface="Arial"/>
         </a:defRPr>
       </a:lvl7pPr>
-      <a:lvl8pPr lvl="7" marR="0" rtl="0" algn="l">
+      <a:lvl8pPr marR="0" lvl="7" algn="l" rtl="0">
         <a:lnSpc>
           <a:spcPct val="100000"/>
         </a:lnSpc>
@@ -9287,7 +9677,7 @@
           <a:srgbClr val="000000"/>
         </a:buClr>
         <a:buFont typeface="Arial"/>
-        <a:defRPr b="0" i="0" sz="1400" u="none" cap="none" strike="noStrike">
+        <a:defRPr sz="1400" b="0" i="0" u="none" strike="noStrike" cap="none">
           <a:solidFill>
             <a:srgbClr val="000000"/>
           </a:solidFill>
@@ -9297,7 +9687,7 @@
           <a:sym typeface="Arial"/>
         </a:defRPr>
       </a:lvl8pPr>
-      <a:lvl9pPr lvl="8" marR="0" rtl="0" algn="l">
+      <a:lvl9pPr marR="0" lvl="8" algn="l" rtl="0">
         <a:lnSpc>
           <a:spcPct val="100000"/>
         </a:lnSpc>
@@ -9311,7 +9701,7 @@
           <a:srgbClr val="000000"/>
         </a:buClr>
         <a:buFont typeface="Arial"/>
-        <a:defRPr b="0" i="0" sz="1400" u="none" cap="none" strike="noStrike">
+        <a:defRPr sz="1400" b="0" i="0" u="none" strike="noStrike" cap="none">
           <a:solidFill>
             <a:srgbClr val="000000"/>
           </a:solidFill>
@@ -9323,7 +9713,7 @@
       </a:lvl9pPr>
     </p:titleStyle>
     <p:bodyStyle>
-      <a:defPPr lvl="0" marR="0" rtl="0" algn="l">
+      <a:defPPr marR="0" lvl="0" algn="l" rtl="0">
         <a:lnSpc>
           <a:spcPct val="100000"/>
         </a:lnSpc>
@@ -9334,7 +9724,7 @@
           <a:spcPts val="0"/>
         </a:spcAft>
       </a:defPPr>
-      <a:lvl1pPr lvl="0" marR="0" rtl="0" algn="l">
+      <a:lvl1pPr marR="0" lvl="0" algn="l" rtl="0">
         <a:lnSpc>
           <a:spcPct val="100000"/>
         </a:lnSpc>
@@ -9348,7 +9738,7 @@
           <a:srgbClr val="000000"/>
         </a:buClr>
         <a:buFont typeface="Arial"/>
-        <a:defRPr b="0" i="0" sz="1400" u="none" cap="none" strike="noStrike">
+        <a:defRPr sz="1400" b="0" i="0" u="none" strike="noStrike" cap="none">
           <a:solidFill>
             <a:srgbClr val="000000"/>
           </a:solidFill>
@@ -9358,7 +9748,7 @@
           <a:sym typeface="Arial"/>
         </a:defRPr>
       </a:lvl1pPr>
-      <a:lvl2pPr lvl="1" marR="0" rtl="0" algn="l">
+      <a:lvl2pPr marR="0" lvl="1" algn="l" rtl="0">
         <a:lnSpc>
           <a:spcPct val="100000"/>
         </a:lnSpc>
@@ -9372,7 +9762,7 @@
           <a:srgbClr val="000000"/>
         </a:buClr>
         <a:buFont typeface="Arial"/>
-        <a:defRPr b="0" i="0" sz="1400" u="none" cap="none" strike="noStrike">
+        <a:defRPr sz="1400" b="0" i="0" u="none" strike="noStrike" cap="none">
           <a:solidFill>
             <a:srgbClr val="000000"/>
           </a:solidFill>
@@ -9382,7 +9772,7 @@
           <a:sym typeface="Arial"/>
         </a:defRPr>
       </a:lvl2pPr>
-      <a:lvl3pPr lvl="2" marR="0" rtl="0" algn="l">
+      <a:lvl3pPr marR="0" lvl="2" algn="l" rtl="0">
         <a:lnSpc>
           <a:spcPct val="100000"/>
         </a:lnSpc>
@@ -9396,7 +9786,7 @@
           <a:srgbClr val="000000"/>
         </a:buClr>
         <a:buFont typeface="Arial"/>
-        <a:defRPr b="0" i="0" sz="1400" u="none" cap="none" strike="noStrike">
+        <a:defRPr sz="1400" b="0" i="0" u="none" strike="noStrike" cap="none">
           <a:solidFill>
             <a:srgbClr val="000000"/>
           </a:solidFill>
@@ -9406,7 +9796,7 @@
           <a:sym typeface="Arial"/>
         </a:defRPr>
       </a:lvl3pPr>
-      <a:lvl4pPr lvl="3" marR="0" rtl="0" algn="l">
+      <a:lvl4pPr marR="0" lvl="3" algn="l" rtl="0">
         <a:lnSpc>
           <a:spcPct val="100000"/>
         </a:lnSpc>
@@ -9420,7 +9810,7 @@
           <a:srgbClr val="000000"/>
         </a:buClr>
         <a:buFont typeface="Arial"/>
-        <a:defRPr b="0" i="0" sz="1400" u="none" cap="none" strike="noStrike">
+        <a:defRPr sz="1400" b="0" i="0" u="none" strike="noStrike" cap="none">
           <a:solidFill>
             <a:srgbClr val="000000"/>
           </a:solidFill>
@@ -9430,7 +9820,7 @@
           <a:sym typeface="Arial"/>
         </a:defRPr>
       </a:lvl4pPr>
-      <a:lvl5pPr lvl="4" marR="0" rtl="0" algn="l">
+      <a:lvl5pPr marR="0" lvl="4" algn="l" rtl="0">
         <a:lnSpc>
           <a:spcPct val="100000"/>
         </a:lnSpc>
@@ -9444,7 +9834,7 @@
           <a:srgbClr val="000000"/>
         </a:buClr>
         <a:buFont typeface="Arial"/>
-        <a:defRPr b="0" i="0" sz="1400" u="none" cap="none" strike="noStrike">
+        <a:defRPr sz="1400" b="0" i="0" u="none" strike="noStrike" cap="none">
           <a:solidFill>
             <a:srgbClr val="000000"/>
           </a:solidFill>
@@ -9454,7 +9844,7 @@
           <a:sym typeface="Arial"/>
         </a:defRPr>
       </a:lvl5pPr>
-      <a:lvl6pPr lvl="5" marR="0" rtl="0" algn="l">
+      <a:lvl6pPr marR="0" lvl="5" algn="l" rtl="0">
         <a:lnSpc>
           <a:spcPct val="100000"/>
         </a:lnSpc>
@@ -9468,7 +9858,7 @@
           <a:srgbClr val="000000"/>
         </a:buClr>
         <a:buFont typeface="Arial"/>
-        <a:defRPr b="0" i="0" sz="1400" u="none" cap="none" strike="noStrike">
+        <a:defRPr sz="1400" b="0" i="0" u="none" strike="noStrike" cap="none">
           <a:solidFill>
             <a:srgbClr val="000000"/>
           </a:solidFill>
@@ -9478,7 +9868,7 @@
           <a:sym typeface="Arial"/>
         </a:defRPr>
       </a:lvl6pPr>
-      <a:lvl7pPr lvl="6" marR="0" rtl="0" algn="l">
+      <a:lvl7pPr marR="0" lvl="6" algn="l" rtl="0">
         <a:lnSpc>
           <a:spcPct val="100000"/>
         </a:lnSpc>
@@ -9492,7 +9882,7 @@
           <a:srgbClr val="000000"/>
         </a:buClr>
         <a:buFont typeface="Arial"/>
-        <a:defRPr b="0" i="0" sz="1400" u="none" cap="none" strike="noStrike">
+        <a:defRPr sz="1400" b="0" i="0" u="none" strike="noStrike" cap="none">
           <a:solidFill>
             <a:srgbClr val="000000"/>
           </a:solidFill>
@@ -9502,7 +9892,7 @@
           <a:sym typeface="Arial"/>
         </a:defRPr>
       </a:lvl7pPr>
-      <a:lvl8pPr lvl="7" marR="0" rtl="0" algn="l">
+      <a:lvl8pPr marR="0" lvl="7" algn="l" rtl="0">
         <a:lnSpc>
           <a:spcPct val="100000"/>
         </a:lnSpc>
@@ -9516,7 +9906,7 @@
           <a:srgbClr val="000000"/>
         </a:buClr>
         <a:buFont typeface="Arial"/>
-        <a:defRPr b="0" i="0" sz="1400" u="none" cap="none" strike="noStrike">
+        <a:defRPr sz="1400" b="0" i="0" u="none" strike="noStrike" cap="none">
           <a:solidFill>
             <a:srgbClr val="000000"/>
           </a:solidFill>
@@ -9526,7 +9916,7 @@
           <a:sym typeface="Arial"/>
         </a:defRPr>
       </a:lvl8pPr>
-      <a:lvl9pPr lvl="8" marR="0" rtl="0" algn="l">
+      <a:lvl9pPr marR="0" lvl="8" algn="l" rtl="0">
         <a:lnSpc>
           <a:spcPct val="100000"/>
         </a:lnSpc>
@@ -9540,7 +9930,7 @@
           <a:srgbClr val="000000"/>
         </a:buClr>
         <a:buFont typeface="Arial"/>
-        <a:defRPr b="0" i="0" sz="1400" u="none" cap="none" strike="noStrike">
+        <a:defRPr sz="1400" b="0" i="0" u="none" strike="noStrike" cap="none">
           <a:solidFill>
             <a:srgbClr val="000000"/>
           </a:solidFill>
@@ -9552,7 +9942,7 @@
       </a:lvl9pPr>
     </p:bodyStyle>
     <p:otherStyle>
-      <a:defPPr lvl="0" marR="0" rtl="0" algn="l">
+      <a:defPPr marR="0" lvl="0" algn="l" rtl="0">
         <a:lnSpc>
           <a:spcPct val="100000"/>
         </a:lnSpc>
@@ -9563,7 +9953,7 @@
           <a:spcPts val="0"/>
         </a:spcAft>
       </a:defPPr>
-      <a:lvl1pPr lvl="0" marR="0" rtl="0" algn="l">
+      <a:lvl1pPr marR="0" lvl="0" algn="l" rtl="0">
         <a:lnSpc>
           <a:spcPct val="100000"/>
         </a:lnSpc>
@@ -9577,7 +9967,7 @@
           <a:srgbClr val="000000"/>
         </a:buClr>
         <a:buFont typeface="Arial"/>
-        <a:defRPr b="0" i="0" sz="1400" u="none" cap="none" strike="noStrike">
+        <a:defRPr sz="1400" b="0" i="0" u="none" strike="noStrike" cap="none">
           <a:solidFill>
             <a:srgbClr val="000000"/>
           </a:solidFill>
@@ -9587,7 +9977,7 @@
           <a:sym typeface="Arial"/>
         </a:defRPr>
       </a:lvl1pPr>
-      <a:lvl2pPr lvl="1" marR="0" rtl="0" algn="l">
+      <a:lvl2pPr marR="0" lvl="1" algn="l" rtl="0">
         <a:lnSpc>
           <a:spcPct val="100000"/>
         </a:lnSpc>
@@ -9601,7 +9991,7 @@
           <a:srgbClr val="000000"/>
         </a:buClr>
         <a:buFont typeface="Arial"/>
-        <a:defRPr b="0" i="0" sz="1400" u="none" cap="none" strike="noStrike">
+        <a:defRPr sz="1400" b="0" i="0" u="none" strike="noStrike" cap="none">
           <a:solidFill>
             <a:srgbClr val="000000"/>
           </a:solidFill>
@@ -9611,7 +10001,7 @@
           <a:sym typeface="Arial"/>
         </a:defRPr>
       </a:lvl2pPr>
-      <a:lvl3pPr lvl="2" marR="0" rtl="0" algn="l">
+      <a:lvl3pPr marR="0" lvl="2" algn="l" rtl="0">
         <a:lnSpc>
           <a:spcPct val="100000"/>
         </a:lnSpc>
@@ -9625,7 +10015,7 @@
           <a:srgbClr val="000000"/>
         </a:buClr>
         <a:buFont typeface="Arial"/>
-        <a:defRPr b="0" i="0" sz="1400" u="none" cap="none" strike="noStrike">
+        <a:defRPr sz="1400" b="0" i="0" u="none" strike="noStrike" cap="none">
           <a:solidFill>
             <a:srgbClr val="000000"/>
           </a:solidFill>
@@ -9635,7 +10025,7 @@
           <a:sym typeface="Arial"/>
         </a:defRPr>
       </a:lvl3pPr>
-      <a:lvl4pPr lvl="3" marR="0" rtl="0" algn="l">
+      <a:lvl4pPr marR="0" lvl="3" algn="l" rtl="0">
         <a:lnSpc>
           <a:spcPct val="100000"/>
         </a:lnSpc>
@@ -9649,7 +10039,7 @@
           <a:srgbClr val="000000"/>
         </a:buClr>
         <a:buFont typeface="Arial"/>
-        <a:defRPr b="0" i="0" sz="1400" u="none" cap="none" strike="noStrike">
+        <a:defRPr sz="1400" b="0" i="0" u="none" strike="noStrike" cap="none">
           <a:solidFill>
             <a:srgbClr val="000000"/>
           </a:solidFill>
@@ -9659,7 +10049,7 @@
           <a:sym typeface="Arial"/>
         </a:defRPr>
       </a:lvl4pPr>
-      <a:lvl5pPr lvl="4" marR="0" rtl="0" algn="l">
+      <a:lvl5pPr marR="0" lvl="4" algn="l" rtl="0">
         <a:lnSpc>
           <a:spcPct val="100000"/>
         </a:lnSpc>
@@ -9673,7 +10063,7 @@
           <a:srgbClr val="000000"/>
         </a:buClr>
         <a:buFont typeface="Arial"/>
-        <a:defRPr b="0" i="0" sz="1400" u="none" cap="none" strike="noStrike">
+        <a:defRPr sz="1400" b="0" i="0" u="none" strike="noStrike" cap="none">
           <a:solidFill>
             <a:srgbClr val="000000"/>
           </a:solidFill>
@@ -9683,7 +10073,7 @@
           <a:sym typeface="Arial"/>
         </a:defRPr>
       </a:lvl5pPr>
-      <a:lvl6pPr lvl="5" marR="0" rtl="0" algn="l">
+      <a:lvl6pPr marR="0" lvl="5" algn="l" rtl="0">
         <a:lnSpc>
           <a:spcPct val="100000"/>
         </a:lnSpc>
@@ -9697,7 +10087,7 @@
           <a:srgbClr val="000000"/>
         </a:buClr>
         <a:buFont typeface="Arial"/>
-        <a:defRPr b="0" i="0" sz="1400" u="none" cap="none" strike="noStrike">
+        <a:defRPr sz="1400" b="0" i="0" u="none" strike="noStrike" cap="none">
           <a:solidFill>
             <a:srgbClr val="000000"/>
           </a:solidFill>
@@ -9707,7 +10097,7 @@
           <a:sym typeface="Arial"/>
         </a:defRPr>
       </a:lvl6pPr>
-      <a:lvl7pPr lvl="6" marR="0" rtl="0" algn="l">
+      <a:lvl7pPr marR="0" lvl="6" algn="l" rtl="0">
         <a:lnSpc>
           <a:spcPct val="100000"/>
         </a:lnSpc>
@@ -9721,7 +10111,7 @@
           <a:srgbClr val="000000"/>
         </a:buClr>
         <a:buFont typeface="Arial"/>
-        <a:defRPr b="0" i="0" sz="1400" u="none" cap="none" strike="noStrike">
+        <a:defRPr sz="1400" b="0" i="0" u="none" strike="noStrike" cap="none">
           <a:solidFill>
             <a:srgbClr val="000000"/>
           </a:solidFill>
@@ -9731,7 +10121,7 @@
           <a:sym typeface="Arial"/>
         </a:defRPr>
       </a:lvl7pPr>
-      <a:lvl8pPr lvl="7" marR="0" rtl="0" algn="l">
+      <a:lvl8pPr marR="0" lvl="7" algn="l" rtl="0">
         <a:lnSpc>
           <a:spcPct val="100000"/>
         </a:lnSpc>
@@ -9745,7 +10135,7 @@
           <a:srgbClr val="000000"/>
         </a:buClr>
         <a:buFont typeface="Arial"/>
-        <a:defRPr b="0" i="0" sz="1400" u="none" cap="none" strike="noStrike">
+        <a:defRPr sz="1400" b="0" i="0" u="none" strike="noStrike" cap="none">
           <a:solidFill>
             <a:srgbClr val="000000"/>
           </a:solidFill>
@@ -9755,7 +10145,7 @@
           <a:sym typeface="Arial"/>
         </a:defRPr>
       </a:lvl8pPr>
-      <a:lvl9pPr lvl="8" marR="0" rtl="0" algn="l">
+      <a:lvl9pPr marR="0" lvl="8" algn="l" rtl="0">
         <a:lnSpc>
           <a:spcPct val="100000"/>
         </a:lnSpc>
@@ -9769,7 +10159,7 @@
           <a:srgbClr val="000000"/>
         </a:buClr>
         <a:buFont typeface="Arial"/>
-        <a:defRPr b="0" i="0" sz="1400" u="none" cap="none" strike="noStrike">
+        <a:defRPr sz="1400" b="0" i="0" u="none" strike="noStrike" cap="none">
           <a:solidFill>
             <a:srgbClr val="000000"/>
           </a:solidFill>
@@ -9785,11 +10175,11 @@
 </file>
 
 <file path=ppt/slides/slide1.xml><?xml version="1.0" encoding="utf-8"?>
-<p:sld xmlns:a="http://schemas.openxmlformats.org/drawingml/2006/main" xmlns:r="http://schemas.openxmlformats.org/officeDocument/2006/relationships" xmlns:mc="http://schemas.openxmlformats.org/markup-compatibility/2006" xmlns:mv="urn:schemas-microsoft-com:mac:vml" xmlns:p="http://schemas.openxmlformats.org/presentationml/2006/main" xmlns:c="http://schemas.openxmlformats.org/drawingml/2006/chart" xmlns:dgm="http://schemas.openxmlformats.org/drawingml/2006/diagram" xmlns:o="urn:schemas-microsoft-com:office:office" xmlns:v="urn:schemas-microsoft-com:vml" xmlns:pvml="urn:schemas-microsoft-com:office:powerpoint" xmlns:com="http://schemas.openxmlformats.org/drawingml/2006/compatibility" xmlns:p14="http://schemas.microsoft.com/office/powerpoint/2010/main" xmlns:p15="http://schemas.microsoft.com/office/powerpoint/2012/main" xmlns:ahyp="http://schemas.microsoft.com/office/drawing/2018/hyperlinkcolor">
+<p:sld xmlns:a="http://schemas.openxmlformats.org/drawingml/2006/main" xmlns:r="http://schemas.openxmlformats.org/officeDocument/2006/relationships" xmlns:p="http://schemas.openxmlformats.org/presentationml/2006/main">
   <p:cSld>
     <p:spTree>
       <p:nvGrpSpPr>
-        <p:cNvPr id="133" name="Shape 133"/>
+        <p:cNvPr id="1" name="Shape 133"/>
         <p:cNvGrpSpPr/>
         <p:nvPr/>
       </p:nvGrpSpPr>
@@ -9804,7 +10194,9 @@
       <p:sp>
         <p:nvSpPr>
           <p:cNvPr id="134" name="Google Shape;134;p13"/>
-          <p:cNvSpPr txBox="1"/>
+          <p:cNvSpPr txBox="1">
+            <a:spLocks noGrp="1"/>
+          </p:cNvSpPr>
           <p:nvPr>
             <p:ph type="ctrTitle"/>
           </p:nvPr>
@@ -9819,12 +10211,12 @@
           </a:prstGeom>
         </p:spPr>
         <p:txBody>
-          <a:bodyPr anchorCtr="0" anchor="t" bIns="91425" lIns="91425" spcFirstLastPara="1" rIns="91425" wrap="square" tIns="91425">
+          <a:bodyPr spcFirstLastPara="1" wrap="square" lIns="91425" tIns="91425" rIns="91425" bIns="91425" anchor="t" anchorCtr="0">
             <a:normAutofit/>
           </a:bodyPr>
           <a:lstStyle/>
           <a:p>
-            <a:pPr indent="0" lvl="0" marL="0" rtl="0" algn="ctr">
+            <a:pPr marL="0" lvl="0" indent="0" algn="ctr" rtl="0">
               <a:spcBef>
                 <a:spcPts val="0"/>
               </a:spcBef>
@@ -9840,7 +10232,7 @@
             <a:endParaRPr/>
           </a:p>
           <a:p>
-            <a:pPr indent="0" lvl="0" marL="0" rtl="0" algn="ctr">
+            <a:pPr marL="0" lvl="0" indent="0" algn="ctr" rtl="0">
               <a:spcBef>
                 <a:spcPts val="0"/>
               </a:spcBef>
@@ -9860,9 +10252,11 @@
       <p:sp>
         <p:nvSpPr>
           <p:cNvPr id="135" name="Google Shape;135;p13"/>
-          <p:cNvSpPr txBox="1"/>
+          <p:cNvSpPr txBox="1">
+            <a:spLocks noGrp="1"/>
+          </p:cNvSpPr>
           <p:nvPr>
-            <p:ph idx="1" type="subTitle"/>
+            <p:ph type="subTitle" idx="1"/>
           </p:nvPr>
         </p:nvSpPr>
         <p:spPr>
@@ -9875,12 +10269,12 @@
           </a:prstGeom>
         </p:spPr>
         <p:txBody>
-          <a:bodyPr anchorCtr="0" anchor="t" bIns="91425" lIns="91425" spcFirstLastPara="1" rIns="91425" wrap="square" tIns="91425">
+          <a:bodyPr spcFirstLastPara="1" wrap="square" lIns="91425" tIns="91425" rIns="91425" bIns="91425" anchor="t" anchorCtr="0">
             <a:normAutofit/>
           </a:bodyPr>
           <a:lstStyle/>
           <a:p>
-            <a:pPr indent="0" lvl="0" marL="0" rtl="0" algn="l">
+            <a:pPr marL="0" lvl="0" indent="0" algn="l" rtl="0">
               <a:spcBef>
                 <a:spcPts val="0"/>
               </a:spcBef>
@@ -9896,7 +10290,7 @@
             <a:endParaRPr sz="3085"/>
           </a:p>
           <a:p>
-            <a:pPr indent="0" lvl="0" marL="0" rtl="0" algn="l">
+            <a:pPr marL="0" lvl="0" indent="0" algn="l" rtl="0">
               <a:spcBef>
                 <a:spcPts val="0"/>
               </a:spcBef>
@@ -9907,15 +10301,7 @@
             </a:pPr>
             <a:r>
               <a:rPr lang="en" sz="2191"/>
-              <a:t>Mekdes Gebrechristos, </a:t>
-            </a:r>
-            <a:r>
-              <a:rPr lang="en" sz="2191"/>
-              <a:t>Hamdi Kelil, Jet Lao, Pong Lee, </a:t>
-            </a:r>
-            <a:r>
-              <a:rPr lang="en" sz="2191"/>
-              <a:t>Daniel Kolles</a:t>
+              <a:t>Mekdes Gebrechristos, Hamdi Kelil, Jet Lao, Pong Lee, Daniel Kolles</a:t>
             </a:r>
             <a:endParaRPr sz="2191"/>
           </a:p>
@@ -9929,12 +10315,1530 @@
 </p:sld>
 </file>
 
-<file path=ppt/slides/slide2.xml><?xml version="1.0" encoding="utf-8"?>
-<p:sld xmlns:a="http://schemas.openxmlformats.org/drawingml/2006/main" xmlns:r="http://schemas.openxmlformats.org/officeDocument/2006/relationships" xmlns:mc="http://schemas.openxmlformats.org/markup-compatibility/2006" xmlns:mv="urn:schemas-microsoft-com:mac:vml" xmlns:p="http://schemas.openxmlformats.org/presentationml/2006/main" xmlns:c="http://schemas.openxmlformats.org/drawingml/2006/chart" xmlns:dgm="http://schemas.openxmlformats.org/drawingml/2006/diagram" xmlns:o="urn:schemas-microsoft-com:office:office" xmlns:v="urn:schemas-microsoft-com:vml" xmlns:pvml="urn:schemas-microsoft-com:office:powerpoint" xmlns:com="http://schemas.openxmlformats.org/drawingml/2006/compatibility" xmlns:p14="http://schemas.microsoft.com/office/powerpoint/2010/main" xmlns:p15="http://schemas.microsoft.com/office/powerpoint/2012/main" xmlns:ahyp="http://schemas.microsoft.com/office/drawing/2018/hyperlinkcolor">
+<file path=ppt/slides/slide10.xml><?xml version="1.0" encoding="utf-8"?>
+<p:sld xmlns:a="http://schemas.openxmlformats.org/drawingml/2006/main" xmlns:r="http://schemas.openxmlformats.org/officeDocument/2006/relationships" xmlns:p="http://schemas.openxmlformats.org/presentationml/2006/main">
   <p:cSld>
     <p:spTree>
       <p:nvGrpSpPr>
-        <p:cNvPr id="139" name="Shape 139"/>
+        <p:cNvPr id="1" name="Shape 182"/>
+        <p:cNvGrpSpPr/>
+        <p:nvPr/>
+      </p:nvGrpSpPr>
+      <p:grpSpPr>
+        <a:xfrm>
+          <a:off x="0" y="0"/>
+          <a:ext cx="0" cy="0"/>
+          <a:chOff x="0" y="0"/>
+          <a:chExt cx="0" cy="0"/>
+        </a:xfrm>
+      </p:grpSpPr>
+      <p:sp>
+        <p:nvSpPr>
+          <p:cNvPr id="183" name="Google Shape;183;p20"/>
+          <p:cNvSpPr txBox="1">
+            <a:spLocks noGrp="1"/>
+          </p:cNvSpPr>
+          <p:nvPr>
+            <p:ph type="title"/>
+          </p:nvPr>
+        </p:nvSpPr>
+        <p:spPr>
+          <a:xfrm>
+            <a:off x="1297500" y="393750"/>
+            <a:ext cx="3798900" cy="1493100"/>
+          </a:xfrm>
+          <a:prstGeom prst="rect">
+            <a:avLst/>
+          </a:prstGeom>
+        </p:spPr>
+        <p:txBody>
+          <a:bodyPr spcFirstLastPara="1" wrap="square" lIns="91425" tIns="91425" rIns="91425" bIns="91425" anchor="t" anchorCtr="0">
+            <a:normAutofit/>
+          </a:bodyPr>
+          <a:lstStyle/>
+          <a:p>
+            <a:pPr marL="0" lvl="0" indent="0" algn="l" rtl="0">
+              <a:spcBef>
+                <a:spcPts val="0"/>
+              </a:spcBef>
+              <a:spcAft>
+                <a:spcPts val="0"/>
+              </a:spcAft>
+              <a:buNone/>
+            </a:pPr>
+            <a:r>
+              <a:rPr lang="en-US" dirty="0"/>
+              <a:t>PayPal Integration Setup</a:t>
+            </a:r>
+            <a:endParaRPr dirty="0"/>
+          </a:p>
+        </p:txBody>
+      </p:sp>
+      <p:sp>
+        <p:nvSpPr>
+          <p:cNvPr id="184" name="Google Shape;184;p20"/>
+          <p:cNvSpPr txBox="1">
+            <a:spLocks noGrp="1"/>
+          </p:cNvSpPr>
+          <p:nvPr>
+            <p:ph type="body" idx="1"/>
+          </p:nvPr>
+        </p:nvSpPr>
+        <p:spPr>
+          <a:xfrm>
+            <a:off x="302825" y="1886850"/>
+            <a:ext cx="2970116" cy="2415900"/>
+          </a:xfrm>
+          <a:prstGeom prst="rect">
+            <a:avLst/>
+          </a:prstGeom>
+        </p:spPr>
+        <p:txBody>
+          <a:bodyPr spcFirstLastPara="1" wrap="square" lIns="91425" tIns="91425" rIns="91425" bIns="91425" anchor="t" anchorCtr="0">
+            <a:normAutofit/>
+          </a:bodyPr>
+          <a:lstStyle/>
+          <a:p>
+            <a:pPr marL="457200" lvl="0" indent="-311150" algn="l" rtl="0">
+              <a:spcBef>
+                <a:spcPts val="0"/>
+              </a:spcBef>
+              <a:spcAft>
+                <a:spcPts val="0"/>
+              </a:spcAft>
+              <a:buSzPts val="1300"/>
+              <a:buChar char="●"/>
+            </a:pPr>
+            <a:r>
+              <a:rPr lang="en-US" dirty="0"/>
+              <a:t>Create PayPal Developer Account</a:t>
+            </a:r>
+          </a:p>
+          <a:p>
+            <a:pPr marL="457200" lvl="0" indent="-311150" algn="l" rtl="0">
+              <a:spcBef>
+                <a:spcPts val="0"/>
+              </a:spcBef>
+              <a:spcAft>
+                <a:spcPts val="0"/>
+              </a:spcAft>
+              <a:buSzPts val="1300"/>
+              <a:buChar char="●"/>
+            </a:pPr>
+            <a:r>
+              <a:rPr lang="en-US" dirty="0"/>
+              <a:t>Go to Developer Dashboard</a:t>
+            </a:r>
+          </a:p>
+          <a:p>
+            <a:pPr lvl="1" indent="-311150">
+              <a:buSzPts val="1300"/>
+              <a:buFont typeface="+mj-lt"/>
+              <a:buAutoNum type="arabicPeriod"/>
+            </a:pPr>
+            <a:r>
+              <a:rPr lang="en-US" dirty="0"/>
+              <a:t>Go to Apps &amp; Credentials</a:t>
+            </a:r>
+          </a:p>
+          <a:p>
+            <a:pPr lvl="1" indent="-311150">
+              <a:buSzPts val="1300"/>
+              <a:buFont typeface="+mj-lt"/>
+              <a:buAutoNum type="arabicPeriod"/>
+            </a:pPr>
+            <a:r>
+              <a:rPr lang="en-US" dirty="0"/>
+              <a:t>Create a new App</a:t>
+            </a:r>
+          </a:p>
+          <a:p>
+            <a:pPr lvl="1" indent="-311150">
+              <a:buSzPts val="1300"/>
+              <a:buFont typeface="+mj-lt"/>
+              <a:buAutoNum type="arabicPeriod"/>
+            </a:pPr>
+            <a:r>
+              <a:rPr lang="en-US" dirty="0"/>
+              <a:t>Select newly created App</a:t>
+            </a:r>
+          </a:p>
+          <a:p>
+            <a:pPr marL="457200" lvl="0" indent="-311150" algn="l" rtl="0">
+              <a:spcBef>
+                <a:spcPts val="0"/>
+              </a:spcBef>
+              <a:spcAft>
+                <a:spcPts val="0"/>
+              </a:spcAft>
+              <a:buSzPts val="1300"/>
+              <a:buChar char="●"/>
+            </a:pPr>
+            <a:endParaRPr lang="en-US" dirty="0"/>
+          </a:p>
+        </p:txBody>
+      </p:sp>
+      <p:pic>
+        <p:nvPicPr>
+          <p:cNvPr id="3" name="Picture 2">
+            <a:extLst>
+              <a:ext uri="{FF2B5EF4-FFF2-40B4-BE49-F238E27FC236}">
+                <a16:creationId xmlns:a16="http://schemas.microsoft.com/office/drawing/2014/main" id="{D463780C-9134-E6BB-257D-F9A7CE78BB87}"/>
+              </a:ext>
+            </a:extLst>
+          </p:cNvPr>
+          <p:cNvPicPr>
+            <a:picLocks noChangeAspect="1"/>
+          </p:cNvPicPr>
+          <p:nvPr/>
+        </p:nvPicPr>
+        <p:blipFill>
+          <a:blip r:embed="rId3"/>
+          <a:stretch>
+            <a:fillRect/>
+          </a:stretch>
+        </p:blipFill>
+        <p:spPr>
+          <a:xfrm>
+            <a:off x="3344285" y="1427018"/>
+            <a:ext cx="5224752" cy="2564430"/>
+          </a:xfrm>
+          <a:prstGeom prst="rect">
+            <a:avLst/>
+          </a:prstGeom>
+        </p:spPr>
+      </p:pic>
+      <p:sp>
+        <p:nvSpPr>
+          <p:cNvPr id="5" name="Oval 4">
+            <a:extLst>
+              <a:ext uri="{FF2B5EF4-FFF2-40B4-BE49-F238E27FC236}">
+                <a16:creationId xmlns:a16="http://schemas.microsoft.com/office/drawing/2014/main" id="{C975D914-A472-E1AA-3A20-CD55E1892B39}"/>
+              </a:ext>
+            </a:extLst>
+          </p:cNvPr>
+          <p:cNvSpPr/>
+          <p:nvPr/>
+        </p:nvSpPr>
+        <p:spPr>
+          <a:xfrm>
+            <a:off x="4454235" y="1586345"/>
+            <a:ext cx="713509" cy="300505"/>
+          </a:xfrm>
+          <a:prstGeom prst="ellipse">
+            <a:avLst/>
+          </a:prstGeom>
+          <a:noFill/>
+          <a:ln>
+            <a:solidFill>
+              <a:srgbClr val="FF0000"/>
+            </a:solidFill>
+          </a:ln>
+        </p:spPr>
+        <p:style>
+          <a:lnRef idx="2">
+            <a:schemeClr val="accent1">
+              <a:shade val="15000"/>
+            </a:schemeClr>
+          </a:lnRef>
+          <a:fillRef idx="1">
+            <a:schemeClr val="accent1"/>
+          </a:fillRef>
+          <a:effectRef idx="0">
+            <a:schemeClr val="accent1"/>
+          </a:effectRef>
+          <a:fontRef idx="minor">
+            <a:schemeClr val="lt1"/>
+          </a:fontRef>
+        </p:style>
+        <p:txBody>
+          <a:bodyPr rtlCol="0" anchor="ctr"/>
+          <a:lstStyle/>
+          <a:p>
+            <a:pPr algn="ctr"/>
+            <a:endParaRPr lang="en-US"/>
+          </a:p>
+        </p:txBody>
+      </p:sp>
+      <p:sp>
+        <p:nvSpPr>
+          <p:cNvPr id="6" name="TextBox 5">
+            <a:extLst>
+              <a:ext uri="{FF2B5EF4-FFF2-40B4-BE49-F238E27FC236}">
+                <a16:creationId xmlns:a16="http://schemas.microsoft.com/office/drawing/2014/main" id="{6F9191CF-AEA6-79AD-7929-B414C40914A3}"/>
+              </a:ext>
+            </a:extLst>
+          </p:cNvPr>
+          <p:cNvSpPr txBox="1"/>
+          <p:nvPr/>
+        </p:nvSpPr>
+        <p:spPr>
+          <a:xfrm>
+            <a:off x="4170183" y="1579073"/>
+            <a:ext cx="284052" cy="307777"/>
+          </a:xfrm>
+          <a:prstGeom prst="rect">
+            <a:avLst/>
+          </a:prstGeom>
+          <a:noFill/>
+        </p:spPr>
+        <p:txBody>
+          <a:bodyPr wrap="none" rtlCol="0">
+            <a:spAutoFit/>
+          </a:bodyPr>
+          <a:lstStyle/>
+          <a:p>
+            <a:r>
+              <a:rPr lang="en-US" dirty="0">
+                <a:solidFill>
+                  <a:srgbClr val="FF0000"/>
+                </a:solidFill>
+              </a:rPr>
+              <a:t>1</a:t>
+            </a:r>
+          </a:p>
+        </p:txBody>
+      </p:sp>
+      <p:sp>
+        <p:nvSpPr>
+          <p:cNvPr id="7" name="Oval 6">
+            <a:extLst>
+              <a:ext uri="{FF2B5EF4-FFF2-40B4-BE49-F238E27FC236}">
+                <a16:creationId xmlns:a16="http://schemas.microsoft.com/office/drawing/2014/main" id="{9C5CCD3F-F610-7EF9-3095-F6AED305B42B}"/>
+              </a:ext>
+            </a:extLst>
+          </p:cNvPr>
+          <p:cNvSpPr/>
+          <p:nvPr/>
+        </p:nvSpPr>
+        <p:spPr>
+          <a:xfrm>
+            <a:off x="7271754" y="2015836"/>
+            <a:ext cx="639192" cy="307777"/>
+          </a:xfrm>
+          <a:prstGeom prst="ellipse">
+            <a:avLst/>
+          </a:prstGeom>
+          <a:noFill/>
+          <a:ln>
+            <a:solidFill>
+              <a:srgbClr val="FF0000"/>
+            </a:solidFill>
+          </a:ln>
+        </p:spPr>
+        <p:style>
+          <a:lnRef idx="2">
+            <a:schemeClr val="accent1">
+              <a:shade val="15000"/>
+            </a:schemeClr>
+          </a:lnRef>
+          <a:fillRef idx="1">
+            <a:schemeClr val="accent1"/>
+          </a:fillRef>
+          <a:effectRef idx="0">
+            <a:schemeClr val="accent1"/>
+          </a:effectRef>
+          <a:fontRef idx="minor">
+            <a:schemeClr val="lt1"/>
+          </a:fontRef>
+        </p:style>
+        <p:txBody>
+          <a:bodyPr rtlCol="0" anchor="ctr"/>
+          <a:lstStyle/>
+          <a:p>
+            <a:pPr algn="ctr"/>
+            <a:endParaRPr lang="en-US"/>
+          </a:p>
+        </p:txBody>
+      </p:sp>
+      <p:sp>
+        <p:nvSpPr>
+          <p:cNvPr id="8" name="TextBox 7">
+            <a:extLst>
+              <a:ext uri="{FF2B5EF4-FFF2-40B4-BE49-F238E27FC236}">
+                <a16:creationId xmlns:a16="http://schemas.microsoft.com/office/drawing/2014/main" id="{17186E21-F928-EDA0-B6D8-E1489B033E9E}"/>
+              </a:ext>
+            </a:extLst>
+          </p:cNvPr>
+          <p:cNvSpPr txBox="1"/>
+          <p:nvPr/>
+        </p:nvSpPr>
+        <p:spPr>
+          <a:xfrm>
+            <a:off x="7015444" y="2015835"/>
+            <a:ext cx="256310" cy="307777"/>
+          </a:xfrm>
+          <a:prstGeom prst="rect">
+            <a:avLst/>
+          </a:prstGeom>
+          <a:noFill/>
+        </p:spPr>
+        <p:txBody>
+          <a:bodyPr wrap="square" rtlCol="0">
+            <a:spAutoFit/>
+          </a:bodyPr>
+          <a:lstStyle/>
+          <a:p>
+            <a:r>
+              <a:rPr lang="en-US" dirty="0">
+                <a:solidFill>
+                  <a:srgbClr val="FF0000"/>
+                </a:solidFill>
+              </a:rPr>
+              <a:t>2</a:t>
+            </a:r>
+          </a:p>
+        </p:txBody>
+      </p:sp>
+      <p:sp>
+        <p:nvSpPr>
+          <p:cNvPr id="9" name="Oval 8">
+            <a:extLst>
+              <a:ext uri="{FF2B5EF4-FFF2-40B4-BE49-F238E27FC236}">
+                <a16:creationId xmlns:a16="http://schemas.microsoft.com/office/drawing/2014/main" id="{A238896F-704C-F536-F1D1-385786AB545C}"/>
+              </a:ext>
+            </a:extLst>
+          </p:cNvPr>
+          <p:cNvSpPr/>
+          <p:nvPr/>
+        </p:nvSpPr>
+        <p:spPr>
+          <a:xfrm>
+            <a:off x="3997036" y="3228109"/>
+            <a:ext cx="457199" cy="228600"/>
+          </a:xfrm>
+          <a:prstGeom prst="ellipse">
+            <a:avLst/>
+          </a:prstGeom>
+          <a:noFill/>
+          <a:ln>
+            <a:solidFill>
+              <a:srgbClr val="FF0000"/>
+            </a:solidFill>
+          </a:ln>
+        </p:spPr>
+        <p:style>
+          <a:lnRef idx="2">
+            <a:schemeClr val="accent1">
+              <a:shade val="15000"/>
+            </a:schemeClr>
+          </a:lnRef>
+          <a:fillRef idx="1">
+            <a:schemeClr val="accent1"/>
+          </a:fillRef>
+          <a:effectRef idx="0">
+            <a:schemeClr val="accent1"/>
+          </a:effectRef>
+          <a:fontRef idx="minor">
+            <a:schemeClr val="lt1"/>
+          </a:fontRef>
+        </p:style>
+        <p:txBody>
+          <a:bodyPr rtlCol="0" anchor="ctr"/>
+          <a:lstStyle/>
+          <a:p>
+            <a:pPr algn="ctr"/>
+            <a:endParaRPr lang="en-US"/>
+          </a:p>
+        </p:txBody>
+      </p:sp>
+      <p:sp>
+        <p:nvSpPr>
+          <p:cNvPr id="10" name="TextBox 9">
+            <a:extLst>
+              <a:ext uri="{FF2B5EF4-FFF2-40B4-BE49-F238E27FC236}">
+                <a16:creationId xmlns:a16="http://schemas.microsoft.com/office/drawing/2014/main" id="{5AAF4604-C25B-8ECC-CD81-416E0DA59823}"/>
+              </a:ext>
+            </a:extLst>
+          </p:cNvPr>
+          <p:cNvSpPr txBox="1"/>
+          <p:nvPr/>
+        </p:nvSpPr>
+        <p:spPr>
+          <a:xfrm>
+            <a:off x="3726872" y="3188520"/>
+            <a:ext cx="270164" cy="307777"/>
+          </a:xfrm>
+          <a:prstGeom prst="rect">
+            <a:avLst/>
+          </a:prstGeom>
+          <a:noFill/>
+        </p:spPr>
+        <p:txBody>
+          <a:bodyPr wrap="square" rtlCol="0">
+            <a:spAutoFit/>
+          </a:bodyPr>
+          <a:lstStyle/>
+          <a:p>
+            <a:r>
+              <a:rPr lang="en-US" dirty="0">
+                <a:solidFill>
+                  <a:srgbClr val="FF0000"/>
+                </a:solidFill>
+              </a:rPr>
+              <a:t>3</a:t>
+            </a:r>
+          </a:p>
+        </p:txBody>
+      </p:sp>
+    </p:spTree>
+    <p:extLst>
+      <p:ext uri="{BB962C8B-B14F-4D97-AF65-F5344CB8AC3E}">
+        <p14:creationId xmlns:p14="http://schemas.microsoft.com/office/powerpoint/2010/main" val="1352586171"/>
+      </p:ext>
+    </p:extLst>
+  </p:cSld>
+  <p:clrMapOvr>
+    <a:masterClrMapping/>
+  </p:clrMapOvr>
+</p:sld>
+</file>
+
+<file path=ppt/slides/slide11.xml><?xml version="1.0" encoding="utf-8"?>
+<p:sld xmlns:a="http://schemas.openxmlformats.org/drawingml/2006/main" xmlns:r="http://schemas.openxmlformats.org/officeDocument/2006/relationships" xmlns:p="http://schemas.openxmlformats.org/presentationml/2006/main">
+  <p:cSld>
+    <p:spTree>
+      <p:nvGrpSpPr>
+        <p:cNvPr id="1" name="Shape 182"/>
+        <p:cNvGrpSpPr/>
+        <p:nvPr/>
+      </p:nvGrpSpPr>
+      <p:grpSpPr>
+        <a:xfrm>
+          <a:off x="0" y="0"/>
+          <a:ext cx="0" cy="0"/>
+          <a:chOff x="0" y="0"/>
+          <a:chExt cx="0" cy="0"/>
+        </a:xfrm>
+      </p:grpSpPr>
+      <p:sp>
+        <p:nvSpPr>
+          <p:cNvPr id="183" name="Google Shape;183;p20"/>
+          <p:cNvSpPr txBox="1">
+            <a:spLocks noGrp="1"/>
+          </p:cNvSpPr>
+          <p:nvPr>
+            <p:ph type="title"/>
+          </p:nvPr>
+        </p:nvSpPr>
+        <p:spPr>
+          <a:xfrm>
+            <a:off x="1297500" y="393750"/>
+            <a:ext cx="3798900" cy="1493100"/>
+          </a:xfrm>
+          <a:prstGeom prst="rect">
+            <a:avLst/>
+          </a:prstGeom>
+        </p:spPr>
+        <p:txBody>
+          <a:bodyPr spcFirstLastPara="1" wrap="square" lIns="91425" tIns="91425" rIns="91425" bIns="91425" anchor="t" anchorCtr="0">
+            <a:normAutofit/>
+          </a:bodyPr>
+          <a:lstStyle/>
+          <a:p>
+            <a:pPr marL="0" lvl="0" indent="0" algn="l" rtl="0">
+              <a:spcBef>
+                <a:spcPts val="0"/>
+              </a:spcBef>
+              <a:spcAft>
+                <a:spcPts val="0"/>
+              </a:spcAft>
+              <a:buNone/>
+            </a:pPr>
+            <a:r>
+              <a:rPr lang="en-US" dirty="0"/>
+              <a:t>PayPal Integration Setup</a:t>
+            </a:r>
+            <a:endParaRPr dirty="0"/>
+          </a:p>
+        </p:txBody>
+      </p:sp>
+      <p:sp>
+        <p:nvSpPr>
+          <p:cNvPr id="184" name="Google Shape;184;p20"/>
+          <p:cNvSpPr txBox="1">
+            <a:spLocks noGrp="1"/>
+          </p:cNvSpPr>
+          <p:nvPr>
+            <p:ph type="body" idx="1"/>
+          </p:nvPr>
+        </p:nvSpPr>
+        <p:spPr>
+          <a:xfrm>
+            <a:off x="302825" y="1886850"/>
+            <a:ext cx="3124960" cy="2415900"/>
+          </a:xfrm>
+          <a:prstGeom prst="rect">
+            <a:avLst/>
+          </a:prstGeom>
+        </p:spPr>
+        <p:txBody>
+          <a:bodyPr spcFirstLastPara="1" wrap="square" lIns="91425" tIns="91425" rIns="91425" bIns="91425" anchor="t" anchorCtr="0">
+            <a:normAutofit/>
+          </a:bodyPr>
+          <a:lstStyle/>
+          <a:p>
+            <a:pPr marL="146050" lvl="0" indent="0" algn="l" rtl="0">
+              <a:spcBef>
+                <a:spcPts val="0"/>
+              </a:spcBef>
+              <a:spcAft>
+                <a:spcPts val="0"/>
+              </a:spcAft>
+              <a:buSzPts val="1300"/>
+              <a:buNone/>
+            </a:pPr>
+            <a:endParaRPr lang="en-US" dirty="0"/>
+          </a:p>
+          <a:p>
+            <a:r>
+              <a:rPr lang="en-US" dirty="0"/>
+              <a:t>From Application configuration menu</a:t>
+            </a:r>
+          </a:p>
+          <a:p>
+            <a:pPr lvl="1">
+              <a:buFont typeface="+mj-lt"/>
+              <a:buAutoNum type="arabicPeriod"/>
+            </a:pPr>
+            <a:r>
+              <a:rPr lang="en-US" dirty="0"/>
+              <a:t>Select Client ID and Client secret </a:t>
+            </a:r>
+          </a:p>
+          <a:p>
+            <a:pPr lvl="1">
+              <a:buFont typeface="+mj-lt"/>
+              <a:buAutoNum type="arabicPeriod"/>
+            </a:pPr>
+            <a:r>
+              <a:rPr lang="en-US" dirty="0"/>
+              <a:t>Paste these values into corresponding </a:t>
+            </a:r>
+            <a:r>
+              <a:rPr lang="en-US" dirty="0" err="1"/>
+              <a:t>paypal_config.php</a:t>
+            </a:r>
+            <a:r>
+              <a:rPr lang="en-US" dirty="0"/>
+              <a:t> variables.</a:t>
+            </a:r>
+          </a:p>
+          <a:p>
+            <a:pPr lvl="1">
+              <a:buFont typeface="+mj-lt"/>
+              <a:buAutoNum type="arabicPeriod"/>
+            </a:pPr>
+            <a:r>
+              <a:rPr lang="en-US" dirty="0"/>
+              <a:t>Adjust for dev/sandbox mode or live</a:t>
+            </a:r>
+          </a:p>
+          <a:p>
+            <a:pPr lvl="1" indent="-311150">
+              <a:buSzPts val="1300"/>
+              <a:buFont typeface="+mj-lt"/>
+              <a:buAutoNum type="arabicPeriod"/>
+            </a:pPr>
+            <a:endParaRPr lang="en-US" dirty="0"/>
+          </a:p>
+          <a:p>
+            <a:pPr marL="146050" lvl="0" indent="0" algn="l" rtl="0">
+              <a:spcBef>
+                <a:spcPts val="0"/>
+              </a:spcBef>
+              <a:spcAft>
+                <a:spcPts val="0"/>
+              </a:spcAft>
+              <a:buSzPts val="1300"/>
+              <a:buNone/>
+            </a:pPr>
+            <a:endParaRPr lang="en-US" dirty="0"/>
+          </a:p>
+        </p:txBody>
+      </p:sp>
+      <p:pic>
+        <p:nvPicPr>
+          <p:cNvPr id="4" name="Picture 3">
+            <a:extLst>
+              <a:ext uri="{FF2B5EF4-FFF2-40B4-BE49-F238E27FC236}">
+                <a16:creationId xmlns:a16="http://schemas.microsoft.com/office/drawing/2014/main" id="{DDC8FE53-5C85-2F74-C036-F8F1255B57BA}"/>
+              </a:ext>
+            </a:extLst>
+          </p:cNvPr>
+          <p:cNvPicPr>
+            <a:picLocks noChangeAspect="1"/>
+          </p:cNvPicPr>
+          <p:nvPr/>
+        </p:nvPicPr>
+        <p:blipFill>
+          <a:blip r:embed="rId3"/>
+          <a:stretch>
+            <a:fillRect/>
+          </a:stretch>
+        </p:blipFill>
+        <p:spPr>
+          <a:xfrm>
+            <a:off x="4910063" y="575200"/>
+            <a:ext cx="3908196" cy="1932374"/>
+          </a:xfrm>
+          <a:prstGeom prst="rect">
+            <a:avLst/>
+          </a:prstGeom>
+        </p:spPr>
+      </p:pic>
+      <p:sp>
+        <p:nvSpPr>
+          <p:cNvPr id="7" name="Oval 6">
+            <a:extLst>
+              <a:ext uri="{FF2B5EF4-FFF2-40B4-BE49-F238E27FC236}">
+                <a16:creationId xmlns:a16="http://schemas.microsoft.com/office/drawing/2014/main" id="{9C5CCD3F-F610-7EF9-3095-F6AED305B42B}"/>
+              </a:ext>
+            </a:extLst>
+          </p:cNvPr>
+          <p:cNvSpPr/>
+          <p:nvPr/>
+        </p:nvSpPr>
+        <p:spPr>
+          <a:xfrm>
+            <a:off x="5096400" y="1625934"/>
+            <a:ext cx="2239581" cy="514593"/>
+          </a:xfrm>
+          <a:prstGeom prst="ellipse">
+            <a:avLst/>
+          </a:prstGeom>
+          <a:noFill/>
+          <a:ln>
+            <a:solidFill>
+              <a:srgbClr val="FF0000"/>
+            </a:solidFill>
+          </a:ln>
+        </p:spPr>
+        <p:style>
+          <a:lnRef idx="2">
+            <a:schemeClr val="accent1">
+              <a:shade val="15000"/>
+            </a:schemeClr>
+          </a:lnRef>
+          <a:fillRef idx="1">
+            <a:schemeClr val="accent1"/>
+          </a:fillRef>
+          <a:effectRef idx="0">
+            <a:schemeClr val="accent1"/>
+          </a:effectRef>
+          <a:fontRef idx="minor">
+            <a:schemeClr val="lt1"/>
+          </a:fontRef>
+        </p:style>
+        <p:txBody>
+          <a:bodyPr rtlCol="0" anchor="ctr"/>
+          <a:lstStyle/>
+          <a:p>
+            <a:pPr algn="ctr"/>
+            <a:endParaRPr lang="en-US"/>
+          </a:p>
+        </p:txBody>
+      </p:sp>
+      <p:sp>
+        <p:nvSpPr>
+          <p:cNvPr id="6" name="TextBox 5">
+            <a:extLst>
+              <a:ext uri="{FF2B5EF4-FFF2-40B4-BE49-F238E27FC236}">
+                <a16:creationId xmlns:a16="http://schemas.microsoft.com/office/drawing/2014/main" id="{6F9191CF-AEA6-79AD-7929-B414C40914A3}"/>
+              </a:ext>
+            </a:extLst>
+          </p:cNvPr>
+          <p:cNvSpPr txBox="1"/>
+          <p:nvPr/>
+        </p:nvSpPr>
+        <p:spPr>
+          <a:xfrm>
+            <a:off x="4921845" y="1541387"/>
+            <a:ext cx="284052" cy="307777"/>
+          </a:xfrm>
+          <a:prstGeom prst="rect">
+            <a:avLst/>
+          </a:prstGeom>
+          <a:noFill/>
+        </p:spPr>
+        <p:txBody>
+          <a:bodyPr wrap="none" rtlCol="0">
+            <a:spAutoFit/>
+          </a:bodyPr>
+          <a:lstStyle/>
+          <a:p>
+            <a:r>
+              <a:rPr lang="en-US" dirty="0">
+                <a:solidFill>
+                  <a:srgbClr val="FF0000"/>
+                </a:solidFill>
+              </a:rPr>
+              <a:t>1</a:t>
+            </a:r>
+          </a:p>
+        </p:txBody>
+      </p:sp>
+      <p:pic>
+        <p:nvPicPr>
+          <p:cNvPr id="12" name="Picture 11">
+            <a:extLst>
+              <a:ext uri="{FF2B5EF4-FFF2-40B4-BE49-F238E27FC236}">
+                <a16:creationId xmlns:a16="http://schemas.microsoft.com/office/drawing/2014/main" id="{839629CC-2E1A-1889-D9DA-816186278A73}"/>
+              </a:ext>
+            </a:extLst>
+          </p:cNvPr>
+          <p:cNvPicPr>
+            <a:picLocks noChangeAspect="1"/>
+          </p:cNvPicPr>
+          <p:nvPr/>
+        </p:nvPicPr>
+        <p:blipFill>
+          <a:blip r:embed="rId4"/>
+          <a:stretch>
+            <a:fillRect/>
+          </a:stretch>
+        </p:blipFill>
+        <p:spPr>
+          <a:xfrm>
+            <a:off x="3464734" y="2507574"/>
+            <a:ext cx="4082529" cy="2454476"/>
+          </a:xfrm>
+          <a:prstGeom prst="rect">
+            <a:avLst/>
+          </a:prstGeom>
+        </p:spPr>
+      </p:pic>
+      <p:sp>
+        <p:nvSpPr>
+          <p:cNvPr id="5" name="Oval 4">
+            <a:extLst>
+              <a:ext uri="{FF2B5EF4-FFF2-40B4-BE49-F238E27FC236}">
+                <a16:creationId xmlns:a16="http://schemas.microsoft.com/office/drawing/2014/main" id="{C975D914-A472-E1AA-3A20-CD55E1892B39}"/>
+              </a:ext>
+            </a:extLst>
+          </p:cNvPr>
+          <p:cNvSpPr/>
+          <p:nvPr/>
+        </p:nvSpPr>
+        <p:spPr>
+          <a:xfrm>
+            <a:off x="3474581" y="3128298"/>
+            <a:ext cx="3709001" cy="430010"/>
+          </a:xfrm>
+          <a:prstGeom prst="ellipse">
+            <a:avLst/>
+          </a:prstGeom>
+          <a:noFill/>
+          <a:ln>
+            <a:solidFill>
+              <a:srgbClr val="FF0000"/>
+            </a:solidFill>
+          </a:ln>
+        </p:spPr>
+        <p:style>
+          <a:lnRef idx="2">
+            <a:schemeClr val="accent1">
+              <a:shade val="15000"/>
+            </a:schemeClr>
+          </a:lnRef>
+          <a:fillRef idx="1">
+            <a:schemeClr val="accent1"/>
+          </a:fillRef>
+          <a:effectRef idx="0">
+            <a:schemeClr val="accent1"/>
+          </a:effectRef>
+          <a:fontRef idx="minor">
+            <a:schemeClr val="lt1"/>
+          </a:fontRef>
+        </p:style>
+        <p:txBody>
+          <a:bodyPr rtlCol="0" anchor="ctr"/>
+          <a:lstStyle/>
+          <a:p>
+            <a:pPr algn="ctr"/>
+            <a:endParaRPr lang="en-US" dirty="0"/>
+          </a:p>
+        </p:txBody>
+      </p:sp>
+      <p:sp>
+        <p:nvSpPr>
+          <p:cNvPr id="8" name="TextBox 7">
+            <a:extLst>
+              <a:ext uri="{FF2B5EF4-FFF2-40B4-BE49-F238E27FC236}">
+                <a16:creationId xmlns:a16="http://schemas.microsoft.com/office/drawing/2014/main" id="{17186E21-F928-EDA0-B6D8-E1489B033E9E}"/>
+              </a:ext>
+            </a:extLst>
+          </p:cNvPr>
+          <p:cNvSpPr txBox="1"/>
+          <p:nvPr/>
+        </p:nvSpPr>
+        <p:spPr>
+          <a:xfrm>
+            <a:off x="6864161" y="2940911"/>
+            <a:ext cx="256310" cy="307777"/>
+          </a:xfrm>
+          <a:prstGeom prst="rect">
+            <a:avLst/>
+          </a:prstGeom>
+          <a:noFill/>
+        </p:spPr>
+        <p:txBody>
+          <a:bodyPr wrap="square" rtlCol="0">
+            <a:spAutoFit/>
+          </a:bodyPr>
+          <a:lstStyle/>
+          <a:p>
+            <a:r>
+              <a:rPr lang="en-US" dirty="0">
+                <a:solidFill>
+                  <a:srgbClr val="FF0000"/>
+                </a:solidFill>
+              </a:rPr>
+              <a:t>2</a:t>
+            </a:r>
+          </a:p>
+        </p:txBody>
+      </p:sp>
+      <p:sp>
+        <p:nvSpPr>
+          <p:cNvPr id="13" name="Oval 12">
+            <a:extLst>
+              <a:ext uri="{FF2B5EF4-FFF2-40B4-BE49-F238E27FC236}">
+                <a16:creationId xmlns:a16="http://schemas.microsoft.com/office/drawing/2014/main" id="{74B7211F-3F27-8E36-1A7D-DAAC5255FE66}"/>
+              </a:ext>
+            </a:extLst>
+          </p:cNvPr>
+          <p:cNvSpPr/>
+          <p:nvPr/>
+        </p:nvSpPr>
+        <p:spPr>
+          <a:xfrm>
+            <a:off x="3613625" y="4033559"/>
+            <a:ext cx="1482775" cy="290945"/>
+          </a:xfrm>
+          <a:prstGeom prst="ellipse">
+            <a:avLst/>
+          </a:prstGeom>
+          <a:noFill/>
+          <a:ln>
+            <a:solidFill>
+              <a:srgbClr val="FF0000"/>
+            </a:solidFill>
+          </a:ln>
+        </p:spPr>
+        <p:style>
+          <a:lnRef idx="2">
+            <a:schemeClr val="accent1">
+              <a:shade val="15000"/>
+            </a:schemeClr>
+          </a:lnRef>
+          <a:fillRef idx="1">
+            <a:schemeClr val="accent1"/>
+          </a:fillRef>
+          <a:effectRef idx="0">
+            <a:schemeClr val="accent1"/>
+          </a:effectRef>
+          <a:fontRef idx="minor">
+            <a:schemeClr val="lt1"/>
+          </a:fontRef>
+        </p:style>
+        <p:txBody>
+          <a:bodyPr rtlCol="0" anchor="ctr"/>
+          <a:lstStyle/>
+          <a:p>
+            <a:pPr algn="ctr"/>
+            <a:endParaRPr lang="en-US"/>
+          </a:p>
+        </p:txBody>
+      </p:sp>
+      <p:sp>
+        <p:nvSpPr>
+          <p:cNvPr id="14" name="TextBox 13">
+            <a:extLst>
+              <a:ext uri="{FF2B5EF4-FFF2-40B4-BE49-F238E27FC236}">
+                <a16:creationId xmlns:a16="http://schemas.microsoft.com/office/drawing/2014/main" id="{875FF671-85C3-C5FB-C098-7DE6BB0360C7}"/>
+              </a:ext>
+            </a:extLst>
+          </p:cNvPr>
+          <p:cNvSpPr txBox="1"/>
+          <p:nvPr/>
+        </p:nvSpPr>
+        <p:spPr>
+          <a:xfrm>
+            <a:off x="5096400" y="4016727"/>
+            <a:ext cx="284052" cy="307777"/>
+          </a:xfrm>
+          <a:prstGeom prst="rect">
+            <a:avLst/>
+          </a:prstGeom>
+          <a:noFill/>
+        </p:spPr>
+        <p:txBody>
+          <a:bodyPr wrap="none" rtlCol="0">
+            <a:spAutoFit/>
+          </a:bodyPr>
+          <a:lstStyle/>
+          <a:p>
+            <a:r>
+              <a:rPr lang="en-US" dirty="0">
+                <a:solidFill>
+                  <a:srgbClr val="FF0000"/>
+                </a:solidFill>
+              </a:rPr>
+              <a:t>3</a:t>
+            </a:r>
+          </a:p>
+        </p:txBody>
+      </p:sp>
+    </p:spTree>
+    <p:extLst>
+      <p:ext uri="{BB962C8B-B14F-4D97-AF65-F5344CB8AC3E}">
+        <p14:creationId xmlns:p14="http://schemas.microsoft.com/office/powerpoint/2010/main" val="3894588091"/>
+      </p:ext>
+    </p:extLst>
+  </p:cSld>
+  <p:clrMapOvr>
+    <a:masterClrMapping/>
+  </p:clrMapOvr>
+</p:sld>
+</file>
+
+<file path=ppt/slides/slide12.xml><?xml version="1.0" encoding="utf-8"?>
+<p:sld xmlns:a="http://schemas.openxmlformats.org/drawingml/2006/main" xmlns:r="http://schemas.openxmlformats.org/officeDocument/2006/relationships" xmlns:p="http://schemas.openxmlformats.org/presentationml/2006/main">
+  <p:cSld>
+    <p:spTree>
+      <p:nvGrpSpPr>
+        <p:cNvPr id="1" name="Shape 182"/>
+        <p:cNvGrpSpPr/>
+        <p:nvPr/>
+      </p:nvGrpSpPr>
+      <p:grpSpPr>
+        <a:xfrm>
+          <a:off x="0" y="0"/>
+          <a:ext cx="0" cy="0"/>
+          <a:chOff x="0" y="0"/>
+          <a:chExt cx="0" cy="0"/>
+        </a:xfrm>
+      </p:grpSpPr>
+      <p:sp>
+        <p:nvSpPr>
+          <p:cNvPr id="183" name="Google Shape;183;p20"/>
+          <p:cNvSpPr txBox="1">
+            <a:spLocks noGrp="1"/>
+          </p:cNvSpPr>
+          <p:nvPr>
+            <p:ph type="title"/>
+          </p:nvPr>
+        </p:nvSpPr>
+        <p:spPr>
+          <a:xfrm>
+            <a:off x="1297500" y="393750"/>
+            <a:ext cx="3798900" cy="1493100"/>
+          </a:xfrm>
+          <a:prstGeom prst="rect">
+            <a:avLst/>
+          </a:prstGeom>
+        </p:spPr>
+        <p:txBody>
+          <a:bodyPr spcFirstLastPara="1" wrap="square" lIns="91425" tIns="91425" rIns="91425" bIns="91425" anchor="t" anchorCtr="0">
+            <a:normAutofit/>
+          </a:bodyPr>
+          <a:lstStyle/>
+          <a:p>
+            <a:pPr marL="0" lvl="0" indent="0" algn="l" rtl="0">
+              <a:spcBef>
+                <a:spcPts val="0"/>
+              </a:spcBef>
+              <a:spcAft>
+                <a:spcPts val="0"/>
+              </a:spcAft>
+              <a:buNone/>
+            </a:pPr>
+            <a:r>
+              <a:rPr lang="en-US" dirty="0"/>
+              <a:t>PayPal Integration Testing</a:t>
+            </a:r>
+            <a:endParaRPr dirty="0"/>
+          </a:p>
+        </p:txBody>
+      </p:sp>
+      <p:sp>
+        <p:nvSpPr>
+          <p:cNvPr id="184" name="Google Shape;184;p20"/>
+          <p:cNvSpPr txBox="1">
+            <a:spLocks noGrp="1"/>
+          </p:cNvSpPr>
+          <p:nvPr>
+            <p:ph type="body" idx="1"/>
+          </p:nvPr>
+        </p:nvSpPr>
+        <p:spPr>
+          <a:xfrm>
+            <a:off x="302825" y="1886850"/>
+            <a:ext cx="2970116" cy="2415900"/>
+          </a:xfrm>
+          <a:prstGeom prst="rect">
+            <a:avLst/>
+          </a:prstGeom>
+        </p:spPr>
+        <p:txBody>
+          <a:bodyPr spcFirstLastPara="1" wrap="square" lIns="91425" tIns="91425" rIns="91425" bIns="91425" anchor="t" anchorCtr="0">
+            <a:normAutofit/>
+          </a:bodyPr>
+          <a:lstStyle/>
+          <a:p>
+            <a:pPr marL="457200" lvl="0" indent="-311150" algn="l" rtl="0">
+              <a:spcBef>
+                <a:spcPts val="0"/>
+              </a:spcBef>
+              <a:spcAft>
+                <a:spcPts val="0"/>
+              </a:spcAft>
+              <a:buSzPts val="1300"/>
+              <a:buChar char="●"/>
+            </a:pPr>
+            <a:r>
+              <a:rPr lang="en-US" dirty="0"/>
+              <a:t>Test with sandbox accounts</a:t>
+            </a:r>
+          </a:p>
+          <a:p>
+            <a:pPr lvl="1" indent="-311150">
+              <a:buSzPts val="1300"/>
+              <a:buFont typeface="+mj-lt"/>
+              <a:buAutoNum type="arabicPeriod"/>
+            </a:pPr>
+            <a:r>
+              <a:rPr lang="en-US" dirty="0"/>
+              <a:t>Under Testing Tools &gt; Sandbox Accounts you can create sandbox credentials to test.</a:t>
+            </a:r>
+          </a:p>
+          <a:p>
+            <a:pPr lvl="1" indent="-311150">
+              <a:buSzPts val="1300"/>
+              <a:buFont typeface="+mj-lt"/>
+              <a:buAutoNum type="arabicPeriod"/>
+            </a:pPr>
+            <a:endParaRPr lang="en-US" dirty="0"/>
+          </a:p>
+          <a:p>
+            <a:pPr lvl="1" indent="-311150">
+              <a:buSzPts val="1300"/>
+              <a:buFont typeface="+mj-lt"/>
+              <a:buAutoNum type="arabicPeriod"/>
+            </a:pPr>
+            <a:r>
+              <a:rPr lang="en-US" dirty="0"/>
+              <a:t>Use created credentials to pay for services within sandbox</a:t>
+            </a:r>
+          </a:p>
+          <a:p>
+            <a:pPr marL="457200" lvl="0" indent="-311150" algn="l" rtl="0">
+              <a:spcBef>
+                <a:spcPts val="0"/>
+              </a:spcBef>
+              <a:spcAft>
+                <a:spcPts val="0"/>
+              </a:spcAft>
+              <a:buSzPts val="1300"/>
+              <a:buChar char="●"/>
+            </a:pPr>
+            <a:endParaRPr lang="en-US" dirty="0"/>
+          </a:p>
+        </p:txBody>
+      </p:sp>
+      <p:pic>
+        <p:nvPicPr>
+          <p:cNvPr id="4" name="Picture 3">
+            <a:extLst>
+              <a:ext uri="{FF2B5EF4-FFF2-40B4-BE49-F238E27FC236}">
+                <a16:creationId xmlns:a16="http://schemas.microsoft.com/office/drawing/2014/main" id="{2A467A2D-5F9C-6EE3-0250-697DF377DEE4}"/>
+              </a:ext>
+            </a:extLst>
+          </p:cNvPr>
+          <p:cNvPicPr>
+            <a:picLocks noChangeAspect="1"/>
+          </p:cNvPicPr>
+          <p:nvPr/>
+        </p:nvPicPr>
+        <p:blipFill>
+          <a:blip r:embed="rId3"/>
+          <a:stretch>
+            <a:fillRect/>
+          </a:stretch>
+        </p:blipFill>
+        <p:spPr>
+          <a:xfrm>
+            <a:off x="3498968" y="2477604"/>
+            <a:ext cx="5191908" cy="2272146"/>
+          </a:xfrm>
+          <a:prstGeom prst="rect">
+            <a:avLst/>
+          </a:prstGeom>
+        </p:spPr>
+      </p:pic>
+      <p:pic>
+        <p:nvPicPr>
+          <p:cNvPr id="12" name="Picture 11">
+            <a:extLst>
+              <a:ext uri="{FF2B5EF4-FFF2-40B4-BE49-F238E27FC236}">
+                <a16:creationId xmlns:a16="http://schemas.microsoft.com/office/drawing/2014/main" id="{3F9D6837-5173-BCA1-35F0-3285CF7A4A25}"/>
+              </a:ext>
+            </a:extLst>
+          </p:cNvPr>
+          <p:cNvPicPr>
+            <a:picLocks noChangeAspect="1"/>
+          </p:cNvPicPr>
+          <p:nvPr/>
+        </p:nvPicPr>
+        <p:blipFill>
+          <a:blip r:embed="rId4"/>
+          <a:stretch>
+            <a:fillRect/>
+          </a:stretch>
+        </p:blipFill>
+        <p:spPr>
+          <a:xfrm>
+            <a:off x="6435435" y="196568"/>
+            <a:ext cx="1461656" cy="2033407"/>
+          </a:xfrm>
+          <a:prstGeom prst="rect">
+            <a:avLst/>
+          </a:prstGeom>
+        </p:spPr>
+      </p:pic>
+      <p:sp>
+        <p:nvSpPr>
+          <p:cNvPr id="14" name="TextBox 13">
+            <a:extLst>
+              <a:ext uri="{FF2B5EF4-FFF2-40B4-BE49-F238E27FC236}">
+                <a16:creationId xmlns:a16="http://schemas.microsoft.com/office/drawing/2014/main" id="{FBB8CAD4-4BBA-C3C6-505A-6032136E94E3}"/>
+              </a:ext>
+            </a:extLst>
+          </p:cNvPr>
+          <p:cNvSpPr txBox="1"/>
+          <p:nvPr/>
+        </p:nvSpPr>
+        <p:spPr>
+          <a:xfrm>
+            <a:off x="3643746" y="3135259"/>
+            <a:ext cx="284052" cy="307777"/>
+          </a:xfrm>
+          <a:prstGeom prst="rect">
+            <a:avLst/>
+          </a:prstGeom>
+          <a:noFill/>
+        </p:spPr>
+        <p:txBody>
+          <a:bodyPr wrap="none" rtlCol="0">
+            <a:spAutoFit/>
+          </a:bodyPr>
+          <a:lstStyle/>
+          <a:p>
+            <a:r>
+              <a:rPr lang="en-US" dirty="0">
+                <a:solidFill>
+                  <a:srgbClr val="FF0000"/>
+                </a:solidFill>
+              </a:rPr>
+              <a:t>1</a:t>
+            </a:r>
+          </a:p>
+        </p:txBody>
+      </p:sp>
+      <p:sp>
+        <p:nvSpPr>
+          <p:cNvPr id="15" name="TextBox 14">
+            <a:extLst>
+              <a:ext uri="{FF2B5EF4-FFF2-40B4-BE49-F238E27FC236}">
+                <a16:creationId xmlns:a16="http://schemas.microsoft.com/office/drawing/2014/main" id="{DCBA0A4A-D9A1-CE31-A803-6B4C00E2A3A0}"/>
+              </a:ext>
+            </a:extLst>
+          </p:cNvPr>
+          <p:cNvSpPr txBox="1"/>
+          <p:nvPr/>
+        </p:nvSpPr>
+        <p:spPr>
+          <a:xfrm>
+            <a:off x="6435435" y="393750"/>
+            <a:ext cx="284052" cy="307777"/>
+          </a:xfrm>
+          <a:prstGeom prst="rect">
+            <a:avLst/>
+          </a:prstGeom>
+          <a:noFill/>
+        </p:spPr>
+        <p:txBody>
+          <a:bodyPr wrap="none" rtlCol="0">
+            <a:spAutoFit/>
+          </a:bodyPr>
+          <a:lstStyle/>
+          <a:p>
+            <a:r>
+              <a:rPr lang="en-US" dirty="0">
+                <a:solidFill>
+                  <a:srgbClr val="FF0000"/>
+                </a:solidFill>
+              </a:rPr>
+              <a:t>2</a:t>
+            </a:r>
+          </a:p>
+        </p:txBody>
+      </p:sp>
+    </p:spTree>
+    <p:extLst>
+      <p:ext uri="{BB962C8B-B14F-4D97-AF65-F5344CB8AC3E}">
+        <p14:creationId xmlns:p14="http://schemas.microsoft.com/office/powerpoint/2010/main" val="2098711779"/>
+      </p:ext>
+    </p:extLst>
+  </p:cSld>
+  <p:clrMapOvr>
+    <a:masterClrMapping/>
+  </p:clrMapOvr>
+</p:sld>
+</file>
+
+<file path=ppt/slides/slide13.xml><?xml version="1.0" encoding="utf-8"?>
+<p:sld xmlns:a="http://schemas.openxmlformats.org/drawingml/2006/main" xmlns:r="http://schemas.openxmlformats.org/officeDocument/2006/relationships" xmlns:p="http://schemas.openxmlformats.org/presentationml/2006/main">
+  <p:cSld>
+    <p:spTree>
+      <p:nvGrpSpPr>
+        <p:cNvPr id="1" name="Shape 189"/>
+        <p:cNvGrpSpPr/>
+        <p:nvPr/>
+      </p:nvGrpSpPr>
+      <p:grpSpPr>
+        <a:xfrm>
+          <a:off x="0" y="0"/>
+          <a:ext cx="0" cy="0"/>
+          <a:chOff x="0" y="0"/>
+          <a:chExt cx="0" cy="0"/>
+        </a:xfrm>
+      </p:grpSpPr>
+      <p:sp>
+        <p:nvSpPr>
+          <p:cNvPr id="190" name="Google Shape;190;p21"/>
+          <p:cNvSpPr txBox="1">
+            <a:spLocks noGrp="1"/>
+          </p:cNvSpPr>
+          <p:nvPr>
+            <p:ph type="title"/>
+          </p:nvPr>
+        </p:nvSpPr>
+        <p:spPr>
+          <a:xfrm>
+            <a:off x="1297500" y="393750"/>
+            <a:ext cx="3798900" cy="1493100"/>
+          </a:xfrm>
+          <a:prstGeom prst="rect">
+            <a:avLst/>
+          </a:prstGeom>
+        </p:spPr>
+        <p:txBody>
+          <a:bodyPr spcFirstLastPara="1" wrap="square" lIns="91425" tIns="91425" rIns="91425" bIns="91425" anchor="t" anchorCtr="0">
+            <a:normAutofit/>
+          </a:bodyPr>
+          <a:lstStyle/>
+          <a:p>
+            <a:pPr marL="0" lvl="0" indent="0" algn="l" rtl="0">
+              <a:spcBef>
+                <a:spcPts val="0"/>
+              </a:spcBef>
+              <a:spcAft>
+                <a:spcPts val="0"/>
+              </a:spcAft>
+              <a:buNone/>
+            </a:pPr>
+            <a:r>
+              <a:rPr lang="en"/>
+              <a:t>Q &amp; A</a:t>
+            </a:r>
+            <a:endParaRPr/>
+          </a:p>
+        </p:txBody>
+      </p:sp>
+      <p:sp>
+        <p:nvSpPr>
+          <p:cNvPr id="191" name="Google Shape;191;p21"/>
+          <p:cNvSpPr txBox="1">
+            <a:spLocks noGrp="1"/>
+          </p:cNvSpPr>
+          <p:nvPr>
+            <p:ph type="body" idx="1"/>
+          </p:nvPr>
+        </p:nvSpPr>
+        <p:spPr>
+          <a:xfrm>
+            <a:off x="1297500" y="1972550"/>
+            <a:ext cx="3798900" cy="2415900"/>
+          </a:xfrm>
+          <a:prstGeom prst="rect">
+            <a:avLst/>
+          </a:prstGeom>
+        </p:spPr>
+        <p:txBody>
+          <a:bodyPr spcFirstLastPara="1" wrap="square" lIns="91425" tIns="91425" rIns="91425" bIns="91425" anchor="t" anchorCtr="0">
+            <a:normAutofit fontScale="92500" lnSpcReduction="10000"/>
+          </a:bodyPr>
+          <a:lstStyle/>
+          <a:p>
+            <a:pPr marL="0" lvl="0" indent="0" algn="l" rtl="0">
+              <a:spcBef>
+                <a:spcPts val="0"/>
+              </a:spcBef>
+              <a:spcAft>
+                <a:spcPts val="0"/>
+              </a:spcAft>
+              <a:buNone/>
+            </a:pPr>
+            <a:r>
+              <a:rPr lang="en" sz="2872" b="1"/>
+              <a:t>Thank you !</a:t>
+            </a:r>
+            <a:endParaRPr sz="2872" b="1"/>
+          </a:p>
+          <a:p>
+            <a:pPr marL="0" lvl="0" indent="0" algn="l" rtl="0">
+              <a:spcBef>
+                <a:spcPts val="1200"/>
+              </a:spcBef>
+              <a:spcAft>
+                <a:spcPts val="0"/>
+              </a:spcAft>
+              <a:buNone/>
+            </a:pPr>
+            <a:endParaRPr/>
+          </a:p>
+          <a:p>
+            <a:pPr marL="457200" lvl="0" indent="-298767" algn="l" rtl="0">
+              <a:spcBef>
+                <a:spcPts val="1200"/>
+              </a:spcBef>
+              <a:spcAft>
+                <a:spcPts val="0"/>
+              </a:spcAft>
+              <a:buSzPct val="100000"/>
+              <a:buChar char="●"/>
+            </a:pPr>
+            <a:r>
+              <a:rPr lang="en"/>
+              <a:t>Mekdes Gebrechristos</a:t>
+            </a:r>
+            <a:endParaRPr/>
+          </a:p>
+          <a:p>
+            <a:pPr marL="457200" lvl="0" indent="-298767" algn="l" rtl="0">
+              <a:spcBef>
+                <a:spcPts val="0"/>
+              </a:spcBef>
+              <a:spcAft>
+                <a:spcPts val="0"/>
+              </a:spcAft>
+              <a:buSzPct val="100000"/>
+              <a:buChar char="●"/>
+            </a:pPr>
+            <a:r>
+              <a:rPr lang="en"/>
+              <a:t>Hamdi Kelil</a:t>
+            </a:r>
+            <a:endParaRPr/>
+          </a:p>
+          <a:p>
+            <a:pPr marL="457200" lvl="0" indent="-298767" algn="l" rtl="0">
+              <a:spcBef>
+                <a:spcPts val="0"/>
+              </a:spcBef>
+              <a:spcAft>
+                <a:spcPts val="0"/>
+              </a:spcAft>
+              <a:buSzPct val="100000"/>
+              <a:buChar char="●"/>
+            </a:pPr>
+            <a:r>
+              <a:rPr lang="en"/>
+              <a:t>Pong Shoua Lee</a:t>
+            </a:r>
+            <a:endParaRPr/>
+          </a:p>
+          <a:p>
+            <a:pPr marL="457200" lvl="0" indent="-298767" algn="l" rtl="0">
+              <a:spcBef>
+                <a:spcPts val="0"/>
+              </a:spcBef>
+              <a:spcAft>
+                <a:spcPts val="0"/>
+              </a:spcAft>
+              <a:buSzPct val="100000"/>
+              <a:buChar char="●"/>
+            </a:pPr>
+            <a:r>
+              <a:rPr lang="en"/>
+              <a:t>Jet Lao</a:t>
+            </a:r>
+            <a:endParaRPr/>
+          </a:p>
+          <a:p>
+            <a:pPr marL="457200" lvl="0" indent="-298767" algn="l" rtl="0">
+              <a:spcBef>
+                <a:spcPts val="0"/>
+              </a:spcBef>
+              <a:spcAft>
+                <a:spcPts val="0"/>
+              </a:spcAft>
+              <a:buSzPct val="100000"/>
+              <a:buChar char="●"/>
+            </a:pPr>
+            <a:r>
+              <a:rPr lang="en"/>
+              <a:t>Daniel Kolles</a:t>
+            </a:r>
+            <a:endParaRPr/>
+          </a:p>
+          <a:p>
+            <a:pPr marL="457200" lvl="0" indent="-298767" algn="l" rtl="0">
+              <a:spcBef>
+                <a:spcPts val="0"/>
+              </a:spcBef>
+              <a:spcAft>
+                <a:spcPts val="0"/>
+              </a:spcAft>
+              <a:buSzPct val="100000"/>
+              <a:buChar char="●"/>
+            </a:pPr>
+            <a:r>
+              <a:rPr lang="en"/>
+              <a:t>Dr. Siva Jasthi</a:t>
+            </a:r>
+            <a:endParaRPr/>
+          </a:p>
+          <a:p>
+            <a:pPr marL="0" lvl="0" indent="0" algn="l" rtl="0">
+              <a:spcBef>
+                <a:spcPts val="1200"/>
+              </a:spcBef>
+              <a:spcAft>
+                <a:spcPts val="1200"/>
+              </a:spcAft>
+              <a:buNone/>
+            </a:pPr>
+            <a:endParaRPr/>
+          </a:p>
+        </p:txBody>
+      </p:sp>
+    </p:spTree>
+  </p:cSld>
+  <p:clrMapOvr>
+    <a:masterClrMapping/>
+  </p:clrMapOvr>
+</p:sld>
+</file>
+
+<file path=ppt/slides/slide2.xml><?xml version="1.0" encoding="utf-8"?>
+<p:sld xmlns:a="http://schemas.openxmlformats.org/drawingml/2006/main" xmlns:r="http://schemas.openxmlformats.org/officeDocument/2006/relationships" xmlns:p="http://schemas.openxmlformats.org/presentationml/2006/main">
+  <p:cSld>
+    <p:spTree>
+      <p:nvGrpSpPr>
+        <p:cNvPr id="1" name="Shape 139"/>
         <p:cNvGrpSpPr/>
         <p:nvPr/>
       </p:nvGrpSpPr>
@@ -9949,7 +11853,9 @@
       <p:sp>
         <p:nvSpPr>
           <p:cNvPr id="140" name="Google Shape;140;p14"/>
-          <p:cNvSpPr txBox="1"/>
+          <p:cNvSpPr txBox="1">
+            <a:spLocks noGrp="1"/>
+          </p:cNvSpPr>
           <p:nvPr>
             <p:ph type="title"/>
           </p:nvPr>
@@ -9964,12 +11870,12 @@
           </a:prstGeom>
         </p:spPr>
         <p:txBody>
-          <a:bodyPr anchorCtr="0" anchor="t" bIns="91425" lIns="91425" spcFirstLastPara="1" rIns="91425" wrap="square" tIns="91425">
+          <a:bodyPr spcFirstLastPara="1" wrap="square" lIns="91425" tIns="91425" rIns="91425" bIns="91425" anchor="t" anchorCtr="0">
             <a:normAutofit/>
           </a:bodyPr>
           <a:lstStyle/>
           <a:p>
-            <a:pPr indent="0" lvl="0" marL="0" rtl="0" algn="l">
+            <a:pPr marL="0" lvl="0" indent="0" algn="l" rtl="0">
               <a:spcBef>
                 <a:spcPts val="0"/>
               </a:spcBef>
@@ -9989,9 +11895,11 @@
       <p:sp>
         <p:nvSpPr>
           <p:cNvPr id="141" name="Google Shape;141;p14"/>
-          <p:cNvSpPr txBox="1"/>
+          <p:cNvSpPr txBox="1">
+            <a:spLocks noGrp="1"/>
+          </p:cNvSpPr>
           <p:nvPr>
-            <p:ph idx="1" type="body"/>
+            <p:ph type="body" idx="1"/>
           </p:nvPr>
         </p:nvSpPr>
         <p:spPr>
@@ -10004,12 +11912,12 @@
           </a:prstGeom>
         </p:spPr>
         <p:txBody>
-          <a:bodyPr anchorCtr="0" anchor="t" bIns="91425" lIns="91425" spcFirstLastPara="1" rIns="91425" wrap="square" tIns="91425">
+          <a:bodyPr spcFirstLastPara="1" wrap="square" lIns="91425" tIns="91425" rIns="91425" bIns="91425" anchor="t" anchorCtr="0">
             <a:normAutofit/>
           </a:bodyPr>
           <a:lstStyle/>
           <a:p>
-            <a:pPr indent="-311150" lvl="0" marL="457200" rtl="0" algn="l">
+            <a:pPr marL="457200" lvl="0" indent="-311150" algn="l" rtl="0">
               <a:spcBef>
                 <a:spcPts val="0"/>
               </a:spcBef>
@@ -10026,7 +11934,7 @@
             <a:endParaRPr/>
           </a:p>
           <a:p>
-            <a:pPr indent="-311150" lvl="0" marL="457200" rtl="0" algn="l">
+            <a:pPr marL="457200" lvl="0" indent="-311150" algn="l" rtl="0">
               <a:spcBef>
                 <a:spcPts val="0"/>
               </a:spcBef>
@@ -10043,7 +11951,7 @@
             <a:endParaRPr/>
           </a:p>
           <a:p>
-            <a:pPr indent="-311150" lvl="1" marL="914400" rtl="0" algn="l">
+            <a:pPr marL="914400" lvl="1" indent="-311150" algn="l" rtl="0">
               <a:spcBef>
                 <a:spcPts val="0"/>
               </a:spcBef>
@@ -10060,7 +11968,7 @@
             <a:endParaRPr sz="1300"/>
           </a:p>
           <a:p>
-            <a:pPr indent="-311150" lvl="1" marL="914400" rtl="0" algn="l">
+            <a:pPr marL="914400" lvl="1" indent="-311150" algn="l" rtl="0">
               <a:spcBef>
                 <a:spcPts val="0"/>
               </a:spcBef>
@@ -10077,7 +11985,7 @@
             <a:endParaRPr sz="1300"/>
           </a:p>
           <a:p>
-            <a:pPr indent="-311150" lvl="1" marL="914400" rtl="0" algn="l">
+            <a:pPr marL="914400" lvl="1" indent="-311150" algn="l" rtl="0">
               <a:spcBef>
                 <a:spcPts val="0"/>
               </a:spcBef>
@@ -10094,7 +12002,7 @@
             <a:endParaRPr sz="1300"/>
           </a:p>
           <a:p>
-            <a:pPr indent="-311150" lvl="1" marL="914400" rtl="0" algn="l">
+            <a:pPr marL="914400" lvl="1" indent="-311150" algn="l" rtl="0">
               <a:spcBef>
                 <a:spcPts val="0"/>
               </a:spcBef>
@@ -10111,7 +12019,7 @@
             <a:endParaRPr sz="1300"/>
           </a:p>
           <a:p>
-            <a:pPr indent="-311150" lvl="1" marL="914400" rtl="0" algn="l">
+            <a:pPr marL="914400" lvl="1" indent="-311150" algn="l" rtl="0">
               <a:spcBef>
                 <a:spcPts val="0"/>
               </a:spcBef>
@@ -10131,7 +12039,7 @@
             <a:endParaRPr/>
           </a:p>
           <a:p>
-            <a:pPr indent="-311150" lvl="0" marL="457200" rtl="0" algn="l">
+            <a:pPr marL="457200" lvl="0" indent="-311150" algn="l" rtl="0">
               <a:spcBef>
                 <a:spcPts val="0"/>
               </a:spcBef>
@@ -10164,7 +12072,7 @@
             <a:endParaRPr sz="1300"/>
           </a:p>
           <a:p>
-            <a:pPr indent="0" lvl="0" marL="0" rtl="0" algn="l">
+            <a:pPr marL="0" lvl="0" indent="0" algn="l" rtl="0">
               <a:spcBef>
                 <a:spcPts val="1200"/>
               </a:spcBef>
@@ -10173,9 +12081,6 @@
               </a:spcAft>
               <a:buNone/>
             </a:pPr>
-            <a:r>
-              <a:t/>
-            </a:r>
             <a:endParaRPr sz="1300"/>
           </a:p>
         </p:txBody>
@@ -10183,9 +12088,11 @@
       <p:sp>
         <p:nvSpPr>
           <p:cNvPr id="142" name="Google Shape;142;p14"/>
-          <p:cNvSpPr txBox="1"/>
+          <p:cNvSpPr txBox="1">
+            <a:spLocks noGrp="1"/>
+          </p:cNvSpPr>
           <p:nvPr>
-            <p:ph idx="1" type="body"/>
+            <p:ph type="body" idx="1"/>
           </p:nvPr>
         </p:nvSpPr>
         <p:spPr>
@@ -10198,12 +12105,12 @@
           </a:prstGeom>
         </p:spPr>
         <p:txBody>
-          <a:bodyPr anchorCtr="0" anchor="t" bIns="91425" lIns="91425" spcFirstLastPara="1" rIns="91425" wrap="square" tIns="91425">
+          <a:bodyPr spcFirstLastPara="1" wrap="square" lIns="91425" tIns="91425" rIns="91425" bIns="91425" anchor="t" anchorCtr="0">
             <a:normAutofit/>
           </a:bodyPr>
           <a:lstStyle/>
           <a:p>
-            <a:pPr indent="0" lvl="0" marL="0" rtl="0" algn="l">
+            <a:pPr marL="0" lvl="0" indent="0" algn="l" rtl="0">
               <a:spcBef>
                 <a:spcPts val="0"/>
               </a:spcBef>
@@ -10219,7 +12126,7 @@
             <a:endParaRPr/>
           </a:p>
           <a:p>
-            <a:pPr indent="-311150" lvl="0" marL="457200" rtl="0" algn="l">
+            <a:pPr marL="457200" lvl="0" indent="-311150" algn="l" rtl="0">
               <a:spcBef>
                 <a:spcPts val="1200"/>
               </a:spcBef>
@@ -10236,7 +12143,7 @@
             <a:endParaRPr/>
           </a:p>
           <a:p>
-            <a:pPr indent="-311150" lvl="0" marL="457200" rtl="0" algn="l">
+            <a:pPr marL="457200" lvl="0" indent="-311150" algn="l" rtl="0">
               <a:spcBef>
                 <a:spcPts val="0"/>
               </a:spcBef>
@@ -10263,11 +12170,11 @@
 </file>
 
 <file path=ppt/slides/slide3.xml><?xml version="1.0" encoding="utf-8"?>
-<p:sld xmlns:a="http://schemas.openxmlformats.org/drawingml/2006/main" xmlns:r="http://schemas.openxmlformats.org/officeDocument/2006/relationships" xmlns:mc="http://schemas.openxmlformats.org/markup-compatibility/2006" xmlns:mv="urn:schemas-microsoft-com:mac:vml" xmlns:p="http://schemas.openxmlformats.org/presentationml/2006/main" xmlns:c="http://schemas.openxmlformats.org/drawingml/2006/chart" xmlns:dgm="http://schemas.openxmlformats.org/drawingml/2006/diagram" xmlns:o="urn:schemas-microsoft-com:office:office" xmlns:v="urn:schemas-microsoft-com:vml" xmlns:pvml="urn:schemas-microsoft-com:office:powerpoint" xmlns:com="http://schemas.openxmlformats.org/drawingml/2006/compatibility" xmlns:p14="http://schemas.microsoft.com/office/powerpoint/2010/main" xmlns:p15="http://schemas.microsoft.com/office/powerpoint/2012/main" xmlns:ahyp="http://schemas.microsoft.com/office/drawing/2018/hyperlinkcolor">
+<p:sld xmlns:a="http://schemas.openxmlformats.org/drawingml/2006/main" xmlns:r="http://schemas.openxmlformats.org/officeDocument/2006/relationships" xmlns:p="http://schemas.openxmlformats.org/presentationml/2006/main">
   <p:cSld>
     <p:spTree>
       <p:nvGrpSpPr>
-        <p:cNvPr id="146" name="Shape 146"/>
+        <p:cNvPr id="1" name="Shape 146"/>
         <p:cNvGrpSpPr/>
         <p:nvPr/>
       </p:nvGrpSpPr>
@@ -10282,7 +12189,9 @@
       <p:sp>
         <p:nvSpPr>
           <p:cNvPr id="147" name="Google Shape;147;p15"/>
-          <p:cNvSpPr txBox="1"/>
+          <p:cNvSpPr txBox="1">
+            <a:spLocks noGrp="1"/>
+          </p:cNvSpPr>
           <p:nvPr>
             <p:ph type="title"/>
           </p:nvPr>
@@ -10297,12 +12206,12 @@
           </a:prstGeom>
         </p:spPr>
         <p:txBody>
-          <a:bodyPr anchorCtr="0" anchor="t" bIns="91425" lIns="91425" spcFirstLastPara="1" rIns="91425" wrap="square" tIns="91425">
+          <a:bodyPr spcFirstLastPara="1" wrap="square" lIns="91425" tIns="91425" rIns="91425" bIns="91425" anchor="t" anchorCtr="0">
             <a:normAutofit/>
           </a:bodyPr>
           <a:lstStyle/>
           <a:p>
-            <a:pPr indent="0" lvl="0" marL="0" rtl="0" algn="l">
+            <a:pPr marL="0" lvl="0" indent="0" algn="l" rtl="0">
               <a:spcBef>
                 <a:spcPts val="0"/>
               </a:spcBef>
@@ -10322,9 +12231,11 @@
       <p:sp>
         <p:nvSpPr>
           <p:cNvPr id="148" name="Google Shape;148;p15"/>
-          <p:cNvSpPr txBox="1"/>
+          <p:cNvSpPr txBox="1">
+            <a:spLocks noGrp="1"/>
+          </p:cNvSpPr>
           <p:nvPr>
-            <p:ph idx="1" type="body"/>
+            <p:ph type="body" idx="1"/>
           </p:nvPr>
         </p:nvSpPr>
         <p:spPr>
@@ -10337,12 +12248,12 @@
           </a:prstGeom>
         </p:spPr>
         <p:txBody>
-          <a:bodyPr anchorCtr="0" anchor="t" bIns="91425" lIns="91425" spcFirstLastPara="1" rIns="91425" wrap="square" tIns="91425">
+          <a:bodyPr spcFirstLastPara="1" wrap="square" lIns="91425" tIns="91425" rIns="91425" bIns="91425" anchor="t" anchorCtr="0">
             <a:normAutofit/>
           </a:bodyPr>
           <a:lstStyle/>
           <a:p>
-            <a:pPr indent="-311150" lvl="0" marL="457200" rtl="0" algn="l">
+            <a:pPr marL="457200" lvl="0" indent="-311150" algn="l" rtl="0">
               <a:spcBef>
                 <a:spcPts val="0"/>
               </a:spcBef>
@@ -10397,11 +12308,11 @@
 </file>
 
 <file path=ppt/slides/slide4.xml><?xml version="1.0" encoding="utf-8"?>
-<p:sld xmlns:a="http://schemas.openxmlformats.org/drawingml/2006/main" xmlns:r="http://schemas.openxmlformats.org/officeDocument/2006/relationships" xmlns:mc="http://schemas.openxmlformats.org/markup-compatibility/2006" xmlns:mv="urn:schemas-microsoft-com:mac:vml" xmlns:p="http://schemas.openxmlformats.org/presentationml/2006/main" xmlns:c="http://schemas.openxmlformats.org/drawingml/2006/chart" xmlns:dgm="http://schemas.openxmlformats.org/drawingml/2006/diagram" xmlns:o="urn:schemas-microsoft-com:office:office" xmlns:v="urn:schemas-microsoft-com:vml" xmlns:pvml="urn:schemas-microsoft-com:office:powerpoint" xmlns:com="http://schemas.openxmlformats.org/drawingml/2006/compatibility" xmlns:p14="http://schemas.microsoft.com/office/powerpoint/2010/main" xmlns:p15="http://schemas.microsoft.com/office/powerpoint/2012/main" xmlns:ahyp="http://schemas.microsoft.com/office/drawing/2018/hyperlinkcolor">
+<p:sld xmlns:a="http://schemas.openxmlformats.org/drawingml/2006/main" xmlns:r="http://schemas.openxmlformats.org/officeDocument/2006/relationships" xmlns:p="http://schemas.openxmlformats.org/presentationml/2006/main">
   <p:cSld>
     <p:spTree>
       <p:nvGrpSpPr>
-        <p:cNvPr id="153" name="Shape 153"/>
+        <p:cNvPr id="1" name="Shape 153"/>
         <p:cNvGrpSpPr/>
         <p:nvPr/>
       </p:nvGrpSpPr>
@@ -10416,7 +12327,9 @@
       <p:sp>
         <p:nvSpPr>
           <p:cNvPr id="154" name="Google Shape;154;p16"/>
-          <p:cNvSpPr txBox="1"/>
+          <p:cNvSpPr txBox="1">
+            <a:spLocks noGrp="1"/>
+          </p:cNvSpPr>
           <p:nvPr>
             <p:ph type="title"/>
           </p:nvPr>
@@ -10431,12 +12344,12 @@
           </a:prstGeom>
         </p:spPr>
         <p:txBody>
-          <a:bodyPr anchorCtr="0" anchor="t" bIns="91425" lIns="91425" spcFirstLastPara="1" rIns="91425" wrap="square" tIns="91425">
+          <a:bodyPr spcFirstLastPara="1" wrap="square" lIns="91425" tIns="91425" rIns="91425" bIns="91425" anchor="t" anchorCtr="0">
             <a:normAutofit/>
           </a:bodyPr>
           <a:lstStyle/>
           <a:p>
-            <a:pPr indent="0" lvl="0" marL="0" rtl="0" algn="l">
+            <a:pPr marL="0" lvl="0" indent="0" algn="l" rtl="0">
               <a:spcBef>
                 <a:spcPts val="0"/>
               </a:spcBef>
@@ -10456,9 +12369,11 @@
       <p:sp>
         <p:nvSpPr>
           <p:cNvPr id="155" name="Google Shape;155;p16"/>
-          <p:cNvSpPr txBox="1"/>
+          <p:cNvSpPr txBox="1">
+            <a:spLocks noGrp="1"/>
+          </p:cNvSpPr>
           <p:nvPr>
-            <p:ph idx="1" type="body"/>
+            <p:ph type="body" idx="1"/>
           </p:nvPr>
         </p:nvSpPr>
         <p:spPr>
@@ -10471,12 +12386,12 @@
           </a:prstGeom>
         </p:spPr>
         <p:txBody>
-          <a:bodyPr anchorCtr="0" anchor="t" bIns="91425" lIns="91425" spcFirstLastPara="1" rIns="91425" wrap="square" tIns="91425">
+          <a:bodyPr spcFirstLastPara="1" wrap="square" lIns="91425" tIns="91425" rIns="91425" bIns="91425" anchor="t" anchorCtr="0">
             <a:normAutofit/>
           </a:bodyPr>
           <a:lstStyle/>
           <a:p>
-            <a:pPr indent="-311150" lvl="0" marL="457200" rtl="0" algn="l">
+            <a:pPr marL="457200" lvl="0" indent="-311150" algn="l" rtl="0">
               <a:spcBef>
                 <a:spcPts val="0"/>
               </a:spcBef>
@@ -10531,11 +12446,11 @@
 </file>
 
 <file path=ppt/slides/slide5.xml><?xml version="1.0" encoding="utf-8"?>
-<p:sld xmlns:a="http://schemas.openxmlformats.org/drawingml/2006/main" xmlns:r="http://schemas.openxmlformats.org/officeDocument/2006/relationships" xmlns:mc="http://schemas.openxmlformats.org/markup-compatibility/2006" xmlns:mv="urn:schemas-microsoft-com:mac:vml" xmlns:p="http://schemas.openxmlformats.org/presentationml/2006/main" xmlns:c="http://schemas.openxmlformats.org/drawingml/2006/chart" xmlns:dgm="http://schemas.openxmlformats.org/drawingml/2006/diagram" xmlns:o="urn:schemas-microsoft-com:office:office" xmlns:v="urn:schemas-microsoft-com:vml" xmlns:pvml="urn:schemas-microsoft-com:office:powerpoint" xmlns:com="http://schemas.openxmlformats.org/drawingml/2006/compatibility" xmlns:p14="http://schemas.microsoft.com/office/powerpoint/2010/main" xmlns:p15="http://schemas.microsoft.com/office/powerpoint/2012/main" xmlns:ahyp="http://schemas.microsoft.com/office/drawing/2018/hyperlinkcolor">
+<p:sld xmlns:a="http://schemas.openxmlformats.org/drawingml/2006/main" xmlns:r="http://schemas.openxmlformats.org/officeDocument/2006/relationships" xmlns:p="http://schemas.openxmlformats.org/presentationml/2006/main">
   <p:cSld>
     <p:spTree>
       <p:nvGrpSpPr>
-        <p:cNvPr id="160" name="Shape 160"/>
+        <p:cNvPr id="1" name="Shape 160"/>
         <p:cNvGrpSpPr/>
         <p:nvPr/>
       </p:nvGrpSpPr>
@@ -10550,7 +12465,9 @@
       <p:sp>
         <p:nvSpPr>
           <p:cNvPr id="161" name="Google Shape;161;p17"/>
-          <p:cNvSpPr txBox="1"/>
+          <p:cNvSpPr txBox="1">
+            <a:spLocks noGrp="1"/>
+          </p:cNvSpPr>
           <p:nvPr>
             <p:ph type="title"/>
           </p:nvPr>
@@ -10565,12 +12482,12 @@
           </a:prstGeom>
         </p:spPr>
         <p:txBody>
-          <a:bodyPr anchorCtr="0" anchor="t" bIns="91425" lIns="91425" spcFirstLastPara="1" rIns="91425" wrap="square" tIns="91425">
+          <a:bodyPr spcFirstLastPara="1" wrap="square" lIns="91425" tIns="91425" rIns="91425" bIns="91425" anchor="t" anchorCtr="0">
             <a:normAutofit/>
           </a:bodyPr>
           <a:lstStyle/>
           <a:p>
-            <a:pPr indent="0" lvl="0" marL="0" rtl="0" algn="l">
+            <a:pPr marL="0" lvl="0" indent="0" algn="l" rtl="0">
               <a:spcBef>
                 <a:spcPts val="0"/>
               </a:spcBef>
@@ -10590,9 +12507,11 @@
       <p:sp>
         <p:nvSpPr>
           <p:cNvPr id="162" name="Google Shape;162;p17"/>
-          <p:cNvSpPr txBox="1"/>
+          <p:cNvSpPr txBox="1">
+            <a:spLocks noGrp="1"/>
+          </p:cNvSpPr>
           <p:nvPr>
-            <p:ph idx="1" type="body"/>
+            <p:ph type="body" idx="1"/>
           </p:nvPr>
         </p:nvSpPr>
         <p:spPr>
@@ -10605,12 +12524,12 @@
           </a:prstGeom>
         </p:spPr>
         <p:txBody>
-          <a:bodyPr anchorCtr="0" anchor="t" bIns="91425" lIns="91425" spcFirstLastPara="1" rIns="91425" wrap="square" tIns="91425">
+          <a:bodyPr spcFirstLastPara="1" wrap="square" lIns="91425" tIns="91425" rIns="91425" bIns="91425" anchor="t" anchorCtr="0">
             <a:normAutofit/>
           </a:bodyPr>
           <a:lstStyle/>
           <a:p>
-            <a:pPr indent="-311150" lvl="0" marL="457200" rtl="0" algn="l">
+            <a:pPr marL="457200" lvl="0" indent="-311150" algn="l" rtl="0">
               <a:spcBef>
                 <a:spcPts val="0"/>
               </a:spcBef>
@@ -10627,7 +12546,7 @@
             <a:endParaRPr/>
           </a:p>
           <a:p>
-            <a:pPr indent="-311150" lvl="0" marL="457200" rtl="0" algn="l">
+            <a:pPr marL="457200" lvl="0" indent="-311150" algn="l" rtl="0">
               <a:spcBef>
                 <a:spcPts val="0"/>
               </a:spcBef>
@@ -10710,11 +12629,11 @@
 </file>
 
 <file path=ppt/slides/slide6.xml><?xml version="1.0" encoding="utf-8"?>
-<p:sld xmlns:a="http://schemas.openxmlformats.org/drawingml/2006/main" xmlns:r="http://schemas.openxmlformats.org/officeDocument/2006/relationships" xmlns:mc="http://schemas.openxmlformats.org/markup-compatibility/2006" xmlns:mv="urn:schemas-microsoft-com:mac:vml" xmlns:p="http://schemas.openxmlformats.org/presentationml/2006/main" xmlns:c="http://schemas.openxmlformats.org/drawingml/2006/chart" xmlns:dgm="http://schemas.openxmlformats.org/drawingml/2006/diagram" xmlns:o="urn:schemas-microsoft-com:office:office" xmlns:v="urn:schemas-microsoft-com:vml" xmlns:pvml="urn:schemas-microsoft-com:office:powerpoint" xmlns:com="http://schemas.openxmlformats.org/drawingml/2006/compatibility" xmlns:p14="http://schemas.microsoft.com/office/powerpoint/2010/main" xmlns:p15="http://schemas.microsoft.com/office/powerpoint/2012/main" xmlns:ahyp="http://schemas.microsoft.com/office/drawing/2018/hyperlinkcolor">
+<p:sld xmlns:a="http://schemas.openxmlformats.org/drawingml/2006/main" xmlns:r="http://schemas.openxmlformats.org/officeDocument/2006/relationships" xmlns:p="http://schemas.openxmlformats.org/presentationml/2006/main">
   <p:cSld>
     <p:spTree>
       <p:nvGrpSpPr>
-        <p:cNvPr id="168" name="Shape 168"/>
+        <p:cNvPr id="1" name="Shape 168"/>
         <p:cNvGrpSpPr/>
         <p:nvPr/>
       </p:nvGrpSpPr>
@@ -10729,7 +12648,9 @@
       <p:sp>
         <p:nvSpPr>
           <p:cNvPr id="169" name="Google Shape;169;p18"/>
-          <p:cNvSpPr txBox="1"/>
+          <p:cNvSpPr txBox="1">
+            <a:spLocks noGrp="1"/>
+          </p:cNvSpPr>
           <p:nvPr>
             <p:ph type="title"/>
           </p:nvPr>
@@ -10744,12 +12665,12 @@
           </a:prstGeom>
         </p:spPr>
         <p:txBody>
-          <a:bodyPr anchorCtr="0" anchor="t" bIns="91425" lIns="91425" spcFirstLastPara="1" rIns="91425" wrap="square" tIns="91425">
+          <a:bodyPr spcFirstLastPara="1" wrap="square" lIns="91425" tIns="91425" rIns="91425" bIns="91425" anchor="t" anchorCtr="0">
             <a:normAutofit/>
           </a:bodyPr>
           <a:lstStyle/>
           <a:p>
-            <a:pPr indent="0" lvl="0" marL="0" rtl="0" algn="l">
+            <a:pPr marL="0" lvl="0" indent="0" algn="l" rtl="0">
               <a:spcBef>
                 <a:spcPts val="0"/>
               </a:spcBef>
@@ -10769,9 +12690,11 @@
       <p:sp>
         <p:nvSpPr>
           <p:cNvPr id="170" name="Google Shape;170;p18"/>
-          <p:cNvSpPr txBox="1"/>
+          <p:cNvSpPr txBox="1">
+            <a:spLocks noGrp="1"/>
+          </p:cNvSpPr>
           <p:nvPr>
-            <p:ph idx="1" type="body"/>
+            <p:ph type="body" idx="1"/>
           </p:nvPr>
         </p:nvSpPr>
         <p:spPr>
@@ -10784,12 +12707,12 @@
           </a:prstGeom>
         </p:spPr>
         <p:txBody>
-          <a:bodyPr anchorCtr="0" anchor="t" bIns="91425" lIns="91425" spcFirstLastPara="1" rIns="91425" wrap="square" tIns="91425">
+          <a:bodyPr spcFirstLastPara="1" wrap="square" lIns="91425" tIns="91425" rIns="91425" bIns="91425" anchor="t" anchorCtr="0">
             <a:normAutofit/>
           </a:bodyPr>
           <a:lstStyle/>
           <a:p>
-            <a:pPr indent="-311150" lvl="0" marL="457200" rtl="0" algn="l">
+            <a:pPr marL="457200" lvl="0" indent="-311150" algn="l" rtl="0">
               <a:spcBef>
                 <a:spcPts val="0"/>
               </a:spcBef>
@@ -10806,7 +12729,7 @@
             <a:endParaRPr/>
           </a:p>
           <a:p>
-            <a:pPr indent="-311150" lvl="0" marL="457200" rtl="0" algn="l">
+            <a:pPr marL="457200" lvl="0" indent="-311150" algn="l" rtl="0">
               <a:spcBef>
                 <a:spcPts val="0"/>
               </a:spcBef>
@@ -10861,11 +12784,11 @@
 </file>
 
 <file path=ppt/slides/slide7.xml><?xml version="1.0" encoding="utf-8"?>
-<p:sld xmlns:a="http://schemas.openxmlformats.org/drawingml/2006/main" xmlns:r="http://schemas.openxmlformats.org/officeDocument/2006/relationships" xmlns:mc="http://schemas.openxmlformats.org/markup-compatibility/2006" xmlns:mv="urn:schemas-microsoft-com:mac:vml" xmlns:p="http://schemas.openxmlformats.org/presentationml/2006/main" xmlns:c="http://schemas.openxmlformats.org/drawingml/2006/chart" xmlns:dgm="http://schemas.openxmlformats.org/drawingml/2006/diagram" xmlns:o="urn:schemas-microsoft-com:office:office" xmlns:v="urn:schemas-microsoft-com:vml" xmlns:pvml="urn:schemas-microsoft-com:office:powerpoint" xmlns:com="http://schemas.openxmlformats.org/drawingml/2006/compatibility" xmlns:p14="http://schemas.microsoft.com/office/powerpoint/2010/main" xmlns:p15="http://schemas.microsoft.com/office/powerpoint/2012/main" xmlns:ahyp="http://schemas.microsoft.com/office/drawing/2018/hyperlinkcolor">
+<p:sld xmlns:a="http://schemas.openxmlformats.org/drawingml/2006/main" xmlns:r="http://schemas.openxmlformats.org/officeDocument/2006/relationships" xmlns:p="http://schemas.openxmlformats.org/presentationml/2006/main">
   <p:cSld>
     <p:spTree>
       <p:nvGrpSpPr>
-        <p:cNvPr id="175" name="Shape 175"/>
+        <p:cNvPr id="1" name="Shape 175"/>
         <p:cNvGrpSpPr/>
         <p:nvPr/>
       </p:nvGrpSpPr>
@@ -10880,7 +12803,9 @@
       <p:sp>
         <p:nvSpPr>
           <p:cNvPr id="176" name="Google Shape;176;p19"/>
-          <p:cNvSpPr txBox="1"/>
+          <p:cNvSpPr txBox="1">
+            <a:spLocks noGrp="1"/>
+          </p:cNvSpPr>
           <p:nvPr>
             <p:ph type="title"/>
           </p:nvPr>
@@ -10895,12 +12820,12 @@
           </a:prstGeom>
         </p:spPr>
         <p:txBody>
-          <a:bodyPr anchorCtr="0" anchor="t" bIns="91425" lIns="91425" spcFirstLastPara="1" rIns="91425" wrap="square" tIns="91425">
+          <a:bodyPr spcFirstLastPara="1" wrap="square" lIns="91425" tIns="91425" rIns="91425" bIns="91425" anchor="t" anchorCtr="0">
             <a:normAutofit/>
           </a:bodyPr>
           <a:lstStyle/>
           <a:p>
-            <a:pPr indent="0" lvl="0" marL="0" rtl="0" algn="l">
+            <a:pPr marL="0" lvl="0" indent="0" algn="l" rtl="0">
               <a:spcBef>
                 <a:spcPts val="0"/>
               </a:spcBef>
@@ -10920,9 +12845,11 @@
       <p:sp>
         <p:nvSpPr>
           <p:cNvPr id="177" name="Google Shape;177;p19"/>
-          <p:cNvSpPr txBox="1"/>
+          <p:cNvSpPr txBox="1">
+            <a:spLocks noGrp="1"/>
+          </p:cNvSpPr>
           <p:nvPr>
-            <p:ph idx="1" type="body"/>
+            <p:ph type="body" idx="1"/>
           </p:nvPr>
         </p:nvSpPr>
         <p:spPr>
@@ -10935,12 +12862,12 @@
           </a:prstGeom>
         </p:spPr>
         <p:txBody>
-          <a:bodyPr anchorCtr="0" anchor="t" bIns="91425" lIns="91425" spcFirstLastPara="1" rIns="91425" wrap="square" tIns="91425">
+          <a:bodyPr spcFirstLastPara="1" wrap="square" lIns="91425" tIns="91425" rIns="91425" bIns="91425" anchor="t" anchorCtr="0">
             <a:normAutofit/>
           </a:bodyPr>
           <a:lstStyle/>
           <a:p>
-            <a:pPr indent="-311150" lvl="0" marL="457200" rtl="0" algn="l">
+            <a:pPr marL="457200" lvl="0" indent="-311150" algn="l" rtl="0">
               <a:spcBef>
                 <a:spcPts val="0"/>
               </a:spcBef>
@@ -10957,7 +12884,7 @@
             <a:endParaRPr/>
           </a:p>
           <a:p>
-            <a:pPr indent="-311150" lvl="0" marL="457200" rtl="0" algn="l">
+            <a:pPr marL="457200" lvl="0" indent="-311150" algn="l" rtl="0">
               <a:spcBef>
                 <a:spcPts val="0"/>
               </a:spcBef>
@@ -11012,11 +12939,11 @@
 </file>
 
 <file path=ppt/slides/slide8.xml><?xml version="1.0" encoding="utf-8"?>
-<p:sld xmlns:a="http://schemas.openxmlformats.org/drawingml/2006/main" xmlns:r="http://schemas.openxmlformats.org/officeDocument/2006/relationships" xmlns:mc="http://schemas.openxmlformats.org/markup-compatibility/2006" xmlns:mv="urn:schemas-microsoft-com:mac:vml" xmlns:p="http://schemas.openxmlformats.org/presentationml/2006/main" xmlns:c="http://schemas.openxmlformats.org/drawingml/2006/chart" xmlns:dgm="http://schemas.openxmlformats.org/drawingml/2006/diagram" xmlns:o="urn:schemas-microsoft-com:office:office" xmlns:v="urn:schemas-microsoft-com:vml" xmlns:pvml="urn:schemas-microsoft-com:office:powerpoint" xmlns:com="http://schemas.openxmlformats.org/drawingml/2006/compatibility" xmlns:p14="http://schemas.microsoft.com/office/powerpoint/2010/main" xmlns:p15="http://schemas.microsoft.com/office/powerpoint/2012/main" xmlns:ahyp="http://schemas.microsoft.com/office/drawing/2018/hyperlinkcolor">
+<p:sld xmlns:a="http://schemas.openxmlformats.org/drawingml/2006/main" xmlns:r="http://schemas.openxmlformats.org/officeDocument/2006/relationships" xmlns:p="http://schemas.openxmlformats.org/presentationml/2006/main">
   <p:cSld>
     <p:spTree>
       <p:nvGrpSpPr>
-        <p:cNvPr id="182" name="Shape 182"/>
+        <p:cNvPr id="1" name="Shape 182"/>
         <p:cNvGrpSpPr/>
         <p:nvPr/>
       </p:nvGrpSpPr>
@@ -11031,7 +12958,9 @@
       <p:sp>
         <p:nvSpPr>
           <p:cNvPr id="183" name="Google Shape;183;p20"/>
-          <p:cNvSpPr txBox="1"/>
+          <p:cNvSpPr txBox="1">
+            <a:spLocks noGrp="1"/>
+          </p:cNvSpPr>
           <p:nvPr>
             <p:ph type="title"/>
           </p:nvPr>
@@ -11046,12 +12975,12 @@
           </a:prstGeom>
         </p:spPr>
         <p:txBody>
-          <a:bodyPr anchorCtr="0" anchor="t" bIns="91425" lIns="91425" spcFirstLastPara="1" rIns="91425" wrap="square" tIns="91425">
+          <a:bodyPr spcFirstLastPara="1" wrap="square" lIns="91425" tIns="91425" rIns="91425" bIns="91425" anchor="t" anchorCtr="0">
             <a:normAutofit/>
           </a:bodyPr>
           <a:lstStyle/>
           <a:p>
-            <a:pPr indent="0" lvl="0" marL="0" rtl="0" algn="l">
+            <a:pPr marL="0" lvl="0" indent="0" algn="l" rtl="0">
               <a:spcBef>
                 <a:spcPts val="0"/>
               </a:spcBef>
@@ -11071,9 +13000,11 @@
       <p:sp>
         <p:nvSpPr>
           <p:cNvPr id="184" name="Google Shape;184;p20"/>
-          <p:cNvSpPr txBox="1"/>
+          <p:cNvSpPr txBox="1">
+            <a:spLocks noGrp="1"/>
+          </p:cNvSpPr>
           <p:nvPr>
-            <p:ph idx="1" type="body"/>
+            <p:ph type="body" idx="1"/>
           </p:nvPr>
         </p:nvSpPr>
         <p:spPr>
@@ -11086,12 +13017,12 @@
           </a:prstGeom>
         </p:spPr>
         <p:txBody>
-          <a:bodyPr anchorCtr="0" anchor="t" bIns="91425" lIns="91425" spcFirstLastPara="1" rIns="91425" wrap="square" tIns="91425">
+          <a:bodyPr spcFirstLastPara="1" wrap="square" lIns="91425" tIns="91425" rIns="91425" bIns="91425" anchor="t" anchorCtr="0">
             <a:normAutofit/>
           </a:bodyPr>
           <a:lstStyle/>
           <a:p>
-            <a:pPr indent="-311150" lvl="0" marL="457200" rtl="0" algn="l">
+            <a:pPr marL="457200" lvl="0" indent="-311150" algn="l" rtl="0">
               <a:spcBef>
                 <a:spcPts val="0"/>
               </a:spcBef>
@@ -11108,7 +13039,7 @@
             <a:endParaRPr/>
           </a:p>
           <a:p>
-            <a:pPr indent="-311150" lvl="0" marL="457200" rtl="0" algn="l">
+            <a:pPr marL="457200" lvl="0" indent="-311150" algn="l" rtl="0">
               <a:spcBef>
                 <a:spcPts val="0"/>
               </a:spcBef>
@@ -11125,7 +13056,7 @@
             <a:endParaRPr/>
           </a:p>
           <a:p>
-            <a:pPr indent="-311150" lvl="0" marL="457200" rtl="0" algn="l">
+            <a:pPr marL="457200" lvl="0" indent="-311150" algn="l" rtl="0">
               <a:spcBef>
                 <a:spcPts val="0"/>
               </a:spcBef>
@@ -11137,20 +13068,12 @@
             </a:pPr>
             <a:r>
               <a:rPr lang="en"/>
-              <a:t>C</a:t>
-            </a:r>
-            <a:r>
-              <a:rPr lang="en"/>
-              <a:t>ommit</a:t>
-            </a:r>
-            <a:r>
-              <a:rPr lang="en"/>
-              <a:t> </a:t>
+              <a:t>Commit </a:t>
             </a:r>
             <a:endParaRPr/>
           </a:p>
           <a:p>
-            <a:pPr indent="-311150" lvl="0" marL="457200" rtl="0" algn="l">
+            <a:pPr marL="457200" lvl="0" indent="-311150" algn="l" rtl="0">
               <a:spcBef>
                 <a:spcPts val="0"/>
               </a:spcBef>
@@ -11205,11 +13128,11 @@
 </file>
 
 <file path=ppt/slides/slide9.xml><?xml version="1.0" encoding="utf-8"?>
-<p:sld xmlns:a="http://schemas.openxmlformats.org/drawingml/2006/main" xmlns:r="http://schemas.openxmlformats.org/officeDocument/2006/relationships" xmlns:mc="http://schemas.openxmlformats.org/markup-compatibility/2006" xmlns:mv="urn:schemas-microsoft-com:mac:vml" xmlns:p="http://schemas.openxmlformats.org/presentationml/2006/main" xmlns:c="http://schemas.openxmlformats.org/drawingml/2006/chart" xmlns:dgm="http://schemas.openxmlformats.org/drawingml/2006/diagram" xmlns:o="urn:schemas-microsoft-com:office:office" xmlns:v="urn:schemas-microsoft-com:vml" xmlns:pvml="urn:schemas-microsoft-com:office:powerpoint" xmlns:com="http://schemas.openxmlformats.org/drawingml/2006/compatibility" xmlns:p14="http://schemas.microsoft.com/office/powerpoint/2010/main" xmlns:p15="http://schemas.microsoft.com/office/powerpoint/2012/main" xmlns:ahyp="http://schemas.microsoft.com/office/drawing/2018/hyperlinkcolor">
+<p:sld xmlns:a="http://schemas.openxmlformats.org/drawingml/2006/main" xmlns:r="http://schemas.openxmlformats.org/officeDocument/2006/relationships" xmlns:p="http://schemas.openxmlformats.org/presentationml/2006/main">
   <p:cSld>
     <p:spTree>
       <p:nvGrpSpPr>
-        <p:cNvPr id="189" name="Shape 189"/>
+        <p:cNvPr id="1" name="Shape 182"/>
         <p:cNvGrpSpPr/>
         <p:nvPr/>
       </p:nvGrpSpPr>
@@ -11223,8 +13146,10 @@
       </p:grpSpPr>
       <p:sp>
         <p:nvSpPr>
-          <p:cNvPr id="190" name="Google Shape;190;p21"/>
-          <p:cNvSpPr txBox="1"/>
+          <p:cNvPr id="183" name="Google Shape;183;p20"/>
+          <p:cNvSpPr txBox="1">
+            <a:spLocks noGrp="1"/>
+          </p:cNvSpPr>
           <p:nvPr>
             <p:ph type="title"/>
           </p:nvPr>
@@ -11239,12 +13164,12 @@
           </a:prstGeom>
         </p:spPr>
         <p:txBody>
-          <a:bodyPr anchorCtr="0" anchor="t" bIns="91425" lIns="91425" spcFirstLastPara="1" rIns="91425" wrap="square" tIns="91425">
+          <a:bodyPr spcFirstLastPara="1" wrap="square" lIns="91425" tIns="91425" rIns="91425" bIns="91425" anchor="t" anchorCtr="0">
             <a:normAutofit/>
           </a:bodyPr>
           <a:lstStyle/>
           <a:p>
-            <a:pPr indent="0" lvl="0" marL="0" rtl="0" algn="l">
+            <a:pPr marL="0" lvl="0" indent="0" algn="l" rtl="0">
               <a:spcBef>
                 <a:spcPts val="0"/>
               </a:spcBef>
@@ -11254,186 +13179,178 @@
               <a:buNone/>
             </a:pPr>
             <a:r>
-              <a:rPr lang="en"/>
-              <a:t>Q &amp; A</a:t>
+              <a:rPr lang="en-US" dirty="0"/>
+              <a:t>PayPal Integration Setup</a:t>
             </a:r>
-            <a:endParaRPr/>
+            <a:endParaRPr dirty="0"/>
           </a:p>
         </p:txBody>
       </p:sp>
       <p:sp>
         <p:nvSpPr>
-          <p:cNvPr id="191" name="Google Shape;191;p21"/>
-          <p:cNvSpPr txBox="1"/>
+          <p:cNvPr id="184" name="Google Shape;184;p20"/>
+          <p:cNvSpPr txBox="1">
+            <a:spLocks noGrp="1"/>
+          </p:cNvSpPr>
           <p:nvPr>
-            <p:ph idx="1" type="body"/>
+            <p:ph type="body" idx="1"/>
           </p:nvPr>
         </p:nvSpPr>
         <p:spPr>
           <a:xfrm>
-            <a:off x="1297500" y="1972550"/>
-            <a:ext cx="3798900" cy="2415900"/>
+            <a:off x="302825" y="1886850"/>
+            <a:ext cx="5841664" cy="1230423"/>
           </a:xfrm>
           <a:prstGeom prst="rect">
             <a:avLst/>
           </a:prstGeom>
         </p:spPr>
         <p:txBody>
-          <a:bodyPr anchorCtr="0" anchor="t" bIns="91425" lIns="91425" spcFirstLastPara="1" rIns="91425" wrap="square" tIns="91425">
-            <a:normAutofit fontScale="85000" lnSpcReduction="20000"/>
+          <a:bodyPr spcFirstLastPara="1" wrap="square" lIns="91425" tIns="91425" rIns="91425" bIns="91425" anchor="t" anchorCtr="0">
+            <a:normAutofit/>
           </a:bodyPr>
           <a:lstStyle/>
           <a:p>
-            <a:pPr indent="0" lvl="0" marL="0" rtl="0" algn="l">
-              <a:spcBef>
-                <a:spcPts val="0"/>
-              </a:spcBef>
-              <a:spcAft>
-                <a:spcPts val="0"/>
-              </a:spcAft>
-              <a:buNone/>
-            </a:pPr>
-            <a:r>
-              <a:rPr b="1" lang="en" sz="2872"/>
-              <a:t>Thank you !</a:t>
-            </a:r>
-            <a:endParaRPr b="1" sz="2872"/>
-          </a:p>
-          <a:p>
-            <a:pPr indent="0" lvl="0" marL="0" rtl="0" algn="l">
-              <a:spcBef>
-                <a:spcPts val="1200"/>
-              </a:spcBef>
-              <a:spcAft>
-                <a:spcPts val="0"/>
-              </a:spcAft>
-              <a:buNone/>
-            </a:pPr>
-            <a:r>
-              <a:t/>
-            </a:r>
-            <a:endParaRPr/>
-          </a:p>
-          <a:p>
-            <a:pPr indent="-298767" lvl="0" marL="457200" rtl="0" algn="l">
-              <a:spcBef>
-                <a:spcPts val="1200"/>
-              </a:spcBef>
-              <a:spcAft>
-                <a:spcPts val="0"/>
-              </a:spcAft>
-              <a:buSzPct val="100000"/>
+            <a:pPr marL="457200" lvl="0" indent="-311150" algn="l" rtl="0">
+              <a:spcBef>
+                <a:spcPts val="0"/>
+              </a:spcBef>
+              <a:spcAft>
+                <a:spcPts val="0"/>
+              </a:spcAft>
+              <a:buSzPts val="1300"/>
               <a:buChar char="●"/>
             </a:pPr>
             <a:r>
-              <a:rPr lang="en"/>
-              <a:t>Mekdes Gebrechristos</a:t>
+              <a:rPr lang="en-US" dirty="0"/>
+              <a:t>Install Composer PHP Dependency manager</a:t>
             </a:r>
-            <a:endParaRPr/>
           </a:p>
           <a:p>
-            <a:pPr indent="-298767" lvl="0" marL="457200" rtl="0" algn="l">
-              <a:spcBef>
-                <a:spcPts val="0"/>
-              </a:spcBef>
-              <a:spcAft>
-                <a:spcPts val="0"/>
-              </a:spcAft>
-              <a:buSzPct val="100000"/>
+            <a:pPr lvl="1" indent="-311150">
+              <a:buSzPts val="1300"/>
               <a:buChar char="●"/>
             </a:pPr>
             <a:r>
-              <a:rPr lang="en"/>
-              <a:t>Hamdi Kelil</a:t>
+              <a:rPr lang="en-US" dirty="0"/>
+              <a:t>https://getcomposer.org/</a:t>
             </a:r>
-            <a:endParaRPr/>
           </a:p>
           <a:p>
-            <a:pPr indent="-298767" lvl="0" marL="457200" rtl="0" algn="l">
-              <a:spcBef>
-                <a:spcPts val="0"/>
-              </a:spcBef>
-              <a:spcAft>
-                <a:spcPts val="0"/>
-              </a:spcAft>
-              <a:buSzPct val="100000"/>
+            <a:pPr marL="457200" lvl="0" indent="-311150" algn="l" rtl="0">
+              <a:spcBef>
+                <a:spcPts val="0"/>
+              </a:spcBef>
+              <a:spcAft>
+                <a:spcPts val="0"/>
+              </a:spcAft>
+              <a:buSzPts val="1300"/>
               <a:buChar char="●"/>
             </a:pPr>
             <a:r>
-              <a:rPr lang="en"/>
-              <a:t>Pong Shoua Lee</a:t>
+              <a:rPr lang="en-US" dirty="0"/>
+              <a:t>Install PayPal SDK</a:t>
             </a:r>
-            <a:endParaRPr/>
           </a:p>
           <a:p>
-            <a:pPr indent="-298767" lvl="0" marL="457200" rtl="0" algn="l">
-              <a:spcBef>
-                <a:spcPts val="0"/>
-              </a:spcBef>
-              <a:spcAft>
-                <a:spcPts val="0"/>
-              </a:spcAft>
-              <a:buSzPct val="100000"/>
+            <a:pPr lvl="1" indent="-311150">
+              <a:buSzPts val="1300"/>
               <a:buChar char="●"/>
             </a:pPr>
             <a:r>
-              <a:rPr lang="en"/>
-              <a:t>Jet Lao</a:t>
+              <a:rPr lang="en-US" dirty="0"/>
+              <a:t>C:\xampp\htdocs\learnandhelp&gt;  composer require </a:t>
             </a:r>
-            <a:endParaRPr/>
-          </a:p>
-          <a:p>
-            <a:pPr indent="-298767" lvl="0" marL="457200" rtl="0" algn="l">
-              <a:spcBef>
-                <a:spcPts val="0"/>
-              </a:spcBef>
-              <a:spcAft>
-                <a:spcPts val="0"/>
-              </a:spcAft>
-              <a:buSzPct val="100000"/>
-              <a:buChar char="●"/>
-            </a:pPr>
             <a:r>
-              <a:rPr lang="en"/>
-              <a:t>Daniel Kolles</a:t>
+              <a:rPr lang="en-US" dirty="0" err="1"/>
+              <a:t>paypal</a:t>
             </a:r>
-            <a:endParaRPr/>
-          </a:p>
-          <a:p>
-            <a:pPr indent="-298767" lvl="0" marL="457200" rtl="0" algn="l">
-              <a:spcBef>
-                <a:spcPts val="0"/>
-              </a:spcBef>
-              <a:spcAft>
-                <a:spcPts val="0"/>
-              </a:spcAft>
-              <a:buSzPct val="100000"/>
-              <a:buChar char="●"/>
-            </a:pPr>
             <a:r>
-              <a:rPr lang="en"/>
-              <a:t>Dr. Siva Jasthi</a:t>
+              <a:rPr lang="en-US" dirty="0"/>
+              <a:t>/rest-</a:t>
             </a:r>
-            <a:endParaRPr/>
-          </a:p>
-          <a:p>
-            <a:pPr indent="0" lvl="0" marL="0" rtl="0" algn="l">
-              <a:spcBef>
-                <a:spcPts val="1200"/>
-              </a:spcBef>
-              <a:spcAft>
-                <a:spcPts val="1200"/>
-              </a:spcAft>
-              <a:buNone/>
-            </a:pPr>
             <a:r>
-              <a:t/>
+              <a:rPr lang="en-US" dirty="0" err="1"/>
+              <a:t>api</a:t>
             </a:r>
-            <a:endParaRPr/>
+            <a:r>
+              <a:rPr lang="en-US" dirty="0"/>
+              <a:t>-</a:t>
+            </a:r>
+            <a:r>
+              <a:rPr lang="en-US" dirty="0" err="1"/>
+              <a:t>sdk-php</a:t>
+            </a:r>
+            <a:endParaRPr lang="en-US" dirty="0"/>
           </a:p>
         </p:txBody>
       </p:sp>
+      <p:pic>
+        <p:nvPicPr>
+          <p:cNvPr id="4" name="Picture 3">
+            <a:extLst>
+              <a:ext uri="{FF2B5EF4-FFF2-40B4-BE49-F238E27FC236}">
+                <a16:creationId xmlns:a16="http://schemas.microsoft.com/office/drawing/2014/main" id="{48F85476-3C98-2EDA-CC96-41D772CE24BB}"/>
+              </a:ext>
+            </a:extLst>
+          </p:cNvPr>
+          <p:cNvPicPr>
+            <a:picLocks noChangeAspect="1"/>
+          </p:cNvPicPr>
+          <p:nvPr/>
+        </p:nvPicPr>
+        <p:blipFill>
+          <a:blip r:embed="rId3"/>
+          <a:stretch>
+            <a:fillRect/>
+          </a:stretch>
+        </p:blipFill>
+        <p:spPr>
+          <a:xfrm>
+            <a:off x="6144489" y="224104"/>
+            <a:ext cx="2404985" cy="2296896"/>
+          </a:xfrm>
+          <a:prstGeom prst="rect">
+            <a:avLst/>
+          </a:prstGeom>
+        </p:spPr>
+      </p:pic>
+      <p:pic>
+        <p:nvPicPr>
+          <p:cNvPr id="12" name="Picture 11">
+            <a:extLst>
+              <a:ext uri="{FF2B5EF4-FFF2-40B4-BE49-F238E27FC236}">
+                <a16:creationId xmlns:a16="http://schemas.microsoft.com/office/drawing/2014/main" id="{BDCC4558-4184-4D57-1382-CE30AF8F98DD}"/>
+              </a:ext>
+            </a:extLst>
+          </p:cNvPr>
+          <p:cNvPicPr>
+            <a:picLocks noChangeAspect="1"/>
+          </p:cNvPicPr>
+          <p:nvPr/>
+        </p:nvPicPr>
+        <p:blipFill>
+          <a:blip r:embed="rId4"/>
+          <a:stretch>
+            <a:fillRect/>
+          </a:stretch>
+        </p:blipFill>
+        <p:spPr>
+          <a:xfrm>
+            <a:off x="3461849" y="3480323"/>
+            <a:ext cx="4227225" cy="1130050"/>
+          </a:xfrm>
+          <a:prstGeom prst="rect">
+            <a:avLst/>
+          </a:prstGeom>
+        </p:spPr>
+      </p:pic>
     </p:spTree>
+    <p:extLst>
+      <p:ext uri="{BB962C8B-B14F-4D97-AF65-F5344CB8AC3E}">
+        <p14:creationId xmlns:p14="http://schemas.microsoft.com/office/powerpoint/2010/main" val="2994172152"/>
+      </p:ext>
+    </p:extLst>
   </p:cSld>
   <p:clrMapOvr>
     <a:masterClrMapping/>
@@ -11442,7 +13359,7 @@
 </file>
 
 <file path=ppt/theme/theme1.xml><?xml version="1.0" encoding="utf-8"?>
-<a:theme xmlns:a="http://schemas.openxmlformats.org/drawingml/2006/main" xmlns:r="http://schemas.openxmlformats.org/officeDocument/2006/relationships" name="Focus">
+<a:theme xmlns:a="http://schemas.openxmlformats.org/drawingml/2006/main" name="Focus">
   <a:themeElements>
     <a:clrScheme name="Focus">
       <a:dk1>
@@ -11717,11 +13634,13 @@
       </a:bgFillStyleLst>
     </a:fmtScheme>
   </a:themeElements>
+  <a:objectDefaults/>
+  <a:extraClrSchemeLst/>
 </a:theme>
 </file>
 
 <file path=ppt/theme/theme2.xml><?xml version="1.0" encoding="utf-8"?>
-<a:theme xmlns:a="http://schemas.openxmlformats.org/drawingml/2006/main" xmlns:r="http://schemas.openxmlformats.org/officeDocument/2006/relationships">
+<a:theme xmlns:a="http://schemas.openxmlformats.org/drawingml/2006/main">
   <a:themeElements>
     <a:clrScheme name="Default">
       <a:dk1>
@@ -11996,5 +13915,7 @@
       </a:bgFillStyleLst>
     </a:fmtScheme>
   </a:themeElements>
+  <a:objectDefaults/>
+  <a:extraClrSchemeLst/>
 </a:theme>
 </file>